--- a/Remise/Remise 3/RAE.pptx
+++ b/Remise/Remise 3/RAE.pptx
@@ -5,7 +5,7 @@
     <p:sldMasterId id="2147483660" r:id="rId1"/>
   </p:sldMasterIdLst>
   <p:notesMasterIdLst>
-    <p:notesMasterId r:id="rId13"/>
+    <p:notesMasterId r:id="rId15"/>
   </p:notesMasterIdLst>
   <p:sldIdLst>
     <p:sldId id="257" r:id="rId2"/>
@@ -19,6 +19,8 @@
     <p:sldId id="266" r:id="rId10"/>
     <p:sldId id="267" r:id="rId11"/>
     <p:sldId id="268" r:id="rId12"/>
+    <p:sldId id="270" r:id="rId13"/>
+    <p:sldId id="269" r:id="rId14"/>
   </p:sldIdLst>
   <p:sldSz cx="9144000" cy="6858000" type="screen4x3"/>
   <p:notesSz cx="6858000" cy="9144000"/>
@@ -629,6 +631,90 @@
     <p:extLst>
       <p:ext uri="{BB962C8B-B14F-4D97-AF65-F5344CB8AC3E}">
         <p14:creationId xmlns:p14="http://schemas.microsoft.com/office/powerpoint/2010/main" val="2330796536"/>
+      </p:ext>
+    </p:extLst>
+  </p:cSld>
+  <p:clrMapOvr>
+    <a:masterClrMapping/>
+  </p:clrMapOvr>
+</p:notes>
+</file>
+
+<file path=ppt/notesSlides/notesSlide3.xml><?xml version="1.0" encoding="utf-8"?>
+<p:notes xmlns:a="http://schemas.openxmlformats.org/drawingml/2006/main" xmlns:r="http://schemas.openxmlformats.org/officeDocument/2006/relationships" xmlns:p="http://schemas.openxmlformats.org/presentationml/2006/main">
+  <p:cSld>
+    <p:spTree>
+      <p:nvGrpSpPr>
+        <p:cNvPr id="1" name=""/>
+        <p:cNvGrpSpPr/>
+        <p:nvPr/>
+      </p:nvGrpSpPr>
+      <p:grpSpPr>
+        <a:xfrm>
+          <a:off x="0" y="0"/>
+          <a:ext cx="0" cy="0"/>
+          <a:chOff x="0" y="0"/>
+          <a:chExt cx="0" cy="0"/>
+        </a:xfrm>
+      </p:grpSpPr>
+      <p:sp>
+        <p:nvSpPr>
+          <p:cNvPr id="2" name="Slide Image Placeholder 1"/>
+          <p:cNvSpPr>
+            <a:spLocks noGrp="1" noRot="1" noChangeAspect="1"/>
+          </p:cNvSpPr>
+          <p:nvPr>
+            <p:ph type="sldImg"/>
+          </p:nvPr>
+        </p:nvSpPr>
+        <p:spPr/>
+      </p:sp>
+      <p:sp>
+        <p:nvSpPr>
+          <p:cNvPr id="3" name="Notes Placeholder 2"/>
+          <p:cNvSpPr>
+            <a:spLocks noGrp="1"/>
+          </p:cNvSpPr>
+          <p:nvPr>
+            <p:ph type="body" idx="1"/>
+          </p:nvPr>
+        </p:nvSpPr>
+        <p:spPr/>
+        <p:txBody>
+          <a:bodyPr/>
+          <a:lstStyle/>
+          <a:p>
+            <a:endParaRPr lang="en-US" dirty="0"/>
+          </a:p>
+        </p:txBody>
+      </p:sp>
+      <p:sp>
+        <p:nvSpPr>
+          <p:cNvPr id="4" name="Slide Number Placeholder 3"/>
+          <p:cNvSpPr>
+            <a:spLocks noGrp="1"/>
+          </p:cNvSpPr>
+          <p:nvPr>
+            <p:ph type="sldNum" sz="quarter" idx="10"/>
+          </p:nvPr>
+        </p:nvSpPr>
+        <p:spPr/>
+        <p:txBody>
+          <a:bodyPr/>
+          <a:lstStyle/>
+          <a:p>
+            <a:fld id="{B4F8E8CB-F099-334A-97A8-B886ED765ADC}" type="slidenum">
+              <a:rPr lang="en-US" smtClean="0"/>
+              <a:t>12</a:t>
+            </a:fld>
+            <a:endParaRPr lang="en-US"/>
+          </a:p>
+        </p:txBody>
+      </p:sp>
+    </p:spTree>
+    <p:extLst>
+      <p:ext uri="{BB962C8B-B14F-4D97-AF65-F5344CB8AC3E}">
+        <p14:creationId xmlns:p14="http://schemas.microsoft.com/office/powerpoint/2010/main" val="2666472767"/>
       </p:ext>
     </p:extLst>
   </p:cSld>
@@ -1368,7 +1454,7 @@
                 <a:latin typeface="Trebuchet MS"/>
               </a:rPr>
               <a:pPr/>
-              <a:t>2014-03-28</a:t>
+              <a:t>2014-03-29</a:t>
             </a:fld>
             <a:endParaRPr lang="en-US">
               <a:solidFill>
@@ -1664,7 +1750,7 @@
                 <a:latin typeface="Trebuchet MS"/>
               </a:rPr>
               <a:pPr/>
-              <a:t>2014-03-28</a:t>
+              <a:t>2014-03-29</a:t>
             </a:fld>
             <a:endParaRPr lang="en-US">
               <a:solidFill>
@@ -1948,7 +2034,7 @@
                 <a:latin typeface="Trebuchet MS"/>
               </a:rPr>
               <a:pPr/>
-              <a:t>2014-03-28</a:t>
+              <a:t>2014-03-29</a:t>
             </a:fld>
             <a:endParaRPr lang="en-US">
               <a:solidFill>
@@ -2295,7 +2381,7 @@
                 <a:latin typeface="Trebuchet MS"/>
               </a:rPr>
               <a:pPr/>
-              <a:t>2014-03-28</a:t>
+              <a:t>2014-03-29</a:t>
             </a:fld>
             <a:endParaRPr lang="en-US">
               <a:solidFill>
@@ -2668,7 +2754,7 @@
                 <a:latin typeface="Trebuchet MS"/>
               </a:rPr>
               <a:pPr/>
-              <a:t>2014-03-28</a:t>
+              <a:t>2014-03-29</a:t>
             </a:fld>
             <a:endParaRPr lang="en-US">
               <a:solidFill>
@@ -3015,7 +3101,7 @@
                 <a:latin typeface="Trebuchet MS"/>
               </a:rPr>
               <a:pPr/>
-              <a:t>2014-03-28</a:t>
+              <a:t>2014-03-29</a:t>
             </a:fld>
             <a:endParaRPr lang="en-US">
               <a:solidFill>
@@ -3439,7 +3525,7 @@
                 <a:latin typeface="Trebuchet MS"/>
               </a:rPr>
               <a:pPr/>
-              <a:t>2014-03-28</a:t>
+              <a:t>2014-03-29</a:t>
             </a:fld>
             <a:endParaRPr lang="en-US">
               <a:solidFill>
@@ -3642,7 +3728,7 @@
                 <a:latin typeface="Trebuchet MS"/>
               </a:rPr>
               <a:pPr/>
-              <a:t>2014-03-28</a:t>
+              <a:t>2014-03-29</a:t>
             </a:fld>
             <a:endParaRPr lang="en-US">
               <a:solidFill>
@@ -3855,7 +3941,7 @@
                 <a:latin typeface="Trebuchet MS"/>
               </a:rPr>
               <a:pPr/>
-              <a:t>2014-03-28</a:t>
+              <a:t>2014-03-29</a:t>
             </a:fld>
             <a:endParaRPr lang="en-US">
               <a:solidFill>
@@ -4145,7 +4231,7 @@
                 <a:latin typeface="Trebuchet MS"/>
               </a:rPr>
               <a:pPr/>
-              <a:t>2014-03-28</a:t>
+              <a:t>2014-03-29</a:t>
             </a:fld>
             <a:endParaRPr lang="en-US" dirty="0">
               <a:solidFill>
@@ -4354,7 +4440,7 @@
                 <a:latin typeface="Trebuchet MS"/>
               </a:rPr>
               <a:pPr/>
-              <a:t>2014-03-28</a:t>
+              <a:t>2014-03-29</a:t>
             </a:fld>
             <a:endParaRPr lang="en-US">
               <a:solidFill>
@@ -4634,7 +4720,7 @@
                 <a:latin typeface="Trebuchet MS"/>
               </a:rPr>
               <a:pPr/>
-              <a:t>2014-03-28</a:t>
+              <a:t>2014-03-29</a:t>
             </a:fld>
             <a:endParaRPr lang="en-US">
               <a:solidFill>
@@ -4899,7 +4985,7 @@
                 <a:latin typeface="Trebuchet MS"/>
               </a:rPr>
               <a:pPr/>
-              <a:t>2014-03-28</a:t>
+              <a:t>2014-03-29</a:t>
             </a:fld>
             <a:endParaRPr lang="en-US">
               <a:solidFill>
@@ -5306,7 +5392,7 @@
                 <a:latin typeface="Trebuchet MS"/>
               </a:rPr>
               <a:pPr/>
-              <a:t>2014-03-28</a:t>
+              <a:t>2014-03-29</a:t>
             </a:fld>
             <a:endParaRPr lang="en-US">
               <a:solidFill>
@@ -5462,7 +5548,7 @@
                 <a:latin typeface="Trebuchet MS"/>
               </a:rPr>
               <a:pPr/>
-              <a:t>2014-03-28</a:t>
+              <a:t>2014-03-29</a:t>
             </a:fld>
             <a:endParaRPr lang="en-US">
               <a:solidFill>
@@ -5590,7 +5676,7 @@
                 <a:latin typeface="Trebuchet MS"/>
               </a:rPr>
               <a:pPr/>
-              <a:t>2014-03-28</a:t>
+              <a:t>2014-03-29</a:t>
             </a:fld>
             <a:endParaRPr lang="en-US">
               <a:solidFill>
@@ -5723,7 +5809,7 @@
                 <a:latin typeface="Trebuchet MS"/>
               </a:rPr>
               <a:pPr/>
-              <a:t>2014-03-28</a:t>
+              <a:t>2014-03-29</a:t>
             </a:fld>
             <a:endParaRPr lang="en-US" dirty="0">
               <a:solidFill>
@@ -6551,7 +6637,7 @@
                 <a:latin typeface="Trebuchet MS"/>
               </a:rPr>
               <a:pPr/>
-              <a:t>2014-03-28</a:t>
+              <a:t>2014-03-29</a:t>
             </a:fld>
             <a:endParaRPr lang="en-US">
               <a:solidFill>
@@ -7347,7 +7433,7 @@
                 <a:latin typeface="Trebuchet MS"/>
               </a:rPr>
               <a:pPr defTabSz="914400"/>
-              <a:t>2014-03-28</a:t>
+              <a:t>2014-03-29</a:t>
             </a:fld>
             <a:endParaRPr lang="en-US">
               <a:solidFill>
@@ -7937,11 +8023,7 @@
             </a:r>
             <a:r>
               <a:rPr lang="fr-CA" dirty="0" smtClean="0"/>
-              <a:t>. (</a:t>
-            </a:r>
-            <a:r>
-              <a:rPr lang="fr-CA" dirty="0" smtClean="0"/>
-              <a:t>RAE)</a:t>
+              <a:t>. (RAE)</a:t>
             </a:r>
             <a:r>
               <a:rPr lang="en-US" dirty="0" smtClean="0"/>
@@ -8403,6 +8485,320 @@
     <p:extLst>
       <p:ext uri="{BB962C8B-B14F-4D97-AF65-F5344CB8AC3E}">
         <p14:creationId xmlns:p14="http://schemas.microsoft.com/office/powerpoint/2010/main" val="3740851063"/>
+      </p:ext>
+    </p:extLst>
+  </p:cSld>
+  <p:clrMapOvr>
+    <a:masterClrMapping/>
+  </p:clrMapOvr>
+</p:sld>
+</file>
+
+<file path=ppt/slides/slide12.xml><?xml version="1.0" encoding="utf-8"?>
+<p:sld xmlns:a="http://schemas.openxmlformats.org/drawingml/2006/main" xmlns:r="http://schemas.openxmlformats.org/officeDocument/2006/relationships" xmlns:p="http://schemas.openxmlformats.org/presentationml/2006/main">
+  <p:cSld>
+    <p:spTree>
+      <p:nvGrpSpPr>
+        <p:cNvPr id="1" name=""/>
+        <p:cNvGrpSpPr/>
+        <p:nvPr/>
+      </p:nvGrpSpPr>
+      <p:grpSpPr>
+        <a:xfrm>
+          <a:off x="0" y="0"/>
+          <a:ext cx="0" cy="0"/>
+          <a:chOff x="0" y="0"/>
+          <a:chExt cx="0" cy="0"/>
+        </a:xfrm>
+      </p:grpSpPr>
+      <p:sp>
+        <p:nvSpPr>
+          <p:cNvPr id="2" name="Title 1"/>
+          <p:cNvSpPr>
+            <a:spLocks noGrp="1"/>
+          </p:cNvSpPr>
+          <p:nvPr>
+            <p:ph type="title"/>
+          </p:nvPr>
+        </p:nvSpPr>
+        <p:spPr>
+          <a:xfrm>
+            <a:off x="508001" y="235157"/>
+            <a:ext cx="6447501" cy="1320800"/>
+          </a:xfrm>
+        </p:spPr>
+        <p:txBody>
+          <a:bodyPr/>
+          <a:lstStyle/>
+          <a:p>
+            <a:r>
+              <a:rPr lang="en-US" dirty="0" smtClean="0"/>
+              <a:t>AFE 3 </a:t>
+            </a:r>
+            <a:r>
+              <a:rPr lang="en-US" dirty="0" err="1" smtClean="0"/>
+              <a:t>niveaux</a:t>
+            </a:r>
+            <a:r>
+              <a:rPr lang="en-US" dirty="0" smtClean="0"/>
+              <a:t> NPC avec source </a:t>
+            </a:r>
+            <a:r>
+              <a:rPr lang="en-US" dirty="0" err="1" smtClean="0"/>
+              <a:t>idéale</a:t>
+            </a:r>
+            <a:endParaRPr lang="en-US" dirty="0"/>
+          </a:p>
+        </p:txBody>
+      </p:sp>
+      <p:pic>
+        <p:nvPicPr>
+          <p:cNvPr id="4" name="Picture 3" descr="DCP_DCN.png"/>
+          <p:cNvPicPr>
+            <a:picLocks noChangeAspect="1"/>
+          </p:cNvPicPr>
+          <p:nvPr/>
+        </p:nvPicPr>
+        <p:blipFill>
+          <a:blip r:embed="rId3">
+            <a:extLst>
+              <a:ext uri="{28A0092B-C50C-407E-A947-70E740481C1C}">
+                <a14:useLocalDpi xmlns:a14="http://schemas.microsoft.com/office/drawing/2010/main" val="0"/>
+              </a:ext>
+            </a:extLst>
+          </a:blip>
+          <a:stretch>
+            <a:fillRect/>
+          </a:stretch>
+        </p:blipFill>
+        <p:spPr>
+          <a:xfrm>
+            <a:off x="0" y="1079500"/>
+            <a:ext cx="8612822" cy="4402295"/>
+          </a:xfrm>
+          <a:prstGeom prst="rect">
+            <a:avLst/>
+          </a:prstGeom>
+        </p:spPr>
+      </p:pic>
+      <p:sp>
+        <p:nvSpPr>
+          <p:cNvPr id="5" name="Rectangle 4"/>
+          <p:cNvSpPr/>
+          <p:nvPr/>
+        </p:nvSpPr>
+        <p:spPr>
+          <a:xfrm>
+            <a:off x="276784" y="5352254"/>
+            <a:ext cx="8173224" cy="646331"/>
+          </a:xfrm>
+          <a:prstGeom prst="rect">
+            <a:avLst/>
+          </a:prstGeom>
+        </p:spPr>
+        <p:txBody>
+          <a:bodyPr wrap="square">
+            <a:spAutoFit/>
+          </a:bodyPr>
+          <a:lstStyle/>
+          <a:p>
+            <a:pPr algn="ctr"/>
+            <a:r>
+              <a:rPr lang="en-US" dirty="0" err="1"/>
+              <a:t>Schéma</a:t>
+            </a:r>
+            <a:r>
+              <a:rPr lang="en-US" dirty="0"/>
+              <a:t> bloc </a:t>
+            </a:r>
+            <a:r>
+              <a:rPr lang="en-US" dirty="0" smtClean="0"/>
+              <a:t>du DCP/DCN</a:t>
+            </a:r>
+            <a:r>
+              <a:rPr lang="en-US" baseline="-25000" dirty="0"/>
+              <a:t> </a:t>
+            </a:r>
+            <a:r>
+              <a:rPr lang="en-US" dirty="0" smtClean="0"/>
+              <a:t> 3 </a:t>
+            </a:r>
+            <a:r>
+              <a:rPr lang="en-US" dirty="0" err="1" smtClean="0"/>
+              <a:t>niveaux</a:t>
+            </a:r>
+            <a:r>
+              <a:rPr lang="en-US" dirty="0" smtClean="0"/>
+              <a:t> avec source </a:t>
+            </a:r>
+            <a:r>
+              <a:rPr lang="en-US" dirty="0" err="1" smtClean="0"/>
+              <a:t>idéale</a:t>
+            </a:r>
+            <a:r>
+              <a:rPr lang="en-US" dirty="0" smtClean="0"/>
+              <a:t> avec </a:t>
+            </a:r>
+            <a:r>
+              <a:rPr lang="en-US" dirty="0" err="1" smtClean="0"/>
+              <a:t>une</a:t>
+            </a:r>
+            <a:r>
+              <a:rPr lang="en-US" dirty="0" smtClean="0"/>
+              <a:t> </a:t>
+            </a:r>
+            <a:r>
+              <a:rPr lang="en-US" dirty="0" err="1" smtClean="0"/>
+              <a:t>régulation</a:t>
+            </a:r>
+            <a:r>
+              <a:rPr lang="en-US" dirty="0" smtClean="0"/>
+              <a:t> de courant MLI </a:t>
+            </a:r>
+            <a:r>
+              <a:rPr lang="en-US" dirty="0" err="1" smtClean="0"/>
+              <a:t>à</a:t>
+            </a:r>
+            <a:r>
+              <a:rPr lang="en-US" dirty="0" smtClean="0"/>
+              <a:t> la charge</a:t>
+            </a:r>
+            <a:endParaRPr lang="en-US" dirty="0"/>
+          </a:p>
+        </p:txBody>
+      </p:sp>
+    </p:spTree>
+    <p:extLst>
+      <p:ext uri="{BB962C8B-B14F-4D97-AF65-F5344CB8AC3E}">
+        <p14:creationId xmlns:p14="http://schemas.microsoft.com/office/powerpoint/2010/main" val="3985009438"/>
+      </p:ext>
+    </p:extLst>
+  </p:cSld>
+  <p:clrMapOvr>
+    <a:masterClrMapping/>
+  </p:clrMapOvr>
+</p:sld>
+</file>
+
+<file path=ppt/slides/slide13.xml><?xml version="1.0" encoding="utf-8"?>
+<p:sld xmlns:a="http://schemas.openxmlformats.org/drawingml/2006/main" xmlns:r="http://schemas.openxmlformats.org/officeDocument/2006/relationships" xmlns:p="http://schemas.openxmlformats.org/presentationml/2006/main">
+  <p:cSld>
+    <p:spTree>
+      <p:nvGrpSpPr>
+        <p:cNvPr id="1" name=""/>
+        <p:cNvGrpSpPr/>
+        <p:nvPr/>
+      </p:nvGrpSpPr>
+      <p:grpSpPr>
+        <a:xfrm>
+          <a:off x="0" y="0"/>
+          <a:ext cx="0" cy="0"/>
+          <a:chOff x="0" y="0"/>
+          <a:chExt cx="0" cy="0"/>
+        </a:xfrm>
+      </p:grpSpPr>
+      <p:sp>
+        <p:nvSpPr>
+          <p:cNvPr id="2" name="Title 1"/>
+          <p:cNvSpPr>
+            <a:spLocks noGrp="1"/>
+          </p:cNvSpPr>
+          <p:nvPr>
+            <p:ph type="title"/>
+          </p:nvPr>
+        </p:nvSpPr>
+        <p:spPr>
+          <a:xfrm>
+            <a:off x="508001" y="170037"/>
+            <a:ext cx="6447501" cy="1320800"/>
+          </a:xfrm>
+        </p:spPr>
+        <p:txBody>
+          <a:bodyPr>
+            <a:noAutofit/>
+          </a:bodyPr>
+          <a:lstStyle/>
+          <a:p>
+            <a:r>
+              <a:rPr lang="en-US" sz="2400" dirty="0" smtClean="0"/>
+              <a:t>DC</a:t>
+            </a:r>
+            <a:r>
+              <a:rPr lang="en-US" sz="2400" baseline="-25000" dirty="0" smtClean="0"/>
+              <a:t>P</a:t>
+            </a:r>
+            <a:r>
+              <a:rPr lang="en-US" sz="2400" dirty="0" smtClean="0"/>
+              <a:t>/DC</a:t>
+            </a:r>
+            <a:r>
+              <a:rPr lang="en-US" sz="2400" baseline="-25000" dirty="0" smtClean="0"/>
+              <a:t>N</a:t>
+            </a:r>
+            <a:r>
+              <a:rPr lang="en-US" sz="2400" dirty="0" smtClean="0"/>
+              <a:t>: </a:t>
+            </a:r>
+            <a:r>
+              <a:rPr lang="en-US" sz="2400" dirty="0" err="1" smtClean="0"/>
+              <a:t>Alimenter</a:t>
+            </a:r>
+            <a:r>
+              <a:rPr lang="en-US" sz="2400" dirty="0" smtClean="0"/>
+              <a:t> les </a:t>
+            </a:r>
+            <a:r>
+              <a:rPr lang="en-US" sz="2400" dirty="0" err="1" smtClean="0"/>
+              <a:t>électroaimants</a:t>
+            </a:r>
+            <a:r>
+              <a:rPr lang="en-US" sz="2400" dirty="0" smtClean="0"/>
+              <a:t> de </a:t>
+            </a:r>
+            <a:r>
+              <a:rPr lang="en-US" sz="2400" dirty="0" err="1" smtClean="0"/>
+              <a:t>l’accélérateur</a:t>
+            </a:r>
+            <a:r>
+              <a:rPr lang="en-US" sz="2400" dirty="0" smtClean="0"/>
+              <a:t> de </a:t>
+            </a:r>
+            <a:r>
+              <a:rPr lang="en-US" sz="2400" dirty="0" err="1" smtClean="0"/>
+              <a:t>particules</a:t>
+            </a:r>
+            <a:r>
+              <a:rPr lang="en-US" sz="2400" dirty="0" smtClean="0"/>
+              <a:t> avec </a:t>
+            </a:r>
+            <a:r>
+              <a:rPr lang="en-US" sz="2400" dirty="0" err="1" smtClean="0"/>
+              <a:t>une</a:t>
+            </a:r>
+            <a:r>
+              <a:rPr lang="en-US" sz="2400" dirty="0" smtClean="0"/>
+              <a:t> </a:t>
+            </a:r>
+            <a:r>
+              <a:rPr lang="en-US" sz="2400" dirty="0" err="1" smtClean="0"/>
+              <a:t>forme</a:t>
+            </a:r>
+            <a:r>
+              <a:rPr lang="en-US" sz="2400" dirty="0" smtClean="0"/>
+              <a:t> de courant </a:t>
+            </a:r>
+            <a:r>
+              <a:rPr lang="en-US" sz="2400" dirty="0" err="1" smtClean="0"/>
+              <a:t>précise</a:t>
+            </a:r>
+            <a:endParaRPr lang="en-US" sz="2400" baseline="-25000" dirty="0"/>
+          </a:p>
+        </p:txBody>
+      </p:sp>
+    </p:spTree>
+    <p:extLst>
+      <p:ext uri="{BB962C8B-B14F-4D97-AF65-F5344CB8AC3E}">
+        <p14:creationId xmlns:p14="http://schemas.microsoft.com/office/powerpoint/2010/main" val="4249926908"/>
       </p:ext>
     </p:extLst>
   </p:cSld>
@@ -9652,11 +10048,7 @@
             </a:pPr>
             <a:r>
               <a:rPr lang="fr-CA" sz="1800" dirty="0" smtClean="0"/>
-              <a:t>Permet de réguler le facteur de puissance c</a:t>
-            </a:r>
-            <a:r>
-              <a:rPr lang="fr-CA" sz="1800" dirty="0" smtClean="0"/>
-              <a:t>ôté réseau (régulation d’angle)</a:t>
+              <a:t>Permet de réguler le facteur de puissance côté réseau (régulation d’angle)</a:t>
             </a:r>
           </a:p>
           <a:p>
@@ -10376,11 +10768,6 @@
               </a:rPr>
               <a:t>°</a:t>
             </a:r>
-            <a:endParaRPr lang="en-US" sz="3200" dirty="0">
-              <a:solidFill>
-                <a:prstClr val="black"/>
-              </a:solidFill>
-            </a:endParaRPr>
           </a:p>
         </p:txBody>
       </p:sp>
@@ -10592,11 +10979,6 @@
               </a:rPr>
               <a:t>°</a:t>
             </a:r>
-            <a:endParaRPr lang="en-US" sz="3200" dirty="0">
-              <a:solidFill>
-                <a:prstClr val="black"/>
-              </a:solidFill>
-            </a:endParaRPr>
           </a:p>
         </p:txBody>
       </p:sp>
@@ -11043,7 +11425,7 @@
   <a:extraClrSchemeLst/>
   <a:extLst>
     <a:ext uri="{05A4C25C-085E-4340-85A3-A5531E510DB2}">
-      <thm15:themeFamily xmlns="" xmlns:thm15="http://schemas.microsoft.com/office/thememl/2012/main" name="Facet" id="{C0C680CD-088A-49FC-A102-D699147F32B2}" vid="{CFBC31BA-B70F-4F30-BCAA-4F3011E16C4D}"/>
+      <thm15:themeFamily xmlns:thm15="http://schemas.microsoft.com/office/thememl/2012/main" xmlns="" name="Facet" id="{C0C680CD-088A-49FC-A102-D699147F32B2}" vid="{CFBC31BA-B70F-4F30-BCAA-4F3011E16C4D}"/>
     </a:ext>
   </a:extLst>
 </a:theme>

--- a/Remise/Remise 3/RAE.pptx
+++ b/Remise/Remise 3/RAE.pptx
@@ -5,7 +5,7 @@
     <p:sldMasterId id="2147483660" r:id="rId1"/>
   </p:sldMasterIdLst>
   <p:notesMasterIdLst>
-    <p:notesMasterId r:id="rId15"/>
+    <p:notesMasterId r:id="rId25"/>
   </p:notesMasterIdLst>
   <p:sldIdLst>
     <p:sldId id="257" r:id="rId2"/>
@@ -16,11 +16,21 @@
     <p:sldId id="263" r:id="rId7"/>
     <p:sldId id="264" r:id="rId8"/>
     <p:sldId id="265" r:id="rId9"/>
-    <p:sldId id="266" r:id="rId10"/>
-    <p:sldId id="267" r:id="rId11"/>
-    <p:sldId id="268" r:id="rId12"/>
-    <p:sldId id="270" r:id="rId13"/>
-    <p:sldId id="269" r:id="rId14"/>
+    <p:sldId id="273" r:id="rId10"/>
+    <p:sldId id="266" r:id="rId11"/>
+    <p:sldId id="267" r:id="rId12"/>
+    <p:sldId id="268" r:id="rId13"/>
+    <p:sldId id="270" r:id="rId14"/>
+    <p:sldId id="269" r:id="rId15"/>
+    <p:sldId id="272" r:id="rId16"/>
+    <p:sldId id="281" r:id="rId17"/>
+    <p:sldId id="274" r:id="rId18"/>
+    <p:sldId id="275" r:id="rId19"/>
+    <p:sldId id="276" r:id="rId20"/>
+    <p:sldId id="277" r:id="rId21"/>
+    <p:sldId id="278" r:id="rId22"/>
+    <p:sldId id="279" r:id="rId23"/>
+    <p:sldId id="280" r:id="rId24"/>
   </p:sldIdLst>
   <p:sldSz cx="9144000" cy="6858000" type="screen4x3"/>
   <p:notesSz cx="6858000" cy="9144000"/>
@@ -204,7 +214,7 @@
           <a:p>
             <a:fld id="{33F7F89F-35B5-A34B-B7C8-DC49B77156D3}" type="datetimeFigureOut">
               <a:rPr lang="en-US" smtClean="0"/>
-              <a:t>2014-03-29</a:t>
+              <a:t>3/30/2014</a:t>
             </a:fld>
             <a:endParaRPr lang="en-US"/>
           </a:p>
@@ -363,7 +373,7 @@
           <a:p>
             <a:fld id="{B4F8E8CB-F099-334A-97A8-B886ED765ADC}" type="slidenum">
               <a:rPr lang="en-US" smtClean="0"/>
-              <a:t>‹#›</a:t>
+              <a:t>‹N°›</a:t>
             </a:fld>
             <a:endParaRPr lang="en-US"/>
           </a:p>
@@ -705,7 +715,7 @@
           <a:p>
             <a:fld id="{B4F8E8CB-F099-334A-97A8-B886ED765ADC}" type="slidenum">
               <a:rPr lang="en-US" smtClean="0"/>
-              <a:t>12</a:t>
+              <a:t>13</a:t>
             </a:fld>
             <a:endParaRPr lang="en-US"/>
           </a:p>
@@ -1454,7 +1464,7 @@
                 <a:latin typeface="Trebuchet MS"/>
               </a:rPr>
               <a:pPr/>
-              <a:t>2014-03-29</a:t>
+              <a:t>3/30/2014</a:t>
             </a:fld>
             <a:endParaRPr lang="en-US">
               <a:solidFill>
@@ -1516,7 +1526,7 @@
                 <a:latin typeface="Trebuchet MS"/>
               </a:rPr>
               <a:pPr/>
-              <a:t>‹#›</a:t>
+              <a:t>‹N°›</a:t>
             </a:fld>
             <a:endParaRPr lang="en-US">
               <a:solidFill>
@@ -1750,7 +1760,7 @@
                 <a:latin typeface="Trebuchet MS"/>
               </a:rPr>
               <a:pPr/>
-              <a:t>2014-03-29</a:t>
+              <a:t>3/30/2014</a:t>
             </a:fld>
             <a:endParaRPr lang="en-US">
               <a:solidFill>
@@ -1812,7 +1822,7 @@
                 <a:latin typeface="Trebuchet MS"/>
               </a:rPr>
               <a:pPr/>
-              <a:t>‹#›</a:t>
+              <a:t>‹N°›</a:t>
             </a:fld>
             <a:endParaRPr lang="en-US">
               <a:solidFill>
@@ -2034,7 +2044,7 @@
                 <a:latin typeface="Trebuchet MS"/>
               </a:rPr>
               <a:pPr/>
-              <a:t>2014-03-29</a:t>
+              <a:t>3/30/2014</a:t>
             </a:fld>
             <a:endParaRPr lang="en-US">
               <a:solidFill>
@@ -2096,7 +2106,7 @@
                 <a:latin typeface="Trebuchet MS"/>
               </a:rPr>
               <a:pPr/>
-              <a:t>‹#›</a:t>
+              <a:t>‹N°›</a:t>
             </a:fld>
             <a:endParaRPr lang="en-US">
               <a:solidFill>
@@ -2381,7 +2391,7 @@
                 <a:latin typeface="Trebuchet MS"/>
               </a:rPr>
               <a:pPr/>
-              <a:t>2014-03-29</a:t>
+              <a:t>3/30/2014</a:t>
             </a:fld>
             <a:endParaRPr lang="en-US">
               <a:solidFill>
@@ -2443,7 +2453,7 @@
                 <a:latin typeface="Trebuchet MS"/>
               </a:rPr>
               <a:pPr/>
-              <a:t>‹#›</a:t>
+              <a:t>‹N°›</a:t>
             </a:fld>
             <a:endParaRPr lang="en-US">
               <a:solidFill>
@@ -2754,7 +2764,7 @@
                 <a:latin typeface="Trebuchet MS"/>
               </a:rPr>
               <a:pPr/>
-              <a:t>2014-03-29</a:t>
+              <a:t>3/30/2014</a:t>
             </a:fld>
             <a:endParaRPr lang="en-US">
               <a:solidFill>
@@ -2816,7 +2826,7 @@
                 <a:latin typeface="Trebuchet MS"/>
               </a:rPr>
               <a:pPr/>
-              <a:t>‹#›</a:t>
+              <a:t>‹N°›</a:t>
             </a:fld>
             <a:endParaRPr lang="en-US">
               <a:solidFill>
@@ -3101,7 +3111,7 @@
                 <a:latin typeface="Trebuchet MS"/>
               </a:rPr>
               <a:pPr/>
-              <a:t>2014-03-29</a:t>
+              <a:t>3/30/2014</a:t>
             </a:fld>
             <a:endParaRPr lang="en-US">
               <a:solidFill>
@@ -3163,7 +3173,7 @@
                 <a:latin typeface="Trebuchet MS"/>
               </a:rPr>
               <a:pPr/>
-              <a:t>‹#›</a:t>
+              <a:t>‹N°›</a:t>
             </a:fld>
             <a:endParaRPr lang="en-US">
               <a:solidFill>
@@ -3525,7 +3535,7 @@
                 <a:latin typeface="Trebuchet MS"/>
               </a:rPr>
               <a:pPr/>
-              <a:t>2014-03-29</a:t>
+              <a:t>3/30/2014</a:t>
             </a:fld>
             <a:endParaRPr lang="en-US">
               <a:solidFill>
@@ -3587,7 +3597,7 @@
                 <a:latin typeface="Trebuchet MS"/>
               </a:rPr>
               <a:pPr/>
-              <a:t>‹#›</a:t>
+              <a:t>‹N°›</a:t>
             </a:fld>
             <a:endParaRPr lang="en-US">
               <a:solidFill>
@@ -3728,7 +3738,7 @@
                 <a:latin typeface="Trebuchet MS"/>
               </a:rPr>
               <a:pPr/>
-              <a:t>2014-03-29</a:t>
+              <a:t>3/30/2014</a:t>
             </a:fld>
             <a:endParaRPr lang="en-US">
               <a:solidFill>
@@ -3790,7 +3800,7 @@
                 <a:latin typeface="Trebuchet MS"/>
               </a:rPr>
               <a:pPr/>
-              <a:t>‹#›</a:t>
+              <a:t>‹N°›</a:t>
             </a:fld>
             <a:endParaRPr lang="en-US">
               <a:solidFill>
@@ -3941,7 +3951,7 @@
                 <a:latin typeface="Trebuchet MS"/>
               </a:rPr>
               <a:pPr/>
-              <a:t>2014-03-29</a:t>
+              <a:t>3/30/2014</a:t>
             </a:fld>
             <a:endParaRPr lang="en-US">
               <a:solidFill>
@@ -4003,7 +4013,7 @@
                 <a:latin typeface="Trebuchet MS"/>
               </a:rPr>
               <a:pPr/>
-              <a:t>‹#›</a:t>
+              <a:t>‹N°›</a:t>
             </a:fld>
             <a:endParaRPr lang="en-US">
               <a:solidFill>
@@ -4231,7 +4241,7 @@
                 <a:latin typeface="Trebuchet MS"/>
               </a:rPr>
               <a:pPr/>
-              <a:t>2014-03-29</a:t>
+              <a:t>3/30/2014</a:t>
             </a:fld>
             <a:endParaRPr lang="en-US" dirty="0">
               <a:solidFill>
@@ -4293,7 +4303,7 @@
                 <a:latin typeface="Trebuchet MS"/>
               </a:rPr>
               <a:pPr/>
-              <a:t>‹#›</a:t>
+              <a:t>‹N°›</a:t>
             </a:fld>
             <a:endParaRPr lang="en-US" dirty="0">
               <a:solidFill>
@@ -4440,7 +4450,7 @@
                 <a:latin typeface="Trebuchet MS"/>
               </a:rPr>
               <a:pPr/>
-              <a:t>2014-03-29</a:t>
+              <a:t>3/30/2014</a:t>
             </a:fld>
             <a:endParaRPr lang="en-US">
               <a:solidFill>
@@ -4502,7 +4512,7 @@
                 <a:latin typeface="Trebuchet MS"/>
               </a:rPr>
               <a:pPr/>
-              <a:t>‹#›</a:t>
+              <a:t>‹N°›</a:t>
             </a:fld>
             <a:endParaRPr lang="en-US">
               <a:solidFill>
@@ -4720,7 +4730,7 @@
                 <a:latin typeface="Trebuchet MS"/>
               </a:rPr>
               <a:pPr/>
-              <a:t>2014-03-29</a:t>
+              <a:t>3/30/2014</a:t>
             </a:fld>
             <a:endParaRPr lang="en-US">
               <a:solidFill>
@@ -4782,7 +4792,7 @@
                 <a:latin typeface="Trebuchet MS"/>
               </a:rPr>
               <a:pPr/>
-              <a:t>‹#›</a:t>
+              <a:t>‹N°›</a:t>
             </a:fld>
             <a:endParaRPr lang="en-US">
               <a:solidFill>
@@ -4985,7 +4995,7 @@
                 <a:latin typeface="Trebuchet MS"/>
               </a:rPr>
               <a:pPr/>
-              <a:t>2014-03-29</a:t>
+              <a:t>3/30/2014</a:t>
             </a:fld>
             <a:endParaRPr lang="en-US">
               <a:solidFill>
@@ -5047,7 +5057,7 @@
                 <a:latin typeface="Trebuchet MS"/>
               </a:rPr>
               <a:pPr/>
-              <a:t>‹#›</a:t>
+              <a:t>‹N°›</a:t>
             </a:fld>
             <a:endParaRPr lang="en-US">
               <a:solidFill>
@@ -5392,7 +5402,7 @@
                 <a:latin typeface="Trebuchet MS"/>
               </a:rPr>
               <a:pPr/>
-              <a:t>2014-03-29</a:t>
+              <a:t>3/30/2014</a:t>
             </a:fld>
             <a:endParaRPr lang="en-US">
               <a:solidFill>
@@ -5454,7 +5464,7 @@
                 <a:latin typeface="Trebuchet MS"/>
               </a:rPr>
               <a:pPr/>
-              <a:t>‹#›</a:t>
+              <a:t>‹N°›</a:t>
             </a:fld>
             <a:endParaRPr lang="en-US">
               <a:solidFill>
@@ -5548,7 +5558,7 @@
                 <a:latin typeface="Trebuchet MS"/>
               </a:rPr>
               <a:pPr/>
-              <a:t>2014-03-29</a:t>
+              <a:t>3/30/2014</a:t>
             </a:fld>
             <a:endParaRPr lang="en-US">
               <a:solidFill>
@@ -5610,7 +5620,7 @@
                 <a:latin typeface="Trebuchet MS"/>
               </a:rPr>
               <a:pPr/>
-              <a:t>‹#›</a:t>
+              <a:t>‹N°›</a:t>
             </a:fld>
             <a:endParaRPr lang="en-US">
               <a:solidFill>
@@ -5676,7 +5686,7 @@
                 <a:latin typeface="Trebuchet MS"/>
               </a:rPr>
               <a:pPr/>
-              <a:t>2014-03-29</a:t>
+              <a:t>3/30/2014</a:t>
             </a:fld>
             <a:endParaRPr lang="en-US">
               <a:solidFill>
@@ -5738,7 +5748,7 @@
                 <a:latin typeface="Trebuchet MS"/>
               </a:rPr>
               <a:pPr/>
-              <a:t>‹#›</a:t>
+              <a:t>‹N°›</a:t>
             </a:fld>
             <a:endParaRPr lang="en-US">
               <a:solidFill>
@@ -5809,7 +5819,7 @@
                 <a:latin typeface="Trebuchet MS"/>
               </a:rPr>
               <a:pPr/>
-              <a:t>2014-03-29</a:t>
+              <a:t>3/30/2014</a:t>
             </a:fld>
             <a:endParaRPr lang="en-US" dirty="0">
               <a:solidFill>
@@ -5881,7 +5891,7 @@
                 <a:latin typeface="Trebuchet MS"/>
               </a:rPr>
               <a:pPr/>
-              <a:t>‹#›</a:t>
+              <a:t>‹N°›</a:t>
             </a:fld>
             <a:endParaRPr lang="en-US">
               <a:solidFill>
@@ -6637,7 +6647,7 @@
                 <a:latin typeface="Trebuchet MS"/>
               </a:rPr>
               <a:pPr/>
-              <a:t>2014-03-29</a:t>
+              <a:t>3/30/2014</a:t>
             </a:fld>
             <a:endParaRPr lang="en-US">
               <a:solidFill>
@@ -6699,7 +6709,7 @@
                 <a:latin typeface="Trebuchet MS"/>
               </a:rPr>
               <a:pPr/>
-              <a:t>‹#›</a:t>
+              <a:t>‹N°›</a:t>
             </a:fld>
             <a:endParaRPr lang="en-US">
               <a:solidFill>
@@ -7433,7 +7443,7 @@
                 <a:latin typeface="Trebuchet MS"/>
               </a:rPr>
               <a:pPr defTabSz="914400"/>
-              <a:t>2014-03-29</a:t>
+              <a:t>3/30/2014</a:t>
             </a:fld>
             <a:endParaRPr lang="en-US">
               <a:solidFill>
@@ -7531,7 +7541,7 @@
                 <a:latin typeface="Trebuchet MS"/>
               </a:rPr>
               <a:pPr defTabSz="914400"/>
-              <a:t>‹#›</a:t>
+              <a:t>‹N°›</a:t>
             </a:fld>
             <a:endParaRPr lang="en-US">
               <a:solidFill>
@@ -8081,7 +8091,7 @@
   <p:timing>
     <p:tnLst>
       <p:par>
-        <p:cTn xmlns:p14="http://schemas.microsoft.com/office/powerpoint/2010/main" id="1" dur="indefinite" restart="never" nodeType="tmRoot"/>
+        <p:cTn id="1" dur="indefinite" restart="never" nodeType="tmRoot"/>
       </p:par>
     </p:tnLst>
   </p:timing>
@@ -8089,6 +8099,264 @@
 </file>
 
 <file path=ppt/slides/slide10.xml><?xml version="1.0" encoding="utf-8"?>
+<p:sld xmlns:a="http://schemas.openxmlformats.org/drawingml/2006/main" xmlns:r="http://schemas.openxmlformats.org/officeDocument/2006/relationships" xmlns:p="http://schemas.openxmlformats.org/presentationml/2006/main">
+  <p:cSld>
+    <p:spTree>
+      <p:nvGrpSpPr>
+        <p:cNvPr id="1" name=""/>
+        <p:cNvGrpSpPr/>
+        <p:nvPr/>
+      </p:nvGrpSpPr>
+      <p:grpSpPr>
+        <a:xfrm>
+          <a:off x="0" y="0"/>
+          <a:ext cx="0" cy="0"/>
+          <a:chOff x="0" y="0"/>
+          <a:chExt cx="0" cy="0"/>
+        </a:xfrm>
+      </p:grpSpPr>
+      <p:sp>
+        <p:nvSpPr>
+          <p:cNvPr id="4" name="Title 1"/>
+          <p:cNvSpPr>
+            <a:spLocks noGrp="1"/>
+          </p:cNvSpPr>
+          <p:nvPr>
+            <p:ph type="title"/>
+          </p:nvPr>
+        </p:nvSpPr>
+        <p:spPr>
+          <a:xfrm>
+            <a:off x="508001" y="280321"/>
+            <a:ext cx="7503287" cy="1320800"/>
+          </a:xfrm>
+        </p:spPr>
+        <p:txBody>
+          <a:bodyPr>
+            <a:noAutofit/>
+          </a:bodyPr>
+          <a:lstStyle/>
+          <a:p>
+            <a:r>
+              <a:rPr lang="en-US" sz="2400" dirty="0" err="1" smtClean="0"/>
+              <a:t>Régulation</a:t>
+            </a:r>
+            <a:r>
+              <a:rPr lang="en-US" sz="2400" dirty="0"/>
+              <a:t> </a:t>
+            </a:r>
+            <a:r>
+              <a:rPr lang="en-US" sz="2400" dirty="0" smtClean="0"/>
+              <a:t>de courant </a:t>
+            </a:r>
+            <a:r>
+              <a:rPr lang="en-US" sz="2400" dirty="0" err="1" smtClean="0"/>
+              <a:t>permettant</a:t>
+            </a:r>
+            <a:r>
+              <a:rPr lang="en-US" sz="2400" dirty="0" smtClean="0"/>
+              <a:t> </a:t>
+            </a:r>
+            <a:r>
+              <a:rPr lang="en-US" sz="2400" dirty="0" err="1" smtClean="0"/>
+              <a:t>d’imposer</a:t>
+            </a:r>
+            <a:r>
+              <a:rPr lang="en-US" sz="2400" dirty="0" smtClean="0"/>
+              <a:t> le </a:t>
+            </a:r>
+            <a:r>
+              <a:rPr lang="en-US" sz="2400" dirty="0" err="1" smtClean="0"/>
+              <a:t>facteur</a:t>
+            </a:r>
+            <a:r>
+              <a:rPr lang="en-US" sz="2400" dirty="0" smtClean="0"/>
+              <a:t> de puissance et la puissance </a:t>
+            </a:r>
+            <a:r>
+              <a:rPr lang="en-US" sz="2400" dirty="0" err="1" smtClean="0"/>
+              <a:t>apparente</a:t>
+            </a:r>
+            <a:r>
+              <a:rPr lang="en-US" sz="2400" dirty="0" smtClean="0"/>
+              <a:t> (</a:t>
+            </a:r>
+            <a:r>
+              <a:rPr lang="en-US" sz="2400" dirty="0" err="1" smtClean="0"/>
+              <a:t>fonctionnemnet</a:t>
+            </a:r>
+            <a:r>
+              <a:rPr lang="en-US" sz="2400" dirty="0" smtClean="0"/>
+              <a:t> 4 quadrants </a:t>
+            </a:r>
+            <a:r>
+              <a:rPr lang="en-US" sz="2400" dirty="0" err="1" smtClean="0"/>
+              <a:t>Psim</a:t>
+            </a:r>
+            <a:r>
+              <a:rPr lang="en-US" sz="2400" dirty="0"/>
+              <a:t>)</a:t>
+            </a:r>
+          </a:p>
+        </p:txBody>
+      </p:sp>
+      <p:pic>
+        <p:nvPicPr>
+          <p:cNvPr id="2050" name="Picture 2" descr="D:\LiberT\Documents\GitHub\DesignIV\Remise\Documentation_technique\tex\Fig\AFE_135_2.JPG"/>
+          <p:cNvPicPr>
+            <a:picLocks noChangeAspect="1" noChangeArrowheads="1"/>
+          </p:cNvPicPr>
+          <p:nvPr/>
+        </p:nvPicPr>
+        <p:blipFill>
+          <a:blip r:embed="rId2">
+            <a:extLst>
+              <a:ext uri="{28A0092B-C50C-407E-A947-70E740481C1C}">
+                <a14:useLocalDpi xmlns:a14="http://schemas.microsoft.com/office/drawing/2010/main" val="0"/>
+              </a:ext>
+            </a:extLst>
+          </a:blip>
+          <a:srcRect/>
+          <a:stretch>
+            <a:fillRect/>
+          </a:stretch>
+        </p:blipFill>
+        <p:spPr bwMode="auto">
+          <a:xfrm>
+            <a:off x="4931229" y="1459606"/>
+            <a:ext cx="4136571" cy="4843223"/>
+          </a:xfrm>
+          <a:prstGeom prst="rect">
+            <a:avLst/>
+          </a:prstGeom>
+          <a:noFill/>
+          <a:extLst>
+            <a:ext uri="{909E8E84-426E-40DD-AFC4-6F175D3DCCD1}">
+              <a14:hiddenFill xmlns:a14="http://schemas.microsoft.com/office/drawing/2010/main">
+                <a:solidFill>
+                  <a:srgbClr val="FFFFFF"/>
+                </a:solidFill>
+              </a14:hiddenFill>
+            </a:ext>
+          </a:extLst>
+        </p:spPr>
+      </p:pic>
+      <p:pic>
+        <p:nvPicPr>
+          <p:cNvPr id="2051" name="Picture 3" descr="D:\LiberT\Documents\GitHub\DesignIV\Remise\Documentation_technique\tex\Fig\AFE_45_2.JPG"/>
+          <p:cNvPicPr>
+            <a:picLocks noChangeAspect="1" noChangeArrowheads="1"/>
+          </p:cNvPicPr>
+          <p:nvPr/>
+        </p:nvPicPr>
+        <p:blipFill>
+          <a:blip r:embed="rId3">
+            <a:extLst>
+              <a:ext uri="{28A0092B-C50C-407E-A947-70E740481C1C}">
+                <a14:useLocalDpi xmlns:a14="http://schemas.microsoft.com/office/drawing/2010/main" val="0"/>
+              </a:ext>
+            </a:extLst>
+          </a:blip>
+          <a:srcRect/>
+          <a:stretch>
+            <a:fillRect/>
+          </a:stretch>
+        </p:blipFill>
+        <p:spPr bwMode="auto">
+          <a:xfrm>
+            <a:off x="381000" y="1459606"/>
+            <a:ext cx="4474029" cy="4962965"/>
+          </a:xfrm>
+          <a:prstGeom prst="rect">
+            <a:avLst/>
+          </a:prstGeom>
+          <a:noFill/>
+          <a:extLst>
+            <a:ext uri="{909E8E84-426E-40DD-AFC4-6F175D3DCCD1}">
+              <a14:hiddenFill xmlns:a14="http://schemas.microsoft.com/office/drawing/2010/main">
+                <a:solidFill>
+                  <a:srgbClr val="FFFFFF"/>
+                </a:solidFill>
+              </a14:hiddenFill>
+            </a:ext>
+          </a:extLst>
+        </p:spPr>
+      </p:pic>
+      <p:sp>
+        <p:nvSpPr>
+          <p:cNvPr id="2" name="Rectangle 1"/>
+          <p:cNvSpPr/>
+          <p:nvPr/>
+        </p:nvSpPr>
+        <p:spPr>
+          <a:xfrm>
+            <a:off x="1912733" y="6302829"/>
+            <a:ext cx="1851789" cy="584775"/>
+          </a:xfrm>
+          <a:prstGeom prst="rect">
+            <a:avLst/>
+          </a:prstGeom>
+        </p:spPr>
+        <p:txBody>
+          <a:bodyPr wrap="none">
+            <a:spAutoFit/>
+          </a:bodyPr>
+          <a:lstStyle/>
+          <a:p>
+            <a:r>
+              <a:rPr lang="en-US" sz="3200" b="1" dirty="0"/>
+              <a:t>ɸ = -45°</a:t>
+            </a:r>
+          </a:p>
+        </p:txBody>
+      </p:sp>
+      <p:sp>
+        <p:nvSpPr>
+          <p:cNvPr id="3" name="Rectangle 2"/>
+          <p:cNvSpPr/>
+          <p:nvPr/>
+        </p:nvSpPr>
+        <p:spPr>
+          <a:xfrm>
+            <a:off x="6352819" y="6273225"/>
+            <a:ext cx="1851789" cy="584775"/>
+          </a:xfrm>
+          <a:prstGeom prst="rect">
+            <a:avLst/>
+          </a:prstGeom>
+        </p:spPr>
+        <p:txBody>
+          <a:bodyPr wrap="none">
+            <a:spAutoFit/>
+          </a:bodyPr>
+          <a:lstStyle/>
+          <a:p>
+            <a:r>
+              <a:rPr lang="en-US" sz="3200" b="1" dirty="0"/>
+              <a:t>ɸ = </a:t>
+            </a:r>
+            <a:r>
+              <a:rPr lang="en-US" sz="3200" b="1" dirty="0" smtClean="0"/>
+              <a:t>-135</a:t>
+            </a:r>
+            <a:endParaRPr lang="en-US" sz="3200" b="1" dirty="0"/>
+          </a:p>
+        </p:txBody>
+      </p:sp>
+    </p:spTree>
+    <p:extLst>
+      <p:ext uri="{BB962C8B-B14F-4D97-AF65-F5344CB8AC3E}">
+        <p14:creationId xmlns:p14="http://schemas.microsoft.com/office/powerpoint/2010/main" val="742360850"/>
+      </p:ext>
+    </p:extLst>
+  </p:cSld>
+  <p:clrMapOvr>
+    <a:masterClrMapping/>
+  </p:clrMapOvr>
+</p:sld>
+</file>
+
+<file path=ppt/slides/slide11.xml><?xml version="1.0" encoding="utf-8"?>
 <p:sld xmlns:a="http://schemas.openxmlformats.org/drawingml/2006/main" xmlns:r="http://schemas.openxmlformats.org/officeDocument/2006/relationships" xmlns:p="http://schemas.openxmlformats.org/presentationml/2006/main">
   <p:cSld>
     <p:spTree>
@@ -8302,7 +8570,7 @@
 </p:sld>
 </file>
 
-<file path=ppt/slides/slide11.xml><?xml version="1.0" encoding="utf-8"?>
+<file path=ppt/slides/slide12.xml><?xml version="1.0" encoding="utf-8"?>
 <p:sld xmlns:a="http://schemas.openxmlformats.org/drawingml/2006/main" xmlns:r="http://schemas.openxmlformats.org/officeDocument/2006/relationships" xmlns:p="http://schemas.openxmlformats.org/presentationml/2006/main">
   <p:cSld>
     <p:spTree>
@@ -8494,7 +8762,7 @@
 </p:sld>
 </file>
 
-<file path=ppt/slides/slide12.xml><?xml version="1.0" encoding="utf-8"?>
+<file path=ppt/slides/slide13.xml><?xml version="1.0" encoding="utf-8"?>
 <p:sld xmlns:a="http://schemas.openxmlformats.org/drawingml/2006/main" xmlns:r="http://schemas.openxmlformats.org/officeDocument/2006/relationships" xmlns:p="http://schemas.openxmlformats.org/presentationml/2006/main">
   <p:cSld>
     <p:spTree>
@@ -8680,7 +8948,7 @@
 </p:sld>
 </file>
 
-<file path=ppt/slides/slide13.xml><?xml version="1.0" encoding="utf-8"?>
+<file path=ppt/slides/slide14.xml><?xml version="1.0" encoding="utf-8"?>
 <p:sld xmlns:a="http://schemas.openxmlformats.org/drawingml/2006/main" xmlns:r="http://schemas.openxmlformats.org/officeDocument/2006/relationships" xmlns:p="http://schemas.openxmlformats.org/presentationml/2006/main">
   <p:cSld>
     <p:spTree>
@@ -8791,7 +9059,86 @@
               <a:rPr lang="en-US" sz="2400" dirty="0" err="1" smtClean="0"/>
               <a:t>précise</a:t>
             </a:r>
+            <a:r>
+              <a:rPr lang="en-US" sz="2400" dirty="0" smtClean="0"/>
+              <a:t> cross </a:t>
+            </a:r>
+            <a:r>
+              <a:rPr lang="en-US" sz="2400" dirty="0" err="1" smtClean="0"/>
+              <a:t>validé</a:t>
+            </a:r>
             <a:endParaRPr lang="en-US" sz="2400" baseline="-25000" dirty="0"/>
+          </a:p>
+        </p:txBody>
+      </p:sp>
+      <p:pic>
+        <p:nvPicPr>
+          <p:cNvPr id="1028" name="Picture 4" descr="D:\LiberT\Documents\GitHub\DesignIV\Remise\Documentation_technique\tex\comp_PSIM_SPS.JPG"/>
+          <p:cNvPicPr>
+            <a:picLocks noChangeAspect="1" noChangeArrowheads="1"/>
+          </p:cNvPicPr>
+          <p:nvPr/>
+        </p:nvPicPr>
+        <p:blipFill>
+          <a:blip r:embed="rId2">
+            <a:extLst>
+              <a:ext uri="{28A0092B-C50C-407E-A947-70E740481C1C}">
+                <a14:useLocalDpi xmlns:a14="http://schemas.microsoft.com/office/drawing/2010/main" val="0"/>
+              </a:ext>
+            </a:extLst>
+          </a:blip>
+          <a:srcRect/>
+          <a:stretch>
+            <a:fillRect/>
+          </a:stretch>
+        </p:blipFill>
+        <p:spPr bwMode="auto">
+          <a:xfrm>
+            <a:off x="508000" y="1331077"/>
+            <a:ext cx="8636000" cy="5136630"/>
+          </a:xfrm>
+          <a:prstGeom prst="rect">
+            <a:avLst/>
+          </a:prstGeom>
+          <a:noFill/>
+          <a:extLst>
+            <a:ext uri="{909E8E84-426E-40DD-AFC4-6F175D3DCCD1}">
+              <a14:hiddenFill xmlns:a14="http://schemas.microsoft.com/office/drawing/2010/main">
+                <a:solidFill>
+                  <a:srgbClr val="FFFFFF"/>
+                </a:solidFill>
+              </a14:hiddenFill>
+            </a:ext>
+          </a:extLst>
+        </p:spPr>
+      </p:pic>
+      <p:sp>
+        <p:nvSpPr>
+          <p:cNvPr id="6" name="ZoneTexte 5"/>
+          <p:cNvSpPr txBox="1"/>
+          <p:nvPr/>
+        </p:nvSpPr>
+        <p:spPr>
+          <a:xfrm>
+            <a:off x="2062656" y="1827411"/>
+            <a:ext cx="2547492" cy="461665"/>
+          </a:xfrm>
+          <a:prstGeom prst="rect">
+            <a:avLst/>
+          </a:prstGeom>
+          <a:noFill/>
+        </p:spPr>
+        <p:txBody>
+          <a:bodyPr wrap="none" rtlCol="0">
+            <a:spAutoFit/>
+          </a:bodyPr>
+          <a:lstStyle/>
+          <a:p>
+            <a:r>
+              <a:rPr lang="en-CA" sz="2400" dirty="0" smtClean="0"/>
+              <a:t>Courant à charge</a:t>
+            </a:r>
+            <a:endParaRPr lang="fr-CA" sz="2400" dirty="0"/>
           </a:p>
         </p:txBody>
       </p:sp>
@@ -8799,6 +9146,1290 @@
     <p:extLst>
       <p:ext uri="{BB962C8B-B14F-4D97-AF65-F5344CB8AC3E}">
         <p14:creationId xmlns:p14="http://schemas.microsoft.com/office/powerpoint/2010/main" val="4249926908"/>
+      </p:ext>
+    </p:extLst>
+  </p:cSld>
+  <p:clrMapOvr>
+    <a:masterClrMapping/>
+  </p:clrMapOvr>
+</p:sld>
+</file>
+
+<file path=ppt/slides/slide15.xml><?xml version="1.0" encoding="utf-8"?>
+<p:sld xmlns:a="http://schemas.openxmlformats.org/drawingml/2006/main" xmlns:r="http://schemas.openxmlformats.org/officeDocument/2006/relationships" xmlns:p="http://schemas.openxmlformats.org/presentationml/2006/main">
+  <p:cSld>
+    <p:spTree>
+      <p:nvGrpSpPr>
+        <p:cNvPr id="1" name=""/>
+        <p:cNvGrpSpPr/>
+        <p:nvPr/>
+      </p:nvGrpSpPr>
+      <p:grpSpPr>
+        <a:xfrm>
+          <a:off x="0" y="0"/>
+          <a:ext cx="0" cy="0"/>
+          <a:chOff x="0" y="0"/>
+          <a:chExt cx="0" cy="0"/>
+        </a:xfrm>
+      </p:grpSpPr>
+      <p:sp>
+        <p:nvSpPr>
+          <p:cNvPr id="2" name="Title 1"/>
+          <p:cNvSpPr>
+            <a:spLocks noGrp="1"/>
+          </p:cNvSpPr>
+          <p:nvPr>
+            <p:ph type="title"/>
+          </p:nvPr>
+        </p:nvSpPr>
+        <p:spPr>
+          <a:xfrm>
+            <a:off x="508001" y="170037"/>
+            <a:ext cx="6447501" cy="1320800"/>
+          </a:xfrm>
+        </p:spPr>
+        <p:txBody>
+          <a:bodyPr>
+            <a:noAutofit/>
+          </a:bodyPr>
+          <a:lstStyle/>
+          <a:p>
+            <a:r>
+              <a:rPr lang="en-US" sz="2400" dirty="0" smtClean="0"/>
+              <a:t>DC</a:t>
+            </a:r>
+            <a:r>
+              <a:rPr lang="en-US" sz="2400" baseline="-25000" dirty="0" smtClean="0"/>
+              <a:t>P</a:t>
+            </a:r>
+            <a:r>
+              <a:rPr lang="en-US" sz="2400" dirty="0" smtClean="0"/>
+              <a:t>/DC</a:t>
+            </a:r>
+            <a:r>
+              <a:rPr lang="en-US" sz="2400" baseline="-25000" dirty="0" smtClean="0"/>
+              <a:t>N</a:t>
+            </a:r>
+            <a:r>
+              <a:rPr lang="en-US" sz="2400" dirty="0" smtClean="0"/>
+              <a:t>: </a:t>
+            </a:r>
+            <a:r>
+              <a:rPr lang="en-US" sz="2400" dirty="0" err="1" smtClean="0"/>
+              <a:t>Alimenter</a:t>
+            </a:r>
+            <a:r>
+              <a:rPr lang="en-US" sz="2400" dirty="0" smtClean="0"/>
+              <a:t> les </a:t>
+            </a:r>
+            <a:r>
+              <a:rPr lang="en-US" sz="2400" dirty="0" err="1" smtClean="0"/>
+              <a:t>électroaimants</a:t>
+            </a:r>
+            <a:r>
+              <a:rPr lang="en-US" sz="2400" dirty="0" smtClean="0"/>
+              <a:t> de </a:t>
+            </a:r>
+            <a:r>
+              <a:rPr lang="en-US" sz="2400" dirty="0" err="1" smtClean="0"/>
+              <a:t>l’accélérateur</a:t>
+            </a:r>
+            <a:r>
+              <a:rPr lang="en-US" sz="2400" dirty="0" smtClean="0"/>
+              <a:t> de </a:t>
+            </a:r>
+            <a:r>
+              <a:rPr lang="en-US" sz="2400" dirty="0" err="1" smtClean="0"/>
+              <a:t>particules</a:t>
+            </a:r>
+            <a:r>
+              <a:rPr lang="en-US" sz="2400" dirty="0" smtClean="0"/>
+              <a:t> avec </a:t>
+            </a:r>
+            <a:r>
+              <a:rPr lang="en-US" sz="2400" dirty="0" err="1" smtClean="0"/>
+              <a:t>une</a:t>
+            </a:r>
+            <a:r>
+              <a:rPr lang="en-US" sz="2400" dirty="0" smtClean="0"/>
+              <a:t> </a:t>
+            </a:r>
+            <a:r>
+              <a:rPr lang="en-US" sz="2400" dirty="0" err="1" smtClean="0"/>
+              <a:t>forme</a:t>
+            </a:r>
+            <a:r>
+              <a:rPr lang="en-US" sz="2400" dirty="0" smtClean="0"/>
+              <a:t> de courant cross </a:t>
+            </a:r>
+            <a:r>
+              <a:rPr lang="en-US" sz="2400" dirty="0" err="1" smtClean="0"/>
+              <a:t>validé</a:t>
+            </a:r>
+            <a:endParaRPr lang="en-US" sz="2400" baseline="-25000" dirty="0"/>
+          </a:p>
+        </p:txBody>
+      </p:sp>
+      <p:pic>
+        <p:nvPicPr>
+          <p:cNvPr id="3074" name="Picture 2" descr="D:\LiberT\Documents\GitHub\DesignIV\Remise\Documentation_technique\tex\Fig\err_cour_fen.JPG"/>
+          <p:cNvPicPr>
+            <a:picLocks noChangeAspect="1" noChangeArrowheads="1"/>
+          </p:cNvPicPr>
+          <p:nvPr/>
+        </p:nvPicPr>
+        <p:blipFill>
+          <a:blip r:embed="rId2">
+            <a:extLst>
+              <a:ext uri="{28A0092B-C50C-407E-A947-70E740481C1C}">
+                <a14:useLocalDpi xmlns:a14="http://schemas.microsoft.com/office/drawing/2010/main" val="0"/>
+              </a:ext>
+            </a:extLst>
+          </a:blip>
+          <a:srcRect/>
+          <a:stretch>
+            <a:fillRect/>
+          </a:stretch>
+        </p:blipFill>
+        <p:spPr bwMode="auto">
+          <a:xfrm>
+            <a:off x="390293" y="1371600"/>
+            <a:ext cx="9047621" cy="4979058"/>
+          </a:xfrm>
+          <a:prstGeom prst="rect">
+            <a:avLst/>
+          </a:prstGeom>
+          <a:noFill/>
+          <a:extLst>
+            <a:ext uri="{909E8E84-426E-40DD-AFC4-6F175D3DCCD1}">
+              <a14:hiddenFill xmlns:a14="http://schemas.microsoft.com/office/drawing/2010/main">
+                <a:solidFill>
+                  <a:srgbClr val="FFFFFF"/>
+                </a:solidFill>
+              </a14:hiddenFill>
+            </a:ext>
+          </a:extLst>
+        </p:spPr>
+      </p:pic>
+      <p:sp>
+        <p:nvSpPr>
+          <p:cNvPr id="4" name="ZoneTexte 3"/>
+          <p:cNvSpPr txBox="1"/>
+          <p:nvPr/>
+        </p:nvSpPr>
+        <p:spPr>
+          <a:xfrm>
+            <a:off x="2498085" y="1947155"/>
+            <a:ext cx="4814138" cy="461665"/>
+          </a:xfrm>
+          <a:prstGeom prst="rect">
+            <a:avLst/>
+          </a:prstGeom>
+          <a:noFill/>
+        </p:spPr>
+        <p:txBody>
+          <a:bodyPr wrap="none" rtlCol="0">
+            <a:spAutoFit/>
+          </a:bodyPr>
+          <a:lstStyle/>
+          <a:p>
+            <a:r>
+              <a:rPr lang="en-CA" sz="2400" dirty="0" err="1" smtClean="0"/>
+              <a:t>Erreur</a:t>
+            </a:r>
+            <a:r>
+              <a:rPr lang="en-CA" sz="2400" dirty="0" smtClean="0"/>
+              <a:t> du courant entre SPS/PSIM</a:t>
+            </a:r>
+            <a:endParaRPr lang="fr-CA" sz="2400" dirty="0"/>
+          </a:p>
+        </p:txBody>
+      </p:sp>
+    </p:spTree>
+    <p:extLst>
+      <p:ext uri="{BB962C8B-B14F-4D97-AF65-F5344CB8AC3E}">
+        <p14:creationId xmlns:p14="http://schemas.microsoft.com/office/powerpoint/2010/main" val="1448987753"/>
+      </p:ext>
+    </p:extLst>
+  </p:cSld>
+  <p:clrMapOvr>
+    <a:masterClrMapping/>
+  </p:clrMapOvr>
+</p:sld>
+</file>
+
+<file path=ppt/slides/slide16.xml><?xml version="1.0" encoding="utf-8"?>
+<p:sld xmlns:a="http://schemas.openxmlformats.org/drawingml/2006/main" xmlns:r="http://schemas.openxmlformats.org/officeDocument/2006/relationships" xmlns:p="http://schemas.openxmlformats.org/presentationml/2006/main">
+  <p:cSld>
+    <p:spTree>
+      <p:nvGrpSpPr>
+        <p:cNvPr id="1" name=""/>
+        <p:cNvGrpSpPr/>
+        <p:nvPr/>
+      </p:nvGrpSpPr>
+      <p:grpSpPr>
+        <a:xfrm>
+          <a:off x="0" y="0"/>
+          <a:ext cx="0" cy="0"/>
+          <a:chOff x="0" y="0"/>
+          <a:chExt cx="0" cy="0"/>
+        </a:xfrm>
+      </p:grpSpPr>
+      <p:sp>
+        <p:nvSpPr>
+          <p:cNvPr id="2" name="Title 1"/>
+          <p:cNvSpPr>
+            <a:spLocks noGrp="1"/>
+          </p:cNvSpPr>
+          <p:nvPr>
+            <p:ph type="title"/>
+          </p:nvPr>
+        </p:nvSpPr>
+        <p:spPr>
+          <a:xfrm>
+            <a:off x="508001" y="170037"/>
+            <a:ext cx="6447501" cy="1320800"/>
+          </a:xfrm>
+        </p:spPr>
+        <p:txBody>
+          <a:bodyPr>
+            <a:noAutofit/>
+          </a:bodyPr>
+          <a:lstStyle/>
+          <a:p>
+            <a:r>
+              <a:rPr lang="en-US" sz="2400" dirty="0" smtClean="0"/>
+              <a:t>DC</a:t>
+            </a:r>
+            <a:r>
+              <a:rPr lang="en-US" sz="2400" baseline="-25000" dirty="0" smtClean="0"/>
+              <a:t>P</a:t>
+            </a:r>
+            <a:r>
+              <a:rPr lang="en-US" sz="2400" dirty="0" smtClean="0"/>
+              <a:t>/DC</a:t>
+            </a:r>
+            <a:r>
+              <a:rPr lang="en-US" sz="2400" baseline="-25000" dirty="0" smtClean="0"/>
+              <a:t>N</a:t>
+            </a:r>
+            <a:r>
+              <a:rPr lang="en-US" sz="2400" dirty="0" smtClean="0"/>
+              <a:t>: </a:t>
+            </a:r>
+            <a:r>
+              <a:rPr lang="en-US" sz="2400" dirty="0" err="1" smtClean="0"/>
+              <a:t>Alimenter</a:t>
+            </a:r>
+            <a:r>
+              <a:rPr lang="en-US" sz="2400" dirty="0" smtClean="0"/>
+              <a:t> les </a:t>
+            </a:r>
+            <a:r>
+              <a:rPr lang="en-US" sz="2400" dirty="0" err="1" smtClean="0"/>
+              <a:t>électroaimants</a:t>
+            </a:r>
+            <a:r>
+              <a:rPr lang="en-US" sz="2400" dirty="0" smtClean="0"/>
+              <a:t> de </a:t>
+            </a:r>
+            <a:r>
+              <a:rPr lang="en-US" sz="2400" dirty="0" err="1" smtClean="0"/>
+              <a:t>l’accélérateur</a:t>
+            </a:r>
+            <a:r>
+              <a:rPr lang="en-US" sz="2400" dirty="0" smtClean="0"/>
+              <a:t> de </a:t>
+            </a:r>
+            <a:r>
+              <a:rPr lang="en-US" sz="2400" dirty="0" err="1" smtClean="0"/>
+              <a:t>particules</a:t>
+            </a:r>
+            <a:r>
+              <a:rPr lang="en-US" sz="2400" dirty="0" smtClean="0"/>
+              <a:t> avec </a:t>
+            </a:r>
+            <a:r>
+              <a:rPr lang="en-US" sz="2400" dirty="0" err="1" smtClean="0"/>
+              <a:t>une</a:t>
+            </a:r>
+            <a:r>
+              <a:rPr lang="en-US" sz="2400" dirty="0" smtClean="0"/>
+              <a:t> </a:t>
+            </a:r>
+            <a:r>
+              <a:rPr lang="en-US" sz="2400" dirty="0" err="1" smtClean="0"/>
+              <a:t>forme</a:t>
+            </a:r>
+            <a:r>
+              <a:rPr lang="en-US" sz="2400" dirty="0" smtClean="0"/>
+              <a:t> de courant cross </a:t>
+            </a:r>
+            <a:r>
+              <a:rPr lang="en-US" sz="2400" dirty="0" err="1" smtClean="0"/>
+              <a:t>validé</a:t>
+            </a:r>
+            <a:endParaRPr lang="en-US" sz="2400" baseline="-25000" dirty="0"/>
+          </a:p>
+        </p:txBody>
+      </p:sp>
+      <p:pic>
+        <p:nvPicPr>
+          <p:cNvPr id="1026" name="Picture 2" descr="D:\LiberT\Documents\GitHub\DesignIV\Remise\Documentation_technique\tex\Fig\moy_psim.JPG"/>
+          <p:cNvPicPr>
+            <a:picLocks noChangeAspect="1" noChangeArrowheads="1"/>
+          </p:cNvPicPr>
+          <p:nvPr/>
+        </p:nvPicPr>
+        <p:blipFill>
+          <a:blip r:embed="rId2">
+            <a:extLst>
+              <a:ext uri="{28A0092B-C50C-407E-A947-70E740481C1C}">
+                <a14:useLocalDpi xmlns:a14="http://schemas.microsoft.com/office/drawing/2010/main" val="0"/>
+              </a:ext>
+            </a:extLst>
+          </a:blip>
+          <a:srcRect/>
+          <a:stretch>
+            <a:fillRect/>
+          </a:stretch>
+        </p:blipFill>
+        <p:spPr bwMode="auto">
+          <a:xfrm>
+            <a:off x="226105" y="3694597"/>
+            <a:ext cx="8917895" cy="2524125"/>
+          </a:xfrm>
+          <a:prstGeom prst="rect">
+            <a:avLst/>
+          </a:prstGeom>
+          <a:noFill/>
+          <a:extLst>
+            <a:ext uri="{909E8E84-426E-40DD-AFC4-6F175D3DCCD1}">
+              <a14:hiddenFill xmlns:a14="http://schemas.microsoft.com/office/drawing/2010/main">
+                <a:solidFill>
+                  <a:srgbClr val="FFFFFF"/>
+                </a:solidFill>
+              </a14:hiddenFill>
+            </a:ext>
+          </a:extLst>
+        </p:spPr>
+      </p:pic>
+      <p:pic>
+        <p:nvPicPr>
+          <p:cNvPr id="1027" name="Picture 3" descr="D:\LiberT\Documents\GitHub\DesignIV\Remise\Documentation_technique\tex\Fig\moy_sim.JPG"/>
+          <p:cNvPicPr>
+            <a:picLocks noChangeAspect="1" noChangeArrowheads="1"/>
+          </p:cNvPicPr>
+          <p:nvPr/>
+        </p:nvPicPr>
+        <p:blipFill>
+          <a:blip r:embed="rId3">
+            <a:extLst>
+              <a:ext uri="{28A0092B-C50C-407E-A947-70E740481C1C}">
+                <a14:useLocalDpi xmlns:a14="http://schemas.microsoft.com/office/drawing/2010/main" val="0"/>
+              </a:ext>
+            </a:extLst>
+          </a:blip>
+          <a:srcRect/>
+          <a:stretch>
+            <a:fillRect/>
+          </a:stretch>
+        </p:blipFill>
+        <p:spPr bwMode="auto">
+          <a:xfrm>
+            <a:off x="226105" y="1434542"/>
+            <a:ext cx="8917895" cy="2000250"/>
+          </a:xfrm>
+          <a:prstGeom prst="rect">
+            <a:avLst/>
+          </a:prstGeom>
+          <a:noFill/>
+          <a:extLst>
+            <a:ext uri="{909E8E84-426E-40DD-AFC4-6F175D3DCCD1}">
+              <a14:hiddenFill xmlns:a14="http://schemas.microsoft.com/office/drawing/2010/main">
+                <a:solidFill>
+                  <a:srgbClr val="FFFFFF"/>
+                </a:solidFill>
+              </a14:hiddenFill>
+            </a:ext>
+          </a:extLst>
+        </p:spPr>
+      </p:pic>
+      <p:sp>
+        <p:nvSpPr>
+          <p:cNvPr id="7" name="ZoneTexte 6"/>
+          <p:cNvSpPr txBox="1"/>
+          <p:nvPr/>
+        </p:nvSpPr>
+        <p:spPr>
+          <a:xfrm>
+            <a:off x="2498085" y="1260004"/>
+            <a:ext cx="4756430" cy="461665"/>
+          </a:xfrm>
+          <a:prstGeom prst="rect">
+            <a:avLst/>
+          </a:prstGeom>
+          <a:noFill/>
+        </p:spPr>
+        <p:txBody>
+          <a:bodyPr wrap="none" rtlCol="0">
+            <a:spAutoFit/>
+          </a:bodyPr>
+          <a:lstStyle/>
+          <a:p>
+            <a:r>
+              <a:rPr lang="en-CA" sz="2400" dirty="0" err="1" smtClean="0"/>
+              <a:t>Essai</a:t>
+            </a:r>
+            <a:r>
+              <a:rPr lang="en-CA" sz="2400" dirty="0" smtClean="0"/>
+              <a:t> </a:t>
+            </a:r>
+            <a:r>
+              <a:rPr lang="en-CA" sz="2400" dirty="0" err="1" smtClean="0"/>
+              <a:t>calcul</a:t>
+            </a:r>
+            <a:r>
+              <a:rPr lang="en-CA" sz="2400" dirty="0" smtClean="0"/>
+              <a:t> tension </a:t>
+            </a:r>
+            <a:r>
+              <a:rPr lang="en-CA" sz="2400" dirty="0" err="1" smtClean="0"/>
+              <a:t>moyenne</a:t>
+            </a:r>
+            <a:r>
+              <a:rPr lang="en-CA" sz="2400" dirty="0" smtClean="0"/>
+              <a:t> SPS</a:t>
+            </a:r>
+            <a:endParaRPr lang="fr-CA" sz="2400" dirty="0"/>
+          </a:p>
+        </p:txBody>
+      </p:sp>
+      <p:sp>
+        <p:nvSpPr>
+          <p:cNvPr id="8" name="ZoneTexte 7"/>
+          <p:cNvSpPr txBox="1"/>
+          <p:nvPr/>
+        </p:nvSpPr>
+        <p:spPr>
+          <a:xfrm>
+            <a:off x="2606943" y="3463765"/>
+            <a:ext cx="4911922" cy="461665"/>
+          </a:xfrm>
+          <a:prstGeom prst="rect">
+            <a:avLst/>
+          </a:prstGeom>
+          <a:noFill/>
+        </p:spPr>
+        <p:txBody>
+          <a:bodyPr wrap="none" rtlCol="0">
+            <a:spAutoFit/>
+          </a:bodyPr>
+          <a:lstStyle/>
+          <a:p>
+            <a:r>
+              <a:rPr lang="en-CA" sz="2400" dirty="0" err="1" smtClean="0"/>
+              <a:t>Essai</a:t>
+            </a:r>
+            <a:r>
+              <a:rPr lang="en-CA" sz="2400" dirty="0" smtClean="0"/>
+              <a:t> </a:t>
+            </a:r>
+            <a:r>
+              <a:rPr lang="en-CA" sz="2400" dirty="0" err="1" smtClean="0"/>
+              <a:t>calcul</a:t>
+            </a:r>
+            <a:r>
+              <a:rPr lang="en-CA" sz="2400" dirty="0" smtClean="0"/>
+              <a:t> tension </a:t>
+            </a:r>
+            <a:r>
+              <a:rPr lang="en-CA" sz="2400" dirty="0" err="1" smtClean="0"/>
+              <a:t>moyenne</a:t>
+            </a:r>
+            <a:r>
+              <a:rPr lang="en-CA" sz="2400" dirty="0" smtClean="0"/>
+              <a:t> PSIM</a:t>
+            </a:r>
+            <a:endParaRPr lang="fr-CA" sz="2400" dirty="0"/>
+          </a:p>
+        </p:txBody>
+      </p:sp>
+      <p:sp>
+        <p:nvSpPr>
+          <p:cNvPr id="9" name="ZoneTexte 8"/>
+          <p:cNvSpPr txBox="1"/>
+          <p:nvPr/>
+        </p:nvSpPr>
+        <p:spPr>
+          <a:xfrm>
+            <a:off x="1323739" y="6159044"/>
+            <a:ext cx="7728398" cy="461665"/>
+          </a:xfrm>
+          <a:prstGeom prst="rect">
+            <a:avLst/>
+          </a:prstGeom>
+          <a:noFill/>
+        </p:spPr>
+        <p:txBody>
+          <a:bodyPr wrap="none" rtlCol="0">
+            <a:spAutoFit/>
+          </a:bodyPr>
+          <a:lstStyle/>
+          <a:p>
+            <a:r>
+              <a:rPr lang="en-CA" sz="2400" dirty="0" err="1" smtClean="0"/>
+              <a:t>Essais</a:t>
+            </a:r>
+            <a:r>
+              <a:rPr lang="en-CA" sz="2400" dirty="0" smtClean="0"/>
+              <a:t> </a:t>
+            </a:r>
+            <a:r>
+              <a:rPr lang="en-CA" sz="2400" dirty="0" err="1" smtClean="0"/>
+              <a:t>effectués</a:t>
+            </a:r>
+            <a:r>
+              <a:rPr lang="en-CA" sz="2400" dirty="0" smtClean="0"/>
+              <a:t> </a:t>
+            </a:r>
+            <a:r>
+              <a:rPr lang="en-CA" sz="2400" dirty="0" err="1" smtClean="0"/>
+              <a:t>sur</a:t>
+            </a:r>
+            <a:r>
+              <a:rPr lang="en-CA" sz="2400" dirty="0" smtClean="0"/>
+              <a:t> un sinus 1Khz, 100Vcrête et 50Vdc</a:t>
+            </a:r>
+            <a:endParaRPr lang="fr-CA" sz="2400" dirty="0"/>
+          </a:p>
+        </p:txBody>
+      </p:sp>
+    </p:spTree>
+    <p:extLst>
+      <p:ext uri="{BB962C8B-B14F-4D97-AF65-F5344CB8AC3E}">
+        <p14:creationId xmlns:p14="http://schemas.microsoft.com/office/powerpoint/2010/main" val="545148268"/>
+      </p:ext>
+    </p:extLst>
+  </p:cSld>
+  <p:clrMapOvr>
+    <a:masterClrMapping/>
+  </p:clrMapOvr>
+</p:sld>
+</file>
+
+<file path=ppt/slides/slide17.xml><?xml version="1.0" encoding="utf-8"?>
+<p:sld xmlns:a="http://schemas.openxmlformats.org/drawingml/2006/main" xmlns:r="http://schemas.openxmlformats.org/officeDocument/2006/relationships" xmlns:p="http://schemas.openxmlformats.org/presentationml/2006/main">
+  <p:cSld>
+    <p:spTree>
+      <p:nvGrpSpPr>
+        <p:cNvPr id="1" name=""/>
+        <p:cNvGrpSpPr/>
+        <p:nvPr/>
+      </p:nvGrpSpPr>
+      <p:grpSpPr>
+        <a:xfrm>
+          <a:off x="0" y="0"/>
+          <a:ext cx="0" cy="0"/>
+          <a:chOff x="0" y="0"/>
+          <a:chExt cx="0" cy="0"/>
+        </a:xfrm>
+      </p:grpSpPr>
+      <p:sp>
+        <p:nvSpPr>
+          <p:cNvPr id="2" name="Title 1"/>
+          <p:cNvSpPr>
+            <a:spLocks noGrp="1"/>
+          </p:cNvSpPr>
+          <p:nvPr>
+            <p:ph type="title"/>
+          </p:nvPr>
+        </p:nvSpPr>
+        <p:spPr>
+          <a:xfrm>
+            <a:off x="508001" y="170037"/>
+            <a:ext cx="6447501" cy="1320800"/>
+          </a:xfrm>
+        </p:spPr>
+        <p:txBody>
+          <a:bodyPr>
+            <a:noAutofit/>
+          </a:bodyPr>
+          <a:lstStyle/>
+          <a:p>
+            <a:r>
+              <a:rPr lang="en-US" sz="2400" dirty="0" smtClean="0"/>
+              <a:t>DC</a:t>
+            </a:r>
+            <a:r>
+              <a:rPr lang="en-US" sz="2400" baseline="-25000" dirty="0" smtClean="0"/>
+              <a:t>P</a:t>
+            </a:r>
+            <a:r>
+              <a:rPr lang="en-US" sz="2400" dirty="0" smtClean="0"/>
+              <a:t>/DC</a:t>
+            </a:r>
+            <a:r>
+              <a:rPr lang="en-US" sz="2400" baseline="-25000" dirty="0" smtClean="0"/>
+              <a:t>N</a:t>
+            </a:r>
+            <a:r>
+              <a:rPr lang="en-US" sz="2400" dirty="0" smtClean="0"/>
+              <a:t>: </a:t>
+            </a:r>
+            <a:r>
+              <a:rPr lang="en-US" sz="2400" dirty="0" err="1" smtClean="0"/>
+              <a:t>Alimenter</a:t>
+            </a:r>
+            <a:r>
+              <a:rPr lang="en-US" sz="2400" dirty="0" smtClean="0"/>
+              <a:t> les </a:t>
+            </a:r>
+            <a:r>
+              <a:rPr lang="en-US" sz="2400" dirty="0" err="1" smtClean="0"/>
+              <a:t>électroaimants</a:t>
+            </a:r>
+            <a:r>
+              <a:rPr lang="en-US" sz="2400" dirty="0" smtClean="0"/>
+              <a:t> de </a:t>
+            </a:r>
+            <a:r>
+              <a:rPr lang="en-US" sz="2400" dirty="0" err="1" smtClean="0"/>
+              <a:t>l’accélérateur</a:t>
+            </a:r>
+            <a:r>
+              <a:rPr lang="en-US" sz="2400" dirty="0" smtClean="0"/>
+              <a:t> de </a:t>
+            </a:r>
+            <a:r>
+              <a:rPr lang="en-US" sz="2400" dirty="0" err="1" smtClean="0"/>
+              <a:t>particules</a:t>
+            </a:r>
+            <a:r>
+              <a:rPr lang="en-US" sz="2400" dirty="0" smtClean="0"/>
+              <a:t> avec </a:t>
+            </a:r>
+            <a:r>
+              <a:rPr lang="en-US" sz="2400" dirty="0" err="1" smtClean="0"/>
+              <a:t>une</a:t>
+            </a:r>
+            <a:r>
+              <a:rPr lang="en-US" sz="2400" dirty="0" smtClean="0"/>
+              <a:t> </a:t>
+            </a:r>
+            <a:r>
+              <a:rPr lang="en-US" sz="2400" dirty="0" err="1" smtClean="0"/>
+              <a:t>forme</a:t>
+            </a:r>
+            <a:r>
+              <a:rPr lang="en-US" sz="2400" dirty="0" smtClean="0"/>
+              <a:t> de courant cross </a:t>
+            </a:r>
+            <a:r>
+              <a:rPr lang="en-US" sz="2400" dirty="0" err="1" smtClean="0"/>
+              <a:t>validé</a:t>
+            </a:r>
+            <a:endParaRPr lang="en-US" sz="2400" baseline="-25000" dirty="0"/>
+          </a:p>
+        </p:txBody>
+      </p:sp>
+      <p:pic>
+        <p:nvPicPr>
+          <p:cNvPr id="4098" name="Picture 2" descr="D:\LiberT\Documents\GitHub\DesignIV\Remise\Documentation_technique\tex\Fig\moy.JPG"/>
+          <p:cNvPicPr>
+            <a:picLocks noChangeAspect="1" noChangeArrowheads="1"/>
+          </p:cNvPicPr>
+          <p:nvPr/>
+        </p:nvPicPr>
+        <p:blipFill>
+          <a:blip r:embed="rId2">
+            <a:extLst>
+              <a:ext uri="{28A0092B-C50C-407E-A947-70E740481C1C}">
+                <a14:useLocalDpi xmlns:a14="http://schemas.microsoft.com/office/drawing/2010/main" val="0"/>
+              </a:ext>
+            </a:extLst>
+          </a:blip>
+          <a:srcRect/>
+          <a:stretch>
+            <a:fillRect/>
+          </a:stretch>
+        </p:blipFill>
+        <p:spPr bwMode="auto">
+          <a:xfrm>
+            <a:off x="693057" y="1967367"/>
+            <a:ext cx="7569199" cy="3040061"/>
+          </a:xfrm>
+          <a:prstGeom prst="rect">
+            <a:avLst/>
+          </a:prstGeom>
+          <a:noFill/>
+          <a:extLst>
+            <a:ext uri="{909E8E84-426E-40DD-AFC4-6F175D3DCCD1}">
+              <a14:hiddenFill xmlns:a14="http://schemas.microsoft.com/office/drawing/2010/main">
+                <a:solidFill>
+                  <a:srgbClr val="FFFFFF"/>
+                </a:solidFill>
+              </a14:hiddenFill>
+            </a:ext>
+          </a:extLst>
+        </p:spPr>
+      </p:pic>
+      <p:sp>
+        <p:nvSpPr>
+          <p:cNvPr id="3" name="ZoneTexte 2"/>
+          <p:cNvSpPr txBox="1"/>
+          <p:nvPr/>
+        </p:nvSpPr>
+        <p:spPr>
+          <a:xfrm>
+            <a:off x="416288" y="5198120"/>
+            <a:ext cx="8122736" cy="461665"/>
+          </a:xfrm>
+          <a:prstGeom prst="rect">
+            <a:avLst/>
+          </a:prstGeom>
+          <a:noFill/>
+        </p:spPr>
+        <p:txBody>
+          <a:bodyPr wrap="none" rtlCol="0">
+            <a:spAutoFit/>
+          </a:bodyPr>
+          <a:lstStyle/>
+          <a:p>
+            <a:r>
+              <a:rPr lang="en-CA" sz="2400" dirty="0" err="1" smtClean="0"/>
+              <a:t>Fonction</a:t>
+            </a:r>
+            <a:r>
+              <a:rPr lang="en-CA" sz="2400" dirty="0" smtClean="0"/>
+              <a:t> du </a:t>
+            </a:r>
+            <a:r>
+              <a:rPr lang="en-CA" sz="2400" dirty="0" err="1" smtClean="0"/>
+              <a:t>calcul</a:t>
+            </a:r>
+            <a:r>
+              <a:rPr lang="en-CA" sz="2400" dirty="0" smtClean="0"/>
+              <a:t> de la tension </a:t>
+            </a:r>
+            <a:r>
+              <a:rPr lang="en-CA" sz="2400" dirty="0" err="1" smtClean="0"/>
+              <a:t>moyenne</a:t>
+            </a:r>
+            <a:r>
+              <a:rPr lang="en-CA" sz="2400" dirty="0" smtClean="0"/>
+              <a:t> </a:t>
+            </a:r>
+            <a:r>
+              <a:rPr lang="en-CA" sz="2400" dirty="0" err="1" smtClean="0"/>
+              <a:t>cascadé</a:t>
+            </a:r>
+            <a:r>
+              <a:rPr lang="en-CA" sz="2400" dirty="0" smtClean="0"/>
+              <a:t> 10 </a:t>
+            </a:r>
+            <a:r>
+              <a:rPr lang="en-CA" sz="2400" dirty="0" err="1" smtClean="0"/>
+              <a:t>fois</a:t>
+            </a:r>
+            <a:endParaRPr lang="fr-CA" sz="2400" dirty="0"/>
+          </a:p>
+        </p:txBody>
+      </p:sp>
+    </p:spTree>
+    <p:extLst>
+      <p:ext uri="{BB962C8B-B14F-4D97-AF65-F5344CB8AC3E}">
+        <p14:creationId xmlns:p14="http://schemas.microsoft.com/office/powerpoint/2010/main" val="1283028319"/>
+      </p:ext>
+    </p:extLst>
+  </p:cSld>
+  <p:clrMapOvr>
+    <a:masterClrMapping/>
+  </p:clrMapOvr>
+</p:sld>
+</file>
+
+<file path=ppt/slides/slide18.xml><?xml version="1.0" encoding="utf-8"?>
+<p:sld xmlns:a="http://schemas.openxmlformats.org/drawingml/2006/main" xmlns:r="http://schemas.openxmlformats.org/officeDocument/2006/relationships" xmlns:p="http://schemas.openxmlformats.org/presentationml/2006/main">
+  <p:cSld>
+    <p:spTree>
+      <p:nvGrpSpPr>
+        <p:cNvPr id="1" name=""/>
+        <p:cNvGrpSpPr/>
+        <p:nvPr/>
+      </p:nvGrpSpPr>
+      <p:grpSpPr>
+        <a:xfrm>
+          <a:off x="0" y="0"/>
+          <a:ext cx="0" cy="0"/>
+          <a:chOff x="0" y="0"/>
+          <a:chExt cx="0" cy="0"/>
+        </a:xfrm>
+      </p:grpSpPr>
+      <p:sp>
+        <p:nvSpPr>
+          <p:cNvPr id="2" name="Title 1"/>
+          <p:cNvSpPr>
+            <a:spLocks noGrp="1"/>
+          </p:cNvSpPr>
+          <p:nvPr>
+            <p:ph type="title"/>
+          </p:nvPr>
+        </p:nvSpPr>
+        <p:spPr>
+          <a:xfrm>
+            <a:off x="508001" y="170037"/>
+            <a:ext cx="6447501" cy="1320800"/>
+          </a:xfrm>
+        </p:spPr>
+        <p:txBody>
+          <a:bodyPr>
+            <a:noAutofit/>
+          </a:bodyPr>
+          <a:lstStyle/>
+          <a:p>
+            <a:r>
+              <a:rPr lang="en-US" sz="2400" dirty="0" smtClean="0"/>
+              <a:t>DC</a:t>
+            </a:r>
+            <a:r>
+              <a:rPr lang="en-US" sz="2400" baseline="-25000" dirty="0" smtClean="0"/>
+              <a:t>P</a:t>
+            </a:r>
+            <a:r>
+              <a:rPr lang="en-US" sz="2400" dirty="0" smtClean="0"/>
+              <a:t>/DC</a:t>
+            </a:r>
+            <a:r>
+              <a:rPr lang="en-US" sz="2400" baseline="-25000" dirty="0" smtClean="0"/>
+              <a:t>N</a:t>
+            </a:r>
+            <a:r>
+              <a:rPr lang="en-US" sz="2400" dirty="0" smtClean="0"/>
+              <a:t>: </a:t>
+            </a:r>
+            <a:r>
+              <a:rPr lang="en-US" sz="2400" dirty="0" err="1" smtClean="0"/>
+              <a:t>Alimenter</a:t>
+            </a:r>
+            <a:r>
+              <a:rPr lang="en-US" sz="2400" dirty="0" smtClean="0"/>
+              <a:t> les </a:t>
+            </a:r>
+            <a:r>
+              <a:rPr lang="en-US" sz="2400" dirty="0" err="1" smtClean="0"/>
+              <a:t>électroaimants</a:t>
+            </a:r>
+            <a:r>
+              <a:rPr lang="en-US" sz="2400" dirty="0" smtClean="0"/>
+              <a:t> de </a:t>
+            </a:r>
+            <a:r>
+              <a:rPr lang="en-US" sz="2400" dirty="0" err="1" smtClean="0"/>
+              <a:t>l’accélérateur</a:t>
+            </a:r>
+            <a:r>
+              <a:rPr lang="en-US" sz="2400" dirty="0" smtClean="0"/>
+              <a:t> de </a:t>
+            </a:r>
+            <a:r>
+              <a:rPr lang="en-US" sz="2400" dirty="0" err="1" smtClean="0"/>
+              <a:t>particules</a:t>
+            </a:r>
+            <a:r>
+              <a:rPr lang="en-US" sz="2400" dirty="0" smtClean="0"/>
+              <a:t> avec </a:t>
+            </a:r>
+            <a:r>
+              <a:rPr lang="en-US" sz="2400" dirty="0" err="1" smtClean="0"/>
+              <a:t>une</a:t>
+            </a:r>
+            <a:r>
+              <a:rPr lang="en-US" sz="2400" dirty="0" smtClean="0"/>
+              <a:t> </a:t>
+            </a:r>
+            <a:r>
+              <a:rPr lang="en-US" sz="2400" dirty="0" err="1" smtClean="0"/>
+              <a:t>forme</a:t>
+            </a:r>
+            <a:r>
+              <a:rPr lang="en-US" sz="2400" dirty="0" smtClean="0"/>
+              <a:t> de courant cross </a:t>
+            </a:r>
+            <a:r>
+              <a:rPr lang="en-US" sz="2400" dirty="0" err="1" smtClean="0"/>
+              <a:t>validé</a:t>
+            </a:r>
+            <a:endParaRPr lang="en-US" sz="2400" baseline="-25000" dirty="0"/>
+          </a:p>
+        </p:txBody>
+      </p:sp>
+      <p:pic>
+        <p:nvPicPr>
+          <p:cNvPr id="5122" name="Picture 2" descr="D:\LiberT\Documents\GitHub\DesignIV\Remise\Documentation_technique\tex\Fig\rep_freq_moy.JPG"/>
+          <p:cNvPicPr>
+            <a:picLocks noChangeAspect="1" noChangeArrowheads="1"/>
+          </p:cNvPicPr>
+          <p:nvPr/>
+        </p:nvPicPr>
+        <p:blipFill>
+          <a:blip r:embed="rId2">
+            <a:extLst>
+              <a:ext uri="{28A0092B-C50C-407E-A947-70E740481C1C}">
+                <a14:useLocalDpi xmlns:a14="http://schemas.microsoft.com/office/drawing/2010/main" val="0"/>
+              </a:ext>
+            </a:extLst>
+          </a:blip>
+          <a:srcRect/>
+          <a:stretch>
+            <a:fillRect/>
+          </a:stretch>
+        </p:blipFill>
+        <p:spPr bwMode="auto">
+          <a:xfrm>
+            <a:off x="508002" y="1906061"/>
+            <a:ext cx="8363856" cy="3922829"/>
+          </a:xfrm>
+          <a:prstGeom prst="rect">
+            <a:avLst/>
+          </a:prstGeom>
+          <a:noFill/>
+          <a:extLst>
+            <a:ext uri="{909E8E84-426E-40DD-AFC4-6F175D3DCCD1}">
+              <a14:hiddenFill xmlns:a14="http://schemas.microsoft.com/office/drawing/2010/main">
+                <a:solidFill>
+                  <a:srgbClr val="FFFFFF"/>
+                </a:solidFill>
+              </a14:hiddenFill>
+            </a:ext>
+          </a:extLst>
+        </p:spPr>
+      </p:pic>
+      <p:sp>
+        <p:nvSpPr>
+          <p:cNvPr id="5" name="ZoneTexte 4"/>
+          <p:cNvSpPr txBox="1"/>
+          <p:nvPr/>
+        </p:nvSpPr>
+        <p:spPr>
+          <a:xfrm>
+            <a:off x="416288" y="5828890"/>
+            <a:ext cx="8917826" cy="461665"/>
+          </a:xfrm>
+          <a:prstGeom prst="rect">
+            <a:avLst/>
+          </a:prstGeom>
+          <a:noFill/>
+        </p:spPr>
+        <p:txBody>
+          <a:bodyPr wrap="none" rtlCol="0">
+            <a:spAutoFit/>
+          </a:bodyPr>
+          <a:lstStyle/>
+          <a:p>
+            <a:r>
+              <a:rPr lang="en-CA" sz="2400" dirty="0" err="1" smtClean="0"/>
+              <a:t>Réponse</a:t>
+            </a:r>
+            <a:r>
+              <a:rPr lang="en-CA" sz="2400" dirty="0" smtClean="0"/>
+              <a:t> en </a:t>
+            </a:r>
+            <a:r>
+              <a:rPr lang="en-CA" sz="2400" dirty="0" err="1" smtClean="0"/>
+              <a:t>fréquence</a:t>
+            </a:r>
+            <a:r>
+              <a:rPr lang="en-CA" sz="2400" dirty="0" smtClean="0"/>
+              <a:t> du bloc du </a:t>
+            </a:r>
+            <a:r>
+              <a:rPr lang="en-CA" sz="2400" dirty="0" err="1" smtClean="0"/>
+              <a:t>calcul</a:t>
+            </a:r>
+            <a:r>
+              <a:rPr lang="en-CA" sz="2400" dirty="0" smtClean="0"/>
+              <a:t> de la tension </a:t>
+            </a:r>
+            <a:r>
+              <a:rPr lang="en-CA" sz="2400" dirty="0" err="1" smtClean="0"/>
+              <a:t>moyenne</a:t>
+            </a:r>
+            <a:endParaRPr lang="fr-CA" sz="2400" dirty="0"/>
+          </a:p>
+        </p:txBody>
+      </p:sp>
+      <p:sp>
+        <p:nvSpPr>
+          <p:cNvPr id="6" name="ZoneTexte 5"/>
+          <p:cNvSpPr txBox="1"/>
+          <p:nvPr/>
+        </p:nvSpPr>
+        <p:spPr>
+          <a:xfrm>
+            <a:off x="3028860" y="2571829"/>
+            <a:ext cx="4538422" cy="461665"/>
+          </a:xfrm>
+          <a:prstGeom prst="rect">
+            <a:avLst/>
+          </a:prstGeom>
+          <a:noFill/>
+        </p:spPr>
+        <p:txBody>
+          <a:bodyPr wrap="none" rtlCol="0">
+            <a:spAutoFit/>
+          </a:bodyPr>
+          <a:lstStyle/>
+          <a:p>
+            <a:r>
+              <a:rPr lang="en-CA" sz="2400" dirty="0" smtClean="0"/>
+              <a:t>Sinus 1Khz, 100Vcrête et 50Vdc</a:t>
+            </a:r>
+            <a:endParaRPr lang="fr-CA" sz="2400" dirty="0"/>
+          </a:p>
+        </p:txBody>
+      </p:sp>
+      <p:sp>
+        <p:nvSpPr>
+          <p:cNvPr id="7" name="ZoneTexte 6"/>
+          <p:cNvSpPr txBox="1"/>
+          <p:nvPr/>
+        </p:nvSpPr>
+        <p:spPr>
+          <a:xfrm>
+            <a:off x="2182399" y="6290555"/>
+            <a:ext cx="4299575" cy="461665"/>
+          </a:xfrm>
+          <a:prstGeom prst="rect">
+            <a:avLst/>
+          </a:prstGeom>
+          <a:noFill/>
+        </p:spPr>
+        <p:txBody>
+          <a:bodyPr wrap="none" rtlCol="0">
+            <a:spAutoFit/>
+          </a:bodyPr>
+          <a:lstStyle/>
+          <a:p>
+            <a:r>
+              <a:rPr lang="en-CA" sz="2400" dirty="0" smtClean="0"/>
+              <a:t>Utilisation pour signal à 1Khz </a:t>
+            </a:r>
+            <a:endParaRPr lang="fr-CA" sz="2400" dirty="0"/>
+          </a:p>
+        </p:txBody>
+      </p:sp>
+    </p:spTree>
+    <p:extLst>
+      <p:ext uri="{BB962C8B-B14F-4D97-AF65-F5344CB8AC3E}">
+        <p14:creationId xmlns:p14="http://schemas.microsoft.com/office/powerpoint/2010/main" val="1283028319"/>
+      </p:ext>
+    </p:extLst>
+  </p:cSld>
+  <p:clrMapOvr>
+    <a:masterClrMapping/>
+  </p:clrMapOvr>
+</p:sld>
+</file>
+
+<file path=ppt/slides/slide19.xml><?xml version="1.0" encoding="utf-8"?>
+<p:sld xmlns:a="http://schemas.openxmlformats.org/drawingml/2006/main" xmlns:r="http://schemas.openxmlformats.org/officeDocument/2006/relationships" xmlns:p="http://schemas.openxmlformats.org/presentationml/2006/main">
+  <p:cSld>
+    <p:spTree>
+      <p:nvGrpSpPr>
+        <p:cNvPr id="1" name=""/>
+        <p:cNvGrpSpPr/>
+        <p:nvPr/>
+      </p:nvGrpSpPr>
+      <p:grpSpPr>
+        <a:xfrm>
+          <a:off x="0" y="0"/>
+          <a:ext cx="0" cy="0"/>
+          <a:chOff x="0" y="0"/>
+          <a:chExt cx="0" cy="0"/>
+        </a:xfrm>
+      </p:grpSpPr>
+      <p:sp>
+        <p:nvSpPr>
+          <p:cNvPr id="2" name="Title 1"/>
+          <p:cNvSpPr>
+            <a:spLocks noGrp="1"/>
+          </p:cNvSpPr>
+          <p:nvPr>
+            <p:ph type="title"/>
+          </p:nvPr>
+        </p:nvSpPr>
+        <p:spPr>
+          <a:xfrm>
+            <a:off x="508001" y="170037"/>
+            <a:ext cx="6447501" cy="1320800"/>
+          </a:xfrm>
+        </p:spPr>
+        <p:txBody>
+          <a:bodyPr>
+            <a:noAutofit/>
+          </a:bodyPr>
+          <a:lstStyle/>
+          <a:p>
+            <a:r>
+              <a:rPr lang="en-US" sz="2400" dirty="0" smtClean="0"/>
+              <a:t>DC</a:t>
+            </a:r>
+            <a:r>
+              <a:rPr lang="en-US" sz="2400" baseline="-25000" dirty="0" smtClean="0"/>
+              <a:t>P</a:t>
+            </a:r>
+            <a:r>
+              <a:rPr lang="en-US" sz="2400" dirty="0" smtClean="0"/>
+              <a:t>/DC</a:t>
+            </a:r>
+            <a:r>
+              <a:rPr lang="en-US" sz="2400" baseline="-25000" dirty="0" smtClean="0"/>
+              <a:t>N</a:t>
+            </a:r>
+            <a:r>
+              <a:rPr lang="en-US" sz="2400" dirty="0" smtClean="0"/>
+              <a:t>: </a:t>
+            </a:r>
+            <a:r>
+              <a:rPr lang="en-US" sz="2400" dirty="0" err="1" smtClean="0"/>
+              <a:t>Alimenter</a:t>
+            </a:r>
+            <a:r>
+              <a:rPr lang="en-US" sz="2400" dirty="0" smtClean="0"/>
+              <a:t> les </a:t>
+            </a:r>
+            <a:r>
+              <a:rPr lang="en-US" sz="2400" dirty="0" err="1" smtClean="0"/>
+              <a:t>électroaimants</a:t>
+            </a:r>
+            <a:r>
+              <a:rPr lang="en-US" sz="2400" dirty="0" smtClean="0"/>
+              <a:t> de </a:t>
+            </a:r>
+            <a:r>
+              <a:rPr lang="en-US" sz="2400" dirty="0" err="1" smtClean="0"/>
+              <a:t>l’accélérateur</a:t>
+            </a:r>
+            <a:r>
+              <a:rPr lang="en-US" sz="2400" dirty="0" smtClean="0"/>
+              <a:t> de </a:t>
+            </a:r>
+            <a:r>
+              <a:rPr lang="en-US" sz="2400" dirty="0" err="1" smtClean="0"/>
+              <a:t>particules</a:t>
+            </a:r>
+            <a:r>
+              <a:rPr lang="en-US" sz="2400" dirty="0" smtClean="0"/>
+              <a:t> avec </a:t>
+            </a:r>
+            <a:r>
+              <a:rPr lang="en-US" sz="2400" dirty="0" err="1" smtClean="0"/>
+              <a:t>une</a:t>
+            </a:r>
+            <a:r>
+              <a:rPr lang="en-US" sz="2400" dirty="0" smtClean="0"/>
+              <a:t> </a:t>
+            </a:r>
+            <a:r>
+              <a:rPr lang="en-US" sz="2400" dirty="0" err="1" smtClean="0"/>
+              <a:t>forme</a:t>
+            </a:r>
+            <a:r>
+              <a:rPr lang="en-US" sz="2400" dirty="0" smtClean="0"/>
+              <a:t> de courant cross </a:t>
+            </a:r>
+            <a:r>
+              <a:rPr lang="en-US" sz="2400" dirty="0" err="1" smtClean="0"/>
+              <a:t>validé</a:t>
+            </a:r>
+            <a:endParaRPr lang="en-US" sz="2400" baseline="-25000" dirty="0"/>
+          </a:p>
+        </p:txBody>
+      </p:sp>
+      <p:pic>
+        <p:nvPicPr>
+          <p:cNvPr id="6146" name="Picture 2" descr="D:\LiberT\Documents\GitHub\DesignIV\Remise\Documentation_technique\tex\Fig\tmoypsim_sim.JPG"/>
+          <p:cNvPicPr>
+            <a:picLocks noChangeAspect="1" noChangeArrowheads="1"/>
+          </p:cNvPicPr>
+          <p:nvPr/>
+        </p:nvPicPr>
+        <p:blipFill>
+          <a:blip r:embed="rId2">
+            <a:extLst>
+              <a:ext uri="{28A0092B-C50C-407E-A947-70E740481C1C}">
+                <a14:useLocalDpi xmlns:a14="http://schemas.microsoft.com/office/drawing/2010/main" val="0"/>
+              </a:ext>
+            </a:extLst>
+          </a:blip>
+          <a:srcRect/>
+          <a:stretch>
+            <a:fillRect/>
+          </a:stretch>
+        </p:blipFill>
+        <p:spPr bwMode="auto">
+          <a:xfrm>
+            <a:off x="508001" y="1490837"/>
+            <a:ext cx="8777513" cy="5219700"/>
+          </a:xfrm>
+          <a:prstGeom prst="rect">
+            <a:avLst/>
+          </a:prstGeom>
+          <a:noFill/>
+          <a:extLst>
+            <a:ext uri="{909E8E84-426E-40DD-AFC4-6F175D3DCCD1}">
+              <a14:hiddenFill xmlns:a14="http://schemas.microsoft.com/office/drawing/2010/main">
+                <a:solidFill>
+                  <a:srgbClr val="FFFFFF"/>
+                </a:solidFill>
+              </a14:hiddenFill>
+            </a:ext>
+          </a:extLst>
+        </p:spPr>
+      </p:pic>
+      <p:sp>
+        <p:nvSpPr>
+          <p:cNvPr id="5" name="ZoneTexte 4"/>
+          <p:cNvSpPr txBox="1"/>
+          <p:nvPr/>
+        </p:nvSpPr>
+        <p:spPr>
+          <a:xfrm>
+            <a:off x="3270970" y="1990697"/>
+            <a:ext cx="4165051" cy="461665"/>
+          </a:xfrm>
+          <a:prstGeom prst="rect">
+            <a:avLst/>
+          </a:prstGeom>
+          <a:noFill/>
+        </p:spPr>
+        <p:txBody>
+          <a:bodyPr wrap="none" rtlCol="0">
+            <a:spAutoFit/>
+          </a:bodyPr>
+          <a:lstStyle/>
+          <a:p>
+            <a:r>
+              <a:rPr lang="en-CA" sz="2400" dirty="0" smtClean="0"/>
+              <a:t>Tension </a:t>
+            </a:r>
+            <a:r>
+              <a:rPr lang="en-CA" sz="2400" dirty="0" err="1" smtClean="0"/>
+              <a:t>moyenne</a:t>
+            </a:r>
+            <a:r>
+              <a:rPr lang="en-CA" sz="2400" dirty="0" smtClean="0"/>
+              <a:t> à la charge</a:t>
+            </a:r>
+            <a:endParaRPr lang="fr-CA" sz="2400" dirty="0"/>
+          </a:p>
+        </p:txBody>
+      </p:sp>
+    </p:spTree>
+    <p:extLst>
+      <p:ext uri="{BB962C8B-B14F-4D97-AF65-F5344CB8AC3E}">
+        <p14:creationId xmlns:p14="http://schemas.microsoft.com/office/powerpoint/2010/main" val="1014918181"/>
       </p:ext>
     </p:extLst>
   </p:cSld>
@@ -9001,14 +10632,14 @@
             <a:noFill/>
           </a:ln>
           <a:extLst>
-            <a:ext uri="{909E8E84-426E-40dd-AFC4-6F175D3DCCD1}">
+            <a:ext uri="{909E8E84-426E-40DD-AFC4-6F175D3DCCD1}">
               <a14:hiddenFill xmlns:a14="http://schemas.microsoft.com/office/drawing/2010/main">
                 <a:solidFill>
                   <a:srgbClr val="FFFFFF"/>
                 </a:solidFill>
               </a14:hiddenFill>
             </a:ext>
-            <a:ext uri="{91240B29-F687-4f45-9708-019B960494DF}">
+            <a:ext uri="{91240B29-F687-4F45-9708-019B960494DF}">
               <a14:hiddenLine xmlns:a14="http://schemas.microsoft.com/office/drawing/2010/main" w="9525">
                 <a:solidFill>
                   <a:srgbClr val="000000"/>
@@ -9088,10 +10719,838 @@
   <p:timing>
     <p:tnLst>
       <p:par>
-        <p:cTn xmlns:p14="http://schemas.microsoft.com/office/powerpoint/2010/main" id="1" dur="indefinite" restart="never" nodeType="tmRoot"/>
+        <p:cTn id="1" dur="indefinite" restart="never" nodeType="tmRoot"/>
       </p:par>
     </p:tnLst>
   </p:timing>
+</p:sld>
+</file>
+
+<file path=ppt/slides/slide20.xml><?xml version="1.0" encoding="utf-8"?>
+<p:sld xmlns:a="http://schemas.openxmlformats.org/drawingml/2006/main" xmlns:r="http://schemas.openxmlformats.org/officeDocument/2006/relationships" xmlns:p="http://schemas.openxmlformats.org/presentationml/2006/main">
+  <p:cSld>
+    <p:spTree>
+      <p:nvGrpSpPr>
+        <p:cNvPr id="1" name=""/>
+        <p:cNvGrpSpPr/>
+        <p:nvPr/>
+      </p:nvGrpSpPr>
+      <p:grpSpPr>
+        <a:xfrm>
+          <a:off x="0" y="0"/>
+          <a:ext cx="0" cy="0"/>
+          <a:chOff x="0" y="0"/>
+          <a:chExt cx="0" cy="0"/>
+        </a:xfrm>
+      </p:grpSpPr>
+      <p:sp>
+        <p:nvSpPr>
+          <p:cNvPr id="2" name="Title 1"/>
+          <p:cNvSpPr>
+            <a:spLocks noGrp="1"/>
+          </p:cNvSpPr>
+          <p:nvPr>
+            <p:ph type="title"/>
+          </p:nvPr>
+        </p:nvSpPr>
+        <p:spPr>
+          <a:xfrm>
+            <a:off x="508001" y="170037"/>
+            <a:ext cx="6447501" cy="1320800"/>
+          </a:xfrm>
+        </p:spPr>
+        <p:txBody>
+          <a:bodyPr>
+            <a:noAutofit/>
+          </a:bodyPr>
+          <a:lstStyle/>
+          <a:p>
+            <a:r>
+              <a:rPr lang="en-US" sz="2400" dirty="0" smtClean="0"/>
+              <a:t>DC</a:t>
+            </a:r>
+            <a:r>
+              <a:rPr lang="en-US" sz="2400" baseline="-25000" dirty="0" smtClean="0"/>
+              <a:t>P</a:t>
+            </a:r>
+            <a:r>
+              <a:rPr lang="en-US" sz="2400" dirty="0" smtClean="0"/>
+              <a:t>/DC</a:t>
+            </a:r>
+            <a:r>
+              <a:rPr lang="en-US" sz="2400" baseline="-25000" dirty="0" smtClean="0"/>
+              <a:t>N</a:t>
+            </a:r>
+            <a:r>
+              <a:rPr lang="en-US" sz="2400" dirty="0" smtClean="0"/>
+              <a:t>: </a:t>
+            </a:r>
+            <a:r>
+              <a:rPr lang="en-US" sz="2400" dirty="0" err="1" smtClean="0"/>
+              <a:t>Alimenter</a:t>
+            </a:r>
+            <a:r>
+              <a:rPr lang="en-US" sz="2400" dirty="0" smtClean="0"/>
+              <a:t> les </a:t>
+            </a:r>
+            <a:r>
+              <a:rPr lang="en-US" sz="2400" dirty="0" err="1" smtClean="0"/>
+              <a:t>électroaimants</a:t>
+            </a:r>
+            <a:r>
+              <a:rPr lang="en-US" sz="2400" dirty="0" smtClean="0"/>
+              <a:t> de </a:t>
+            </a:r>
+            <a:r>
+              <a:rPr lang="en-US" sz="2400" dirty="0" err="1" smtClean="0"/>
+              <a:t>l’accélérateur</a:t>
+            </a:r>
+            <a:r>
+              <a:rPr lang="en-US" sz="2400" dirty="0" smtClean="0"/>
+              <a:t> de </a:t>
+            </a:r>
+            <a:r>
+              <a:rPr lang="en-US" sz="2400" dirty="0" err="1" smtClean="0"/>
+              <a:t>particules</a:t>
+            </a:r>
+            <a:r>
+              <a:rPr lang="en-US" sz="2400" dirty="0" smtClean="0"/>
+              <a:t> avec </a:t>
+            </a:r>
+            <a:r>
+              <a:rPr lang="en-US" sz="2400" dirty="0" err="1" smtClean="0"/>
+              <a:t>une</a:t>
+            </a:r>
+            <a:r>
+              <a:rPr lang="en-US" sz="2400" dirty="0" smtClean="0"/>
+              <a:t> </a:t>
+            </a:r>
+            <a:r>
+              <a:rPr lang="en-US" sz="2400" dirty="0" err="1" smtClean="0"/>
+              <a:t>forme</a:t>
+            </a:r>
+            <a:r>
+              <a:rPr lang="en-US" sz="2400" dirty="0" smtClean="0"/>
+              <a:t> de courant cross </a:t>
+            </a:r>
+            <a:r>
+              <a:rPr lang="en-US" sz="2400" dirty="0" err="1" smtClean="0"/>
+              <a:t>validé</a:t>
+            </a:r>
+            <a:endParaRPr lang="en-US" sz="2400" baseline="-25000" dirty="0"/>
+          </a:p>
+        </p:txBody>
+      </p:sp>
+      <p:pic>
+        <p:nvPicPr>
+          <p:cNvPr id="7171" name="Picture 3" descr="D:\LiberT\Documents\GitHub\DesignIV\Remise\Documentation_technique\tex\Fig\erre_ten_fen.JPG"/>
+          <p:cNvPicPr>
+            <a:picLocks noChangeAspect="1" noChangeArrowheads="1"/>
+          </p:cNvPicPr>
+          <p:nvPr/>
+        </p:nvPicPr>
+        <p:blipFill>
+          <a:blip r:embed="rId2">
+            <a:extLst>
+              <a:ext uri="{28A0092B-C50C-407E-A947-70E740481C1C}">
+                <a14:useLocalDpi xmlns:a14="http://schemas.microsoft.com/office/drawing/2010/main" val="0"/>
+              </a:ext>
+            </a:extLst>
+          </a:blip>
+          <a:srcRect/>
+          <a:stretch>
+            <a:fillRect/>
+          </a:stretch>
+        </p:blipFill>
+        <p:spPr bwMode="auto">
+          <a:xfrm>
+            <a:off x="508000" y="1632857"/>
+            <a:ext cx="9177131" cy="4724400"/>
+          </a:xfrm>
+          <a:prstGeom prst="rect">
+            <a:avLst/>
+          </a:prstGeom>
+          <a:noFill/>
+          <a:extLst>
+            <a:ext uri="{909E8E84-426E-40DD-AFC4-6F175D3DCCD1}">
+              <a14:hiddenFill xmlns:a14="http://schemas.microsoft.com/office/drawing/2010/main">
+                <a:solidFill>
+                  <a:srgbClr val="FFFFFF"/>
+                </a:solidFill>
+              </a14:hiddenFill>
+            </a:ext>
+          </a:extLst>
+        </p:spPr>
+      </p:pic>
+      <p:sp>
+        <p:nvSpPr>
+          <p:cNvPr id="3" name="ZoneTexte 2"/>
+          <p:cNvSpPr txBox="1"/>
+          <p:nvPr/>
+        </p:nvSpPr>
+        <p:spPr>
+          <a:xfrm>
+            <a:off x="2128540" y="2596434"/>
+            <a:ext cx="4826962" cy="461665"/>
+          </a:xfrm>
+          <a:prstGeom prst="rect">
+            <a:avLst/>
+          </a:prstGeom>
+          <a:noFill/>
+        </p:spPr>
+        <p:txBody>
+          <a:bodyPr wrap="none" rtlCol="0">
+            <a:spAutoFit/>
+          </a:bodyPr>
+          <a:lstStyle/>
+          <a:p>
+            <a:r>
+              <a:rPr lang="en-CA" sz="2400" dirty="0" err="1" smtClean="0"/>
+              <a:t>Erreur</a:t>
+            </a:r>
+            <a:r>
+              <a:rPr lang="en-CA" sz="2400" dirty="0" smtClean="0"/>
+              <a:t> tension </a:t>
+            </a:r>
+            <a:r>
+              <a:rPr lang="en-CA" sz="2400" dirty="0" err="1" smtClean="0"/>
+              <a:t>moyenne</a:t>
+            </a:r>
+            <a:r>
+              <a:rPr lang="en-CA" sz="2400" dirty="0" smtClean="0"/>
+              <a:t> SPS/PSIM</a:t>
+            </a:r>
+            <a:endParaRPr lang="fr-CA" sz="2400" dirty="0"/>
+          </a:p>
+        </p:txBody>
+      </p:sp>
+    </p:spTree>
+    <p:extLst>
+      <p:ext uri="{BB962C8B-B14F-4D97-AF65-F5344CB8AC3E}">
+        <p14:creationId xmlns:p14="http://schemas.microsoft.com/office/powerpoint/2010/main" val="2262068019"/>
+      </p:ext>
+    </p:extLst>
+  </p:cSld>
+  <p:clrMapOvr>
+    <a:masterClrMapping/>
+  </p:clrMapOvr>
+</p:sld>
+</file>
+
+<file path=ppt/slides/slide21.xml><?xml version="1.0" encoding="utf-8"?>
+<p:sld xmlns:a="http://schemas.openxmlformats.org/drawingml/2006/main" xmlns:r="http://schemas.openxmlformats.org/officeDocument/2006/relationships" xmlns:p="http://schemas.openxmlformats.org/presentationml/2006/main">
+  <p:cSld>
+    <p:spTree>
+      <p:nvGrpSpPr>
+        <p:cNvPr id="1" name=""/>
+        <p:cNvGrpSpPr/>
+        <p:nvPr/>
+      </p:nvGrpSpPr>
+      <p:grpSpPr>
+        <a:xfrm>
+          <a:off x="0" y="0"/>
+          <a:ext cx="0" cy="0"/>
+          <a:chOff x="0" y="0"/>
+          <a:chExt cx="0" cy="0"/>
+        </a:xfrm>
+      </p:grpSpPr>
+      <p:sp>
+        <p:nvSpPr>
+          <p:cNvPr id="2" name="Title 1"/>
+          <p:cNvSpPr>
+            <a:spLocks noGrp="1"/>
+          </p:cNvSpPr>
+          <p:nvPr>
+            <p:ph type="title"/>
+          </p:nvPr>
+        </p:nvSpPr>
+        <p:spPr>
+          <a:xfrm>
+            <a:off x="508001" y="170037"/>
+            <a:ext cx="6447501" cy="1320800"/>
+          </a:xfrm>
+        </p:spPr>
+        <p:txBody>
+          <a:bodyPr>
+            <a:noAutofit/>
+          </a:bodyPr>
+          <a:lstStyle/>
+          <a:p>
+            <a:r>
+              <a:rPr lang="en-US" sz="2400" dirty="0" smtClean="0"/>
+              <a:t>DC</a:t>
+            </a:r>
+            <a:r>
+              <a:rPr lang="en-US" sz="2400" baseline="-25000" dirty="0" smtClean="0"/>
+              <a:t>P</a:t>
+            </a:r>
+            <a:r>
+              <a:rPr lang="en-US" sz="2400" dirty="0" smtClean="0"/>
+              <a:t>/DC</a:t>
+            </a:r>
+            <a:r>
+              <a:rPr lang="en-US" sz="2400" baseline="-25000" dirty="0" smtClean="0"/>
+              <a:t>N</a:t>
+            </a:r>
+            <a:r>
+              <a:rPr lang="en-US" sz="2400" dirty="0" smtClean="0"/>
+              <a:t>: </a:t>
+            </a:r>
+            <a:r>
+              <a:rPr lang="en-US" sz="2400" dirty="0" err="1" smtClean="0"/>
+              <a:t>Alimenter</a:t>
+            </a:r>
+            <a:r>
+              <a:rPr lang="en-US" sz="2400" dirty="0" smtClean="0"/>
+              <a:t> les </a:t>
+            </a:r>
+            <a:r>
+              <a:rPr lang="en-US" sz="2400" dirty="0" err="1" smtClean="0"/>
+              <a:t>électroaimants</a:t>
+            </a:r>
+            <a:r>
+              <a:rPr lang="en-US" sz="2400" dirty="0" smtClean="0"/>
+              <a:t> de </a:t>
+            </a:r>
+            <a:r>
+              <a:rPr lang="en-US" sz="2400" dirty="0" err="1" smtClean="0"/>
+              <a:t>l’accélérateur</a:t>
+            </a:r>
+            <a:r>
+              <a:rPr lang="en-US" sz="2400" dirty="0" smtClean="0"/>
+              <a:t> de </a:t>
+            </a:r>
+            <a:r>
+              <a:rPr lang="en-US" sz="2400" dirty="0" err="1" smtClean="0"/>
+              <a:t>particules</a:t>
+            </a:r>
+            <a:r>
+              <a:rPr lang="en-US" sz="2400" dirty="0" smtClean="0"/>
+              <a:t> avec </a:t>
+            </a:r>
+            <a:r>
+              <a:rPr lang="en-US" sz="2400" dirty="0" err="1" smtClean="0"/>
+              <a:t>une</a:t>
+            </a:r>
+            <a:r>
+              <a:rPr lang="en-US" sz="2400" dirty="0" smtClean="0"/>
+              <a:t> </a:t>
+            </a:r>
+            <a:r>
+              <a:rPr lang="en-US" sz="2400" dirty="0" err="1" smtClean="0"/>
+              <a:t>forme</a:t>
+            </a:r>
+            <a:r>
+              <a:rPr lang="en-US" sz="2400" dirty="0" smtClean="0"/>
+              <a:t> de courant cross </a:t>
+            </a:r>
+            <a:r>
+              <a:rPr lang="en-US" sz="2400" dirty="0" err="1" smtClean="0"/>
+              <a:t>validé</a:t>
+            </a:r>
+            <a:endParaRPr lang="en-US" sz="2400" baseline="-25000" dirty="0"/>
+          </a:p>
+        </p:txBody>
+      </p:sp>
+      <p:pic>
+        <p:nvPicPr>
+          <p:cNvPr id="8194" name="Picture 2" descr="D:\LiberT\Documents\GitHub\DesignIV\Remise\Documentation_technique\tex\Fig\err_ten_imp.JPG"/>
+          <p:cNvPicPr>
+            <a:picLocks noChangeAspect="1" noChangeArrowheads="1"/>
+          </p:cNvPicPr>
+          <p:nvPr/>
+        </p:nvPicPr>
+        <p:blipFill>
+          <a:blip r:embed="rId2">
+            <a:extLst>
+              <a:ext uri="{28A0092B-C50C-407E-A947-70E740481C1C}">
+                <a14:useLocalDpi xmlns:a14="http://schemas.microsoft.com/office/drawing/2010/main" val="0"/>
+              </a:ext>
+            </a:extLst>
+          </a:blip>
+          <a:srcRect/>
+          <a:stretch>
+            <a:fillRect/>
+          </a:stretch>
+        </p:blipFill>
+        <p:spPr bwMode="auto">
+          <a:xfrm>
+            <a:off x="304800" y="1506675"/>
+            <a:ext cx="9231086" cy="5114925"/>
+          </a:xfrm>
+          <a:prstGeom prst="rect">
+            <a:avLst/>
+          </a:prstGeom>
+          <a:noFill/>
+          <a:extLst>
+            <a:ext uri="{909E8E84-426E-40DD-AFC4-6F175D3DCCD1}">
+              <a14:hiddenFill xmlns:a14="http://schemas.microsoft.com/office/drawing/2010/main">
+                <a:solidFill>
+                  <a:srgbClr val="FFFFFF"/>
+                </a:solidFill>
+              </a14:hiddenFill>
+            </a:ext>
+          </a:extLst>
+        </p:spPr>
+      </p:pic>
+      <p:sp>
+        <p:nvSpPr>
+          <p:cNvPr id="3" name="ZoneTexte 2"/>
+          <p:cNvSpPr txBox="1"/>
+          <p:nvPr/>
+        </p:nvSpPr>
+        <p:spPr>
+          <a:xfrm>
+            <a:off x="2128540" y="2596434"/>
+            <a:ext cx="4826962" cy="461665"/>
+          </a:xfrm>
+          <a:prstGeom prst="rect">
+            <a:avLst/>
+          </a:prstGeom>
+          <a:noFill/>
+        </p:spPr>
+        <p:txBody>
+          <a:bodyPr wrap="none" rtlCol="0">
+            <a:spAutoFit/>
+          </a:bodyPr>
+          <a:lstStyle/>
+          <a:p>
+            <a:r>
+              <a:rPr lang="en-CA" sz="2400" dirty="0" err="1" smtClean="0"/>
+              <a:t>Erreur</a:t>
+            </a:r>
+            <a:r>
+              <a:rPr lang="en-CA" sz="2400" dirty="0" smtClean="0"/>
+              <a:t> tension </a:t>
+            </a:r>
+            <a:r>
+              <a:rPr lang="en-CA" sz="2400" dirty="0" err="1" smtClean="0"/>
+              <a:t>moyenne</a:t>
+            </a:r>
+            <a:r>
+              <a:rPr lang="en-CA" sz="2400" dirty="0" smtClean="0"/>
+              <a:t> SPS/PSIM</a:t>
+            </a:r>
+            <a:endParaRPr lang="fr-CA" sz="2400" dirty="0"/>
+          </a:p>
+        </p:txBody>
+      </p:sp>
+    </p:spTree>
+    <p:extLst>
+      <p:ext uri="{BB962C8B-B14F-4D97-AF65-F5344CB8AC3E}">
+        <p14:creationId xmlns:p14="http://schemas.microsoft.com/office/powerpoint/2010/main" val="1180197387"/>
+      </p:ext>
+    </p:extLst>
+  </p:cSld>
+  <p:clrMapOvr>
+    <a:masterClrMapping/>
+  </p:clrMapOvr>
+</p:sld>
+</file>
+
+<file path=ppt/slides/slide22.xml><?xml version="1.0" encoding="utf-8"?>
+<p:sld xmlns:a="http://schemas.openxmlformats.org/drawingml/2006/main" xmlns:r="http://schemas.openxmlformats.org/officeDocument/2006/relationships" xmlns:p="http://schemas.openxmlformats.org/presentationml/2006/main">
+  <p:cSld>
+    <p:spTree>
+      <p:nvGrpSpPr>
+        <p:cNvPr id="1" name=""/>
+        <p:cNvGrpSpPr/>
+        <p:nvPr/>
+      </p:nvGrpSpPr>
+      <p:grpSpPr>
+        <a:xfrm>
+          <a:off x="0" y="0"/>
+          <a:ext cx="0" cy="0"/>
+          <a:chOff x="0" y="0"/>
+          <a:chExt cx="0" cy="0"/>
+        </a:xfrm>
+      </p:grpSpPr>
+      <p:sp>
+        <p:nvSpPr>
+          <p:cNvPr id="2" name="Title 1"/>
+          <p:cNvSpPr>
+            <a:spLocks noGrp="1"/>
+          </p:cNvSpPr>
+          <p:nvPr>
+            <p:ph type="title"/>
+          </p:nvPr>
+        </p:nvSpPr>
+        <p:spPr>
+          <a:xfrm>
+            <a:off x="508001" y="170037"/>
+            <a:ext cx="6447501" cy="1320800"/>
+          </a:xfrm>
+        </p:spPr>
+        <p:txBody>
+          <a:bodyPr>
+            <a:noAutofit/>
+          </a:bodyPr>
+          <a:lstStyle/>
+          <a:p>
+            <a:r>
+              <a:rPr lang="en-US" sz="2400" dirty="0" smtClean="0"/>
+              <a:t>DC</a:t>
+            </a:r>
+            <a:r>
+              <a:rPr lang="en-US" sz="2400" baseline="-25000" dirty="0" smtClean="0"/>
+              <a:t>P</a:t>
+            </a:r>
+            <a:r>
+              <a:rPr lang="en-US" sz="2400" dirty="0" smtClean="0"/>
+              <a:t>/DC</a:t>
+            </a:r>
+            <a:r>
+              <a:rPr lang="en-US" sz="2400" baseline="-25000" dirty="0" smtClean="0"/>
+              <a:t>N</a:t>
+            </a:r>
+            <a:r>
+              <a:rPr lang="en-US" sz="2400" dirty="0" smtClean="0"/>
+              <a:t>: </a:t>
+            </a:r>
+            <a:r>
+              <a:rPr lang="en-US" sz="2400" dirty="0" err="1" smtClean="0"/>
+              <a:t>Alimenter</a:t>
+            </a:r>
+            <a:r>
+              <a:rPr lang="en-US" sz="2400" dirty="0" smtClean="0"/>
+              <a:t> les </a:t>
+            </a:r>
+            <a:r>
+              <a:rPr lang="en-US" sz="2400" dirty="0" err="1" smtClean="0"/>
+              <a:t>électroaimants</a:t>
+            </a:r>
+            <a:r>
+              <a:rPr lang="en-US" sz="2400" dirty="0" smtClean="0"/>
+              <a:t> de </a:t>
+            </a:r>
+            <a:r>
+              <a:rPr lang="en-US" sz="2400" dirty="0" err="1" smtClean="0"/>
+              <a:t>l’accélérateur</a:t>
+            </a:r>
+            <a:r>
+              <a:rPr lang="en-US" sz="2400" dirty="0" smtClean="0"/>
+              <a:t> de </a:t>
+            </a:r>
+            <a:r>
+              <a:rPr lang="en-US" sz="2400" dirty="0" err="1" smtClean="0"/>
+              <a:t>particules</a:t>
+            </a:r>
+            <a:r>
+              <a:rPr lang="en-US" sz="2400" dirty="0" smtClean="0"/>
+              <a:t> avec </a:t>
+            </a:r>
+            <a:r>
+              <a:rPr lang="en-US" sz="2400" dirty="0" err="1" smtClean="0"/>
+              <a:t>une</a:t>
+            </a:r>
+            <a:r>
+              <a:rPr lang="en-US" sz="2400" dirty="0" smtClean="0"/>
+              <a:t> </a:t>
+            </a:r>
+            <a:r>
+              <a:rPr lang="en-US" sz="2400" dirty="0" err="1" smtClean="0"/>
+              <a:t>forme</a:t>
+            </a:r>
+            <a:r>
+              <a:rPr lang="en-US" sz="2400" dirty="0" smtClean="0"/>
+              <a:t> de courant cross </a:t>
+            </a:r>
+            <a:r>
+              <a:rPr lang="en-US" sz="2400" dirty="0" err="1" smtClean="0"/>
+              <a:t>validé</a:t>
+            </a:r>
+            <a:endParaRPr lang="en-US" sz="2400" baseline="-25000" dirty="0"/>
+          </a:p>
+        </p:txBody>
+      </p:sp>
+      <p:pic>
+        <p:nvPicPr>
+          <p:cNvPr id="9218" name="Picture 2" descr="D:\LiberT\Documents\GitHub\DesignIV\Remise\Documentation_technique\tex\Fig\resul_sim.JPG"/>
+          <p:cNvPicPr>
+            <a:picLocks noChangeAspect="1" noChangeArrowheads="1"/>
+          </p:cNvPicPr>
+          <p:nvPr/>
+        </p:nvPicPr>
+        <p:blipFill>
+          <a:blip r:embed="rId2">
+            <a:extLst>
+              <a:ext uri="{28A0092B-C50C-407E-A947-70E740481C1C}">
+                <a14:useLocalDpi xmlns:a14="http://schemas.microsoft.com/office/drawing/2010/main" val="0"/>
+              </a:ext>
+            </a:extLst>
+          </a:blip>
+          <a:srcRect/>
+          <a:stretch>
+            <a:fillRect/>
+          </a:stretch>
+        </p:blipFill>
+        <p:spPr bwMode="auto">
+          <a:xfrm>
+            <a:off x="859972" y="1490837"/>
+            <a:ext cx="8044542" cy="4895850"/>
+          </a:xfrm>
+          <a:prstGeom prst="rect">
+            <a:avLst/>
+          </a:prstGeom>
+          <a:noFill/>
+          <a:extLst>
+            <a:ext uri="{909E8E84-426E-40DD-AFC4-6F175D3DCCD1}">
+              <a14:hiddenFill xmlns:a14="http://schemas.microsoft.com/office/drawing/2010/main">
+                <a:solidFill>
+                  <a:srgbClr val="FFFFFF"/>
+                </a:solidFill>
+              </a14:hiddenFill>
+            </a:ext>
+          </a:extLst>
+        </p:spPr>
+      </p:pic>
+      <p:sp>
+        <p:nvSpPr>
+          <p:cNvPr id="6" name="ZoneTexte 5"/>
+          <p:cNvSpPr txBox="1"/>
+          <p:nvPr/>
+        </p:nvSpPr>
+        <p:spPr>
+          <a:xfrm>
+            <a:off x="3657982" y="6404182"/>
+            <a:ext cx="2007281" cy="461665"/>
+          </a:xfrm>
+          <a:prstGeom prst="rect">
+            <a:avLst/>
+          </a:prstGeom>
+          <a:noFill/>
+        </p:spPr>
+        <p:txBody>
+          <a:bodyPr wrap="none" rtlCol="0">
+            <a:spAutoFit/>
+          </a:bodyPr>
+          <a:lstStyle/>
+          <a:p>
+            <a:r>
+              <a:rPr lang="en-CA" sz="2400" dirty="0" err="1" smtClean="0"/>
+              <a:t>Résultats</a:t>
+            </a:r>
+            <a:r>
+              <a:rPr lang="en-CA" sz="2400" dirty="0" smtClean="0"/>
+              <a:t> SPS</a:t>
+            </a:r>
+            <a:endParaRPr lang="fr-CA" sz="2400" dirty="0"/>
+          </a:p>
+        </p:txBody>
+      </p:sp>
+    </p:spTree>
+    <p:extLst>
+      <p:ext uri="{BB962C8B-B14F-4D97-AF65-F5344CB8AC3E}">
+        <p14:creationId xmlns:p14="http://schemas.microsoft.com/office/powerpoint/2010/main" val="1180197387"/>
+      </p:ext>
+    </p:extLst>
+  </p:cSld>
+  <p:clrMapOvr>
+    <a:masterClrMapping/>
+  </p:clrMapOvr>
+</p:sld>
+</file>
+
+<file path=ppt/slides/slide23.xml><?xml version="1.0" encoding="utf-8"?>
+<p:sld xmlns:a="http://schemas.openxmlformats.org/drawingml/2006/main" xmlns:r="http://schemas.openxmlformats.org/officeDocument/2006/relationships" xmlns:p="http://schemas.openxmlformats.org/presentationml/2006/main">
+  <p:cSld>
+    <p:spTree>
+      <p:nvGrpSpPr>
+        <p:cNvPr id="1" name=""/>
+        <p:cNvGrpSpPr/>
+        <p:nvPr/>
+      </p:nvGrpSpPr>
+      <p:grpSpPr>
+        <a:xfrm>
+          <a:off x="0" y="0"/>
+          <a:ext cx="0" cy="0"/>
+          <a:chOff x="0" y="0"/>
+          <a:chExt cx="0" cy="0"/>
+        </a:xfrm>
+      </p:grpSpPr>
+      <p:sp>
+        <p:nvSpPr>
+          <p:cNvPr id="2" name="Title 1"/>
+          <p:cNvSpPr>
+            <a:spLocks noGrp="1"/>
+          </p:cNvSpPr>
+          <p:nvPr>
+            <p:ph type="title"/>
+          </p:nvPr>
+        </p:nvSpPr>
+        <p:spPr>
+          <a:xfrm>
+            <a:off x="508001" y="170037"/>
+            <a:ext cx="6447501" cy="1320800"/>
+          </a:xfrm>
+        </p:spPr>
+        <p:txBody>
+          <a:bodyPr>
+            <a:noAutofit/>
+          </a:bodyPr>
+          <a:lstStyle/>
+          <a:p>
+            <a:r>
+              <a:rPr lang="en-US" sz="2400" dirty="0" smtClean="0"/>
+              <a:t>DC</a:t>
+            </a:r>
+            <a:r>
+              <a:rPr lang="en-US" sz="2400" baseline="-25000" dirty="0" smtClean="0"/>
+              <a:t>P</a:t>
+            </a:r>
+            <a:r>
+              <a:rPr lang="en-US" sz="2400" dirty="0" smtClean="0"/>
+              <a:t>/DC</a:t>
+            </a:r>
+            <a:r>
+              <a:rPr lang="en-US" sz="2400" baseline="-25000" dirty="0" smtClean="0"/>
+              <a:t>N</a:t>
+            </a:r>
+            <a:r>
+              <a:rPr lang="en-US" sz="2400" dirty="0" smtClean="0"/>
+              <a:t>: </a:t>
+            </a:r>
+            <a:r>
+              <a:rPr lang="en-US" sz="2400" dirty="0" err="1" smtClean="0"/>
+              <a:t>Alimenter</a:t>
+            </a:r>
+            <a:r>
+              <a:rPr lang="en-US" sz="2400" dirty="0" smtClean="0"/>
+              <a:t> les </a:t>
+            </a:r>
+            <a:r>
+              <a:rPr lang="en-US" sz="2400" dirty="0" err="1" smtClean="0"/>
+              <a:t>électroaimants</a:t>
+            </a:r>
+            <a:r>
+              <a:rPr lang="en-US" sz="2400" dirty="0" smtClean="0"/>
+              <a:t> de </a:t>
+            </a:r>
+            <a:r>
+              <a:rPr lang="en-US" sz="2400" dirty="0" err="1" smtClean="0"/>
+              <a:t>l’accélérateur</a:t>
+            </a:r>
+            <a:r>
+              <a:rPr lang="en-US" sz="2400" dirty="0" smtClean="0"/>
+              <a:t> de </a:t>
+            </a:r>
+            <a:r>
+              <a:rPr lang="en-US" sz="2400" dirty="0" err="1" smtClean="0"/>
+              <a:t>particules</a:t>
+            </a:r>
+            <a:r>
+              <a:rPr lang="en-US" sz="2400" dirty="0" smtClean="0"/>
+              <a:t> avec </a:t>
+            </a:r>
+            <a:r>
+              <a:rPr lang="en-US" sz="2400" dirty="0" err="1" smtClean="0"/>
+              <a:t>une</a:t>
+            </a:r>
+            <a:r>
+              <a:rPr lang="en-US" sz="2400" dirty="0" smtClean="0"/>
+              <a:t> </a:t>
+            </a:r>
+            <a:r>
+              <a:rPr lang="en-US" sz="2400" dirty="0" err="1" smtClean="0"/>
+              <a:t>forme</a:t>
+            </a:r>
+            <a:r>
+              <a:rPr lang="en-US" sz="2400" dirty="0" smtClean="0"/>
+              <a:t> de courant cross </a:t>
+            </a:r>
+            <a:r>
+              <a:rPr lang="en-US" sz="2400" dirty="0" err="1" smtClean="0"/>
+              <a:t>validé</a:t>
+            </a:r>
+            <a:endParaRPr lang="en-US" sz="2400" baseline="-25000" dirty="0"/>
+          </a:p>
+        </p:txBody>
+      </p:sp>
+      <p:pic>
+        <p:nvPicPr>
+          <p:cNvPr id="10242" name="Picture 2" descr="D:\LiberT\Documents\GitHub\DesignIV\Remise\Documentation_technique\tex\Fig\resul_psim.JPG"/>
+          <p:cNvPicPr>
+            <a:picLocks noChangeAspect="1" noChangeArrowheads="1"/>
+          </p:cNvPicPr>
+          <p:nvPr/>
+        </p:nvPicPr>
+        <p:blipFill>
+          <a:blip r:embed="rId2">
+            <a:extLst>
+              <a:ext uri="{28A0092B-C50C-407E-A947-70E740481C1C}">
+                <a14:useLocalDpi xmlns:a14="http://schemas.microsoft.com/office/drawing/2010/main" val="0"/>
+              </a:ext>
+            </a:extLst>
+          </a:blip>
+          <a:srcRect/>
+          <a:stretch>
+            <a:fillRect/>
+          </a:stretch>
+        </p:blipFill>
+        <p:spPr bwMode="auto">
+          <a:xfrm>
+            <a:off x="584200" y="1388907"/>
+            <a:ext cx="8559799" cy="5007428"/>
+          </a:xfrm>
+          <a:prstGeom prst="rect">
+            <a:avLst/>
+          </a:prstGeom>
+          <a:noFill/>
+          <a:extLst>
+            <a:ext uri="{909E8E84-426E-40DD-AFC4-6F175D3DCCD1}">
+              <a14:hiddenFill xmlns:a14="http://schemas.microsoft.com/office/drawing/2010/main">
+                <a:solidFill>
+                  <a:srgbClr val="FFFFFF"/>
+                </a:solidFill>
+              </a14:hiddenFill>
+            </a:ext>
+          </a:extLst>
+        </p:spPr>
+      </p:pic>
+      <p:sp>
+        <p:nvSpPr>
+          <p:cNvPr id="3" name="ZoneTexte 2"/>
+          <p:cNvSpPr txBox="1"/>
+          <p:nvPr/>
+        </p:nvSpPr>
+        <p:spPr>
+          <a:xfrm>
+            <a:off x="3804940" y="6396335"/>
+            <a:ext cx="2162772" cy="461665"/>
+          </a:xfrm>
+          <a:prstGeom prst="rect">
+            <a:avLst/>
+          </a:prstGeom>
+          <a:noFill/>
+        </p:spPr>
+        <p:txBody>
+          <a:bodyPr wrap="none" rtlCol="0">
+            <a:spAutoFit/>
+          </a:bodyPr>
+          <a:lstStyle/>
+          <a:p>
+            <a:r>
+              <a:rPr lang="en-CA" sz="2400" dirty="0" err="1" smtClean="0"/>
+              <a:t>Résultats</a:t>
+            </a:r>
+            <a:r>
+              <a:rPr lang="en-CA" sz="2400" dirty="0" smtClean="0"/>
+              <a:t> PSIM</a:t>
+            </a:r>
+            <a:endParaRPr lang="fr-CA" sz="2400" dirty="0"/>
+          </a:p>
+        </p:txBody>
+      </p:sp>
+    </p:spTree>
+    <p:extLst>
+      <p:ext uri="{BB962C8B-B14F-4D97-AF65-F5344CB8AC3E}">
+        <p14:creationId xmlns:p14="http://schemas.microsoft.com/office/powerpoint/2010/main" val="1375196513"/>
+      </p:ext>
+    </p:extLst>
+  </p:cSld>
+  <p:clrMapOvr>
+    <a:masterClrMapping/>
+  </p:clrMapOvr>
 </p:sld>
 </file>
 
@@ -9614,7 +12073,7 @@
   <p:timing>
     <p:tnLst>
       <p:par>
-        <p:cTn xmlns:p14="http://schemas.microsoft.com/office/powerpoint/2010/main" id="1" dur="indefinite" restart="never" nodeType="tmRoot"/>
+        <p:cTn id="1" dur="indefinite" restart="never" nodeType="tmRoot"/>
       </p:par>
     </p:tnLst>
   </p:timing>
@@ -9905,7 +12364,7 @@
   <p:timing>
     <p:tnLst>
       <p:par>
-        <p:cTn xmlns:p14="http://schemas.microsoft.com/office/powerpoint/2010/main" id="1" dur="indefinite" restart="never" nodeType="tmRoot"/>
+        <p:cTn id="1" dur="indefinite" restart="never" nodeType="tmRoot"/>
       </p:par>
     </p:tnLst>
   </p:timing>
@@ -11136,7 +13595,15 @@
             </a:r>
             <a:r>
               <a:rPr lang="en-US" sz="2400" dirty="0" smtClean="0"/>
-              <a:t> (cross-validation SPS-</a:t>
+              <a:t> (</a:t>
+            </a:r>
+            <a:r>
+              <a:rPr lang="en-US" sz="2400" dirty="0" err="1" smtClean="0"/>
+              <a:t>fonctionnemnet</a:t>
+            </a:r>
+            <a:r>
+              <a:rPr lang="en-US" sz="2400" dirty="0" smtClean="0"/>
+              <a:t> 4 quadrants </a:t>
             </a:r>
             <a:r>
               <a:rPr lang="en-US" sz="2400" dirty="0" err="1" smtClean="0"/>
@@ -11146,13 +13613,169 @@
               <a:rPr lang="en-US" sz="2400" dirty="0"/>
               <a:t>)</a:t>
             </a:r>
+          </a:p>
+        </p:txBody>
+      </p:sp>
+      <p:sp>
+        <p:nvSpPr>
+          <p:cNvPr id="2" name="Rectangle 1"/>
+          <p:cNvSpPr/>
+          <p:nvPr/>
+        </p:nvSpPr>
+        <p:spPr>
+          <a:xfrm>
+            <a:off x="1912733" y="6302829"/>
+            <a:ext cx="1701107" cy="584775"/>
+          </a:xfrm>
+          <a:prstGeom prst="rect">
+            <a:avLst/>
+          </a:prstGeom>
+        </p:spPr>
+        <p:txBody>
+          <a:bodyPr wrap="none">
+            <a:spAutoFit/>
+          </a:bodyPr>
+          <a:lstStyle/>
+          <a:p>
+            <a:r>
+              <a:rPr lang="en-US" sz="3200" b="1" dirty="0"/>
+              <a:t>ɸ = </a:t>
+            </a:r>
+            <a:r>
+              <a:rPr lang="en-US" sz="3200" b="1" dirty="0" smtClean="0"/>
+              <a:t>45</a:t>
+            </a:r>
+            <a:r>
+              <a:rPr lang="en-US" sz="3200" b="1" dirty="0"/>
+              <a:t>°</a:t>
+            </a:r>
+          </a:p>
+        </p:txBody>
+      </p:sp>
+      <p:sp>
+        <p:nvSpPr>
+          <p:cNvPr id="3" name="Rectangle 2"/>
+          <p:cNvSpPr/>
+          <p:nvPr/>
+        </p:nvSpPr>
+        <p:spPr>
+          <a:xfrm>
+            <a:off x="6352819" y="6273225"/>
+            <a:ext cx="1701107" cy="584775"/>
+          </a:xfrm>
+          <a:prstGeom prst="rect">
+            <a:avLst/>
+          </a:prstGeom>
+        </p:spPr>
+        <p:txBody>
+          <a:bodyPr wrap="none">
+            <a:spAutoFit/>
+          </a:bodyPr>
+          <a:lstStyle/>
+          <a:p>
+            <a:r>
+              <a:rPr lang="en-US" sz="3200" b="1" dirty="0"/>
+              <a:t>ɸ = </a:t>
+            </a:r>
+            <a:r>
+              <a:rPr lang="en-US" sz="3200" b="1" dirty="0" smtClean="0"/>
+              <a:t>135</a:t>
+            </a:r>
+            <a:endParaRPr lang="en-US" sz="3200" b="1" dirty="0"/>
+          </a:p>
+        </p:txBody>
+      </p:sp>
+      <p:sp>
+        <p:nvSpPr>
+          <p:cNvPr id="7" name="Rectangle 6"/>
+          <p:cNvSpPr/>
+          <p:nvPr/>
+        </p:nvSpPr>
+        <p:spPr>
+          <a:xfrm>
+            <a:off x="1149504" y="2581441"/>
+            <a:ext cx="6393097" cy="1077218"/>
+          </a:xfrm>
+          <a:prstGeom prst="rect">
+            <a:avLst/>
+          </a:prstGeom>
+        </p:spPr>
+        <p:txBody>
+          <a:bodyPr wrap="none">
+            <a:spAutoFit/>
+          </a:bodyPr>
+          <a:lstStyle/>
+          <a:p>
+            <a:r>
+              <a:rPr lang="en-US" sz="3200" b="1" dirty="0" err="1" smtClean="0">
+                <a:solidFill>
+                  <a:srgbClr val="FF0000"/>
+                </a:solidFill>
+              </a:rPr>
+              <a:t>C’est</a:t>
+            </a:r>
+            <a:r>
+              <a:rPr lang="en-US" sz="3200" b="1" dirty="0" smtClean="0">
+                <a:solidFill>
+                  <a:srgbClr val="FF0000"/>
+                </a:solidFill>
+              </a:rPr>
+              <a:t> pas quoi faire?????</a:t>
+            </a:r>
+          </a:p>
+          <a:p>
+            <a:r>
+              <a:rPr lang="en-US" sz="3200" b="1" dirty="0" smtClean="0">
+                <a:solidFill>
+                  <a:srgbClr val="FF0000"/>
+                </a:solidFill>
+              </a:rPr>
+              <a:t>Non </a:t>
+            </a:r>
+            <a:r>
+              <a:rPr lang="en-US" sz="3200" b="1" dirty="0" err="1" smtClean="0">
+                <a:solidFill>
+                  <a:srgbClr val="FF0000"/>
+                </a:solidFill>
+              </a:rPr>
+              <a:t>fonctionnel</a:t>
+            </a:r>
+            <a:r>
+              <a:rPr lang="en-US" sz="3200" b="1" dirty="0" smtClean="0">
+                <a:solidFill>
+                  <a:srgbClr val="FF0000"/>
+                </a:solidFill>
+              </a:rPr>
+              <a:t> </a:t>
+            </a:r>
+            <a:r>
+              <a:rPr lang="en-US" sz="3200" b="1" dirty="0" err="1" smtClean="0">
+                <a:solidFill>
+                  <a:srgbClr val="FF0000"/>
+                </a:solidFill>
+              </a:rPr>
+              <a:t>sur</a:t>
+            </a:r>
+            <a:r>
+              <a:rPr lang="en-US" sz="3200" b="1" dirty="0" smtClean="0">
+                <a:solidFill>
+                  <a:srgbClr val="FF0000"/>
+                </a:solidFill>
+              </a:rPr>
+              <a:t> PSIM et SPS</a:t>
+            </a:r>
+            <a:endParaRPr lang="en-US" sz="3200" b="1" dirty="0">
+              <a:solidFill>
+                <a:srgbClr val="FF0000"/>
+              </a:solidFill>
+            </a:endParaRPr>
           </a:p>
         </p:txBody>
       </p:sp>
     </p:spTree>
     <p:extLst>
       <p:ext uri="{BB962C8B-B14F-4D97-AF65-F5344CB8AC3E}">
-        <p14:creationId xmlns:p14="http://schemas.microsoft.com/office/powerpoint/2010/main" val="742360850"/>
+        <p14:creationId xmlns:p14="http://schemas.microsoft.com/office/powerpoint/2010/main" val="823287690"/>
       </p:ext>
     </p:extLst>
   </p:cSld>

--- a/Remise/Remise 3/RAE.pptx
+++ b/Remise/Remise 3/RAE.pptx
@@ -8200,9 +8200,70 @@
           </a:p>
         </p:txBody>
       </p:sp>
+      <p:sp>
+        <p:nvSpPr>
+          <p:cNvPr id="2" name="Rectangle 1"/>
+          <p:cNvSpPr/>
+          <p:nvPr/>
+        </p:nvSpPr>
+        <p:spPr>
+          <a:xfrm>
+            <a:off x="1912733" y="6302829"/>
+            <a:ext cx="1851789" cy="584775"/>
+          </a:xfrm>
+          <a:prstGeom prst="rect">
+            <a:avLst/>
+          </a:prstGeom>
+        </p:spPr>
+        <p:txBody>
+          <a:bodyPr wrap="none">
+            <a:spAutoFit/>
+          </a:bodyPr>
+          <a:lstStyle/>
+          <a:p>
+            <a:r>
+              <a:rPr lang="en-US" sz="3200" b="1" dirty="0"/>
+              <a:t>ɸ = -45°</a:t>
+            </a:r>
+          </a:p>
+        </p:txBody>
+      </p:sp>
+      <p:sp>
+        <p:nvSpPr>
+          <p:cNvPr id="3" name="Rectangle 2"/>
+          <p:cNvSpPr/>
+          <p:nvPr/>
+        </p:nvSpPr>
+        <p:spPr>
+          <a:xfrm>
+            <a:off x="6352819" y="6273225"/>
+            <a:ext cx="1851789" cy="584775"/>
+          </a:xfrm>
+          <a:prstGeom prst="rect">
+            <a:avLst/>
+          </a:prstGeom>
+        </p:spPr>
+        <p:txBody>
+          <a:bodyPr wrap="none">
+            <a:spAutoFit/>
+          </a:bodyPr>
+          <a:lstStyle/>
+          <a:p>
+            <a:r>
+              <a:rPr lang="en-US" sz="3200" b="1" dirty="0"/>
+              <a:t>ɸ = </a:t>
+            </a:r>
+            <a:r>
+              <a:rPr lang="en-US" sz="3200" b="1" dirty="0" smtClean="0"/>
+              <a:t>-135</a:t>
+            </a:r>
+            <a:endParaRPr lang="en-US" sz="3200" b="1" dirty="0"/>
+          </a:p>
+        </p:txBody>
+      </p:sp>
       <p:pic>
         <p:nvPicPr>
-          <p:cNvPr id="2050" name="Picture 2" descr="D:\LiberT\Documents\GitHub\DesignIV\Remise\Documentation_technique\tex\Fig\AFE_135_2.JPG"/>
+          <p:cNvPr id="5" name="Picture 2" descr="D:\LiberT\Documents\GitHub\DesignIV\Remise\Documentation_technique\tex\Fig\AFE_45_2.JPG"/>
           <p:cNvPicPr>
             <a:picLocks noChangeAspect="1" noChangeArrowheads="1"/>
           </p:cNvPicPr>
@@ -8223,8 +8284,8 @@
         </p:blipFill>
         <p:spPr bwMode="auto">
           <a:xfrm>
-            <a:off x="4931229" y="1459606"/>
-            <a:ext cx="4136571" cy="4843223"/>
+            <a:off x="357366" y="1601121"/>
+            <a:ext cx="4573864" cy="4787659"/>
           </a:xfrm>
           <a:prstGeom prst="rect">
             <a:avLst/>
@@ -8243,7 +8304,7 @@
       </p:pic>
       <p:pic>
         <p:nvPicPr>
-          <p:cNvPr id="2051" name="Picture 3" descr="D:\LiberT\Documents\GitHub\DesignIV\Remise\Documentation_technique\tex\Fig\AFE_45_2.JPG"/>
+          <p:cNvPr id="6" name="Picture 3" descr="D:\LiberT\Documents\GitHub\DesignIV\Remise\Documentation_technique\tex\Fig\AFE_135_2.JPG"/>
           <p:cNvPicPr>
             <a:picLocks noChangeAspect="1" noChangeArrowheads="1"/>
           </p:cNvPicPr>
@@ -8264,8 +8325,8 @@
         </p:blipFill>
         <p:spPr bwMode="auto">
           <a:xfrm>
-            <a:off x="381000" y="1459606"/>
-            <a:ext cx="4474029" cy="4962965"/>
+            <a:off x="4931230" y="1601121"/>
+            <a:ext cx="4626429" cy="4787659"/>
           </a:xfrm>
           <a:prstGeom prst="rect">
             <a:avLst/>
@@ -8282,67 +8343,6 @@
           </a:extLst>
         </p:spPr>
       </p:pic>
-      <p:sp>
-        <p:nvSpPr>
-          <p:cNvPr id="2" name="Rectangle 1"/>
-          <p:cNvSpPr/>
-          <p:nvPr/>
-        </p:nvSpPr>
-        <p:spPr>
-          <a:xfrm>
-            <a:off x="1912733" y="6302829"/>
-            <a:ext cx="1851789" cy="584775"/>
-          </a:xfrm>
-          <a:prstGeom prst="rect">
-            <a:avLst/>
-          </a:prstGeom>
-        </p:spPr>
-        <p:txBody>
-          <a:bodyPr wrap="none">
-            <a:spAutoFit/>
-          </a:bodyPr>
-          <a:lstStyle/>
-          <a:p>
-            <a:r>
-              <a:rPr lang="en-US" sz="3200" b="1" dirty="0"/>
-              <a:t>ɸ = -45°</a:t>
-            </a:r>
-          </a:p>
-        </p:txBody>
-      </p:sp>
-      <p:sp>
-        <p:nvSpPr>
-          <p:cNvPr id="3" name="Rectangle 2"/>
-          <p:cNvSpPr/>
-          <p:nvPr/>
-        </p:nvSpPr>
-        <p:spPr>
-          <a:xfrm>
-            <a:off x="6352819" y="6273225"/>
-            <a:ext cx="1851789" cy="584775"/>
-          </a:xfrm>
-          <a:prstGeom prst="rect">
-            <a:avLst/>
-          </a:prstGeom>
-        </p:spPr>
-        <p:txBody>
-          <a:bodyPr wrap="none">
-            <a:spAutoFit/>
-          </a:bodyPr>
-          <a:lstStyle/>
-          <a:p>
-            <a:r>
-              <a:rPr lang="en-US" sz="3200" b="1" dirty="0"/>
-              <a:t>ɸ = </a:t>
-            </a:r>
-            <a:r>
-              <a:rPr lang="en-US" sz="3200" b="1" dirty="0" smtClean="0"/>
-              <a:t>-135</a:t>
-            </a:r>
-            <a:endParaRPr lang="en-US" sz="3200" b="1" dirty="0"/>
-          </a:p>
-        </p:txBody>
-      </p:sp>
     </p:spTree>
     <p:extLst>
       <p:ext uri="{BB962C8B-B14F-4D97-AF65-F5344CB8AC3E}">
@@ -13685,93 +13685,88 @@
           </a:p>
         </p:txBody>
       </p:sp>
-      <p:sp>
-        <p:nvSpPr>
-          <p:cNvPr id="7" name="Rectangle 6"/>
-          <p:cNvSpPr/>
+      <p:pic>
+        <p:nvPicPr>
+          <p:cNvPr id="1026" name="Picture 2" descr="D:\LiberT\Documents\GitHub\DesignIV\Remise\Documentation_technique\tex\Fig\AFE_135_1.JPG"/>
+          <p:cNvPicPr>
+            <a:picLocks noChangeAspect="1" noChangeArrowheads="1"/>
+          </p:cNvPicPr>
           <p:nvPr/>
-        </p:nvSpPr>
-        <p:spPr>
+        </p:nvPicPr>
+        <p:blipFill>
+          <a:blip r:embed="rId2">
+            <a:extLst>
+              <a:ext uri="{28A0092B-C50C-407E-A947-70E740481C1C}">
+                <a14:useLocalDpi xmlns:a14="http://schemas.microsoft.com/office/drawing/2010/main" val="0"/>
+              </a:ext>
+            </a:extLst>
+          </a:blip>
+          <a:srcRect/>
+          <a:stretch>
+            <a:fillRect/>
+          </a:stretch>
+        </p:blipFill>
+        <p:spPr bwMode="auto">
           <a:xfrm>
-            <a:off x="1149504" y="2581441"/>
-            <a:ext cx="6393097" cy="1077218"/>
+            <a:off x="4746172" y="1601121"/>
+            <a:ext cx="4556442" cy="4672105"/>
           </a:xfrm>
           <a:prstGeom prst="rect">
             <a:avLst/>
           </a:prstGeom>
+          <a:noFill/>
+          <a:extLst>
+            <a:ext uri="{909E8E84-426E-40DD-AFC4-6F175D3DCCD1}">
+              <a14:hiddenFill xmlns:a14="http://schemas.microsoft.com/office/drawing/2010/main">
+                <a:solidFill>
+                  <a:srgbClr val="FFFFFF"/>
+                </a:solidFill>
+              </a14:hiddenFill>
+            </a:ext>
+          </a:extLst>
         </p:spPr>
-        <p:txBody>
-          <a:bodyPr wrap="none">
-            <a:spAutoFit/>
-          </a:bodyPr>
-          <a:lstStyle/>
-          <a:p>
-            <a:r>
-              <a:rPr lang="en-US" sz="3200" b="1" dirty="0" err="1" smtClean="0">
-                <a:solidFill>
-                  <a:srgbClr val="FF0000"/>
-                </a:solidFill>
-              </a:rPr>
-              <a:t>C’est</a:t>
-            </a:r>
-            <a:r>
-              <a:rPr lang="en-US" sz="3200" b="1" dirty="0" smtClean="0">
-                <a:solidFill>
-                  <a:srgbClr val="FF0000"/>
-                </a:solidFill>
-              </a:rPr>
-              <a:t> pas quoi faire?????</a:t>
-            </a:r>
-          </a:p>
-          <a:p>
-            <a:r>
-              <a:rPr lang="en-US" sz="3200" b="1" dirty="0" smtClean="0">
-                <a:solidFill>
-                  <a:srgbClr val="FF0000"/>
-                </a:solidFill>
-              </a:rPr>
-              <a:t>Non </a:t>
-            </a:r>
-            <a:r>
-              <a:rPr lang="en-US" sz="3200" b="1" dirty="0" err="1" smtClean="0">
-                <a:solidFill>
-                  <a:srgbClr val="FF0000"/>
-                </a:solidFill>
-              </a:rPr>
-              <a:t>fonctionnel</a:t>
-            </a:r>
-            <a:r>
-              <a:rPr lang="en-US" sz="3200" b="1" dirty="0" smtClean="0">
-                <a:solidFill>
-                  <a:srgbClr val="FF0000"/>
-                </a:solidFill>
-              </a:rPr>
-              <a:t> </a:t>
-            </a:r>
-            <a:r>
-              <a:rPr lang="en-US" sz="3200" b="1" dirty="0" err="1" smtClean="0">
-                <a:solidFill>
-                  <a:srgbClr val="FF0000"/>
-                </a:solidFill>
-              </a:rPr>
-              <a:t>sur</a:t>
-            </a:r>
-            <a:r>
-              <a:rPr lang="en-US" sz="3200" b="1" dirty="0" smtClean="0">
-                <a:solidFill>
-                  <a:srgbClr val="FF0000"/>
-                </a:solidFill>
-              </a:rPr>
-              <a:t> PSIM et SPS</a:t>
-            </a:r>
-            <a:endParaRPr lang="en-US" sz="3200" b="1" dirty="0">
-              <a:solidFill>
-                <a:srgbClr val="FF0000"/>
-              </a:solidFill>
-            </a:endParaRPr>
-          </a:p>
-        </p:txBody>
-      </p:sp>
+      </p:pic>
+      <p:pic>
+        <p:nvPicPr>
+          <p:cNvPr id="1027" name="Picture 3" descr="D:\LiberT\Documents\GitHub\DesignIV\Remise\Documentation_technique\tex\Fig\AFE_45_1.JPG"/>
+          <p:cNvPicPr>
+            <a:picLocks noChangeAspect="1" noChangeArrowheads="1"/>
+          </p:cNvPicPr>
+          <p:nvPr/>
+        </p:nvPicPr>
+        <p:blipFill>
+          <a:blip r:embed="rId3">
+            <a:extLst>
+              <a:ext uri="{28A0092B-C50C-407E-A947-70E740481C1C}">
+                <a14:useLocalDpi xmlns:a14="http://schemas.microsoft.com/office/drawing/2010/main" val="0"/>
+              </a:ext>
+            </a:extLst>
+          </a:blip>
+          <a:srcRect/>
+          <a:stretch>
+            <a:fillRect/>
+          </a:stretch>
+        </p:blipFill>
+        <p:spPr bwMode="auto">
+          <a:xfrm>
+            <a:off x="508734" y="1601121"/>
+            <a:ext cx="4237438" cy="4701708"/>
+          </a:xfrm>
+          <a:prstGeom prst="rect">
+            <a:avLst/>
+          </a:prstGeom>
+          <a:noFill/>
+          <a:extLst>
+            <a:ext uri="{909E8E84-426E-40DD-AFC4-6F175D3DCCD1}">
+              <a14:hiddenFill xmlns:a14="http://schemas.microsoft.com/office/drawing/2010/main">
+                <a:solidFill>
+                  <a:srgbClr val="FFFFFF"/>
+                </a:solidFill>
+              </a14:hiddenFill>
+            </a:ext>
+          </a:extLst>
+        </p:spPr>
+      </p:pic>
     </p:spTree>
     <p:extLst>
       <p:ext uri="{BB962C8B-B14F-4D97-AF65-F5344CB8AC3E}">
@@ -14048,7 +14043,7 @@
   <a:extraClrSchemeLst/>
   <a:extLst>
     <a:ext uri="{05A4C25C-085E-4340-85A3-A5531E510DB2}">
-      <thm15:themeFamily xmlns:thm15="http://schemas.microsoft.com/office/thememl/2012/main" xmlns="" name="Facet" id="{C0C680CD-088A-49FC-A102-D699147F32B2}" vid="{CFBC31BA-B70F-4F30-BCAA-4F3011E16C4D}"/>
+      <thm15:themeFamily xmlns="" xmlns:thm15="http://schemas.microsoft.com/office/thememl/2012/main" name="Facet" id="{C0C680CD-088A-49FC-A102-D699147F32B2}" vid="{CFBC31BA-B70F-4F30-BCAA-4F3011E16C4D}"/>
     </a:ext>
   </a:extLst>
 </a:theme>

--- a/Remise/Remise 3/RAE.pptx
+++ b/Remise/Remise 3/RAE.pptx
@@ -5,7 +5,7 @@
     <p:sldMasterId id="2147483660" r:id="rId1"/>
   </p:sldMasterIdLst>
   <p:notesMasterIdLst>
-    <p:notesMasterId r:id="rId25"/>
+    <p:notesMasterId r:id="rId27"/>
   </p:notesMasterIdLst>
   <p:sldIdLst>
     <p:sldId id="257" r:id="rId2"/>
@@ -27,10 +27,12 @@
     <p:sldId id="274" r:id="rId18"/>
     <p:sldId id="275" r:id="rId19"/>
     <p:sldId id="276" r:id="rId20"/>
-    <p:sldId id="277" r:id="rId21"/>
-    <p:sldId id="278" r:id="rId22"/>
-    <p:sldId id="279" r:id="rId23"/>
-    <p:sldId id="280" r:id="rId24"/>
+    <p:sldId id="278" r:id="rId21"/>
+    <p:sldId id="279" r:id="rId22"/>
+    <p:sldId id="280" r:id="rId23"/>
+    <p:sldId id="284" r:id="rId24"/>
+    <p:sldId id="282" r:id="rId25"/>
+    <p:sldId id="283" r:id="rId26"/>
   </p:sldIdLst>
   <p:sldSz cx="9144000" cy="6858000" type="screen4x3"/>
   <p:notesSz cx="6858000" cy="9144000"/>
@@ -214,7 +216,7 @@
           <a:p>
             <a:fld id="{33F7F89F-35B5-A34B-B7C8-DC49B77156D3}" type="datetimeFigureOut">
               <a:rPr lang="en-US" smtClean="0"/>
-              <a:t>3/30/2014</a:t>
+              <a:t>2014-03-30</a:t>
             </a:fld>
             <a:endParaRPr lang="en-US"/>
           </a:p>
@@ -373,7 +375,7 @@
           <a:p>
             <a:fld id="{B4F8E8CB-F099-334A-97A8-B886ED765ADC}" type="slidenum">
               <a:rPr lang="en-US" smtClean="0"/>
-              <a:t>‹N°›</a:t>
+              <a:t>‹#›</a:t>
             </a:fld>
             <a:endParaRPr lang="en-US"/>
           </a:p>
@@ -725,6 +727,90 @@
     <p:extLst>
       <p:ext uri="{BB962C8B-B14F-4D97-AF65-F5344CB8AC3E}">
         <p14:creationId xmlns:p14="http://schemas.microsoft.com/office/powerpoint/2010/main" val="2666472767"/>
+      </p:ext>
+    </p:extLst>
+  </p:cSld>
+  <p:clrMapOvr>
+    <a:masterClrMapping/>
+  </p:clrMapOvr>
+</p:notes>
+</file>
+
+<file path=ppt/notesSlides/notesSlide4.xml><?xml version="1.0" encoding="utf-8"?>
+<p:notes xmlns:a="http://schemas.openxmlformats.org/drawingml/2006/main" xmlns:r="http://schemas.openxmlformats.org/officeDocument/2006/relationships" xmlns:p="http://schemas.openxmlformats.org/presentationml/2006/main">
+  <p:cSld>
+    <p:spTree>
+      <p:nvGrpSpPr>
+        <p:cNvPr id="1" name=""/>
+        <p:cNvGrpSpPr/>
+        <p:nvPr/>
+      </p:nvGrpSpPr>
+      <p:grpSpPr>
+        <a:xfrm>
+          <a:off x="0" y="0"/>
+          <a:ext cx="0" cy="0"/>
+          <a:chOff x="0" y="0"/>
+          <a:chExt cx="0" cy="0"/>
+        </a:xfrm>
+      </p:grpSpPr>
+      <p:sp>
+        <p:nvSpPr>
+          <p:cNvPr id="2" name="Slide Image Placeholder 1"/>
+          <p:cNvSpPr>
+            <a:spLocks noGrp="1" noRot="1" noChangeAspect="1"/>
+          </p:cNvSpPr>
+          <p:nvPr>
+            <p:ph type="sldImg"/>
+          </p:nvPr>
+        </p:nvSpPr>
+        <p:spPr/>
+      </p:sp>
+      <p:sp>
+        <p:nvSpPr>
+          <p:cNvPr id="3" name="Notes Placeholder 2"/>
+          <p:cNvSpPr>
+            <a:spLocks noGrp="1"/>
+          </p:cNvSpPr>
+          <p:nvPr>
+            <p:ph type="body" idx="1"/>
+          </p:nvPr>
+        </p:nvSpPr>
+        <p:spPr/>
+        <p:txBody>
+          <a:bodyPr/>
+          <a:lstStyle/>
+          <a:p>
+            <a:endParaRPr lang="en-US" dirty="0"/>
+          </a:p>
+        </p:txBody>
+      </p:sp>
+      <p:sp>
+        <p:nvSpPr>
+          <p:cNvPr id="4" name="Slide Number Placeholder 3"/>
+          <p:cNvSpPr>
+            <a:spLocks noGrp="1"/>
+          </p:cNvSpPr>
+          <p:nvPr>
+            <p:ph type="sldNum" sz="quarter" idx="10"/>
+          </p:nvPr>
+        </p:nvSpPr>
+        <p:spPr/>
+        <p:txBody>
+          <a:bodyPr/>
+          <a:lstStyle/>
+          <a:p>
+            <a:fld id="{B4F8E8CB-F099-334A-97A8-B886ED765ADC}" type="slidenum">
+              <a:rPr lang="en-US" smtClean="0"/>
+              <a:t>25</a:t>
+            </a:fld>
+            <a:endParaRPr lang="en-US"/>
+          </a:p>
+        </p:txBody>
+      </p:sp>
+    </p:spTree>
+    <p:extLst>
+      <p:ext uri="{BB962C8B-B14F-4D97-AF65-F5344CB8AC3E}">
+        <p14:creationId xmlns:p14="http://schemas.microsoft.com/office/powerpoint/2010/main" val="4188125628"/>
       </p:ext>
     </p:extLst>
   </p:cSld>
@@ -1464,7 +1550,7 @@
                 <a:latin typeface="Trebuchet MS"/>
               </a:rPr>
               <a:pPr/>
-              <a:t>3/30/2014</a:t>
+              <a:t>2014-03-30</a:t>
             </a:fld>
             <a:endParaRPr lang="en-US">
               <a:solidFill>
@@ -1526,7 +1612,7 @@
                 <a:latin typeface="Trebuchet MS"/>
               </a:rPr>
               <a:pPr/>
-              <a:t>‹N°›</a:t>
+              <a:t>‹#›</a:t>
             </a:fld>
             <a:endParaRPr lang="en-US">
               <a:solidFill>
@@ -1760,7 +1846,7 @@
                 <a:latin typeface="Trebuchet MS"/>
               </a:rPr>
               <a:pPr/>
-              <a:t>3/30/2014</a:t>
+              <a:t>2014-03-30</a:t>
             </a:fld>
             <a:endParaRPr lang="en-US">
               <a:solidFill>
@@ -1822,7 +1908,7 @@
                 <a:latin typeface="Trebuchet MS"/>
               </a:rPr>
               <a:pPr/>
-              <a:t>‹N°›</a:t>
+              <a:t>‹#›</a:t>
             </a:fld>
             <a:endParaRPr lang="en-US">
               <a:solidFill>
@@ -2044,7 +2130,7 @@
                 <a:latin typeface="Trebuchet MS"/>
               </a:rPr>
               <a:pPr/>
-              <a:t>3/30/2014</a:t>
+              <a:t>2014-03-30</a:t>
             </a:fld>
             <a:endParaRPr lang="en-US">
               <a:solidFill>
@@ -2106,7 +2192,7 @@
                 <a:latin typeface="Trebuchet MS"/>
               </a:rPr>
               <a:pPr/>
-              <a:t>‹N°›</a:t>
+              <a:t>‹#›</a:t>
             </a:fld>
             <a:endParaRPr lang="en-US">
               <a:solidFill>
@@ -2391,7 +2477,7 @@
                 <a:latin typeface="Trebuchet MS"/>
               </a:rPr>
               <a:pPr/>
-              <a:t>3/30/2014</a:t>
+              <a:t>2014-03-30</a:t>
             </a:fld>
             <a:endParaRPr lang="en-US">
               <a:solidFill>
@@ -2453,7 +2539,7 @@
                 <a:latin typeface="Trebuchet MS"/>
               </a:rPr>
               <a:pPr/>
-              <a:t>‹N°›</a:t>
+              <a:t>‹#›</a:t>
             </a:fld>
             <a:endParaRPr lang="en-US">
               <a:solidFill>
@@ -2764,7 +2850,7 @@
                 <a:latin typeface="Trebuchet MS"/>
               </a:rPr>
               <a:pPr/>
-              <a:t>3/30/2014</a:t>
+              <a:t>2014-03-30</a:t>
             </a:fld>
             <a:endParaRPr lang="en-US">
               <a:solidFill>
@@ -2826,7 +2912,7 @@
                 <a:latin typeface="Trebuchet MS"/>
               </a:rPr>
               <a:pPr/>
-              <a:t>‹N°›</a:t>
+              <a:t>‹#›</a:t>
             </a:fld>
             <a:endParaRPr lang="en-US">
               <a:solidFill>
@@ -3111,7 +3197,7 @@
                 <a:latin typeface="Trebuchet MS"/>
               </a:rPr>
               <a:pPr/>
-              <a:t>3/30/2014</a:t>
+              <a:t>2014-03-30</a:t>
             </a:fld>
             <a:endParaRPr lang="en-US">
               <a:solidFill>
@@ -3173,7 +3259,7 @@
                 <a:latin typeface="Trebuchet MS"/>
               </a:rPr>
               <a:pPr/>
-              <a:t>‹N°›</a:t>
+              <a:t>‹#›</a:t>
             </a:fld>
             <a:endParaRPr lang="en-US">
               <a:solidFill>
@@ -3535,7 +3621,7 @@
                 <a:latin typeface="Trebuchet MS"/>
               </a:rPr>
               <a:pPr/>
-              <a:t>3/30/2014</a:t>
+              <a:t>2014-03-30</a:t>
             </a:fld>
             <a:endParaRPr lang="en-US">
               <a:solidFill>
@@ -3597,7 +3683,7 @@
                 <a:latin typeface="Trebuchet MS"/>
               </a:rPr>
               <a:pPr/>
-              <a:t>‹N°›</a:t>
+              <a:t>‹#›</a:t>
             </a:fld>
             <a:endParaRPr lang="en-US">
               <a:solidFill>
@@ -3738,7 +3824,7 @@
                 <a:latin typeface="Trebuchet MS"/>
               </a:rPr>
               <a:pPr/>
-              <a:t>3/30/2014</a:t>
+              <a:t>2014-03-30</a:t>
             </a:fld>
             <a:endParaRPr lang="en-US">
               <a:solidFill>
@@ -3800,7 +3886,7 @@
                 <a:latin typeface="Trebuchet MS"/>
               </a:rPr>
               <a:pPr/>
-              <a:t>‹N°›</a:t>
+              <a:t>‹#›</a:t>
             </a:fld>
             <a:endParaRPr lang="en-US">
               <a:solidFill>
@@ -3951,7 +4037,7 @@
                 <a:latin typeface="Trebuchet MS"/>
               </a:rPr>
               <a:pPr/>
-              <a:t>3/30/2014</a:t>
+              <a:t>2014-03-30</a:t>
             </a:fld>
             <a:endParaRPr lang="en-US">
               <a:solidFill>
@@ -4013,7 +4099,7 @@
                 <a:latin typeface="Trebuchet MS"/>
               </a:rPr>
               <a:pPr/>
-              <a:t>‹N°›</a:t>
+              <a:t>‹#›</a:t>
             </a:fld>
             <a:endParaRPr lang="en-US">
               <a:solidFill>
@@ -4241,7 +4327,7 @@
                 <a:latin typeface="Trebuchet MS"/>
               </a:rPr>
               <a:pPr/>
-              <a:t>3/30/2014</a:t>
+              <a:t>2014-03-30</a:t>
             </a:fld>
             <a:endParaRPr lang="en-US" dirty="0">
               <a:solidFill>
@@ -4303,7 +4389,7 @@
                 <a:latin typeface="Trebuchet MS"/>
               </a:rPr>
               <a:pPr/>
-              <a:t>‹N°›</a:t>
+              <a:t>‹#›</a:t>
             </a:fld>
             <a:endParaRPr lang="en-US" dirty="0">
               <a:solidFill>
@@ -4450,7 +4536,7 @@
                 <a:latin typeface="Trebuchet MS"/>
               </a:rPr>
               <a:pPr/>
-              <a:t>3/30/2014</a:t>
+              <a:t>2014-03-30</a:t>
             </a:fld>
             <a:endParaRPr lang="en-US">
               <a:solidFill>
@@ -4512,7 +4598,7 @@
                 <a:latin typeface="Trebuchet MS"/>
               </a:rPr>
               <a:pPr/>
-              <a:t>‹N°›</a:t>
+              <a:t>‹#›</a:t>
             </a:fld>
             <a:endParaRPr lang="en-US">
               <a:solidFill>
@@ -4730,7 +4816,7 @@
                 <a:latin typeface="Trebuchet MS"/>
               </a:rPr>
               <a:pPr/>
-              <a:t>3/30/2014</a:t>
+              <a:t>2014-03-30</a:t>
             </a:fld>
             <a:endParaRPr lang="en-US">
               <a:solidFill>
@@ -4792,7 +4878,7 @@
                 <a:latin typeface="Trebuchet MS"/>
               </a:rPr>
               <a:pPr/>
-              <a:t>‹N°›</a:t>
+              <a:t>‹#›</a:t>
             </a:fld>
             <a:endParaRPr lang="en-US">
               <a:solidFill>
@@ -4995,7 +5081,7 @@
                 <a:latin typeface="Trebuchet MS"/>
               </a:rPr>
               <a:pPr/>
-              <a:t>3/30/2014</a:t>
+              <a:t>2014-03-30</a:t>
             </a:fld>
             <a:endParaRPr lang="en-US">
               <a:solidFill>
@@ -5057,7 +5143,7 @@
                 <a:latin typeface="Trebuchet MS"/>
               </a:rPr>
               <a:pPr/>
-              <a:t>‹N°›</a:t>
+              <a:t>‹#›</a:t>
             </a:fld>
             <a:endParaRPr lang="en-US">
               <a:solidFill>
@@ -5402,7 +5488,7 @@
                 <a:latin typeface="Trebuchet MS"/>
               </a:rPr>
               <a:pPr/>
-              <a:t>3/30/2014</a:t>
+              <a:t>2014-03-30</a:t>
             </a:fld>
             <a:endParaRPr lang="en-US">
               <a:solidFill>
@@ -5464,7 +5550,7 @@
                 <a:latin typeface="Trebuchet MS"/>
               </a:rPr>
               <a:pPr/>
-              <a:t>‹N°›</a:t>
+              <a:t>‹#›</a:t>
             </a:fld>
             <a:endParaRPr lang="en-US">
               <a:solidFill>
@@ -5558,7 +5644,7 @@
                 <a:latin typeface="Trebuchet MS"/>
               </a:rPr>
               <a:pPr/>
-              <a:t>3/30/2014</a:t>
+              <a:t>2014-03-30</a:t>
             </a:fld>
             <a:endParaRPr lang="en-US">
               <a:solidFill>
@@ -5620,7 +5706,7 @@
                 <a:latin typeface="Trebuchet MS"/>
               </a:rPr>
               <a:pPr/>
-              <a:t>‹N°›</a:t>
+              <a:t>‹#›</a:t>
             </a:fld>
             <a:endParaRPr lang="en-US">
               <a:solidFill>
@@ -5686,7 +5772,7 @@
                 <a:latin typeface="Trebuchet MS"/>
               </a:rPr>
               <a:pPr/>
-              <a:t>3/30/2014</a:t>
+              <a:t>2014-03-30</a:t>
             </a:fld>
             <a:endParaRPr lang="en-US">
               <a:solidFill>
@@ -5748,7 +5834,7 @@
                 <a:latin typeface="Trebuchet MS"/>
               </a:rPr>
               <a:pPr/>
-              <a:t>‹N°›</a:t>
+              <a:t>‹#›</a:t>
             </a:fld>
             <a:endParaRPr lang="en-US">
               <a:solidFill>
@@ -5819,7 +5905,7 @@
                 <a:latin typeface="Trebuchet MS"/>
               </a:rPr>
               <a:pPr/>
-              <a:t>3/30/2014</a:t>
+              <a:t>2014-03-30</a:t>
             </a:fld>
             <a:endParaRPr lang="en-US" dirty="0">
               <a:solidFill>
@@ -5891,7 +5977,7 @@
                 <a:latin typeface="Trebuchet MS"/>
               </a:rPr>
               <a:pPr/>
-              <a:t>‹N°›</a:t>
+              <a:t>‹#›</a:t>
             </a:fld>
             <a:endParaRPr lang="en-US">
               <a:solidFill>
@@ -6647,7 +6733,7 @@
                 <a:latin typeface="Trebuchet MS"/>
               </a:rPr>
               <a:pPr/>
-              <a:t>3/30/2014</a:t>
+              <a:t>2014-03-30</a:t>
             </a:fld>
             <a:endParaRPr lang="en-US">
               <a:solidFill>
@@ -6709,7 +6795,7 @@
                 <a:latin typeface="Trebuchet MS"/>
               </a:rPr>
               <a:pPr/>
-              <a:t>‹N°›</a:t>
+              <a:t>‹#›</a:t>
             </a:fld>
             <a:endParaRPr lang="en-US">
               <a:solidFill>
@@ -7443,7 +7529,7 @@
                 <a:latin typeface="Trebuchet MS"/>
               </a:rPr>
               <a:pPr defTabSz="914400"/>
-              <a:t>3/30/2014</a:t>
+              <a:t>2014-03-30</a:t>
             </a:fld>
             <a:endParaRPr lang="en-US">
               <a:solidFill>
@@ -7541,7 +7627,7 @@
                 <a:latin typeface="Trebuchet MS"/>
               </a:rPr>
               <a:pPr defTabSz="914400"/>
-              <a:t>‹N°›</a:t>
+              <a:t>‹#›</a:t>
             </a:fld>
             <a:endParaRPr lang="en-US">
               <a:solidFill>
@@ -8091,7 +8177,7 @@
   <p:timing>
     <p:tnLst>
       <p:par>
-        <p:cTn id="1" dur="indefinite" restart="never" nodeType="tmRoot"/>
+        <p:cTn xmlns:p14="http://schemas.microsoft.com/office/powerpoint/2010/main" id="1" dur="indefinite" restart="never" nodeType="tmRoot"/>
       </p:par>
     </p:tnLst>
   </p:timing>
@@ -8292,7 +8378,7 @@
           </a:prstGeom>
           <a:noFill/>
           <a:extLst>
-            <a:ext uri="{909E8E84-426E-40DD-AFC4-6F175D3DCCD1}">
+            <a:ext uri="{909E8E84-426E-40dd-AFC4-6F175D3DCCD1}">
               <a14:hiddenFill xmlns:a14="http://schemas.microsoft.com/office/drawing/2010/main">
                 <a:solidFill>
                   <a:srgbClr val="FFFFFF"/>
@@ -8333,7 +8419,7 @@
           </a:prstGeom>
           <a:noFill/>
           <a:extLst>
-            <a:ext uri="{909E8E84-426E-40DD-AFC4-6F175D3DCCD1}">
+            <a:ext uri="{909E8E84-426E-40dd-AFC4-6F175D3DCCD1}">
               <a14:hiddenFill xmlns:a14="http://schemas.microsoft.com/office/drawing/2010/main">
                 <a:solidFill>
                   <a:srgbClr val="FFFFFF"/>
@@ -8801,7 +8887,7 @@
           <a:p>
             <a:r>
               <a:rPr lang="en-US" dirty="0" smtClean="0"/>
-              <a:t>AFE 3 </a:t>
+              <a:t>DCP/DCN 3 </a:t>
             </a:r>
             <a:r>
               <a:rPr lang="en-US" dirty="0" err="1" smtClean="0"/>
@@ -8809,7 +8895,11 @@
             </a:r>
             <a:r>
               <a:rPr lang="en-US" dirty="0" smtClean="0"/>
-              <a:t> NPC avec source </a:t>
+              <a:t> </a:t>
+            </a:r>
+            <a:r>
+              <a:rPr lang="en-US" dirty="0" smtClean="0"/>
+              <a:t>NPC avec source </a:t>
             </a:r>
             <a:r>
               <a:rPr lang="en-US" dirty="0" err="1" smtClean="0"/>
@@ -8841,7 +8931,7 @@
         </p:blipFill>
         <p:spPr>
           <a:xfrm>
-            <a:off x="0" y="1079500"/>
+            <a:off x="0" y="1062567"/>
             <a:ext cx="8612822" cy="4402295"/>
           </a:xfrm>
           <a:prstGeom prst="rect">
@@ -8978,7 +9068,7 @@
         <p:spPr>
           <a:xfrm>
             <a:off x="508001" y="170037"/>
-            <a:ext cx="6447501" cy="1320800"/>
+            <a:ext cx="7484532" cy="1320800"/>
           </a:xfrm>
         </p:spPr>
         <p:txBody>
@@ -9061,11 +9151,27 @@
             </a:r>
             <a:r>
               <a:rPr lang="en-US" sz="2400" dirty="0" smtClean="0"/>
-              <a:t> cross </a:t>
+              <a:t> </a:t>
+            </a:r>
+            <a:r>
+              <a:rPr lang="en-US" sz="2400" dirty="0" smtClean="0"/>
+              <a:t>(cross-</a:t>
             </a:r>
             <a:r>
               <a:rPr lang="en-US" sz="2400" dirty="0" err="1" smtClean="0"/>
               <a:t>validé</a:t>
+            </a:r>
+            <a:r>
+              <a:rPr lang="en-US" sz="2400" dirty="0" smtClean="0"/>
+              <a:t> </a:t>
+            </a:r>
+            <a:r>
+              <a:rPr lang="en-US" sz="2400" dirty="0" err="1" smtClean="0"/>
+              <a:t>Psim</a:t>
+            </a:r>
+            <a:r>
+              <a:rPr lang="en-US" sz="2400" dirty="0" smtClean="0"/>
+              <a:t> et SPS)</a:t>
             </a:r>
             <a:endParaRPr lang="en-US" sz="2400" baseline="-25000" dirty="0"/>
           </a:p>
@@ -9102,7 +9208,7 @@
           </a:prstGeom>
           <a:noFill/>
           <a:extLst>
-            <a:ext uri="{909E8E84-426E-40DD-AFC4-6F175D3DCCD1}">
+            <a:ext uri="{909E8E84-426E-40dd-AFC4-6F175D3DCCD1}">
               <a14:hiddenFill xmlns:a14="http://schemas.microsoft.com/office/drawing/2010/main">
                 <a:solidFill>
                   <a:srgbClr val="FFFFFF"/>
@@ -9260,11 +9366,27 @@
             </a:r>
             <a:r>
               <a:rPr lang="en-US" sz="2400" dirty="0" smtClean="0"/>
-              <a:t> de courant cross </a:t>
-            </a:r>
-            <a:r>
-              <a:rPr lang="en-US" sz="2400" dirty="0" err="1" smtClean="0"/>
+              <a:t> de courant </a:t>
+            </a:r>
+            <a:r>
+              <a:rPr lang="en-US" sz="2400" dirty="0"/>
+              <a:t>(cross-</a:t>
+            </a:r>
+            <a:r>
+              <a:rPr lang="en-US" sz="2400" dirty="0" err="1"/>
               <a:t>validé</a:t>
+            </a:r>
+            <a:r>
+              <a:rPr lang="en-US" sz="2400" dirty="0"/>
+              <a:t> </a:t>
+            </a:r>
+            <a:r>
+              <a:rPr lang="en-US" sz="2400" dirty="0" err="1"/>
+              <a:t>Psim</a:t>
+            </a:r>
+            <a:r>
+              <a:rPr lang="en-US" sz="2400" dirty="0"/>
+              <a:t> et SPS)</a:t>
             </a:r>
             <a:endParaRPr lang="en-US" sz="2400" baseline="-25000" dirty="0"/>
           </a:p>
@@ -9301,7 +9423,7 @@
           </a:prstGeom>
           <a:noFill/>
           <a:extLst>
-            <a:ext uri="{909E8E84-426E-40DD-AFC4-6F175D3DCCD1}">
+            <a:ext uri="{909E8E84-426E-40dd-AFC4-6F175D3DCCD1}">
               <a14:hiddenFill xmlns:a14="http://schemas.microsoft.com/office/drawing/2010/main">
                 <a:solidFill>
                   <a:srgbClr val="FFFFFF"/>
@@ -9419,55 +9541,43 @@
             </a:r>
             <a:r>
               <a:rPr lang="en-US" sz="2400" dirty="0" err="1" smtClean="0"/>
-              <a:t>Alimenter</a:t>
+              <a:t>Calcul</a:t>
             </a:r>
             <a:r>
               <a:rPr lang="en-US" sz="2400" dirty="0" smtClean="0"/>
-              <a:t> les </a:t>
+              <a:t> de tension </a:t>
             </a:r>
             <a:r>
               <a:rPr lang="en-US" sz="2400" dirty="0" err="1" smtClean="0"/>
-              <a:t>électroaimants</a:t>
-            </a:r>
-            <a:r>
-              <a:rPr lang="en-US" sz="2400" dirty="0" smtClean="0"/>
-              <a:t> de </a:t>
-            </a:r>
-            <a:r>
-              <a:rPr lang="en-US" sz="2400" dirty="0" err="1" smtClean="0"/>
-              <a:t>l’accélérateur</a:t>
-            </a:r>
-            <a:r>
-              <a:rPr lang="en-US" sz="2400" dirty="0" smtClean="0"/>
-              <a:t> de </a:t>
-            </a:r>
-            <a:r>
-              <a:rPr lang="en-US" sz="2400" dirty="0" err="1" smtClean="0"/>
-              <a:t>particules</a:t>
-            </a:r>
-            <a:r>
-              <a:rPr lang="en-US" sz="2400" dirty="0" smtClean="0"/>
-              <a:t> avec </a:t>
-            </a:r>
-            <a:r>
-              <a:rPr lang="en-US" sz="2400" dirty="0" err="1" smtClean="0"/>
-              <a:t>une</a:t>
+              <a:t>moyenne</a:t>
             </a:r>
             <a:r>
               <a:rPr lang="en-US" sz="2400" dirty="0" smtClean="0"/>
               <a:t> </a:t>
             </a:r>
             <a:r>
-              <a:rPr lang="en-US" sz="2400" dirty="0" err="1" smtClean="0"/>
-              <a:t>forme</a:t>
-            </a:r>
-            <a:r>
               <a:rPr lang="en-US" sz="2400" dirty="0" smtClean="0"/>
-              <a:t> de courant cross </a:t>
-            </a:r>
-            <a:r>
-              <a:rPr lang="en-US" sz="2400" dirty="0" err="1" smtClean="0"/>
+              <a:t>(</a:t>
+            </a:r>
+            <a:r>
+              <a:rPr lang="en-US" sz="2400" dirty="0"/>
+              <a:t>cross-</a:t>
+            </a:r>
+            <a:r>
+              <a:rPr lang="en-US" sz="2400" dirty="0" err="1"/>
               <a:t>validé</a:t>
+            </a:r>
+            <a:r>
+              <a:rPr lang="en-US" sz="2400" dirty="0"/>
+              <a:t> </a:t>
+            </a:r>
+            <a:r>
+              <a:rPr lang="en-US" sz="2400" dirty="0" err="1"/>
+              <a:t>Psim</a:t>
+            </a:r>
+            <a:r>
+              <a:rPr lang="en-US" sz="2400" dirty="0"/>
+              <a:t> et SPS)</a:t>
             </a:r>
             <a:endParaRPr lang="en-US" sz="2400" baseline="-25000" dirty="0"/>
           </a:p>
@@ -9504,7 +9614,7 @@
           </a:prstGeom>
           <a:noFill/>
           <a:extLst>
-            <a:ext uri="{909E8E84-426E-40DD-AFC4-6F175D3DCCD1}">
+            <a:ext uri="{909E8E84-426E-40dd-AFC4-6F175D3DCCD1}">
               <a14:hiddenFill xmlns:a14="http://schemas.microsoft.com/office/drawing/2010/main">
                 <a:solidFill>
                   <a:srgbClr val="FFFFFF"/>
@@ -9537,7 +9647,7 @@
         </p:blipFill>
         <p:spPr bwMode="auto">
           <a:xfrm>
-            <a:off x="226105" y="1434542"/>
+            <a:off x="226105" y="1400676"/>
             <a:ext cx="8917895" cy="2000250"/>
           </a:xfrm>
           <a:prstGeom prst="rect">
@@ -9545,7 +9655,7 @@
           </a:prstGeom>
           <a:noFill/>
           <a:extLst>
-            <a:ext uri="{909E8E84-426E-40DD-AFC4-6F175D3DCCD1}">
+            <a:ext uri="{909E8E84-426E-40dd-AFC4-6F175D3DCCD1}">
               <a14:hiddenFill xmlns:a14="http://schemas.microsoft.com/office/drawing/2010/main">
                 <a:solidFill>
                   <a:srgbClr val="FFFFFF"/>
@@ -9664,7 +9774,7 @@
         <p:spPr>
           <a:xfrm>
             <a:off x="1323739" y="6159044"/>
-            <a:ext cx="7728398" cy="461665"/>
+            <a:ext cx="7757051" cy="461665"/>
           </a:xfrm>
           <a:prstGeom prst="rect">
             <a:avLst/>
@@ -9699,7 +9809,11 @@
             </a:r>
             <a:r>
               <a:rPr lang="en-CA" sz="2400" dirty="0" smtClean="0"/>
-              <a:t> un sinus 1Khz, 100Vcrête et 50Vdc</a:t>
+              <a:t> un sinus 1Khz, 100Vcrête et </a:t>
+            </a:r>
+            <a:r>
+              <a:rPr lang="en-CA" sz="2400" dirty="0" smtClean="0"/>
+              <a:t>50VCC</a:t>
             </a:r>
             <a:endParaRPr lang="fr-CA" sz="2400" dirty="0"/>
           </a:p>
@@ -9778,56 +9892,24 @@
               <a:t>: </a:t>
             </a:r>
             <a:r>
+              <a:rPr lang="en-US" sz="2400" dirty="0" smtClean="0"/>
+              <a:t>Implantation du </a:t>
+            </a:r>
+            <a:r>
+              <a:rPr lang="en-US" sz="2400" dirty="0" err="1"/>
+              <a:t>c</a:t>
+            </a:r>
+            <a:r>
               <a:rPr lang="en-US" sz="2400" dirty="0" err="1" smtClean="0"/>
-              <a:t>Alimenter</a:t>
+              <a:t>alcul</a:t>
             </a:r>
             <a:r>
               <a:rPr lang="en-US" sz="2400" dirty="0" smtClean="0"/>
-              <a:t> les </a:t>
+              <a:t> de tension </a:t>
             </a:r>
             <a:r>
               <a:rPr lang="en-US" sz="2400" dirty="0" err="1" smtClean="0"/>
-              <a:t>électroaimants</a:t>
-            </a:r>
-            <a:r>
-              <a:rPr lang="en-US" sz="2400" dirty="0" smtClean="0"/>
-              <a:t> de </a:t>
-            </a:r>
-            <a:r>
-              <a:rPr lang="en-US" sz="2400" dirty="0" err="1" smtClean="0"/>
-              <a:t>l’accélérateur</a:t>
-            </a:r>
-            <a:r>
-              <a:rPr lang="en-US" sz="2400" dirty="0" smtClean="0"/>
-              <a:t> de </a:t>
-            </a:r>
-            <a:r>
-              <a:rPr lang="en-US" sz="2400" dirty="0" err="1" smtClean="0"/>
-              <a:t>particules</a:t>
-            </a:r>
-            <a:r>
-              <a:rPr lang="en-US" sz="2400" dirty="0" smtClean="0"/>
-              <a:t> avec </a:t>
-            </a:r>
-            <a:r>
-              <a:rPr lang="en-US" sz="2400" dirty="0" err="1" smtClean="0"/>
-              <a:t>une</a:t>
-            </a:r>
-            <a:r>
-              <a:rPr lang="en-US" sz="2400" dirty="0" smtClean="0"/>
-              <a:t> </a:t>
-            </a:r>
-            <a:r>
-              <a:rPr lang="en-US" sz="2400" dirty="0" err="1" smtClean="0"/>
-              <a:t>forme</a:t>
-            </a:r>
-            <a:r>
-              <a:rPr lang="en-US" sz="2400" dirty="0" smtClean="0"/>
-              <a:t> de courant cross </a:t>
-            </a:r>
-            <a:r>
-              <a:rPr lang="en-US" sz="2400" dirty="0" err="1" smtClean="0"/>
-              <a:t>validé</a:t>
+              <a:t>moyenne</a:t>
             </a:r>
             <a:endParaRPr lang="en-US" sz="2400" baseline="-25000" dirty="0"/>
           </a:p>
@@ -9856,7 +9938,7 @@
         </p:blipFill>
         <p:spPr bwMode="auto">
           <a:xfrm>
-            <a:off x="693057" y="1967367"/>
+            <a:off x="693057" y="1154567"/>
             <a:ext cx="7569199" cy="3040061"/>
           </a:xfrm>
           <a:prstGeom prst="rect">
@@ -9864,7 +9946,7 @@
           </a:prstGeom>
           <a:noFill/>
           <a:extLst>
-            <a:ext uri="{909E8E84-426E-40DD-AFC4-6F175D3DCCD1}">
+            <a:ext uri="{909E8E84-426E-40dd-AFC4-6F175D3DCCD1}">
               <a14:hiddenFill xmlns:a14="http://schemas.microsoft.com/office/drawing/2010/main">
                 <a:solidFill>
                   <a:srgbClr val="FFFFFF"/>
@@ -9882,8 +9964,8 @@
         </p:nvSpPr>
         <p:spPr>
           <a:xfrm>
-            <a:off x="416288" y="5198120"/>
-            <a:ext cx="8122736" cy="461665"/>
+            <a:off x="416288" y="4351453"/>
+            <a:ext cx="9574556" cy="461665"/>
           </a:xfrm>
           <a:prstGeom prst="rect">
             <a:avLst/>
@@ -9897,12 +9979,16 @@
           <a:lstStyle/>
           <a:p>
             <a:r>
+              <a:rPr lang="en-CA" sz="2400" dirty="0" smtClean="0"/>
+              <a:t>Bloc </a:t>
+            </a:r>
+            <a:r>
               <a:rPr lang="en-CA" sz="2400" dirty="0" err="1" smtClean="0"/>
-              <a:t>Fonction</a:t>
+              <a:t>élémentaire</a:t>
             </a:r>
             <a:r>
               <a:rPr lang="en-CA" sz="2400" dirty="0" smtClean="0"/>
-              <a:t> du </a:t>
+              <a:t> de </a:t>
             </a:r>
             <a:r>
               <a:rPr lang="en-CA" sz="2400" dirty="0" err="1" smtClean="0"/>
@@ -9921,16 +10007,28 @@
               <a:t> </a:t>
             </a:r>
             <a:r>
+              <a:rPr lang="en-CA" sz="2400" dirty="0" smtClean="0"/>
+              <a:t>(</a:t>
+            </a:r>
+            <a:r>
               <a:rPr lang="en-CA" sz="2400" dirty="0" err="1" smtClean="0"/>
               <a:t>cascadé</a:t>
             </a:r>
             <a:r>
               <a:rPr lang="en-CA" sz="2400" dirty="0" smtClean="0"/>
-              <a:t> 10 </a:t>
+              <a:t> </a:t>
+            </a:r>
+            <a:r>
+              <a:rPr lang="en-CA" sz="2400" dirty="0" smtClean="0"/>
+              <a:t>10 </a:t>
             </a:r>
             <a:r>
               <a:rPr lang="en-CA" sz="2400" dirty="0" err="1" smtClean="0"/>
               <a:t>fois</a:t>
+            </a:r>
+            <a:r>
+              <a:rPr lang="en-CA" sz="2400" dirty="0" smtClean="0"/>
+              <a:t>)</a:t>
             </a:r>
             <a:endParaRPr lang="fr-CA" sz="2400" dirty="0"/>
           </a:p>
@@ -10095,7 +10193,7 @@
           </a:prstGeom>
           <a:noFill/>
           <a:extLst>
-            <a:ext uri="{909E8E84-426E-40DD-AFC4-6F175D3DCCD1}">
+            <a:ext uri="{909E8E84-426E-40dd-AFC4-6F175D3DCCD1}">
               <a14:hiddenFill xmlns:a14="http://schemas.microsoft.com/office/drawing/2010/main">
                 <a:solidFill>
                   <a:srgbClr val="FFFFFF"/>
@@ -10292,40 +10390,12 @@
               <a:t>: </a:t>
             </a:r>
             <a:r>
+              <a:rPr lang="en-US" sz="2400" dirty="0" smtClean="0"/>
+              <a:t>Tension </a:t>
+            </a:r>
+            <a:r>
               <a:rPr lang="en-US" sz="2400" dirty="0" err="1" smtClean="0"/>
-              <a:t>Alimenter</a:t>
-            </a:r>
-            <a:r>
-              <a:rPr lang="en-US" sz="2400" dirty="0" smtClean="0"/>
-              <a:t> les </a:t>
-            </a:r>
-            <a:r>
-              <a:rPr lang="en-US" sz="2400" dirty="0" err="1" smtClean="0"/>
-              <a:t>électroaimants</a:t>
-            </a:r>
-            <a:r>
-              <a:rPr lang="en-US" sz="2400" dirty="0" smtClean="0"/>
-              <a:t> de </a:t>
-            </a:r>
-            <a:r>
-              <a:rPr lang="en-US" sz="2400" dirty="0" err="1" smtClean="0"/>
-              <a:t>l’accélérateur</a:t>
-            </a:r>
-            <a:r>
-              <a:rPr lang="en-US" sz="2400" dirty="0" smtClean="0"/>
-              <a:t> de </a:t>
-            </a:r>
-            <a:r>
-              <a:rPr lang="en-US" sz="2400" dirty="0" err="1" smtClean="0"/>
-              <a:t>particules</a:t>
-            </a:r>
-            <a:r>
-              <a:rPr lang="en-US" sz="2400" dirty="0" smtClean="0"/>
-              <a:t> avec </a:t>
-            </a:r>
-            <a:r>
-              <a:rPr lang="en-US" sz="2400" dirty="0" err="1" smtClean="0"/>
-              <a:t>une</a:t>
+              <a:t>moyenne</a:t>
             </a:r>
             <a:r>
               <a:rPr lang="en-US" sz="2400" dirty="0" smtClean="0"/>
@@ -10333,15 +10403,27 @@
             </a:r>
             <a:r>
               <a:rPr lang="en-US" sz="2400" dirty="0" err="1" smtClean="0"/>
-              <a:t>forme</a:t>
+              <a:t>à</a:t>
             </a:r>
             <a:r>
               <a:rPr lang="en-US" sz="2400" dirty="0" smtClean="0"/>
-              <a:t> de courant cross </a:t>
+              <a:t> la charge (cross-</a:t>
             </a:r>
             <a:r>
               <a:rPr lang="en-US" sz="2400" dirty="0" err="1" smtClean="0"/>
               <a:t>validé</a:t>
+            </a:r>
+            <a:r>
+              <a:rPr lang="en-US" sz="2400" dirty="0" smtClean="0"/>
+              <a:t> </a:t>
+            </a:r>
+            <a:r>
+              <a:rPr lang="en-US" sz="2400" dirty="0" err="1" smtClean="0"/>
+              <a:t>Psim</a:t>
+            </a:r>
+            <a:r>
+              <a:rPr lang="en-US" sz="2400" dirty="0" smtClean="0"/>
+              <a:t>-SPS)</a:t>
             </a:r>
             <a:endParaRPr lang="en-US" sz="2400" baseline="-25000" dirty="0"/>
           </a:p>
@@ -10370,7 +10452,7 @@
         </p:blipFill>
         <p:spPr bwMode="auto">
           <a:xfrm>
-            <a:off x="508001" y="1490837"/>
+            <a:off x="508001" y="965904"/>
             <a:ext cx="8777513" cy="5219700"/>
           </a:xfrm>
           <a:prstGeom prst="rect">
@@ -10378,7 +10460,7 @@
           </a:prstGeom>
           <a:noFill/>
           <a:extLst>
-            <a:ext uri="{909E8E84-426E-40DD-AFC4-6F175D3DCCD1}">
+            <a:ext uri="{909E8E84-426E-40dd-AFC4-6F175D3DCCD1}">
               <a14:hiddenFill xmlns:a14="http://schemas.microsoft.com/office/drawing/2010/main">
                 <a:solidFill>
                   <a:srgbClr val="FFFFFF"/>
@@ -10396,7 +10478,7 @@
         </p:nvSpPr>
         <p:spPr>
           <a:xfrm>
-            <a:off x="3270970" y="1990697"/>
+            <a:off x="3270970" y="1504662"/>
             <a:ext cx="4165051" cy="461665"/>
           </a:xfrm>
           <a:prstGeom prst="rect">
@@ -10632,14 +10714,14 @@
             <a:noFill/>
           </a:ln>
           <a:extLst>
-            <a:ext uri="{909E8E84-426E-40DD-AFC4-6F175D3DCCD1}">
+            <a:ext uri="{909E8E84-426E-40dd-AFC4-6F175D3DCCD1}">
               <a14:hiddenFill xmlns:a14="http://schemas.microsoft.com/office/drawing/2010/main">
                 <a:solidFill>
                   <a:srgbClr val="FFFFFF"/>
                 </a:solidFill>
               </a14:hiddenFill>
             </a:ext>
-            <a:ext uri="{91240B29-F687-4F45-9708-019B960494DF}">
+            <a:ext uri="{91240B29-F687-4f45-9708-019B960494DF}">
               <a14:hiddenLine xmlns:a14="http://schemas.microsoft.com/office/drawing/2010/main" w="9525">
                 <a:solidFill>
                   <a:srgbClr val="000000"/>
@@ -10719,7 +10801,7 @@
   <p:timing>
     <p:tnLst>
       <p:par>
-        <p:cTn id="1" dur="indefinite" restart="never" nodeType="tmRoot"/>
+        <p:cTn xmlns:p14="http://schemas.microsoft.com/office/powerpoint/2010/main" id="1" dur="indefinite" restart="never" nodeType="tmRoot"/>
       </p:par>
     </p:tnLst>
   </p:timing>
@@ -10843,7 +10925,7 @@
       </p:sp>
       <p:pic>
         <p:nvPicPr>
-          <p:cNvPr id="7171" name="Picture 3" descr="D:\LiberT\Documents\GitHub\DesignIV\Remise\Documentation_technique\tex\Fig\erre_ten_fen.JPG"/>
+          <p:cNvPr id="8194" name="Picture 2" descr="D:\LiberT\Documents\GitHub\DesignIV\Remise\Documentation_technique\tex\Fig\err_ten_imp.JPG"/>
           <p:cNvPicPr>
             <a:picLocks noChangeAspect="1" noChangeArrowheads="1"/>
           </p:cNvPicPr>
@@ -10864,15 +10946,15 @@
         </p:blipFill>
         <p:spPr bwMode="auto">
           <a:xfrm>
-            <a:off x="508000" y="1632857"/>
-            <a:ext cx="9177131" cy="4724400"/>
+            <a:off x="304800" y="1506675"/>
+            <a:ext cx="9231086" cy="5114925"/>
           </a:xfrm>
           <a:prstGeom prst="rect">
             <a:avLst/>
           </a:prstGeom>
           <a:noFill/>
           <a:extLst>
-            <a:ext uri="{909E8E84-426E-40DD-AFC4-6F175D3DCCD1}">
+            <a:ext uri="{909E8E84-426E-40dd-AFC4-6F175D3DCCD1}">
               <a14:hiddenFill xmlns:a14="http://schemas.microsoft.com/office/drawing/2010/main">
                 <a:solidFill>
                   <a:srgbClr val="FFFFFF"/>
@@ -10890,7 +10972,7 @@
         </p:nvSpPr>
         <p:spPr>
           <a:xfrm>
-            <a:off x="2128540" y="2596434"/>
+            <a:off x="2128540" y="1969901"/>
             <a:ext cx="4826962" cy="461665"/>
           </a:xfrm>
           <a:prstGeom prst="rect">
@@ -10927,7 +11009,7 @@
     </p:spTree>
     <p:extLst>
       <p:ext uri="{BB962C8B-B14F-4D97-AF65-F5344CB8AC3E}">
-        <p14:creationId xmlns:p14="http://schemas.microsoft.com/office/powerpoint/2010/main" val="2262068019"/>
+        <p14:creationId xmlns:p14="http://schemas.microsoft.com/office/powerpoint/2010/main" val="1180197387"/>
       </p:ext>
     </p:extLst>
   </p:cSld>
@@ -11054,7 +11136,7 @@
       </p:sp>
       <p:pic>
         <p:nvPicPr>
-          <p:cNvPr id="8194" name="Picture 2" descr="D:\LiberT\Documents\GitHub\DesignIV\Remise\Documentation_technique\tex\Fig\err_ten_imp.JPG"/>
+          <p:cNvPr id="9218" name="Picture 2" descr="D:\LiberT\Documents\GitHub\DesignIV\Remise\Documentation_technique\tex\Fig\resul_sim.JPG"/>
           <p:cNvPicPr>
             <a:picLocks noChangeAspect="1" noChangeArrowheads="1"/>
           </p:cNvPicPr>
@@ -11075,15 +11157,15 @@
         </p:blipFill>
         <p:spPr bwMode="auto">
           <a:xfrm>
-            <a:off x="304800" y="1506675"/>
-            <a:ext cx="9231086" cy="5114925"/>
+            <a:off x="859972" y="1490837"/>
+            <a:ext cx="8044542" cy="4895850"/>
           </a:xfrm>
           <a:prstGeom prst="rect">
             <a:avLst/>
           </a:prstGeom>
           <a:noFill/>
           <a:extLst>
-            <a:ext uri="{909E8E84-426E-40DD-AFC4-6F175D3DCCD1}">
+            <a:ext uri="{909E8E84-426E-40dd-AFC4-6F175D3DCCD1}">
               <a14:hiddenFill xmlns:a14="http://schemas.microsoft.com/office/drawing/2010/main">
                 <a:solidFill>
                   <a:srgbClr val="FFFFFF"/>
@@ -11095,14 +11177,14 @@
       </p:pic>
       <p:sp>
         <p:nvSpPr>
-          <p:cNvPr id="3" name="ZoneTexte 2"/>
+          <p:cNvPr id="6" name="ZoneTexte 5"/>
           <p:cNvSpPr txBox="1"/>
           <p:nvPr/>
         </p:nvSpPr>
         <p:spPr>
           <a:xfrm>
-            <a:off x="2128540" y="2596434"/>
-            <a:ext cx="4826962" cy="461665"/>
+            <a:off x="3657982" y="6404182"/>
+            <a:ext cx="2007281" cy="461665"/>
           </a:xfrm>
           <a:prstGeom prst="rect">
             <a:avLst/>
@@ -11117,19 +11199,11 @@
           <a:p>
             <a:r>
               <a:rPr lang="en-CA" sz="2400" dirty="0" err="1" smtClean="0"/>
-              <a:t>Erreur</a:t>
+              <a:t>Résultats</a:t>
             </a:r>
             <a:r>
               <a:rPr lang="en-CA" sz="2400" dirty="0" smtClean="0"/>
-              <a:t> tension </a:t>
-            </a:r>
-            <a:r>
-              <a:rPr lang="en-CA" sz="2400" dirty="0" err="1" smtClean="0"/>
-              <a:t>moyenne</a:t>
-            </a:r>
-            <a:r>
-              <a:rPr lang="en-CA" sz="2400" dirty="0" smtClean="0"/>
-              <a:t> SPS/PSIM</a:t>
+              <a:t> SPS</a:t>
             </a:r>
             <a:endParaRPr lang="fr-CA" sz="2400" dirty="0"/>
           </a:p>
@@ -11265,7 +11339,7 @@
       </p:sp>
       <p:pic>
         <p:nvPicPr>
-          <p:cNvPr id="9218" name="Picture 2" descr="D:\LiberT\Documents\GitHub\DesignIV\Remise\Documentation_technique\tex\Fig\resul_sim.JPG"/>
+          <p:cNvPr id="10242" name="Picture 2" descr="D:\LiberT\Documents\GitHub\DesignIV\Remise\Documentation_technique\tex\Fig\resul_psim.JPG"/>
           <p:cNvPicPr>
             <a:picLocks noChangeAspect="1" noChangeArrowheads="1"/>
           </p:cNvPicPr>
@@ -11286,15 +11360,15 @@
         </p:blipFill>
         <p:spPr bwMode="auto">
           <a:xfrm>
-            <a:off x="859972" y="1490837"/>
-            <a:ext cx="8044542" cy="4895850"/>
+            <a:off x="584200" y="1388907"/>
+            <a:ext cx="8559799" cy="5007428"/>
           </a:xfrm>
           <a:prstGeom prst="rect">
             <a:avLst/>
           </a:prstGeom>
           <a:noFill/>
           <a:extLst>
-            <a:ext uri="{909E8E84-426E-40DD-AFC4-6F175D3DCCD1}">
+            <a:ext uri="{909E8E84-426E-40dd-AFC4-6F175D3DCCD1}">
               <a14:hiddenFill xmlns:a14="http://schemas.microsoft.com/office/drawing/2010/main">
                 <a:solidFill>
                   <a:srgbClr val="FFFFFF"/>
@@ -11306,14 +11380,14 @@
       </p:pic>
       <p:sp>
         <p:nvSpPr>
-          <p:cNvPr id="6" name="ZoneTexte 5"/>
+          <p:cNvPr id="3" name="ZoneTexte 2"/>
           <p:cNvSpPr txBox="1"/>
           <p:nvPr/>
         </p:nvSpPr>
         <p:spPr>
           <a:xfrm>
-            <a:off x="3657982" y="6404182"/>
-            <a:ext cx="2007281" cy="461665"/>
+            <a:off x="3804940" y="6396335"/>
+            <a:ext cx="2162772" cy="461665"/>
           </a:xfrm>
           <a:prstGeom prst="rect">
             <a:avLst/>
@@ -11332,7 +11406,7 @@
             </a:r>
             <a:r>
               <a:rPr lang="en-CA" sz="2400" dirty="0" smtClean="0"/>
-              <a:t> SPS</a:t>
+              <a:t> PSIM</a:t>
             </a:r>
             <a:endParaRPr lang="fr-CA" sz="2400" dirty="0"/>
           </a:p>
@@ -11341,7 +11415,7 @@
     </p:spTree>
     <p:extLst>
       <p:ext uri="{BB962C8B-B14F-4D97-AF65-F5344CB8AC3E}">
-        <p14:creationId xmlns:p14="http://schemas.microsoft.com/office/powerpoint/2010/main" val="1180197387"/>
+        <p14:creationId xmlns:p14="http://schemas.microsoft.com/office/powerpoint/2010/main" val="1375196513"/>
       </p:ext>
     </p:extLst>
   </p:cSld>
@@ -11380,97 +11454,97 @@
         </p:nvSpPr>
         <p:spPr>
           <a:xfrm>
-            <a:off x="508001" y="170037"/>
+            <a:off x="508001" y="127000"/>
             <a:ext cx="6447501" cy="1320800"/>
           </a:xfrm>
         </p:spPr>
         <p:txBody>
-          <a:bodyPr>
-            <a:noAutofit/>
-          </a:bodyPr>
+          <a:bodyPr/>
           <a:lstStyle/>
           <a:p>
             <a:r>
-              <a:rPr lang="en-US" sz="2400" dirty="0" smtClean="0"/>
-              <a:t>DC</a:t>
-            </a:r>
-            <a:r>
-              <a:rPr lang="en-US" sz="2400" baseline="-25000" dirty="0" smtClean="0"/>
-              <a:t>P</a:t>
-            </a:r>
-            <a:r>
-              <a:rPr lang="en-US" sz="2400" dirty="0" smtClean="0"/>
-              <a:t>/DC</a:t>
-            </a:r>
-            <a:r>
-              <a:rPr lang="en-US" sz="2400" baseline="-25000" dirty="0" smtClean="0"/>
-              <a:t>N</a:t>
-            </a:r>
-            <a:r>
-              <a:rPr lang="en-US" sz="2400" dirty="0" smtClean="0"/>
-              <a:t>: </a:t>
-            </a:r>
-            <a:r>
-              <a:rPr lang="en-US" sz="2400" dirty="0" err="1" smtClean="0"/>
-              <a:t>Alimenter</a:t>
-            </a:r>
-            <a:r>
-              <a:rPr lang="en-US" sz="2400" dirty="0" smtClean="0"/>
-              <a:t> les </a:t>
-            </a:r>
-            <a:r>
-              <a:rPr lang="en-US" sz="2400" dirty="0" err="1" smtClean="0"/>
-              <a:t>électroaimants</a:t>
-            </a:r>
-            <a:r>
-              <a:rPr lang="en-US" sz="2400" dirty="0" smtClean="0"/>
+              <a:rPr lang="en-US" dirty="0" err="1" smtClean="0"/>
+              <a:t>Outil</a:t>
+            </a:r>
+            <a:r>
+              <a:rPr lang="en-US" dirty="0" smtClean="0"/>
               <a:t> de </a:t>
             </a:r>
             <a:r>
-              <a:rPr lang="en-US" sz="2400" dirty="0" err="1" smtClean="0"/>
-              <a:t>l’accélérateur</a:t>
-            </a:r>
-            <a:r>
-              <a:rPr lang="en-US" sz="2400" dirty="0" smtClean="0"/>
-              <a:t> de </a:t>
-            </a:r>
-            <a:r>
-              <a:rPr lang="en-US" sz="2400" dirty="0" err="1" smtClean="0"/>
-              <a:t>particules</a:t>
-            </a:r>
-            <a:r>
-              <a:rPr lang="en-US" sz="2400" dirty="0" smtClean="0"/>
-              <a:t> avec </a:t>
-            </a:r>
-            <a:r>
-              <a:rPr lang="en-US" sz="2400" dirty="0" err="1" smtClean="0"/>
-              <a:t>une</a:t>
-            </a:r>
-            <a:r>
-              <a:rPr lang="en-US" sz="2400" dirty="0" smtClean="0"/>
-              <a:t> </a:t>
-            </a:r>
-            <a:r>
-              <a:rPr lang="en-US" sz="2400" dirty="0" err="1" smtClean="0"/>
-              <a:t>forme</a:t>
-            </a:r>
-            <a:r>
-              <a:rPr lang="en-US" sz="2400" dirty="0" smtClean="0"/>
-              <a:t> de courant cross </a:t>
-            </a:r>
-            <a:r>
-              <a:rPr lang="en-US" sz="2400" dirty="0" err="1" smtClean="0"/>
-              <a:t>validé</a:t>
-            </a:r>
-            <a:endParaRPr lang="en-US" sz="2400" baseline="-25000" dirty="0"/>
+              <a:rPr lang="en-US" dirty="0" err="1" smtClean="0"/>
+              <a:t>dimensionnement</a:t>
+            </a:r>
+            <a:endParaRPr lang="en-US" dirty="0"/>
+          </a:p>
+        </p:txBody>
+      </p:sp>
+    </p:spTree>
+    <p:extLst>
+      <p:ext uri="{BB962C8B-B14F-4D97-AF65-F5344CB8AC3E}">
+        <p14:creationId xmlns:p14="http://schemas.microsoft.com/office/powerpoint/2010/main" val="3025282746"/>
+      </p:ext>
+    </p:extLst>
+  </p:cSld>
+  <p:clrMapOvr>
+    <a:masterClrMapping/>
+  </p:clrMapOvr>
+</p:sld>
+</file>
+
+<file path=ppt/slides/slide24.xml><?xml version="1.0" encoding="utf-8"?>
+<p:sld xmlns:a="http://schemas.openxmlformats.org/drawingml/2006/main" xmlns:r="http://schemas.openxmlformats.org/officeDocument/2006/relationships" xmlns:p="http://schemas.openxmlformats.org/presentationml/2006/main">
+  <p:cSld>
+    <p:spTree>
+      <p:nvGrpSpPr>
+        <p:cNvPr id="1" name=""/>
+        <p:cNvGrpSpPr/>
+        <p:nvPr/>
+      </p:nvGrpSpPr>
+      <p:grpSpPr>
+        <a:xfrm>
+          <a:off x="0" y="0"/>
+          <a:ext cx="0" cy="0"/>
+          <a:chOff x="0" y="0"/>
+          <a:chExt cx="0" cy="0"/>
+        </a:xfrm>
+      </p:grpSpPr>
+      <p:sp>
+        <p:nvSpPr>
+          <p:cNvPr id="2" name="Title 1"/>
+          <p:cNvSpPr>
+            <a:spLocks noGrp="1"/>
+          </p:cNvSpPr>
+          <p:nvPr>
+            <p:ph type="title"/>
+          </p:nvPr>
+        </p:nvSpPr>
+        <p:spPr>
+          <a:xfrm>
+            <a:off x="508001" y="169333"/>
+            <a:ext cx="6447501" cy="1320800"/>
+          </a:xfrm>
+        </p:spPr>
+        <p:txBody>
+          <a:bodyPr/>
+          <a:lstStyle/>
+          <a:p>
+            <a:r>
+              <a:rPr lang="en-US" dirty="0" smtClean="0"/>
+              <a:t>Plan </a:t>
+            </a:r>
+            <a:r>
+              <a:rPr lang="en-US" dirty="0" err="1" smtClean="0"/>
+              <a:t>d’intégration</a:t>
+            </a:r>
+            <a:endParaRPr lang="en-US" dirty="0"/>
           </a:p>
         </p:txBody>
       </p:sp>
       <p:pic>
         <p:nvPicPr>
-          <p:cNvPr id="10242" name="Picture 2" descr="D:\LiberT\Documents\GitHub\DesignIV\Remise\Documentation_technique\tex\Fig\resul_psim.JPG"/>
+          <p:cNvPr id="4" name="Picture 3" descr="plan_integration.png"/>
           <p:cNvPicPr>
-            <a:picLocks noChangeAspect="1" noChangeArrowheads="1"/>
+            <a:picLocks noChangeAspect="1"/>
           </p:cNvPicPr>
           <p:nvPr/>
         </p:nvPicPr>
@@ -11482,69 +11556,3750 @@
               </a:ext>
             </a:extLst>
           </a:blip>
-          <a:srcRect/>
           <a:stretch>
             <a:fillRect/>
           </a:stretch>
         </p:blipFill>
-        <p:spPr bwMode="auto">
+        <p:spPr>
           <a:xfrm>
-            <a:off x="584200" y="1388907"/>
-            <a:ext cx="8559799" cy="5007428"/>
+            <a:off x="1332533" y="948266"/>
+            <a:ext cx="5976960" cy="5706534"/>
           </a:xfrm>
           <a:prstGeom prst="rect">
             <a:avLst/>
           </a:prstGeom>
-          <a:noFill/>
-          <a:extLst>
-            <a:ext uri="{909E8E84-426E-40DD-AFC4-6F175D3DCCD1}">
-              <a14:hiddenFill xmlns:a14="http://schemas.microsoft.com/office/drawing/2010/main">
-                <a:solidFill>
-                  <a:srgbClr val="FFFFFF"/>
-                </a:solidFill>
-              </a14:hiddenFill>
-            </a:ext>
-          </a:extLst>
         </p:spPr>
       </p:pic>
+    </p:spTree>
+    <p:extLst>
+      <p:ext uri="{BB962C8B-B14F-4D97-AF65-F5344CB8AC3E}">
+        <p14:creationId xmlns:p14="http://schemas.microsoft.com/office/powerpoint/2010/main" val="3834867147"/>
+      </p:ext>
+    </p:extLst>
+  </p:cSld>
+  <p:clrMapOvr>
+    <a:masterClrMapping/>
+  </p:clrMapOvr>
+</p:sld>
+</file>
+
+<file path=ppt/slides/slide25.xml><?xml version="1.0" encoding="utf-8"?>
+<p:sld xmlns:a="http://schemas.openxmlformats.org/drawingml/2006/main" xmlns:r="http://schemas.openxmlformats.org/officeDocument/2006/relationships" xmlns:p="http://schemas.openxmlformats.org/presentationml/2006/main">
+  <p:cSld>
+    <p:spTree>
+      <p:nvGrpSpPr>
+        <p:cNvPr id="1" name=""/>
+        <p:cNvGrpSpPr/>
+        <p:nvPr/>
+      </p:nvGrpSpPr>
+      <p:grpSpPr>
+        <a:xfrm>
+          <a:off x="0" y="0"/>
+          <a:ext cx="0" cy="0"/>
+          <a:chOff x="0" y="0"/>
+          <a:chExt cx="0" cy="0"/>
+        </a:xfrm>
+      </p:grpSpPr>
       <p:sp>
         <p:nvSpPr>
-          <p:cNvPr id="3" name="ZoneTexte 2"/>
-          <p:cNvSpPr txBox="1"/>
-          <p:nvPr/>
+          <p:cNvPr id="2" name="Title 1"/>
+          <p:cNvSpPr>
+            <a:spLocks noGrp="1"/>
+          </p:cNvSpPr>
+          <p:nvPr>
+            <p:ph type="title"/>
+          </p:nvPr>
         </p:nvSpPr>
         <p:spPr>
           <a:xfrm>
-            <a:off x="3804940" y="6396335"/>
-            <a:ext cx="2162772" cy="461665"/>
+            <a:off x="508000" y="25403"/>
+            <a:ext cx="7315199" cy="647700"/>
           </a:xfrm>
-          <a:prstGeom prst="rect">
-            <a:avLst/>
-          </a:prstGeom>
-          <a:noFill/>
         </p:spPr>
         <p:txBody>
-          <a:bodyPr wrap="none" rtlCol="0">
-            <a:spAutoFit/>
-          </a:bodyPr>
+          <a:bodyPr/>
           <a:lstStyle/>
           <a:p>
             <a:r>
-              <a:rPr lang="en-CA" sz="2400" dirty="0" err="1" smtClean="0"/>
-              <a:t>Résultats</a:t>
-            </a:r>
-            <a:r>
-              <a:rPr lang="en-CA" sz="2400" dirty="0" smtClean="0"/>
-              <a:t> PSIM</a:t>
-            </a:r>
-            <a:endParaRPr lang="fr-CA" sz="2400" dirty="0"/>
+              <a:rPr lang="en-US" dirty="0" smtClean="0"/>
+              <a:t>Plan de test du </a:t>
+            </a:r>
+            <a:r>
+              <a:rPr lang="en-US" dirty="0" err="1" smtClean="0"/>
+              <a:t>système</a:t>
+            </a:r>
+            <a:r>
+              <a:rPr lang="en-US" dirty="0" smtClean="0"/>
+              <a:t> </a:t>
+            </a:r>
+            <a:r>
+              <a:rPr lang="en-US" dirty="0" err="1" smtClean="0"/>
+              <a:t>intégré</a:t>
+            </a:r>
+            <a:endParaRPr lang="en-US" dirty="0"/>
           </a:p>
         </p:txBody>
       </p:sp>
+      <p:graphicFrame>
+        <p:nvGraphicFramePr>
+          <p:cNvPr id="4" name="Table 3"/>
+          <p:cNvGraphicFramePr>
+            <a:graphicFrameLocks noGrp="1"/>
+          </p:cNvGraphicFramePr>
+          <p:nvPr>
+            <p:extLst>
+              <p:ext uri="{D42A27DB-BD31-4B8C-83A1-F6EECF244321}">
+                <p14:modId xmlns:p14="http://schemas.microsoft.com/office/powerpoint/2010/main" val="620861965"/>
+              </p:ext>
+            </p:extLst>
+          </p:nvPr>
+        </p:nvGraphicFramePr>
+        <p:xfrm>
+          <a:off x="101600" y="615405"/>
+          <a:ext cx="9872133" cy="6242595"/>
+        </p:xfrm>
+        <a:graphic>
+          <a:graphicData uri="http://schemas.openxmlformats.org/drawingml/2006/table">
+            <a:tbl>
+              <a:tblPr/>
+              <a:tblGrid>
+                <a:gridCol w="1337733"/>
+                <a:gridCol w="2963334"/>
+                <a:gridCol w="1489654"/>
+                <a:gridCol w="2896079"/>
+                <a:gridCol w="1185333"/>
+              </a:tblGrid>
+              <a:tr h="323979">
+                <a:tc>
+                  <a:txBody>
+                    <a:bodyPr/>
+                    <a:lstStyle/>
+                    <a:p>
+                      <a:pPr algn="l" fontAlgn="ctr"/>
+                      <a:r>
+                        <a:rPr lang="fr-FR" sz="1050" b="1" i="0" u="none" strike="noStrike" dirty="0">
+                          <a:solidFill>
+                            <a:srgbClr val="000000"/>
+                          </a:solidFill>
+                          <a:effectLst/>
+                          <a:latin typeface="Calibri"/>
+                        </a:rPr>
+                        <a:t>Niveau</a:t>
+                      </a:r>
+                    </a:p>
+                  </a:txBody>
+                  <a:tcPr marL="3939" marR="3939" marT="3939" marB="0" anchor="ctr">
+                    <a:lnL w="6350" cap="flat" cmpd="sng" algn="ctr">
+                      <a:solidFill>
+                        <a:srgbClr val="000000"/>
+                      </a:solidFill>
+                      <a:prstDash val="solid"/>
+                      <a:round/>
+                      <a:headEnd type="none" w="med" len="med"/>
+                      <a:tailEnd type="none" w="med" len="med"/>
+                    </a:lnL>
+                    <a:lnR w="6350" cap="flat" cmpd="sng" algn="ctr">
+                      <a:solidFill>
+                        <a:srgbClr val="000000"/>
+                      </a:solidFill>
+                      <a:prstDash val="solid"/>
+                      <a:round/>
+                      <a:headEnd type="none" w="med" len="med"/>
+                      <a:tailEnd type="none" w="med" len="med"/>
+                    </a:lnR>
+                    <a:lnT w="6350" cap="flat" cmpd="sng" algn="ctr">
+                      <a:solidFill>
+                        <a:srgbClr val="000000"/>
+                      </a:solidFill>
+                      <a:prstDash val="solid"/>
+                      <a:round/>
+                      <a:headEnd type="none" w="med" len="med"/>
+                      <a:tailEnd type="none" w="med" len="med"/>
+                    </a:lnT>
+                    <a:lnB w="6350" cap="flat" cmpd="sng" algn="ctr">
+                      <a:solidFill>
+                        <a:srgbClr val="000000"/>
+                      </a:solidFill>
+                      <a:prstDash val="solid"/>
+                      <a:round/>
+                      <a:headEnd type="none" w="med" len="med"/>
+                      <a:tailEnd type="none" w="med" len="med"/>
+                    </a:lnB>
+                    <a:solidFill>
+                      <a:schemeClr val="bg1">
+                        <a:lumMod val="75000"/>
+                      </a:schemeClr>
+                    </a:solidFill>
+                  </a:tcPr>
+                </a:tc>
+                <a:tc>
+                  <a:txBody>
+                    <a:bodyPr/>
+                    <a:lstStyle/>
+                    <a:p>
+                      <a:pPr algn="ctr" fontAlgn="ctr"/>
+                      <a:r>
+                        <a:rPr lang="fr-FR" sz="1050" b="1" i="0" u="none" strike="noStrike" dirty="0">
+                          <a:solidFill>
+                            <a:srgbClr val="000000"/>
+                          </a:solidFill>
+                          <a:effectLst/>
+                          <a:latin typeface="Calibri"/>
+                        </a:rPr>
+                        <a:t>Sous-niveau</a:t>
+                      </a:r>
+                    </a:p>
+                  </a:txBody>
+                  <a:tcPr marL="3939" marR="3939" marT="3939" marB="0" anchor="ctr">
+                    <a:lnL w="6350" cap="flat" cmpd="sng" algn="ctr">
+                      <a:solidFill>
+                        <a:srgbClr val="000000"/>
+                      </a:solidFill>
+                      <a:prstDash val="solid"/>
+                      <a:round/>
+                      <a:headEnd type="none" w="med" len="med"/>
+                      <a:tailEnd type="none" w="med" len="med"/>
+                    </a:lnL>
+                    <a:lnR w="6350" cap="flat" cmpd="sng" algn="ctr">
+                      <a:solidFill>
+                        <a:srgbClr val="000000"/>
+                      </a:solidFill>
+                      <a:prstDash val="solid"/>
+                      <a:round/>
+                      <a:headEnd type="none" w="med" len="med"/>
+                      <a:tailEnd type="none" w="med" len="med"/>
+                    </a:lnR>
+                    <a:lnT w="6350" cap="flat" cmpd="sng" algn="ctr">
+                      <a:solidFill>
+                        <a:srgbClr val="000000"/>
+                      </a:solidFill>
+                      <a:prstDash val="solid"/>
+                      <a:round/>
+                      <a:headEnd type="none" w="med" len="med"/>
+                      <a:tailEnd type="none" w="med" len="med"/>
+                    </a:lnT>
+                    <a:lnB w="6350" cap="flat" cmpd="sng" algn="ctr">
+                      <a:solidFill>
+                        <a:srgbClr val="000000"/>
+                      </a:solidFill>
+                      <a:prstDash val="solid"/>
+                      <a:round/>
+                      <a:headEnd type="none" w="med" len="med"/>
+                      <a:tailEnd type="none" w="med" len="med"/>
+                    </a:lnB>
+                    <a:solidFill>
+                      <a:schemeClr val="bg1">
+                        <a:lumMod val="75000"/>
+                      </a:schemeClr>
+                    </a:solidFill>
+                  </a:tcPr>
+                </a:tc>
+                <a:tc>
+                  <a:txBody>
+                    <a:bodyPr/>
+                    <a:lstStyle/>
+                    <a:p>
+                      <a:pPr algn="ctr" fontAlgn="ctr"/>
+                      <a:r>
+                        <a:rPr lang="fr-FR" sz="1050" b="1" i="0" u="none" strike="noStrike" dirty="0">
+                          <a:solidFill>
+                            <a:srgbClr val="000000"/>
+                          </a:solidFill>
+                          <a:effectLst/>
+                          <a:latin typeface="Calibri"/>
+                        </a:rPr>
+                        <a:t>Méthode de vérification</a:t>
+                      </a:r>
+                    </a:p>
+                  </a:txBody>
+                  <a:tcPr marL="3939" marR="3939" marT="3939" marB="0" anchor="ctr">
+                    <a:lnL w="6350" cap="flat" cmpd="sng" algn="ctr">
+                      <a:solidFill>
+                        <a:srgbClr val="000000"/>
+                      </a:solidFill>
+                      <a:prstDash val="solid"/>
+                      <a:round/>
+                      <a:headEnd type="none" w="med" len="med"/>
+                      <a:tailEnd type="none" w="med" len="med"/>
+                    </a:lnL>
+                    <a:lnR w="6350" cap="flat" cmpd="sng" algn="ctr">
+                      <a:solidFill>
+                        <a:srgbClr val="000000"/>
+                      </a:solidFill>
+                      <a:prstDash val="solid"/>
+                      <a:round/>
+                      <a:headEnd type="none" w="med" len="med"/>
+                      <a:tailEnd type="none" w="med" len="med"/>
+                    </a:lnR>
+                    <a:lnT w="6350" cap="flat" cmpd="sng" algn="ctr">
+                      <a:solidFill>
+                        <a:srgbClr val="000000"/>
+                      </a:solidFill>
+                      <a:prstDash val="solid"/>
+                      <a:round/>
+                      <a:headEnd type="none" w="med" len="med"/>
+                      <a:tailEnd type="none" w="med" len="med"/>
+                    </a:lnT>
+                    <a:lnB w="6350" cap="flat" cmpd="sng" algn="ctr">
+                      <a:solidFill>
+                        <a:srgbClr val="000000"/>
+                      </a:solidFill>
+                      <a:prstDash val="solid"/>
+                      <a:round/>
+                      <a:headEnd type="none" w="med" len="med"/>
+                      <a:tailEnd type="none" w="med" len="med"/>
+                    </a:lnB>
+                    <a:solidFill>
+                      <a:schemeClr val="bg1">
+                        <a:lumMod val="75000"/>
+                      </a:schemeClr>
+                    </a:solidFill>
+                  </a:tcPr>
+                </a:tc>
+                <a:tc>
+                  <a:txBody>
+                    <a:bodyPr/>
+                    <a:lstStyle/>
+                    <a:p>
+                      <a:pPr algn="ctr" fontAlgn="ctr"/>
+                      <a:r>
+                        <a:rPr lang="fr-FR" sz="1050" b="1" i="0" u="none" strike="noStrike">
+                          <a:solidFill>
+                            <a:srgbClr val="000000"/>
+                          </a:solidFill>
+                          <a:effectLst/>
+                          <a:latin typeface="Calibri"/>
+                        </a:rPr>
+                        <a:t>Méthode d'analyse</a:t>
+                      </a:r>
+                    </a:p>
+                  </a:txBody>
+                  <a:tcPr marL="3939" marR="3939" marT="3939" marB="0" anchor="ctr">
+                    <a:lnL w="6350" cap="flat" cmpd="sng" algn="ctr">
+                      <a:solidFill>
+                        <a:srgbClr val="000000"/>
+                      </a:solidFill>
+                      <a:prstDash val="solid"/>
+                      <a:round/>
+                      <a:headEnd type="none" w="med" len="med"/>
+                      <a:tailEnd type="none" w="med" len="med"/>
+                    </a:lnL>
+                    <a:lnR w="6350" cap="flat" cmpd="sng" algn="ctr">
+                      <a:solidFill>
+                        <a:srgbClr val="000000"/>
+                      </a:solidFill>
+                      <a:prstDash val="solid"/>
+                      <a:round/>
+                      <a:headEnd type="none" w="med" len="med"/>
+                      <a:tailEnd type="none" w="med" len="med"/>
+                    </a:lnR>
+                    <a:lnT w="6350" cap="flat" cmpd="sng" algn="ctr">
+                      <a:solidFill>
+                        <a:srgbClr val="000000"/>
+                      </a:solidFill>
+                      <a:prstDash val="solid"/>
+                      <a:round/>
+                      <a:headEnd type="none" w="med" len="med"/>
+                      <a:tailEnd type="none" w="med" len="med"/>
+                    </a:lnT>
+                    <a:lnB w="6350" cap="flat" cmpd="sng" algn="ctr">
+                      <a:solidFill>
+                        <a:srgbClr val="000000"/>
+                      </a:solidFill>
+                      <a:prstDash val="solid"/>
+                      <a:round/>
+                      <a:headEnd type="none" w="med" len="med"/>
+                      <a:tailEnd type="none" w="med" len="med"/>
+                    </a:lnB>
+                    <a:solidFill>
+                      <a:schemeClr val="bg1">
+                        <a:lumMod val="75000"/>
+                      </a:schemeClr>
+                    </a:solidFill>
+                  </a:tcPr>
+                </a:tc>
+                <a:tc>
+                  <a:txBody>
+                    <a:bodyPr/>
+                    <a:lstStyle/>
+                    <a:p>
+                      <a:pPr algn="ctr" fontAlgn="ctr"/>
+                      <a:r>
+                        <a:rPr lang="fr-FR" sz="1050" b="1" i="0" u="none" strike="noStrike" dirty="0">
+                          <a:solidFill>
+                            <a:srgbClr val="000000"/>
+                          </a:solidFill>
+                          <a:effectLst/>
+                          <a:latin typeface="Calibri"/>
+                        </a:rPr>
+                        <a:t>Spécification</a:t>
+                      </a:r>
+                    </a:p>
+                  </a:txBody>
+                  <a:tcPr marL="3939" marR="3939" marT="3939" marB="0" anchor="ctr">
+                    <a:lnL w="6350" cap="flat" cmpd="sng" algn="ctr">
+                      <a:solidFill>
+                        <a:srgbClr val="000000"/>
+                      </a:solidFill>
+                      <a:prstDash val="solid"/>
+                      <a:round/>
+                      <a:headEnd type="none" w="med" len="med"/>
+                      <a:tailEnd type="none" w="med" len="med"/>
+                    </a:lnL>
+                    <a:lnR w="6350" cap="flat" cmpd="sng" algn="ctr">
+                      <a:solidFill>
+                        <a:srgbClr val="000000"/>
+                      </a:solidFill>
+                      <a:prstDash val="solid"/>
+                      <a:round/>
+                      <a:headEnd type="none" w="med" len="med"/>
+                      <a:tailEnd type="none" w="med" len="med"/>
+                    </a:lnR>
+                    <a:lnT w="6350" cap="flat" cmpd="sng" algn="ctr">
+                      <a:solidFill>
+                        <a:srgbClr val="000000"/>
+                      </a:solidFill>
+                      <a:prstDash val="solid"/>
+                      <a:round/>
+                      <a:headEnd type="none" w="med" len="med"/>
+                      <a:tailEnd type="none" w="med" len="med"/>
+                    </a:lnT>
+                    <a:lnB w="6350" cap="flat" cmpd="sng" algn="ctr">
+                      <a:solidFill>
+                        <a:srgbClr val="000000"/>
+                      </a:solidFill>
+                      <a:prstDash val="solid"/>
+                      <a:round/>
+                      <a:headEnd type="none" w="med" len="med"/>
+                      <a:tailEnd type="none" w="med" len="med"/>
+                    </a:lnB>
+                    <a:solidFill>
+                      <a:schemeClr val="bg1">
+                        <a:lumMod val="75000"/>
+                      </a:schemeClr>
+                    </a:solidFill>
+                  </a:tcPr>
+                </a:tc>
+              </a:tr>
+              <a:tr h="424441">
+                <a:tc rowSpan="2">
+                  <a:txBody>
+                    <a:bodyPr/>
+                    <a:lstStyle/>
+                    <a:p>
+                      <a:pPr algn="l" fontAlgn="ctr"/>
+                      <a:r>
+                        <a:rPr lang="fr-FR" sz="1200" b="0" i="0" u="none" strike="noStrike">
+                          <a:solidFill>
+                            <a:srgbClr val="000000"/>
+                          </a:solidFill>
+                          <a:effectLst/>
+                          <a:latin typeface="Calibri"/>
+                        </a:rPr>
+                        <a:t>Phase 1: Modélisation convertisseur 4 quadrants de base</a:t>
+                      </a:r>
+                    </a:p>
+                  </a:txBody>
+                  <a:tcPr marL="3939" marR="3939" marT="3939" marB="0" anchor="ctr">
+                    <a:lnL w="6350" cap="flat" cmpd="sng" algn="ctr">
+                      <a:solidFill>
+                        <a:srgbClr val="000000"/>
+                      </a:solidFill>
+                      <a:prstDash val="solid"/>
+                      <a:round/>
+                      <a:headEnd type="none" w="med" len="med"/>
+                      <a:tailEnd type="none" w="med" len="med"/>
+                    </a:lnL>
+                    <a:lnR w="6350" cap="flat" cmpd="sng" algn="ctr">
+                      <a:solidFill>
+                        <a:srgbClr val="000000"/>
+                      </a:solidFill>
+                      <a:prstDash val="solid"/>
+                      <a:round/>
+                      <a:headEnd type="none" w="med" len="med"/>
+                      <a:tailEnd type="none" w="med" len="med"/>
+                    </a:lnR>
+                    <a:lnT w="6350" cap="flat" cmpd="sng" algn="ctr">
+                      <a:solidFill>
+                        <a:srgbClr val="000000"/>
+                      </a:solidFill>
+                      <a:prstDash val="solid"/>
+                      <a:round/>
+                      <a:headEnd type="none" w="med" len="med"/>
+                      <a:tailEnd type="none" w="med" len="med"/>
+                    </a:lnT>
+                    <a:lnB w="6350" cap="flat" cmpd="sng" algn="ctr">
+                      <a:solidFill>
+                        <a:srgbClr val="000000"/>
+                      </a:solidFill>
+                      <a:prstDash val="solid"/>
+                      <a:round/>
+                      <a:headEnd type="none" w="med" len="med"/>
+                      <a:tailEnd type="none" w="med" len="med"/>
+                    </a:lnB>
+                    <a:solidFill>
+                      <a:schemeClr val="bg1"/>
+                    </a:solidFill>
+                  </a:tcPr>
+                </a:tc>
+                <a:tc>
+                  <a:txBody>
+                    <a:bodyPr/>
+                    <a:lstStyle/>
+                    <a:p>
+                      <a:pPr algn="ctr" fontAlgn="ctr"/>
+                      <a:r>
+                        <a:rPr lang="fr-FR" sz="1200" b="0" i="0" u="none" strike="noStrike" dirty="0">
+                          <a:solidFill>
+                            <a:srgbClr val="000000"/>
+                          </a:solidFill>
+                          <a:effectLst/>
+                          <a:latin typeface="Calibri"/>
+                        </a:rPr>
+                        <a:t>Commander un convertisseur CC-CC à 4 quadrants</a:t>
+                      </a:r>
+                    </a:p>
+                  </a:txBody>
+                  <a:tcPr marL="3939" marR="3939" marT="3939" marB="0" anchor="ctr">
+                    <a:lnL w="6350" cap="flat" cmpd="sng" algn="ctr">
+                      <a:solidFill>
+                        <a:srgbClr val="000000"/>
+                      </a:solidFill>
+                      <a:prstDash val="solid"/>
+                      <a:round/>
+                      <a:headEnd type="none" w="med" len="med"/>
+                      <a:tailEnd type="none" w="med" len="med"/>
+                    </a:lnL>
+                    <a:lnR w="6350" cap="flat" cmpd="sng" algn="ctr">
+                      <a:solidFill>
+                        <a:srgbClr val="000000"/>
+                      </a:solidFill>
+                      <a:prstDash val="solid"/>
+                      <a:round/>
+                      <a:headEnd type="none" w="med" len="med"/>
+                      <a:tailEnd type="none" w="med" len="med"/>
+                    </a:lnR>
+                    <a:lnT w="6350" cap="flat" cmpd="sng" algn="ctr">
+                      <a:solidFill>
+                        <a:srgbClr val="000000"/>
+                      </a:solidFill>
+                      <a:prstDash val="solid"/>
+                      <a:round/>
+                      <a:headEnd type="none" w="med" len="med"/>
+                      <a:tailEnd type="none" w="med" len="med"/>
+                    </a:lnT>
+                    <a:lnB w="6350" cap="flat" cmpd="sng" algn="ctr">
+                      <a:solidFill>
+                        <a:srgbClr val="000000"/>
+                      </a:solidFill>
+                      <a:prstDash val="solid"/>
+                      <a:round/>
+                      <a:headEnd type="none" w="med" len="med"/>
+                      <a:tailEnd type="none" w="med" len="med"/>
+                    </a:lnB>
+                    <a:solidFill>
+                      <a:schemeClr val="bg1"/>
+                    </a:solidFill>
+                  </a:tcPr>
+                </a:tc>
+                <a:tc>
+                  <a:txBody>
+                    <a:bodyPr/>
+                    <a:lstStyle/>
+                    <a:p>
+                      <a:pPr algn="ctr" fontAlgn="ctr"/>
+                      <a:r>
+                        <a:rPr lang="fr-FR" sz="1200" b="0" i="0" u="none" strike="noStrike">
+                          <a:solidFill>
+                            <a:srgbClr val="000000"/>
+                          </a:solidFill>
+                          <a:effectLst/>
+                          <a:latin typeface="Calibri"/>
+                        </a:rPr>
+                        <a:t>Test sur 3 plateformes</a:t>
+                      </a:r>
+                    </a:p>
+                  </a:txBody>
+                  <a:tcPr marL="3939" marR="3939" marT="3939" marB="0" anchor="ctr">
+                    <a:lnL w="6350" cap="flat" cmpd="sng" algn="ctr">
+                      <a:solidFill>
+                        <a:srgbClr val="000000"/>
+                      </a:solidFill>
+                      <a:prstDash val="solid"/>
+                      <a:round/>
+                      <a:headEnd type="none" w="med" len="med"/>
+                      <a:tailEnd type="none" w="med" len="med"/>
+                    </a:lnL>
+                    <a:lnR w="6350" cap="flat" cmpd="sng" algn="ctr">
+                      <a:solidFill>
+                        <a:srgbClr val="000000"/>
+                      </a:solidFill>
+                      <a:prstDash val="solid"/>
+                      <a:round/>
+                      <a:headEnd type="none" w="med" len="med"/>
+                      <a:tailEnd type="none" w="med" len="med"/>
+                    </a:lnR>
+                    <a:lnT w="6350" cap="flat" cmpd="sng" algn="ctr">
+                      <a:solidFill>
+                        <a:srgbClr val="000000"/>
+                      </a:solidFill>
+                      <a:prstDash val="solid"/>
+                      <a:round/>
+                      <a:headEnd type="none" w="med" len="med"/>
+                      <a:tailEnd type="none" w="med" len="med"/>
+                    </a:lnT>
+                    <a:lnB w="6350" cap="flat" cmpd="sng" algn="ctr">
+                      <a:solidFill>
+                        <a:srgbClr val="000000"/>
+                      </a:solidFill>
+                      <a:prstDash val="solid"/>
+                      <a:round/>
+                      <a:headEnd type="none" w="med" len="med"/>
+                      <a:tailEnd type="none" w="med" len="med"/>
+                    </a:lnB>
+                    <a:solidFill>
+                      <a:schemeClr val="bg1"/>
+                    </a:solidFill>
+                  </a:tcPr>
+                </a:tc>
+                <a:tc>
+                  <a:txBody>
+                    <a:bodyPr/>
+                    <a:lstStyle/>
+                    <a:p>
+                      <a:pPr algn="ctr" fontAlgn="ctr"/>
+                      <a:r>
+                        <a:rPr lang="fr-FR" sz="1200" b="0" i="0" u="none" strike="noStrike">
+                          <a:solidFill>
+                            <a:srgbClr val="000000"/>
+                          </a:solidFill>
+                          <a:effectLst/>
+                          <a:latin typeface="Calibri"/>
+                        </a:rPr>
+                        <a:t>Comparaison du courant dans la charge par rapport au courant de référence</a:t>
+                      </a:r>
+                    </a:p>
+                  </a:txBody>
+                  <a:tcPr marL="3939" marR="3939" marT="3939" marB="0" anchor="ctr">
+                    <a:lnL w="6350" cap="flat" cmpd="sng" algn="ctr">
+                      <a:solidFill>
+                        <a:srgbClr val="000000"/>
+                      </a:solidFill>
+                      <a:prstDash val="solid"/>
+                      <a:round/>
+                      <a:headEnd type="none" w="med" len="med"/>
+                      <a:tailEnd type="none" w="med" len="med"/>
+                    </a:lnL>
+                    <a:lnR w="6350" cap="flat" cmpd="sng" algn="ctr">
+                      <a:solidFill>
+                        <a:srgbClr val="000000"/>
+                      </a:solidFill>
+                      <a:prstDash val="solid"/>
+                      <a:round/>
+                      <a:headEnd type="none" w="med" len="med"/>
+                      <a:tailEnd type="none" w="med" len="med"/>
+                    </a:lnR>
+                    <a:lnT w="6350" cap="flat" cmpd="sng" algn="ctr">
+                      <a:solidFill>
+                        <a:srgbClr val="000000"/>
+                      </a:solidFill>
+                      <a:prstDash val="solid"/>
+                      <a:round/>
+                      <a:headEnd type="none" w="med" len="med"/>
+                      <a:tailEnd type="none" w="med" len="med"/>
+                    </a:lnT>
+                    <a:lnB w="6350" cap="flat" cmpd="sng" algn="ctr">
+                      <a:solidFill>
+                        <a:srgbClr val="000000"/>
+                      </a:solidFill>
+                      <a:prstDash val="solid"/>
+                      <a:round/>
+                      <a:headEnd type="none" w="med" len="med"/>
+                      <a:tailEnd type="none" w="med" len="med"/>
+                    </a:lnB>
+                    <a:solidFill>
+                      <a:schemeClr val="bg1"/>
+                    </a:solidFill>
+                  </a:tcPr>
+                </a:tc>
+                <a:tc>
+                  <a:txBody>
+                    <a:bodyPr/>
+                    <a:lstStyle/>
+                    <a:p>
+                      <a:pPr algn="ctr" fontAlgn="ctr"/>
+                      <a:r>
+                        <a:rPr lang="el-GR" sz="1200" b="0" i="0" u="none" strike="noStrike" dirty="0">
+                          <a:solidFill>
+                            <a:srgbClr val="000000"/>
+                          </a:solidFill>
+                          <a:effectLst/>
+                          <a:latin typeface="Calibri"/>
+                        </a:rPr>
+                        <a:t>ΔI≤25A</a:t>
+                      </a:r>
+                    </a:p>
+                  </a:txBody>
+                  <a:tcPr marL="3939" marR="3939" marT="3939" marB="0" anchor="ctr">
+                    <a:lnL w="6350" cap="flat" cmpd="sng" algn="ctr">
+                      <a:solidFill>
+                        <a:srgbClr val="000000"/>
+                      </a:solidFill>
+                      <a:prstDash val="solid"/>
+                      <a:round/>
+                      <a:headEnd type="none" w="med" len="med"/>
+                      <a:tailEnd type="none" w="med" len="med"/>
+                    </a:lnL>
+                    <a:lnR w="6350" cap="flat" cmpd="sng" algn="ctr">
+                      <a:solidFill>
+                        <a:srgbClr val="000000"/>
+                      </a:solidFill>
+                      <a:prstDash val="solid"/>
+                      <a:round/>
+                      <a:headEnd type="none" w="med" len="med"/>
+                      <a:tailEnd type="none" w="med" len="med"/>
+                    </a:lnR>
+                    <a:lnT w="6350" cap="flat" cmpd="sng" algn="ctr">
+                      <a:solidFill>
+                        <a:srgbClr val="000000"/>
+                      </a:solidFill>
+                      <a:prstDash val="solid"/>
+                      <a:round/>
+                      <a:headEnd type="none" w="med" len="med"/>
+                      <a:tailEnd type="none" w="med" len="med"/>
+                    </a:lnT>
+                    <a:lnB w="6350" cap="flat" cmpd="sng" algn="ctr">
+                      <a:solidFill>
+                        <a:srgbClr val="000000"/>
+                      </a:solidFill>
+                      <a:prstDash val="solid"/>
+                      <a:round/>
+                      <a:headEnd type="none" w="med" len="med"/>
+                      <a:tailEnd type="none" w="med" len="med"/>
+                    </a:lnB>
+                    <a:solidFill>
+                      <a:schemeClr val="bg1"/>
+                    </a:solidFill>
+                  </a:tcPr>
+                </a:tc>
+              </a:tr>
+              <a:tr h="424441">
+                <a:tc vMerge="1">
+                  <a:txBody>
+                    <a:bodyPr/>
+                    <a:lstStyle/>
+                    <a:p>
+                      <a:endParaRPr lang="en-US"/>
+                    </a:p>
+                  </a:txBody>
+                  <a:tcPr/>
+                </a:tc>
+                <a:tc>
+                  <a:txBody>
+                    <a:bodyPr/>
+                    <a:lstStyle/>
+                    <a:p>
+                      <a:pPr algn="ctr" fontAlgn="ctr"/>
+                      <a:r>
+                        <a:rPr lang="fr-FR" sz="1200" b="0" i="0" u="none" strike="noStrike">
+                          <a:solidFill>
+                            <a:srgbClr val="000000"/>
+                          </a:solidFill>
+                          <a:effectLst/>
+                          <a:latin typeface="Calibri"/>
+                        </a:rPr>
+                        <a:t>Accepter des paramètres de modélisation</a:t>
+                      </a:r>
+                    </a:p>
+                  </a:txBody>
+                  <a:tcPr marL="3939" marR="3939" marT="3939" marB="0" anchor="ctr">
+                    <a:lnL w="6350" cap="flat" cmpd="sng" algn="ctr">
+                      <a:solidFill>
+                        <a:srgbClr val="000000"/>
+                      </a:solidFill>
+                      <a:prstDash val="solid"/>
+                      <a:round/>
+                      <a:headEnd type="none" w="med" len="med"/>
+                      <a:tailEnd type="none" w="med" len="med"/>
+                    </a:lnL>
+                    <a:lnR w="6350" cap="flat" cmpd="sng" algn="ctr">
+                      <a:solidFill>
+                        <a:srgbClr val="000000"/>
+                      </a:solidFill>
+                      <a:prstDash val="solid"/>
+                      <a:round/>
+                      <a:headEnd type="none" w="med" len="med"/>
+                      <a:tailEnd type="none" w="med" len="med"/>
+                    </a:lnR>
+                    <a:lnT w="6350" cap="flat" cmpd="sng" algn="ctr">
+                      <a:solidFill>
+                        <a:srgbClr val="000000"/>
+                      </a:solidFill>
+                      <a:prstDash val="solid"/>
+                      <a:round/>
+                      <a:headEnd type="none" w="med" len="med"/>
+                      <a:tailEnd type="none" w="med" len="med"/>
+                    </a:lnT>
+                    <a:lnB w="6350" cap="flat" cmpd="sng" algn="ctr">
+                      <a:solidFill>
+                        <a:srgbClr val="000000"/>
+                      </a:solidFill>
+                      <a:prstDash val="solid"/>
+                      <a:round/>
+                      <a:headEnd type="none" w="med" len="med"/>
+                      <a:tailEnd type="none" w="med" len="med"/>
+                    </a:lnB>
+                    <a:solidFill>
+                      <a:schemeClr val="bg1"/>
+                    </a:solidFill>
+                  </a:tcPr>
+                </a:tc>
+                <a:tc>
+                  <a:txBody>
+                    <a:bodyPr/>
+                    <a:lstStyle/>
+                    <a:p>
+                      <a:pPr algn="ctr" fontAlgn="ctr"/>
+                      <a:r>
+                        <a:rPr lang="fr-FR" sz="1200" b="0" i="0" u="none" strike="noStrike">
+                          <a:solidFill>
+                            <a:srgbClr val="000000"/>
+                          </a:solidFill>
+                          <a:effectLst/>
+                          <a:latin typeface="Calibri"/>
+                        </a:rPr>
+                        <a:t>Test sur SPS et Psim</a:t>
+                      </a:r>
+                    </a:p>
+                  </a:txBody>
+                  <a:tcPr marL="3939" marR="3939" marT="3939" marB="0" anchor="ctr">
+                    <a:lnL w="6350" cap="flat" cmpd="sng" algn="ctr">
+                      <a:solidFill>
+                        <a:srgbClr val="000000"/>
+                      </a:solidFill>
+                      <a:prstDash val="solid"/>
+                      <a:round/>
+                      <a:headEnd type="none" w="med" len="med"/>
+                      <a:tailEnd type="none" w="med" len="med"/>
+                    </a:lnL>
+                    <a:lnR w="6350" cap="flat" cmpd="sng" algn="ctr">
+                      <a:solidFill>
+                        <a:srgbClr val="000000"/>
+                      </a:solidFill>
+                      <a:prstDash val="solid"/>
+                      <a:round/>
+                      <a:headEnd type="none" w="med" len="med"/>
+                      <a:tailEnd type="none" w="med" len="med"/>
+                    </a:lnR>
+                    <a:lnT w="6350" cap="flat" cmpd="sng" algn="ctr">
+                      <a:solidFill>
+                        <a:srgbClr val="000000"/>
+                      </a:solidFill>
+                      <a:prstDash val="solid"/>
+                      <a:round/>
+                      <a:headEnd type="none" w="med" len="med"/>
+                      <a:tailEnd type="none" w="med" len="med"/>
+                    </a:lnT>
+                    <a:lnB w="6350" cap="flat" cmpd="sng" algn="ctr">
+                      <a:solidFill>
+                        <a:srgbClr val="000000"/>
+                      </a:solidFill>
+                      <a:prstDash val="solid"/>
+                      <a:round/>
+                      <a:headEnd type="none" w="med" len="med"/>
+                      <a:tailEnd type="none" w="med" len="med"/>
+                    </a:lnB>
+                    <a:solidFill>
+                      <a:schemeClr val="bg1"/>
+                    </a:solidFill>
+                  </a:tcPr>
+                </a:tc>
+                <a:tc>
+                  <a:txBody>
+                    <a:bodyPr/>
+                    <a:lstStyle/>
+                    <a:p>
+                      <a:pPr algn="ctr" fontAlgn="ctr"/>
+                      <a:r>
+                        <a:rPr lang="fr-FR" sz="1200" b="0" i="0" u="none" strike="noStrike">
+                          <a:solidFill>
+                            <a:srgbClr val="000000"/>
+                          </a:solidFill>
+                          <a:effectLst/>
+                          <a:latin typeface="Calibri"/>
+                        </a:rPr>
+                        <a:t>Injecter un paramètre de modélisation et vérifier que la variation a lieu</a:t>
+                      </a:r>
+                    </a:p>
+                  </a:txBody>
+                  <a:tcPr marL="3939" marR="3939" marT="3939" marB="0" anchor="ctr">
+                    <a:lnL w="6350" cap="flat" cmpd="sng" algn="ctr">
+                      <a:solidFill>
+                        <a:srgbClr val="000000"/>
+                      </a:solidFill>
+                      <a:prstDash val="solid"/>
+                      <a:round/>
+                      <a:headEnd type="none" w="med" len="med"/>
+                      <a:tailEnd type="none" w="med" len="med"/>
+                    </a:lnL>
+                    <a:lnR w="6350" cap="flat" cmpd="sng" algn="ctr">
+                      <a:solidFill>
+                        <a:srgbClr val="000000"/>
+                      </a:solidFill>
+                      <a:prstDash val="solid"/>
+                      <a:round/>
+                      <a:headEnd type="none" w="med" len="med"/>
+                      <a:tailEnd type="none" w="med" len="med"/>
+                    </a:lnR>
+                    <a:lnT w="6350" cap="flat" cmpd="sng" algn="ctr">
+                      <a:solidFill>
+                        <a:srgbClr val="000000"/>
+                      </a:solidFill>
+                      <a:prstDash val="solid"/>
+                      <a:round/>
+                      <a:headEnd type="none" w="med" len="med"/>
+                      <a:tailEnd type="none" w="med" len="med"/>
+                    </a:lnT>
+                    <a:lnB w="6350" cap="flat" cmpd="sng" algn="ctr">
+                      <a:solidFill>
+                        <a:srgbClr val="000000"/>
+                      </a:solidFill>
+                      <a:prstDash val="solid"/>
+                      <a:round/>
+                      <a:headEnd type="none" w="med" len="med"/>
+                      <a:tailEnd type="none" w="med" len="med"/>
+                    </a:lnB>
+                    <a:solidFill>
+                      <a:schemeClr val="bg1"/>
+                    </a:solidFill>
+                  </a:tcPr>
+                </a:tc>
+                <a:tc>
+                  <a:txBody>
+                    <a:bodyPr/>
+                    <a:lstStyle/>
+                    <a:p>
+                      <a:pPr algn="l" fontAlgn="b"/>
+                      <a:r>
+                        <a:rPr lang="en-US" sz="1200" b="0" i="0" u="none" strike="noStrike">
+                          <a:solidFill>
+                            <a:srgbClr val="000000"/>
+                          </a:solidFill>
+                          <a:effectLst/>
+                          <a:latin typeface="Calibri"/>
+                        </a:rPr>
+                        <a:t> </a:t>
+                      </a:r>
+                    </a:p>
+                  </a:txBody>
+                  <a:tcPr marL="3939" marR="3939" marT="3939" marB="0" anchor="b">
+                    <a:lnL w="6350" cap="flat" cmpd="sng" algn="ctr">
+                      <a:solidFill>
+                        <a:srgbClr val="000000"/>
+                      </a:solidFill>
+                      <a:prstDash val="solid"/>
+                      <a:round/>
+                      <a:headEnd type="none" w="med" len="med"/>
+                      <a:tailEnd type="none" w="med" len="med"/>
+                    </a:lnL>
+                    <a:lnR w="6350" cap="flat" cmpd="sng" algn="ctr">
+                      <a:solidFill>
+                        <a:srgbClr val="000000"/>
+                      </a:solidFill>
+                      <a:prstDash val="solid"/>
+                      <a:round/>
+                      <a:headEnd type="none" w="med" len="med"/>
+                      <a:tailEnd type="none" w="med" len="med"/>
+                    </a:lnR>
+                    <a:lnT w="6350" cap="flat" cmpd="sng" algn="ctr">
+                      <a:solidFill>
+                        <a:srgbClr val="000000"/>
+                      </a:solidFill>
+                      <a:prstDash val="solid"/>
+                      <a:round/>
+                      <a:headEnd type="none" w="med" len="med"/>
+                      <a:tailEnd type="none" w="med" len="med"/>
+                    </a:lnT>
+                    <a:lnB w="6350" cap="flat" cmpd="sng" algn="ctr">
+                      <a:solidFill>
+                        <a:srgbClr val="000000"/>
+                      </a:solidFill>
+                      <a:prstDash val="solid"/>
+                      <a:round/>
+                      <a:headEnd type="none" w="med" len="med"/>
+                      <a:tailEnd type="none" w="med" len="med"/>
+                    </a:lnB>
+                    <a:solidFill>
+                      <a:schemeClr val="bg1"/>
+                    </a:solidFill>
+                  </a:tcPr>
+                </a:tc>
+              </a:tr>
+              <a:tr h="483999">
+                <a:tc rowSpan="3">
+                  <a:txBody>
+                    <a:bodyPr/>
+                    <a:lstStyle/>
+                    <a:p>
+                      <a:pPr algn="l" fontAlgn="ctr"/>
+                      <a:r>
+                        <a:rPr lang="fr-FR" sz="1200" b="0" i="0" u="none" strike="noStrike">
+                          <a:solidFill>
+                            <a:srgbClr val="000000"/>
+                          </a:solidFill>
+                          <a:effectLst/>
+                          <a:latin typeface="Calibri"/>
+                        </a:rPr>
+                        <a:t>Phase 2: Alimentation des électroaimants avec une forme de courant précise au moyen d'un convertisseur CC-CC formé de 2 cellules NPC 3 niveaux</a:t>
+                      </a:r>
+                    </a:p>
+                  </a:txBody>
+                  <a:tcPr marL="3939" marR="3939" marT="3939" marB="0" anchor="ctr">
+                    <a:lnL w="6350" cap="flat" cmpd="sng" algn="ctr">
+                      <a:solidFill>
+                        <a:srgbClr val="000000"/>
+                      </a:solidFill>
+                      <a:prstDash val="solid"/>
+                      <a:round/>
+                      <a:headEnd type="none" w="med" len="med"/>
+                      <a:tailEnd type="none" w="med" len="med"/>
+                    </a:lnL>
+                    <a:lnR w="6350" cap="flat" cmpd="sng" algn="ctr">
+                      <a:solidFill>
+                        <a:srgbClr val="000000"/>
+                      </a:solidFill>
+                      <a:prstDash val="solid"/>
+                      <a:round/>
+                      <a:headEnd type="none" w="med" len="med"/>
+                      <a:tailEnd type="none" w="med" len="med"/>
+                    </a:lnR>
+                    <a:lnT w="6350" cap="flat" cmpd="sng" algn="ctr">
+                      <a:solidFill>
+                        <a:srgbClr val="000000"/>
+                      </a:solidFill>
+                      <a:prstDash val="solid"/>
+                      <a:round/>
+                      <a:headEnd type="none" w="med" len="med"/>
+                      <a:tailEnd type="none" w="med" len="med"/>
+                    </a:lnT>
+                    <a:lnB w="6350" cap="flat" cmpd="sng" algn="ctr">
+                      <a:solidFill>
+                        <a:srgbClr val="000000"/>
+                      </a:solidFill>
+                      <a:prstDash val="solid"/>
+                      <a:round/>
+                      <a:headEnd type="none" w="med" len="med"/>
+                      <a:tailEnd type="none" w="med" len="med"/>
+                    </a:lnB>
+                    <a:solidFill>
+                      <a:schemeClr val="bg1"/>
+                    </a:solidFill>
+                  </a:tcPr>
+                </a:tc>
+                <a:tc>
+                  <a:txBody>
+                    <a:bodyPr/>
+                    <a:lstStyle/>
+                    <a:p>
+                      <a:pPr algn="ctr" fontAlgn="ctr"/>
+                      <a:r>
+                        <a:rPr lang="fr-FR" sz="1200" b="0" i="0" u="none" strike="noStrike">
+                          <a:solidFill>
+                            <a:srgbClr val="000000"/>
+                          </a:solidFill>
+                          <a:effectLst/>
+                          <a:latin typeface="Calibri"/>
+                        </a:rPr>
+                        <a:t>Commander un onduleur triphasé de type NPC</a:t>
+                      </a:r>
+                    </a:p>
+                  </a:txBody>
+                  <a:tcPr marL="3939" marR="3939" marT="3939" marB="0" anchor="ctr">
+                    <a:lnL w="6350" cap="flat" cmpd="sng" algn="ctr">
+                      <a:solidFill>
+                        <a:srgbClr val="000000"/>
+                      </a:solidFill>
+                      <a:prstDash val="solid"/>
+                      <a:round/>
+                      <a:headEnd type="none" w="med" len="med"/>
+                      <a:tailEnd type="none" w="med" len="med"/>
+                    </a:lnL>
+                    <a:lnR w="6350" cap="flat" cmpd="sng" algn="ctr">
+                      <a:solidFill>
+                        <a:srgbClr val="000000"/>
+                      </a:solidFill>
+                      <a:prstDash val="solid"/>
+                      <a:round/>
+                      <a:headEnd type="none" w="med" len="med"/>
+                      <a:tailEnd type="none" w="med" len="med"/>
+                    </a:lnR>
+                    <a:lnT w="6350" cap="flat" cmpd="sng" algn="ctr">
+                      <a:solidFill>
+                        <a:srgbClr val="000000"/>
+                      </a:solidFill>
+                      <a:prstDash val="solid"/>
+                      <a:round/>
+                      <a:headEnd type="none" w="med" len="med"/>
+                      <a:tailEnd type="none" w="med" len="med"/>
+                    </a:lnT>
+                    <a:lnB w="6350" cap="flat" cmpd="sng" algn="ctr">
+                      <a:solidFill>
+                        <a:srgbClr val="000000"/>
+                      </a:solidFill>
+                      <a:prstDash val="solid"/>
+                      <a:round/>
+                      <a:headEnd type="none" w="med" len="med"/>
+                      <a:tailEnd type="none" w="med" len="med"/>
+                    </a:lnB>
+                    <a:solidFill>
+                      <a:schemeClr val="bg1"/>
+                    </a:solidFill>
+                  </a:tcPr>
+                </a:tc>
+                <a:tc>
+                  <a:txBody>
+                    <a:bodyPr/>
+                    <a:lstStyle/>
+                    <a:p>
+                      <a:pPr algn="ctr" fontAlgn="ctr"/>
+                      <a:r>
+                        <a:rPr lang="fr-FR" sz="1200" b="0" i="0" u="none" strike="noStrike">
+                          <a:solidFill>
+                            <a:srgbClr val="000000"/>
+                          </a:solidFill>
+                          <a:effectLst/>
+                          <a:latin typeface="Calibri"/>
+                        </a:rPr>
+                        <a:t>Test en boucle ouverte et en boucle fermée </a:t>
+                      </a:r>
+                    </a:p>
+                  </a:txBody>
+                  <a:tcPr marL="3939" marR="3939" marT="3939" marB="0" anchor="ctr">
+                    <a:lnL w="6350" cap="flat" cmpd="sng" algn="ctr">
+                      <a:solidFill>
+                        <a:srgbClr val="000000"/>
+                      </a:solidFill>
+                      <a:prstDash val="solid"/>
+                      <a:round/>
+                      <a:headEnd type="none" w="med" len="med"/>
+                      <a:tailEnd type="none" w="med" len="med"/>
+                    </a:lnL>
+                    <a:lnR w="6350" cap="flat" cmpd="sng" algn="ctr">
+                      <a:solidFill>
+                        <a:srgbClr val="000000"/>
+                      </a:solidFill>
+                      <a:prstDash val="solid"/>
+                      <a:round/>
+                      <a:headEnd type="none" w="med" len="med"/>
+                      <a:tailEnd type="none" w="med" len="med"/>
+                    </a:lnR>
+                    <a:lnT w="6350" cap="flat" cmpd="sng" algn="ctr">
+                      <a:solidFill>
+                        <a:srgbClr val="000000"/>
+                      </a:solidFill>
+                      <a:prstDash val="solid"/>
+                      <a:round/>
+                      <a:headEnd type="none" w="med" len="med"/>
+                      <a:tailEnd type="none" w="med" len="med"/>
+                    </a:lnT>
+                    <a:lnB w="6350" cap="flat" cmpd="sng" algn="ctr">
+                      <a:solidFill>
+                        <a:srgbClr val="000000"/>
+                      </a:solidFill>
+                      <a:prstDash val="solid"/>
+                      <a:round/>
+                      <a:headEnd type="none" w="med" len="med"/>
+                      <a:tailEnd type="none" w="med" len="med"/>
+                    </a:lnB>
+                    <a:solidFill>
+                      <a:schemeClr val="bg1"/>
+                    </a:solidFill>
+                  </a:tcPr>
+                </a:tc>
+                <a:tc>
+                  <a:txBody>
+                    <a:bodyPr/>
+                    <a:lstStyle/>
+                    <a:p>
+                      <a:pPr algn="ctr" fontAlgn="ctr"/>
+                      <a:r>
+                        <a:rPr lang="fr-FR" sz="1200" b="0" i="0" u="none" strike="noStrike">
+                          <a:solidFill>
+                            <a:srgbClr val="000000"/>
+                          </a:solidFill>
+                          <a:effectLst/>
+                          <a:latin typeface="Calibri"/>
+                        </a:rPr>
+                        <a:t>Comparaison du courant dans la charge par rapport au courant de référence</a:t>
+                      </a:r>
+                    </a:p>
+                  </a:txBody>
+                  <a:tcPr marL="3939" marR="3939" marT="3939" marB="0" anchor="ctr">
+                    <a:lnL w="6350" cap="flat" cmpd="sng" algn="ctr">
+                      <a:solidFill>
+                        <a:srgbClr val="000000"/>
+                      </a:solidFill>
+                      <a:prstDash val="solid"/>
+                      <a:round/>
+                      <a:headEnd type="none" w="med" len="med"/>
+                      <a:tailEnd type="none" w="med" len="med"/>
+                    </a:lnL>
+                    <a:lnR w="6350" cap="flat" cmpd="sng" algn="ctr">
+                      <a:solidFill>
+                        <a:srgbClr val="000000"/>
+                      </a:solidFill>
+                      <a:prstDash val="solid"/>
+                      <a:round/>
+                      <a:headEnd type="none" w="med" len="med"/>
+                      <a:tailEnd type="none" w="med" len="med"/>
+                    </a:lnR>
+                    <a:lnT w="6350" cap="flat" cmpd="sng" algn="ctr">
+                      <a:solidFill>
+                        <a:srgbClr val="000000"/>
+                      </a:solidFill>
+                      <a:prstDash val="solid"/>
+                      <a:round/>
+                      <a:headEnd type="none" w="med" len="med"/>
+                      <a:tailEnd type="none" w="med" len="med"/>
+                    </a:lnT>
+                    <a:lnB w="6350" cap="flat" cmpd="sng" algn="ctr">
+                      <a:solidFill>
+                        <a:srgbClr val="000000"/>
+                      </a:solidFill>
+                      <a:prstDash val="solid"/>
+                      <a:round/>
+                      <a:headEnd type="none" w="med" len="med"/>
+                      <a:tailEnd type="none" w="med" len="med"/>
+                    </a:lnB>
+                    <a:solidFill>
+                      <a:schemeClr val="bg1"/>
+                    </a:solidFill>
+                  </a:tcPr>
+                </a:tc>
+                <a:tc>
+                  <a:txBody>
+                    <a:bodyPr/>
+                    <a:lstStyle/>
+                    <a:p>
+                      <a:pPr algn="ctr" fontAlgn="ctr"/>
+                      <a:r>
+                        <a:rPr lang="el-GR" sz="1200" b="0" i="0" u="none" strike="noStrike">
+                          <a:solidFill>
+                            <a:srgbClr val="000000"/>
+                          </a:solidFill>
+                          <a:effectLst/>
+                          <a:latin typeface="Calibri"/>
+                        </a:rPr>
+                        <a:t>ΔI≤25A</a:t>
+                      </a:r>
+                    </a:p>
+                  </a:txBody>
+                  <a:tcPr marL="3939" marR="3939" marT="3939" marB="0" anchor="ctr">
+                    <a:lnL w="6350" cap="flat" cmpd="sng" algn="ctr">
+                      <a:solidFill>
+                        <a:srgbClr val="000000"/>
+                      </a:solidFill>
+                      <a:prstDash val="solid"/>
+                      <a:round/>
+                      <a:headEnd type="none" w="med" len="med"/>
+                      <a:tailEnd type="none" w="med" len="med"/>
+                    </a:lnL>
+                    <a:lnR w="6350" cap="flat" cmpd="sng" algn="ctr">
+                      <a:solidFill>
+                        <a:srgbClr val="000000"/>
+                      </a:solidFill>
+                      <a:prstDash val="solid"/>
+                      <a:round/>
+                      <a:headEnd type="none" w="med" len="med"/>
+                      <a:tailEnd type="none" w="med" len="med"/>
+                    </a:lnR>
+                    <a:lnT w="6350" cap="flat" cmpd="sng" algn="ctr">
+                      <a:solidFill>
+                        <a:srgbClr val="000000"/>
+                      </a:solidFill>
+                      <a:prstDash val="solid"/>
+                      <a:round/>
+                      <a:headEnd type="none" w="med" len="med"/>
+                      <a:tailEnd type="none" w="med" len="med"/>
+                    </a:lnT>
+                    <a:lnB w="6350" cap="flat" cmpd="sng" algn="ctr">
+                      <a:solidFill>
+                        <a:srgbClr val="000000"/>
+                      </a:solidFill>
+                      <a:prstDash val="solid"/>
+                      <a:round/>
+                      <a:headEnd type="none" w="med" len="med"/>
+                      <a:tailEnd type="none" w="med" len="med"/>
+                    </a:lnB>
+                    <a:solidFill>
+                      <a:schemeClr val="bg1"/>
+                    </a:solidFill>
+                  </a:tcPr>
+                </a:tc>
+              </a:tr>
+              <a:tr h="704986">
+                <a:tc vMerge="1">
+                  <a:txBody>
+                    <a:bodyPr/>
+                    <a:lstStyle/>
+                    <a:p>
+                      <a:endParaRPr lang="en-US"/>
+                    </a:p>
+                  </a:txBody>
+                  <a:tcPr/>
+                </a:tc>
+                <a:tc>
+                  <a:txBody>
+                    <a:bodyPr/>
+                    <a:lstStyle/>
+                    <a:p>
+                      <a:pPr algn="ctr" fontAlgn="ctr"/>
+                      <a:r>
+                        <a:rPr lang="fr-FR" sz="1200" b="0" i="0" u="none" strike="noStrike">
+                          <a:solidFill>
+                            <a:srgbClr val="000000"/>
+                          </a:solidFill>
+                          <a:effectLst/>
+                          <a:latin typeface="Calibri"/>
+                        </a:rPr>
+                        <a:t>Alimenter les électroaimants de l'accélérateur de particules</a:t>
+                      </a:r>
+                    </a:p>
+                  </a:txBody>
+                  <a:tcPr marL="3939" marR="3939" marT="3939" marB="0" anchor="ctr">
+                    <a:lnL w="6350" cap="flat" cmpd="sng" algn="ctr">
+                      <a:solidFill>
+                        <a:srgbClr val="000000"/>
+                      </a:solidFill>
+                      <a:prstDash val="solid"/>
+                      <a:round/>
+                      <a:headEnd type="none" w="med" len="med"/>
+                      <a:tailEnd type="none" w="med" len="med"/>
+                    </a:lnL>
+                    <a:lnR w="6350" cap="flat" cmpd="sng" algn="ctr">
+                      <a:solidFill>
+                        <a:srgbClr val="000000"/>
+                      </a:solidFill>
+                      <a:prstDash val="solid"/>
+                      <a:round/>
+                      <a:headEnd type="none" w="med" len="med"/>
+                      <a:tailEnd type="none" w="med" len="med"/>
+                    </a:lnR>
+                    <a:lnT w="6350" cap="flat" cmpd="sng" algn="ctr">
+                      <a:solidFill>
+                        <a:srgbClr val="000000"/>
+                      </a:solidFill>
+                      <a:prstDash val="solid"/>
+                      <a:round/>
+                      <a:headEnd type="none" w="med" len="med"/>
+                      <a:tailEnd type="none" w="med" len="med"/>
+                    </a:lnT>
+                    <a:lnB w="6350" cap="flat" cmpd="sng" algn="ctr">
+                      <a:solidFill>
+                        <a:srgbClr val="000000"/>
+                      </a:solidFill>
+                      <a:prstDash val="solid"/>
+                      <a:round/>
+                      <a:headEnd type="none" w="med" len="med"/>
+                      <a:tailEnd type="none" w="med" len="med"/>
+                    </a:lnB>
+                    <a:solidFill>
+                      <a:schemeClr val="bg1"/>
+                    </a:solidFill>
+                  </a:tcPr>
+                </a:tc>
+                <a:tc>
+                  <a:txBody>
+                    <a:bodyPr/>
+                    <a:lstStyle/>
+                    <a:p>
+                      <a:pPr algn="ctr" fontAlgn="ctr"/>
+                      <a:r>
+                        <a:rPr lang="fr-FR" sz="1200" b="0" i="0" u="none" strike="noStrike">
+                          <a:solidFill>
+                            <a:srgbClr val="000000"/>
+                          </a:solidFill>
+                          <a:effectLst/>
+                          <a:latin typeface="Calibri"/>
+                        </a:rPr>
+                        <a:t>Test en boucle fermée du système avec charge RL équivalente</a:t>
+                      </a:r>
+                    </a:p>
+                  </a:txBody>
+                  <a:tcPr marL="3939" marR="3939" marT="3939" marB="0" anchor="ctr">
+                    <a:lnL w="6350" cap="flat" cmpd="sng" algn="ctr">
+                      <a:solidFill>
+                        <a:srgbClr val="000000"/>
+                      </a:solidFill>
+                      <a:prstDash val="solid"/>
+                      <a:round/>
+                      <a:headEnd type="none" w="med" len="med"/>
+                      <a:tailEnd type="none" w="med" len="med"/>
+                    </a:lnL>
+                    <a:lnR w="6350" cap="flat" cmpd="sng" algn="ctr">
+                      <a:solidFill>
+                        <a:srgbClr val="000000"/>
+                      </a:solidFill>
+                      <a:prstDash val="solid"/>
+                      <a:round/>
+                      <a:headEnd type="none" w="med" len="med"/>
+                      <a:tailEnd type="none" w="med" len="med"/>
+                    </a:lnR>
+                    <a:lnT w="6350" cap="flat" cmpd="sng" algn="ctr">
+                      <a:solidFill>
+                        <a:srgbClr val="000000"/>
+                      </a:solidFill>
+                      <a:prstDash val="solid"/>
+                      <a:round/>
+                      <a:headEnd type="none" w="med" len="med"/>
+                      <a:tailEnd type="none" w="med" len="med"/>
+                    </a:lnT>
+                    <a:lnB w="6350" cap="flat" cmpd="sng" algn="ctr">
+                      <a:solidFill>
+                        <a:srgbClr val="000000"/>
+                      </a:solidFill>
+                      <a:prstDash val="solid"/>
+                      <a:round/>
+                      <a:headEnd type="none" w="med" len="med"/>
+                      <a:tailEnd type="none" w="med" len="med"/>
+                    </a:lnB>
+                    <a:solidFill>
+                      <a:schemeClr val="bg1"/>
+                    </a:solidFill>
+                  </a:tcPr>
+                </a:tc>
+                <a:tc>
+                  <a:txBody>
+                    <a:bodyPr/>
+                    <a:lstStyle/>
+                    <a:p>
+                      <a:pPr algn="ctr" fontAlgn="ctr"/>
+                      <a:r>
+                        <a:rPr lang="fr-FR" sz="1200" b="0" i="0" u="none" strike="noStrike">
+                          <a:solidFill>
+                            <a:srgbClr val="000000"/>
+                          </a:solidFill>
+                          <a:effectLst/>
+                          <a:latin typeface="Calibri"/>
+                        </a:rPr>
+                        <a:t>Comparaison du courant dans la charge par rapport au courant de référence et comparaison de la tension moyenne avec courbe de référence</a:t>
+                      </a:r>
+                    </a:p>
+                  </a:txBody>
+                  <a:tcPr marL="3939" marR="3939" marT="3939" marB="0" anchor="ctr">
+                    <a:lnL w="6350" cap="flat" cmpd="sng" algn="ctr">
+                      <a:solidFill>
+                        <a:srgbClr val="000000"/>
+                      </a:solidFill>
+                      <a:prstDash val="solid"/>
+                      <a:round/>
+                      <a:headEnd type="none" w="med" len="med"/>
+                      <a:tailEnd type="none" w="med" len="med"/>
+                    </a:lnL>
+                    <a:lnR w="6350" cap="flat" cmpd="sng" algn="ctr">
+                      <a:solidFill>
+                        <a:srgbClr val="000000"/>
+                      </a:solidFill>
+                      <a:prstDash val="solid"/>
+                      <a:round/>
+                      <a:headEnd type="none" w="med" len="med"/>
+                      <a:tailEnd type="none" w="med" len="med"/>
+                    </a:lnR>
+                    <a:lnT w="6350" cap="flat" cmpd="sng" algn="ctr">
+                      <a:solidFill>
+                        <a:srgbClr val="000000"/>
+                      </a:solidFill>
+                      <a:prstDash val="solid"/>
+                      <a:round/>
+                      <a:headEnd type="none" w="med" len="med"/>
+                      <a:tailEnd type="none" w="med" len="med"/>
+                    </a:lnT>
+                    <a:lnB w="6350" cap="flat" cmpd="sng" algn="ctr">
+                      <a:solidFill>
+                        <a:srgbClr val="000000"/>
+                      </a:solidFill>
+                      <a:prstDash val="solid"/>
+                      <a:round/>
+                      <a:headEnd type="none" w="med" len="med"/>
+                      <a:tailEnd type="none" w="med" len="med"/>
+                    </a:lnB>
+                    <a:solidFill>
+                      <a:schemeClr val="bg1"/>
+                    </a:solidFill>
+                  </a:tcPr>
+                </a:tc>
+                <a:tc>
+                  <a:txBody>
+                    <a:bodyPr/>
+                    <a:lstStyle/>
+                    <a:p>
+                      <a:pPr algn="ctr" fontAlgn="ctr"/>
+                      <a:r>
+                        <a:rPr lang="el-GR" sz="1200" b="0" i="0" u="none" strike="noStrike">
+                          <a:solidFill>
+                            <a:srgbClr val="000000"/>
+                          </a:solidFill>
+                          <a:effectLst/>
+                          <a:latin typeface="Calibri"/>
+                        </a:rPr>
+                        <a:t>ΔI≤25A</a:t>
+                      </a:r>
+                    </a:p>
+                  </a:txBody>
+                  <a:tcPr marL="3939" marR="3939" marT="3939" marB="0" anchor="ctr">
+                    <a:lnL w="6350" cap="flat" cmpd="sng" algn="ctr">
+                      <a:solidFill>
+                        <a:srgbClr val="000000"/>
+                      </a:solidFill>
+                      <a:prstDash val="solid"/>
+                      <a:round/>
+                      <a:headEnd type="none" w="med" len="med"/>
+                      <a:tailEnd type="none" w="med" len="med"/>
+                    </a:lnL>
+                    <a:lnR w="6350" cap="flat" cmpd="sng" algn="ctr">
+                      <a:solidFill>
+                        <a:srgbClr val="000000"/>
+                      </a:solidFill>
+                      <a:prstDash val="solid"/>
+                      <a:round/>
+                      <a:headEnd type="none" w="med" len="med"/>
+                      <a:tailEnd type="none" w="med" len="med"/>
+                    </a:lnR>
+                    <a:lnT w="6350" cap="flat" cmpd="sng" algn="ctr">
+                      <a:solidFill>
+                        <a:srgbClr val="000000"/>
+                      </a:solidFill>
+                      <a:prstDash val="solid"/>
+                      <a:round/>
+                      <a:headEnd type="none" w="med" len="med"/>
+                      <a:tailEnd type="none" w="med" len="med"/>
+                    </a:lnT>
+                    <a:lnB w="6350" cap="flat" cmpd="sng" algn="ctr">
+                      <a:solidFill>
+                        <a:srgbClr val="000000"/>
+                      </a:solidFill>
+                      <a:prstDash val="solid"/>
+                      <a:round/>
+                      <a:headEnd type="none" w="med" len="med"/>
+                      <a:tailEnd type="none" w="med" len="med"/>
+                    </a:lnB>
+                    <a:solidFill>
+                      <a:schemeClr val="bg1"/>
+                    </a:solidFill>
+                  </a:tcPr>
+                </a:tc>
+              </a:tr>
+              <a:tr h="86721">
+                <a:tc vMerge="1">
+                  <a:txBody>
+                    <a:bodyPr/>
+                    <a:lstStyle/>
+                    <a:p>
+                      <a:endParaRPr lang="en-US"/>
+                    </a:p>
+                  </a:txBody>
+                  <a:tcPr/>
+                </a:tc>
+                <a:tc>
+                  <a:txBody>
+                    <a:bodyPr/>
+                    <a:lstStyle/>
+                    <a:p>
+                      <a:pPr algn="ctr" fontAlgn="ctr"/>
+                      <a:r>
+                        <a:rPr lang="fr-FR" sz="1200" b="0" i="0" u="none" strike="noStrike">
+                          <a:solidFill>
+                            <a:srgbClr val="000000"/>
+                          </a:solidFill>
+                          <a:effectLst/>
+                          <a:latin typeface="Calibri"/>
+                        </a:rPr>
+                        <a:t>Afficher des résultats de simulation personnalisés</a:t>
+                      </a:r>
+                    </a:p>
+                  </a:txBody>
+                  <a:tcPr marL="3939" marR="3939" marT="3939" marB="0" anchor="ctr">
+                    <a:lnL w="6350" cap="flat" cmpd="sng" algn="ctr">
+                      <a:solidFill>
+                        <a:srgbClr val="000000"/>
+                      </a:solidFill>
+                      <a:prstDash val="solid"/>
+                      <a:round/>
+                      <a:headEnd type="none" w="med" len="med"/>
+                      <a:tailEnd type="none" w="med" len="med"/>
+                    </a:lnL>
+                    <a:lnR w="6350" cap="flat" cmpd="sng" algn="ctr">
+                      <a:solidFill>
+                        <a:srgbClr val="000000"/>
+                      </a:solidFill>
+                      <a:prstDash val="solid"/>
+                      <a:round/>
+                      <a:headEnd type="none" w="med" len="med"/>
+                      <a:tailEnd type="none" w="med" len="med"/>
+                    </a:lnR>
+                    <a:lnT w="6350" cap="flat" cmpd="sng" algn="ctr">
+                      <a:solidFill>
+                        <a:srgbClr val="000000"/>
+                      </a:solidFill>
+                      <a:prstDash val="solid"/>
+                      <a:round/>
+                      <a:headEnd type="none" w="med" len="med"/>
+                      <a:tailEnd type="none" w="med" len="med"/>
+                    </a:lnT>
+                    <a:lnB w="6350" cap="flat" cmpd="sng" algn="ctr">
+                      <a:solidFill>
+                        <a:srgbClr val="000000"/>
+                      </a:solidFill>
+                      <a:prstDash val="solid"/>
+                      <a:round/>
+                      <a:headEnd type="none" w="med" len="med"/>
+                      <a:tailEnd type="none" w="med" len="med"/>
+                    </a:lnB>
+                    <a:solidFill>
+                      <a:schemeClr val="bg1"/>
+                    </a:solidFill>
+                  </a:tcPr>
+                </a:tc>
+                <a:tc>
+                  <a:txBody>
+                    <a:bodyPr/>
+                    <a:lstStyle/>
+                    <a:p>
+                      <a:pPr algn="ctr" fontAlgn="ctr"/>
+                      <a:r>
+                        <a:rPr lang="en-US" sz="1200" b="0" i="0" u="none" strike="noStrike">
+                          <a:solidFill>
+                            <a:srgbClr val="000000"/>
+                          </a:solidFill>
+                          <a:effectLst/>
+                          <a:latin typeface="Calibri"/>
+                        </a:rPr>
+                        <a:t>Test</a:t>
+                      </a:r>
+                    </a:p>
+                  </a:txBody>
+                  <a:tcPr marL="3939" marR="3939" marT="3939" marB="0" anchor="ctr">
+                    <a:lnL w="6350" cap="flat" cmpd="sng" algn="ctr">
+                      <a:solidFill>
+                        <a:srgbClr val="000000"/>
+                      </a:solidFill>
+                      <a:prstDash val="solid"/>
+                      <a:round/>
+                      <a:headEnd type="none" w="med" len="med"/>
+                      <a:tailEnd type="none" w="med" len="med"/>
+                    </a:lnL>
+                    <a:lnR w="6350" cap="flat" cmpd="sng" algn="ctr">
+                      <a:solidFill>
+                        <a:srgbClr val="000000"/>
+                      </a:solidFill>
+                      <a:prstDash val="solid"/>
+                      <a:round/>
+                      <a:headEnd type="none" w="med" len="med"/>
+                      <a:tailEnd type="none" w="med" len="med"/>
+                    </a:lnR>
+                    <a:lnT w="6350" cap="flat" cmpd="sng" algn="ctr">
+                      <a:solidFill>
+                        <a:srgbClr val="000000"/>
+                      </a:solidFill>
+                      <a:prstDash val="solid"/>
+                      <a:round/>
+                      <a:headEnd type="none" w="med" len="med"/>
+                      <a:tailEnd type="none" w="med" len="med"/>
+                    </a:lnT>
+                    <a:lnB w="6350" cap="flat" cmpd="sng" algn="ctr">
+                      <a:solidFill>
+                        <a:srgbClr val="000000"/>
+                      </a:solidFill>
+                      <a:prstDash val="solid"/>
+                      <a:round/>
+                      <a:headEnd type="none" w="med" len="med"/>
+                      <a:tailEnd type="none" w="med" len="med"/>
+                    </a:lnB>
+                    <a:solidFill>
+                      <a:schemeClr val="bg1"/>
+                    </a:solidFill>
+                  </a:tcPr>
+                </a:tc>
+                <a:tc>
+                  <a:txBody>
+                    <a:bodyPr/>
+                    <a:lstStyle/>
+                    <a:p>
+                      <a:pPr algn="ctr" fontAlgn="ctr"/>
+                      <a:r>
+                        <a:rPr lang="fr-FR" sz="1200" b="0" i="0" u="none" strike="noStrike">
+                          <a:solidFill>
+                            <a:srgbClr val="000000"/>
+                          </a:solidFill>
+                          <a:effectLst/>
+                          <a:latin typeface="Calibri"/>
+                        </a:rPr>
+                        <a:t>Oui/Non le criètre est-il rempli?</a:t>
+                      </a:r>
+                    </a:p>
+                  </a:txBody>
+                  <a:tcPr marL="3939" marR="3939" marT="3939" marB="0" anchor="ctr">
+                    <a:lnL w="6350" cap="flat" cmpd="sng" algn="ctr">
+                      <a:solidFill>
+                        <a:srgbClr val="000000"/>
+                      </a:solidFill>
+                      <a:prstDash val="solid"/>
+                      <a:round/>
+                      <a:headEnd type="none" w="med" len="med"/>
+                      <a:tailEnd type="none" w="med" len="med"/>
+                    </a:lnL>
+                    <a:lnR w="6350" cap="flat" cmpd="sng" algn="ctr">
+                      <a:solidFill>
+                        <a:srgbClr val="000000"/>
+                      </a:solidFill>
+                      <a:prstDash val="solid"/>
+                      <a:round/>
+                      <a:headEnd type="none" w="med" len="med"/>
+                      <a:tailEnd type="none" w="med" len="med"/>
+                    </a:lnR>
+                    <a:lnT w="6350" cap="flat" cmpd="sng" algn="ctr">
+                      <a:solidFill>
+                        <a:srgbClr val="000000"/>
+                      </a:solidFill>
+                      <a:prstDash val="solid"/>
+                      <a:round/>
+                      <a:headEnd type="none" w="med" len="med"/>
+                      <a:tailEnd type="none" w="med" len="med"/>
+                    </a:lnT>
+                    <a:lnB w="6350" cap="flat" cmpd="sng" algn="ctr">
+                      <a:solidFill>
+                        <a:srgbClr val="000000"/>
+                      </a:solidFill>
+                      <a:prstDash val="solid"/>
+                      <a:round/>
+                      <a:headEnd type="none" w="med" len="med"/>
+                      <a:tailEnd type="none" w="med" len="med"/>
+                    </a:lnB>
+                    <a:solidFill>
+                      <a:schemeClr val="bg1"/>
+                    </a:solidFill>
+                  </a:tcPr>
+                </a:tc>
+                <a:tc>
+                  <a:txBody>
+                    <a:bodyPr/>
+                    <a:lstStyle/>
+                    <a:p>
+                      <a:pPr algn="l" fontAlgn="b"/>
+                      <a:r>
+                        <a:rPr lang="en-US" sz="1200" b="0" i="0" u="none" strike="noStrike">
+                          <a:solidFill>
+                            <a:srgbClr val="000000"/>
+                          </a:solidFill>
+                          <a:effectLst/>
+                          <a:latin typeface="Calibri"/>
+                        </a:rPr>
+                        <a:t> </a:t>
+                      </a:r>
+                    </a:p>
+                  </a:txBody>
+                  <a:tcPr marL="3939" marR="3939" marT="3939" marB="0" anchor="b">
+                    <a:lnL w="6350" cap="flat" cmpd="sng" algn="ctr">
+                      <a:solidFill>
+                        <a:srgbClr val="000000"/>
+                      </a:solidFill>
+                      <a:prstDash val="solid"/>
+                      <a:round/>
+                      <a:headEnd type="none" w="med" len="med"/>
+                      <a:tailEnd type="none" w="med" len="med"/>
+                    </a:lnL>
+                    <a:lnR w="6350" cap="flat" cmpd="sng" algn="ctr">
+                      <a:solidFill>
+                        <a:srgbClr val="000000"/>
+                      </a:solidFill>
+                      <a:prstDash val="solid"/>
+                      <a:round/>
+                      <a:headEnd type="none" w="med" len="med"/>
+                      <a:tailEnd type="none" w="med" len="med"/>
+                    </a:lnR>
+                    <a:lnT w="6350" cap="flat" cmpd="sng" algn="ctr">
+                      <a:solidFill>
+                        <a:srgbClr val="000000"/>
+                      </a:solidFill>
+                      <a:prstDash val="solid"/>
+                      <a:round/>
+                      <a:headEnd type="none" w="med" len="med"/>
+                      <a:tailEnd type="none" w="med" len="med"/>
+                    </a:lnT>
+                    <a:lnB w="6350" cap="flat" cmpd="sng" algn="ctr">
+                      <a:solidFill>
+                        <a:srgbClr val="000000"/>
+                      </a:solidFill>
+                      <a:prstDash val="solid"/>
+                      <a:round/>
+                      <a:headEnd type="none" w="med" len="med"/>
+                      <a:tailEnd type="none" w="med" len="med"/>
+                    </a:lnB>
+                    <a:solidFill>
+                      <a:schemeClr val="bg1"/>
+                    </a:solidFill>
+                  </a:tcPr>
+                </a:tc>
+              </a:tr>
+              <a:tr h="323979">
+                <a:tc rowSpan="2">
+                  <a:txBody>
+                    <a:bodyPr/>
+                    <a:lstStyle/>
+                    <a:p>
+                      <a:pPr algn="l" fontAlgn="ctr"/>
+                      <a:r>
+                        <a:rPr lang="fr-FR" sz="1200" b="0" i="0" u="none" strike="noStrike">
+                          <a:solidFill>
+                            <a:srgbClr val="000000"/>
+                          </a:solidFill>
+                          <a:effectLst/>
+                          <a:latin typeface="Calibri"/>
+                        </a:rPr>
+                        <a:t>Phase 3: Redresser le signal d'entrée avec un redresseur actif et régler le facteur de puissance vu à l'entrée</a:t>
+                      </a:r>
+                    </a:p>
+                  </a:txBody>
+                  <a:tcPr marL="3939" marR="3939" marT="3939" marB="0" anchor="ctr">
+                    <a:lnL w="6350" cap="flat" cmpd="sng" algn="ctr">
+                      <a:solidFill>
+                        <a:srgbClr val="000000"/>
+                      </a:solidFill>
+                      <a:prstDash val="solid"/>
+                      <a:round/>
+                      <a:headEnd type="none" w="med" len="med"/>
+                      <a:tailEnd type="none" w="med" len="med"/>
+                    </a:lnL>
+                    <a:lnR w="6350" cap="flat" cmpd="sng" algn="ctr">
+                      <a:solidFill>
+                        <a:srgbClr val="000000"/>
+                      </a:solidFill>
+                      <a:prstDash val="solid"/>
+                      <a:round/>
+                      <a:headEnd type="none" w="med" len="med"/>
+                      <a:tailEnd type="none" w="med" len="med"/>
+                    </a:lnR>
+                    <a:lnT w="6350" cap="flat" cmpd="sng" algn="ctr">
+                      <a:solidFill>
+                        <a:srgbClr val="000000"/>
+                      </a:solidFill>
+                      <a:prstDash val="solid"/>
+                      <a:round/>
+                      <a:headEnd type="none" w="med" len="med"/>
+                      <a:tailEnd type="none" w="med" len="med"/>
+                    </a:lnT>
+                    <a:lnB w="6350" cap="flat" cmpd="sng" algn="ctr">
+                      <a:solidFill>
+                        <a:srgbClr val="000000"/>
+                      </a:solidFill>
+                      <a:prstDash val="solid"/>
+                      <a:round/>
+                      <a:headEnd type="none" w="med" len="med"/>
+                      <a:tailEnd type="none" w="med" len="med"/>
+                    </a:lnB>
+                    <a:solidFill>
+                      <a:schemeClr val="bg1"/>
+                    </a:solidFill>
+                  </a:tcPr>
+                </a:tc>
+                <a:tc>
+                  <a:txBody>
+                    <a:bodyPr/>
+                    <a:lstStyle/>
+                    <a:p>
+                      <a:pPr algn="ctr" fontAlgn="ctr"/>
+                      <a:r>
+                        <a:rPr lang="fr-FR" sz="1200" b="0" i="0" u="none" strike="noStrike">
+                          <a:solidFill>
+                            <a:srgbClr val="000000"/>
+                          </a:solidFill>
+                          <a:effectLst/>
+                          <a:latin typeface="Calibri"/>
+                        </a:rPr>
+                        <a:t>Charger un banc de condensateur</a:t>
+                      </a:r>
+                    </a:p>
+                  </a:txBody>
+                  <a:tcPr marL="3939" marR="3939" marT="3939" marB="0" anchor="ctr">
+                    <a:lnL w="6350" cap="flat" cmpd="sng" algn="ctr">
+                      <a:solidFill>
+                        <a:srgbClr val="000000"/>
+                      </a:solidFill>
+                      <a:prstDash val="solid"/>
+                      <a:round/>
+                      <a:headEnd type="none" w="med" len="med"/>
+                      <a:tailEnd type="none" w="med" len="med"/>
+                    </a:lnL>
+                    <a:lnR w="6350" cap="flat" cmpd="sng" algn="ctr">
+                      <a:solidFill>
+                        <a:srgbClr val="000000"/>
+                      </a:solidFill>
+                      <a:prstDash val="solid"/>
+                      <a:round/>
+                      <a:headEnd type="none" w="med" len="med"/>
+                      <a:tailEnd type="none" w="med" len="med"/>
+                    </a:lnR>
+                    <a:lnT w="6350" cap="flat" cmpd="sng" algn="ctr">
+                      <a:solidFill>
+                        <a:srgbClr val="000000"/>
+                      </a:solidFill>
+                      <a:prstDash val="solid"/>
+                      <a:round/>
+                      <a:headEnd type="none" w="med" len="med"/>
+                      <a:tailEnd type="none" w="med" len="med"/>
+                    </a:lnT>
+                    <a:lnB w="6350" cap="flat" cmpd="sng" algn="ctr">
+                      <a:solidFill>
+                        <a:srgbClr val="000000"/>
+                      </a:solidFill>
+                      <a:prstDash val="solid"/>
+                      <a:round/>
+                      <a:headEnd type="none" w="med" len="med"/>
+                      <a:tailEnd type="none" w="med" len="med"/>
+                    </a:lnB>
+                    <a:solidFill>
+                      <a:schemeClr val="bg1"/>
+                    </a:solidFill>
+                  </a:tcPr>
+                </a:tc>
+                <a:tc>
+                  <a:txBody>
+                    <a:bodyPr/>
+                    <a:lstStyle/>
+                    <a:p>
+                      <a:pPr algn="ctr" fontAlgn="ctr"/>
+                      <a:r>
+                        <a:rPr lang="fr-FR" sz="1200" b="0" i="0" u="none" strike="noStrike" dirty="0">
+                          <a:solidFill>
+                            <a:srgbClr val="000000"/>
+                          </a:solidFill>
+                          <a:effectLst/>
+                          <a:latin typeface="Calibri"/>
+                        </a:rPr>
+                        <a:t>Test sur SPS et </a:t>
+                      </a:r>
+                      <a:r>
+                        <a:rPr lang="fr-FR" sz="1200" b="0" i="0" u="none" strike="noStrike" dirty="0" err="1">
+                          <a:solidFill>
+                            <a:srgbClr val="000000"/>
+                          </a:solidFill>
+                          <a:effectLst/>
+                          <a:latin typeface="Calibri"/>
+                        </a:rPr>
+                        <a:t>Psim</a:t>
+                      </a:r>
+                      <a:endParaRPr lang="fr-FR" sz="1200" b="0" i="0" u="none" strike="noStrike" dirty="0">
+                        <a:solidFill>
+                          <a:srgbClr val="000000"/>
+                        </a:solidFill>
+                        <a:effectLst/>
+                        <a:latin typeface="Calibri"/>
+                      </a:endParaRPr>
+                    </a:p>
+                  </a:txBody>
+                  <a:tcPr marL="3939" marR="3939" marT="3939" marB="0" anchor="ctr">
+                    <a:lnL w="6350" cap="flat" cmpd="sng" algn="ctr">
+                      <a:solidFill>
+                        <a:srgbClr val="000000"/>
+                      </a:solidFill>
+                      <a:prstDash val="solid"/>
+                      <a:round/>
+                      <a:headEnd type="none" w="med" len="med"/>
+                      <a:tailEnd type="none" w="med" len="med"/>
+                    </a:lnL>
+                    <a:lnR w="6350" cap="flat" cmpd="sng" algn="ctr">
+                      <a:solidFill>
+                        <a:srgbClr val="000000"/>
+                      </a:solidFill>
+                      <a:prstDash val="solid"/>
+                      <a:round/>
+                      <a:headEnd type="none" w="med" len="med"/>
+                      <a:tailEnd type="none" w="med" len="med"/>
+                    </a:lnR>
+                    <a:lnT w="6350" cap="flat" cmpd="sng" algn="ctr">
+                      <a:solidFill>
+                        <a:srgbClr val="000000"/>
+                      </a:solidFill>
+                      <a:prstDash val="solid"/>
+                      <a:round/>
+                      <a:headEnd type="none" w="med" len="med"/>
+                      <a:tailEnd type="none" w="med" len="med"/>
+                    </a:lnT>
+                    <a:lnB w="6350" cap="flat" cmpd="sng" algn="ctr">
+                      <a:solidFill>
+                        <a:srgbClr val="000000"/>
+                      </a:solidFill>
+                      <a:prstDash val="solid"/>
+                      <a:round/>
+                      <a:headEnd type="none" w="med" len="med"/>
+                      <a:tailEnd type="none" w="med" len="med"/>
+                    </a:lnB>
+                    <a:solidFill>
+                      <a:schemeClr val="bg1"/>
+                    </a:solidFill>
+                  </a:tcPr>
+                </a:tc>
+                <a:tc>
+                  <a:txBody>
+                    <a:bodyPr/>
+                    <a:lstStyle/>
+                    <a:p>
+                      <a:pPr algn="ctr" fontAlgn="ctr"/>
+                      <a:r>
+                        <a:rPr lang="fr-FR" sz="1200" b="0" i="0" u="none" strike="noStrike">
+                          <a:solidFill>
+                            <a:srgbClr val="000000"/>
+                          </a:solidFill>
+                          <a:effectLst/>
+                          <a:latin typeface="Calibri"/>
+                        </a:rPr>
+                        <a:t>Courbe de charge stable avec temps de charge minimal</a:t>
+                      </a:r>
+                    </a:p>
+                  </a:txBody>
+                  <a:tcPr marL="3939" marR="3939" marT="3939" marB="0" anchor="ctr">
+                    <a:lnL w="6350" cap="flat" cmpd="sng" algn="ctr">
+                      <a:solidFill>
+                        <a:srgbClr val="000000"/>
+                      </a:solidFill>
+                      <a:prstDash val="solid"/>
+                      <a:round/>
+                      <a:headEnd type="none" w="med" len="med"/>
+                      <a:tailEnd type="none" w="med" len="med"/>
+                    </a:lnL>
+                    <a:lnR w="6350" cap="flat" cmpd="sng" algn="ctr">
+                      <a:solidFill>
+                        <a:srgbClr val="000000"/>
+                      </a:solidFill>
+                      <a:prstDash val="solid"/>
+                      <a:round/>
+                      <a:headEnd type="none" w="med" len="med"/>
+                      <a:tailEnd type="none" w="med" len="med"/>
+                    </a:lnR>
+                    <a:lnT w="6350" cap="flat" cmpd="sng" algn="ctr">
+                      <a:solidFill>
+                        <a:srgbClr val="000000"/>
+                      </a:solidFill>
+                      <a:prstDash val="solid"/>
+                      <a:round/>
+                      <a:headEnd type="none" w="med" len="med"/>
+                      <a:tailEnd type="none" w="med" len="med"/>
+                    </a:lnT>
+                    <a:lnB w="6350" cap="flat" cmpd="sng" algn="ctr">
+                      <a:solidFill>
+                        <a:srgbClr val="000000"/>
+                      </a:solidFill>
+                      <a:prstDash val="solid"/>
+                      <a:round/>
+                      <a:headEnd type="none" w="med" len="med"/>
+                      <a:tailEnd type="none" w="med" len="med"/>
+                    </a:lnB>
+                    <a:solidFill>
+                      <a:schemeClr val="bg1"/>
+                    </a:solidFill>
+                  </a:tcPr>
+                </a:tc>
+                <a:tc>
+                  <a:txBody>
+                    <a:bodyPr/>
+                    <a:lstStyle/>
+                    <a:p>
+                      <a:pPr algn="ctr" fontAlgn="ctr"/>
+                      <a:r>
+                        <a:rPr lang="fr-FR" sz="1200" b="0" i="0" u="none" strike="noStrike">
+                          <a:solidFill>
+                            <a:srgbClr val="000000"/>
+                          </a:solidFill>
+                          <a:effectLst/>
+                          <a:latin typeface="Calibri"/>
+                        </a:rPr>
+                        <a:t>t≤2s, Pmax≤3.6MW, Pmoy = 2.7MW</a:t>
+                      </a:r>
+                    </a:p>
+                  </a:txBody>
+                  <a:tcPr marL="3939" marR="3939" marT="3939" marB="0" anchor="ctr">
+                    <a:lnL w="6350" cap="flat" cmpd="sng" algn="ctr">
+                      <a:solidFill>
+                        <a:srgbClr val="000000"/>
+                      </a:solidFill>
+                      <a:prstDash val="solid"/>
+                      <a:round/>
+                      <a:headEnd type="none" w="med" len="med"/>
+                      <a:tailEnd type="none" w="med" len="med"/>
+                    </a:lnL>
+                    <a:lnR w="6350" cap="flat" cmpd="sng" algn="ctr">
+                      <a:solidFill>
+                        <a:srgbClr val="000000"/>
+                      </a:solidFill>
+                      <a:prstDash val="solid"/>
+                      <a:round/>
+                      <a:headEnd type="none" w="med" len="med"/>
+                      <a:tailEnd type="none" w="med" len="med"/>
+                    </a:lnR>
+                    <a:lnT w="6350" cap="flat" cmpd="sng" algn="ctr">
+                      <a:solidFill>
+                        <a:srgbClr val="000000"/>
+                      </a:solidFill>
+                      <a:prstDash val="solid"/>
+                      <a:round/>
+                      <a:headEnd type="none" w="med" len="med"/>
+                      <a:tailEnd type="none" w="med" len="med"/>
+                    </a:lnT>
+                    <a:lnB w="6350" cap="flat" cmpd="sng" algn="ctr">
+                      <a:solidFill>
+                        <a:srgbClr val="000000"/>
+                      </a:solidFill>
+                      <a:prstDash val="solid"/>
+                      <a:round/>
+                      <a:headEnd type="none" w="med" len="med"/>
+                      <a:tailEnd type="none" w="med" len="med"/>
+                    </a:lnB>
+                    <a:solidFill>
+                      <a:schemeClr val="bg1"/>
+                    </a:solidFill>
+                  </a:tcPr>
+                </a:tc>
+              </a:tr>
+              <a:tr h="712698">
+                <a:tc vMerge="1">
+                  <a:txBody>
+                    <a:bodyPr/>
+                    <a:lstStyle/>
+                    <a:p>
+                      <a:endParaRPr lang="en-US"/>
+                    </a:p>
+                  </a:txBody>
+                  <a:tcPr/>
+                </a:tc>
+                <a:tc>
+                  <a:txBody>
+                    <a:bodyPr/>
+                    <a:lstStyle/>
+                    <a:p>
+                      <a:pPr algn="ctr" fontAlgn="ctr"/>
+                      <a:r>
+                        <a:rPr lang="fr-FR" sz="1200" b="0" i="0" u="none" strike="noStrike" dirty="0">
+                          <a:solidFill>
+                            <a:srgbClr val="000000"/>
+                          </a:solidFill>
+                          <a:effectLst/>
+                          <a:latin typeface="Calibri"/>
+                        </a:rPr>
+                        <a:t>Redresser le signal d'entrée à la sortie du transformateur</a:t>
+                      </a:r>
+                    </a:p>
+                  </a:txBody>
+                  <a:tcPr marL="3939" marR="3939" marT="3939" marB="0" anchor="ctr">
+                    <a:lnL w="6350" cap="flat" cmpd="sng" algn="ctr">
+                      <a:solidFill>
+                        <a:srgbClr val="000000"/>
+                      </a:solidFill>
+                      <a:prstDash val="solid"/>
+                      <a:round/>
+                      <a:headEnd type="none" w="med" len="med"/>
+                      <a:tailEnd type="none" w="med" len="med"/>
+                    </a:lnL>
+                    <a:lnR w="6350" cap="flat" cmpd="sng" algn="ctr">
+                      <a:solidFill>
+                        <a:srgbClr val="000000"/>
+                      </a:solidFill>
+                      <a:prstDash val="solid"/>
+                      <a:round/>
+                      <a:headEnd type="none" w="med" len="med"/>
+                      <a:tailEnd type="none" w="med" len="med"/>
+                    </a:lnR>
+                    <a:lnT w="6350" cap="flat" cmpd="sng" algn="ctr">
+                      <a:solidFill>
+                        <a:srgbClr val="000000"/>
+                      </a:solidFill>
+                      <a:prstDash val="solid"/>
+                      <a:round/>
+                      <a:headEnd type="none" w="med" len="med"/>
+                      <a:tailEnd type="none" w="med" len="med"/>
+                    </a:lnT>
+                    <a:lnB w="6350" cap="flat" cmpd="sng" algn="ctr">
+                      <a:solidFill>
+                        <a:srgbClr val="000000"/>
+                      </a:solidFill>
+                      <a:prstDash val="solid"/>
+                      <a:round/>
+                      <a:headEnd type="none" w="med" len="med"/>
+                      <a:tailEnd type="none" w="med" len="med"/>
+                    </a:lnB>
+                    <a:solidFill>
+                      <a:schemeClr val="bg1"/>
+                    </a:solidFill>
+                  </a:tcPr>
+                </a:tc>
+                <a:tc>
+                  <a:txBody>
+                    <a:bodyPr/>
+                    <a:lstStyle/>
+                    <a:p>
+                      <a:pPr algn="ctr" fontAlgn="ctr"/>
+                      <a:r>
+                        <a:rPr lang="fr-FR" sz="1200" b="0" i="0" u="none" strike="noStrike">
+                          <a:solidFill>
+                            <a:srgbClr val="000000"/>
+                          </a:solidFill>
+                          <a:effectLst/>
+                          <a:latin typeface="Calibri"/>
+                        </a:rPr>
+                        <a:t>Test sur SPS et Psim</a:t>
+                      </a:r>
+                    </a:p>
+                  </a:txBody>
+                  <a:tcPr marL="3939" marR="3939" marT="3939" marB="0" anchor="ctr">
+                    <a:lnL w="6350" cap="flat" cmpd="sng" algn="ctr">
+                      <a:solidFill>
+                        <a:srgbClr val="000000"/>
+                      </a:solidFill>
+                      <a:prstDash val="solid"/>
+                      <a:round/>
+                      <a:headEnd type="none" w="med" len="med"/>
+                      <a:tailEnd type="none" w="med" len="med"/>
+                    </a:lnL>
+                    <a:lnR w="6350" cap="flat" cmpd="sng" algn="ctr">
+                      <a:solidFill>
+                        <a:srgbClr val="000000"/>
+                      </a:solidFill>
+                      <a:prstDash val="solid"/>
+                      <a:round/>
+                      <a:headEnd type="none" w="med" len="med"/>
+                      <a:tailEnd type="none" w="med" len="med"/>
+                    </a:lnR>
+                    <a:lnT w="6350" cap="flat" cmpd="sng" algn="ctr">
+                      <a:solidFill>
+                        <a:srgbClr val="000000"/>
+                      </a:solidFill>
+                      <a:prstDash val="solid"/>
+                      <a:round/>
+                      <a:headEnd type="none" w="med" len="med"/>
+                      <a:tailEnd type="none" w="med" len="med"/>
+                    </a:lnT>
+                    <a:lnB w="6350" cap="flat" cmpd="sng" algn="ctr">
+                      <a:solidFill>
+                        <a:srgbClr val="000000"/>
+                      </a:solidFill>
+                      <a:prstDash val="solid"/>
+                      <a:round/>
+                      <a:headEnd type="none" w="med" len="med"/>
+                      <a:tailEnd type="none" w="med" len="med"/>
+                    </a:lnB>
+                    <a:solidFill>
+                      <a:schemeClr val="bg1"/>
+                    </a:solidFill>
+                  </a:tcPr>
+                </a:tc>
+                <a:tc>
+                  <a:txBody>
+                    <a:bodyPr/>
+                    <a:lstStyle/>
+                    <a:p>
+                      <a:pPr algn="ctr" fontAlgn="ctr"/>
+                      <a:r>
+                        <a:rPr lang="fr-FR" sz="1200" b="0" i="0" u="none" strike="noStrike" dirty="0">
+                          <a:solidFill>
+                            <a:srgbClr val="000000"/>
+                          </a:solidFill>
+                          <a:effectLst/>
+                          <a:latin typeface="Calibri"/>
+                        </a:rPr>
+                        <a:t>Vérification angle de charge par rapport à l'angle de charge imposé, Vérification de la tension moyenne à la charge par rapport à celle imposée en régime permanent</a:t>
+                      </a:r>
+                    </a:p>
+                  </a:txBody>
+                  <a:tcPr marL="3939" marR="3939" marT="3939" marB="0" anchor="ctr">
+                    <a:lnL w="6350" cap="flat" cmpd="sng" algn="ctr">
+                      <a:solidFill>
+                        <a:srgbClr val="000000"/>
+                      </a:solidFill>
+                      <a:prstDash val="solid"/>
+                      <a:round/>
+                      <a:headEnd type="none" w="med" len="med"/>
+                      <a:tailEnd type="none" w="med" len="med"/>
+                    </a:lnL>
+                    <a:lnR w="6350" cap="flat" cmpd="sng" algn="ctr">
+                      <a:solidFill>
+                        <a:srgbClr val="000000"/>
+                      </a:solidFill>
+                      <a:prstDash val="solid"/>
+                      <a:round/>
+                      <a:headEnd type="none" w="med" len="med"/>
+                      <a:tailEnd type="none" w="med" len="med"/>
+                    </a:lnR>
+                    <a:lnT w="6350" cap="flat" cmpd="sng" algn="ctr">
+                      <a:solidFill>
+                        <a:srgbClr val="000000"/>
+                      </a:solidFill>
+                      <a:prstDash val="solid"/>
+                      <a:round/>
+                      <a:headEnd type="none" w="med" len="med"/>
+                      <a:tailEnd type="none" w="med" len="med"/>
+                    </a:lnT>
+                    <a:lnB w="6350" cap="flat" cmpd="sng" algn="ctr">
+                      <a:solidFill>
+                        <a:srgbClr val="000000"/>
+                      </a:solidFill>
+                      <a:prstDash val="solid"/>
+                      <a:round/>
+                      <a:headEnd type="none" w="med" len="med"/>
+                      <a:tailEnd type="none" w="med" len="med"/>
+                    </a:lnB>
+                    <a:solidFill>
+                      <a:schemeClr val="bg1"/>
+                    </a:solidFill>
+                  </a:tcPr>
+                </a:tc>
+                <a:tc>
+                  <a:txBody>
+                    <a:bodyPr/>
+                    <a:lstStyle/>
+                    <a:p>
+                      <a:pPr algn="ctr" fontAlgn="ctr"/>
+                      <a:r>
+                        <a:rPr lang="el-GR" sz="1200" b="0" i="0" u="none" strike="noStrike">
+                          <a:solidFill>
+                            <a:srgbClr val="000000"/>
+                          </a:solidFill>
+                          <a:effectLst/>
+                          <a:latin typeface="Calibri"/>
+                        </a:rPr>
+                        <a:t>ΔVmax≤50V, ΔΦ≤2°</a:t>
+                      </a:r>
+                    </a:p>
+                  </a:txBody>
+                  <a:tcPr marL="3939" marR="3939" marT="3939" marB="0" anchor="ctr">
+                    <a:lnL w="6350" cap="flat" cmpd="sng" algn="ctr">
+                      <a:solidFill>
+                        <a:srgbClr val="000000"/>
+                      </a:solidFill>
+                      <a:prstDash val="solid"/>
+                      <a:round/>
+                      <a:headEnd type="none" w="med" len="med"/>
+                      <a:tailEnd type="none" w="med" len="med"/>
+                    </a:lnL>
+                    <a:lnR w="6350" cap="flat" cmpd="sng" algn="ctr">
+                      <a:solidFill>
+                        <a:srgbClr val="000000"/>
+                      </a:solidFill>
+                      <a:prstDash val="solid"/>
+                      <a:round/>
+                      <a:headEnd type="none" w="med" len="med"/>
+                      <a:tailEnd type="none" w="med" len="med"/>
+                    </a:lnR>
+                    <a:lnT w="6350" cap="flat" cmpd="sng" algn="ctr">
+                      <a:solidFill>
+                        <a:srgbClr val="000000"/>
+                      </a:solidFill>
+                      <a:prstDash val="solid"/>
+                      <a:round/>
+                      <a:headEnd type="none" w="med" len="med"/>
+                      <a:tailEnd type="none" w="med" len="med"/>
+                    </a:lnT>
+                    <a:lnB w="6350" cap="flat" cmpd="sng" algn="ctr">
+                      <a:solidFill>
+                        <a:srgbClr val="000000"/>
+                      </a:solidFill>
+                      <a:prstDash val="solid"/>
+                      <a:round/>
+                      <a:headEnd type="none" w="med" len="med"/>
+                      <a:tailEnd type="none" w="med" len="med"/>
+                    </a:lnB>
+                    <a:solidFill>
+                      <a:schemeClr val="bg1"/>
+                    </a:solidFill>
+                  </a:tcPr>
+                </a:tc>
+              </a:tr>
+              <a:tr h="424441">
+                <a:tc rowSpan="2">
+                  <a:txBody>
+                    <a:bodyPr/>
+                    <a:lstStyle/>
+                    <a:p>
+                      <a:pPr algn="l" fontAlgn="ctr"/>
+                      <a:r>
+                        <a:rPr lang="fr-FR" sz="1200" b="0" i="0" u="none" strike="noStrike">
+                          <a:solidFill>
+                            <a:srgbClr val="000000"/>
+                          </a:solidFill>
+                          <a:effectLst/>
+                          <a:latin typeface="Calibri"/>
+                        </a:rPr>
+                        <a:t>Phase 4: Outil de dimensionnement</a:t>
+                      </a:r>
+                    </a:p>
+                  </a:txBody>
+                  <a:tcPr marL="3939" marR="3939" marT="3939" marB="0" anchor="ctr">
+                    <a:lnL w="6350" cap="flat" cmpd="sng" algn="ctr">
+                      <a:solidFill>
+                        <a:srgbClr val="000000"/>
+                      </a:solidFill>
+                      <a:prstDash val="solid"/>
+                      <a:round/>
+                      <a:headEnd type="none" w="med" len="med"/>
+                      <a:tailEnd type="none" w="med" len="med"/>
+                    </a:lnL>
+                    <a:lnR w="6350" cap="flat" cmpd="sng" algn="ctr">
+                      <a:solidFill>
+                        <a:srgbClr val="000000"/>
+                      </a:solidFill>
+                      <a:prstDash val="solid"/>
+                      <a:round/>
+                      <a:headEnd type="none" w="med" len="med"/>
+                      <a:tailEnd type="none" w="med" len="med"/>
+                    </a:lnR>
+                    <a:lnT w="6350" cap="flat" cmpd="sng" algn="ctr">
+                      <a:solidFill>
+                        <a:srgbClr val="000000"/>
+                      </a:solidFill>
+                      <a:prstDash val="solid"/>
+                      <a:round/>
+                      <a:headEnd type="none" w="med" len="med"/>
+                      <a:tailEnd type="none" w="med" len="med"/>
+                    </a:lnT>
+                    <a:lnB w="6350" cap="flat" cmpd="sng" algn="ctr">
+                      <a:solidFill>
+                        <a:srgbClr val="000000"/>
+                      </a:solidFill>
+                      <a:prstDash val="solid"/>
+                      <a:round/>
+                      <a:headEnd type="none" w="med" len="med"/>
+                      <a:tailEnd type="none" w="med" len="med"/>
+                    </a:lnB>
+                    <a:solidFill>
+                      <a:schemeClr val="bg1"/>
+                    </a:solidFill>
+                  </a:tcPr>
+                </a:tc>
+                <a:tc>
+                  <a:txBody>
+                    <a:bodyPr/>
+                    <a:lstStyle/>
+                    <a:p>
+                      <a:pPr algn="ctr" fontAlgn="ctr"/>
+                      <a:r>
+                        <a:rPr lang="fr-FR" sz="1200" b="0" i="0" u="none" strike="noStrike" dirty="0">
+                          <a:solidFill>
+                            <a:srgbClr val="000000"/>
+                          </a:solidFill>
+                          <a:effectLst/>
+                          <a:latin typeface="Calibri"/>
+                        </a:rPr>
+                        <a:t>Accepter des paramètres de dimensionnement usuels</a:t>
+                      </a:r>
+                    </a:p>
+                  </a:txBody>
+                  <a:tcPr marL="3939" marR="3939" marT="3939" marB="0" anchor="ctr">
+                    <a:lnL w="6350" cap="flat" cmpd="sng" algn="ctr">
+                      <a:solidFill>
+                        <a:srgbClr val="000000"/>
+                      </a:solidFill>
+                      <a:prstDash val="solid"/>
+                      <a:round/>
+                      <a:headEnd type="none" w="med" len="med"/>
+                      <a:tailEnd type="none" w="med" len="med"/>
+                    </a:lnL>
+                    <a:lnR w="6350" cap="flat" cmpd="sng" algn="ctr">
+                      <a:solidFill>
+                        <a:srgbClr val="000000"/>
+                      </a:solidFill>
+                      <a:prstDash val="solid"/>
+                      <a:round/>
+                      <a:headEnd type="none" w="med" len="med"/>
+                      <a:tailEnd type="none" w="med" len="med"/>
+                    </a:lnR>
+                    <a:lnT w="6350" cap="flat" cmpd="sng" algn="ctr">
+                      <a:solidFill>
+                        <a:srgbClr val="000000"/>
+                      </a:solidFill>
+                      <a:prstDash val="solid"/>
+                      <a:round/>
+                      <a:headEnd type="none" w="med" len="med"/>
+                      <a:tailEnd type="none" w="med" len="med"/>
+                    </a:lnT>
+                    <a:lnB w="6350" cap="flat" cmpd="sng" algn="ctr">
+                      <a:solidFill>
+                        <a:srgbClr val="000000"/>
+                      </a:solidFill>
+                      <a:prstDash val="solid"/>
+                      <a:round/>
+                      <a:headEnd type="none" w="med" len="med"/>
+                      <a:tailEnd type="none" w="med" len="med"/>
+                    </a:lnB>
+                    <a:solidFill>
+                      <a:schemeClr val="bg1"/>
+                    </a:solidFill>
+                  </a:tcPr>
+                </a:tc>
+                <a:tc>
+                  <a:txBody>
+                    <a:bodyPr/>
+                    <a:lstStyle/>
+                    <a:p>
+                      <a:pPr algn="ctr" fontAlgn="ctr"/>
+                      <a:r>
+                        <a:rPr lang="fr-FR" sz="1200" b="0" i="0" u="none" strike="noStrike">
+                          <a:solidFill>
+                            <a:srgbClr val="000000"/>
+                          </a:solidFill>
+                          <a:effectLst/>
+                          <a:latin typeface="Calibri"/>
+                        </a:rPr>
+                        <a:t>Test sur Excel</a:t>
+                      </a:r>
+                    </a:p>
+                  </a:txBody>
+                  <a:tcPr marL="3939" marR="3939" marT="3939" marB="0" anchor="ctr">
+                    <a:lnL w="6350" cap="flat" cmpd="sng" algn="ctr">
+                      <a:solidFill>
+                        <a:srgbClr val="000000"/>
+                      </a:solidFill>
+                      <a:prstDash val="solid"/>
+                      <a:round/>
+                      <a:headEnd type="none" w="med" len="med"/>
+                      <a:tailEnd type="none" w="med" len="med"/>
+                    </a:lnL>
+                    <a:lnR w="6350" cap="flat" cmpd="sng" algn="ctr">
+                      <a:solidFill>
+                        <a:srgbClr val="000000"/>
+                      </a:solidFill>
+                      <a:prstDash val="solid"/>
+                      <a:round/>
+                      <a:headEnd type="none" w="med" len="med"/>
+                      <a:tailEnd type="none" w="med" len="med"/>
+                    </a:lnR>
+                    <a:lnT w="6350" cap="flat" cmpd="sng" algn="ctr">
+                      <a:solidFill>
+                        <a:srgbClr val="000000"/>
+                      </a:solidFill>
+                      <a:prstDash val="solid"/>
+                      <a:round/>
+                      <a:headEnd type="none" w="med" len="med"/>
+                      <a:tailEnd type="none" w="med" len="med"/>
+                    </a:lnT>
+                    <a:lnB w="6350" cap="flat" cmpd="sng" algn="ctr">
+                      <a:solidFill>
+                        <a:srgbClr val="000000"/>
+                      </a:solidFill>
+                      <a:prstDash val="solid"/>
+                      <a:round/>
+                      <a:headEnd type="none" w="med" len="med"/>
+                      <a:tailEnd type="none" w="med" len="med"/>
+                    </a:lnB>
+                    <a:solidFill>
+                      <a:schemeClr val="bg1"/>
+                    </a:solidFill>
+                  </a:tcPr>
+                </a:tc>
+                <a:tc>
+                  <a:txBody>
+                    <a:bodyPr/>
+                    <a:lstStyle/>
+                    <a:p>
+                      <a:pPr algn="ctr" fontAlgn="ctr"/>
+                      <a:r>
+                        <a:rPr lang="fr-FR" sz="1200" b="0" i="0" u="none" strike="noStrike">
+                          <a:solidFill>
+                            <a:srgbClr val="000000"/>
+                          </a:solidFill>
+                          <a:effectLst/>
+                          <a:latin typeface="Calibri"/>
+                        </a:rPr>
+                        <a:t>Oui/Non le criètre est-il rempli?</a:t>
+                      </a:r>
+                    </a:p>
+                  </a:txBody>
+                  <a:tcPr marL="3939" marR="3939" marT="3939" marB="0" anchor="ctr">
+                    <a:lnL w="6350" cap="flat" cmpd="sng" algn="ctr">
+                      <a:solidFill>
+                        <a:srgbClr val="000000"/>
+                      </a:solidFill>
+                      <a:prstDash val="solid"/>
+                      <a:round/>
+                      <a:headEnd type="none" w="med" len="med"/>
+                      <a:tailEnd type="none" w="med" len="med"/>
+                    </a:lnL>
+                    <a:lnR w="6350" cap="flat" cmpd="sng" algn="ctr">
+                      <a:solidFill>
+                        <a:srgbClr val="000000"/>
+                      </a:solidFill>
+                      <a:prstDash val="solid"/>
+                      <a:round/>
+                      <a:headEnd type="none" w="med" len="med"/>
+                      <a:tailEnd type="none" w="med" len="med"/>
+                    </a:lnR>
+                    <a:lnT w="6350" cap="flat" cmpd="sng" algn="ctr">
+                      <a:solidFill>
+                        <a:srgbClr val="000000"/>
+                      </a:solidFill>
+                      <a:prstDash val="solid"/>
+                      <a:round/>
+                      <a:headEnd type="none" w="med" len="med"/>
+                      <a:tailEnd type="none" w="med" len="med"/>
+                    </a:lnT>
+                    <a:lnB w="6350" cap="flat" cmpd="sng" algn="ctr">
+                      <a:solidFill>
+                        <a:srgbClr val="000000"/>
+                      </a:solidFill>
+                      <a:prstDash val="solid"/>
+                      <a:round/>
+                      <a:headEnd type="none" w="med" len="med"/>
+                      <a:tailEnd type="none" w="med" len="med"/>
+                    </a:lnB>
+                    <a:solidFill>
+                      <a:schemeClr val="bg1"/>
+                    </a:solidFill>
+                  </a:tcPr>
+                </a:tc>
+                <a:tc>
+                  <a:txBody>
+                    <a:bodyPr/>
+                    <a:lstStyle/>
+                    <a:p>
+                      <a:pPr algn="l" fontAlgn="b"/>
+                      <a:r>
+                        <a:rPr lang="en-US" sz="1200" b="0" i="0" u="none" strike="noStrike">
+                          <a:solidFill>
+                            <a:srgbClr val="000000"/>
+                          </a:solidFill>
+                          <a:effectLst/>
+                          <a:latin typeface="Calibri"/>
+                        </a:rPr>
+                        <a:t> </a:t>
+                      </a:r>
+                    </a:p>
+                  </a:txBody>
+                  <a:tcPr marL="3939" marR="3939" marT="3939" marB="0" anchor="b">
+                    <a:lnL w="6350" cap="flat" cmpd="sng" algn="ctr">
+                      <a:solidFill>
+                        <a:srgbClr val="000000"/>
+                      </a:solidFill>
+                      <a:prstDash val="solid"/>
+                      <a:round/>
+                      <a:headEnd type="none" w="med" len="med"/>
+                      <a:tailEnd type="none" w="med" len="med"/>
+                    </a:lnL>
+                    <a:lnR w="6350" cap="flat" cmpd="sng" algn="ctr">
+                      <a:solidFill>
+                        <a:srgbClr val="000000"/>
+                      </a:solidFill>
+                      <a:prstDash val="solid"/>
+                      <a:round/>
+                      <a:headEnd type="none" w="med" len="med"/>
+                      <a:tailEnd type="none" w="med" len="med"/>
+                    </a:lnR>
+                    <a:lnT w="6350" cap="flat" cmpd="sng" algn="ctr">
+                      <a:solidFill>
+                        <a:srgbClr val="000000"/>
+                      </a:solidFill>
+                      <a:prstDash val="solid"/>
+                      <a:round/>
+                      <a:headEnd type="none" w="med" len="med"/>
+                      <a:tailEnd type="none" w="med" len="med"/>
+                    </a:lnT>
+                    <a:lnB w="6350" cap="flat" cmpd="sng" algn="ctr">
+                      <a:solidFill>
+                        <a:srgbClr val="000000"/>
+                      </a:solidFill>
+                      <a:prstDash val="solid"/>
+                      <a:round/>
+                      <a:headEnd type="none" w="med" len="med"/>
+                      <a:tailEnd type="none" w="med" len="med"/>
+                    </a:lnB>
+                    <a:solidFill>
+                      <a:schemeClr val="bg1"/>
+                    </a:solidFill>
+                  </a:tcPr>
+                </a:tc>
+              </a:tr>
+              <a:tr h="483999">
+                <a:tc vMerge="1">
+                  <a:txBody>
+                    <a:bodyPr/>
+                    <a:lstStyle/>
+                    <a:p>
+                      <a:endParaRPr lang="en-US"/>
+                    </a:p>
+                  </a:txBody>
+                  <a:tcPr/>
+                </a:tc>
+                <a:tc>
+                  <a:txBody>
+                    <a:bodyPr/>
+                    <a:lstStyle/>
+                    <a:p>
+                      <a:pPr algn="ctr" fontAlgn="ctr"/>
+                      <a:r>
+                        <a:rPr lang="fr-FR" sz="1200" b="0" i="0" u="none" strike="noStrike">
+                          <a:solidFill>
+                            <a:srgbClr val="000000"/>
+                          </a:solidFill>
+                          <a:effectLst/>
+                          <a:latin typeface="Calibri"/>
+                        </a:rPr>
+                        <a:t>Fournir les paramètres de modélisation utilisés par le simulateur</a:t>
+                      </a:r>
+                    </a:p>
+                  </a:txBody>
+                  <a:tcPr marL="3939" marR="3939" marT="3939" marB="0" anchor="ctr">
+                    <a:lnL w="6350" cap="flat" cmpd="sng" algn="ctr">
+                      <a:solidFill>
+                        <a:srgbClr val="000000"/>
+                      </a:solidFill>
+                      <a:prstDash val="solid"/>
+                      <a:round/>
+                      <a:headEnd type="none" w="med" len="med"/>
+                      <a:tailEnd type="none" w="med" len="med"/>
+                    </a:lnL>
+                    <a:lnR w="6350" cap="flat" cmpd="sng" algn="ctr">
+                      <a:solidFill>
+                        <a:srgbClr val="000000"/>
+                      </a:solidFill>
+                      <a:prstDash val="solid"/>
+                      <a:round/>
+                      <a:headEnd type="none" w="med" len="med"/>
+                      <a:tailEnd type="none" w="med" len="med"/>
+                    </a:lnR>
+                    <a:lnT w="6350" cap="flat" cmpd="sng" algn="ctr">
+                      <a:solidFill>
+                        <a:srgbClr val="000000"/>
+                      </a:solidFill>
+                      <a:prstDash val="solid"/>
+                      <a:round/>
+                      <a:headEnd type="none" w="med" len="med"/>
+                      <a:tailEnd type="none" w="med" len="med"/>
+                    </a:lnT>
+                    <a:lnB w="6350" cap="flat" cmpd="sng" algn="ctr">
+                      <a:solidFill>
+                        <a:srgbClr val="000000"/>
+                      </a:solidFill>
+                      <a:prstDash val="solid"/>
+                      <a:round/>
+                      <a:headEnd type="none" w="med" len="med"/>
+                      <a:tailEnd type="none" w="med" len="med"/>
+                    </a:lnB>
+                    <a:solidFill>
+                      <a:schemeClr val="bg1"/>
+                    </a:solidFill>
+                  </a:tcPr>
+                </a:tc>
+                <a:tc>
+                  <a:txBody>
+                    <a:bodyPr/>
+                    <a:lstStyle/>
+                    <a:p>
+                      <a:pPr algn="ctr" fontAlgn="ctr"/>
+                      <a:r>
+                        <a:rPr lang="fr-FR" sz="1200" b="0" i="0" u="none" strike="noStrike">
+                          <a:solidFill>
+                            <a:srgbClr val="000000"/>
+                          </a:solidFill>
+                          <a:effectLst/>
+                          <a:latin typeface="Calibri"/>
+                        </a:rPr>
+                        <a:t>Test sur Excel</a:t>
+                      </a:r>
+                    </a:p>
+                  </a:txBody>
+                  <a:tcPr marL="3939" marR="3939" marT="3939" marB="0" anchor="ctr">
+                    <a:lnL w="6350" cap="flat" cmpd="sng" algn="ctr">
+                      <a:solidFill>
+                        <a:srgbClr val="000000"/>
+                      </a:solidFill>
+                      <a:prstDash val="solid"/>
+                      <a:round/>
+                      <a:headEnd type="none" w="med" len="med"/>
+                      <a:tailEnd type="none" w="med" len="med"/>
+                    </a:lnL>
+                    <a:lnR w="6350" cap="flat" cmpd="sng" algn="ctr">
+                      <a:solidFill>
+                        <a:srgbClr val="000000"/>
+                      </a:solidFill>
+                      <a:prstDash val="solid"/>
+                      <a:round/>
+                      <a:headEnd type="none" w="med" len="med"/>
+                      <a:tailEnd type="none" w="med" len="med"/>
+                    </a:lnR>
+                    <a:lnT w="6350" cap="flat" cmpd="sng" algn="ctr">
+                      <a:solidFill>
+                        <a:srgbClr val="000000"/>
+                      </a:solidFill>
+                      <a:prstDash val="solid"/>
+                      <a:round/>
+                      <a:headEnd type="none" w="med" len="med"/>
+                      <a:tailEnd type="none" w="med" len="med"/>
+                    </a:lnT>
+                    <a:lnB w="6350" cap="flat" cmpd="sng" algn="ctr">
+                      <a:solidFill>
+                        <a:srgbClr val="000000"/>
+                      </a:solidFill>
+                      <a:prstDash val="solid"/>
+                      <a:round/>
+                      <a:headEnd type="none" w="med" len="med"/>
+                      <a:tailEnd type="none" w="med" len="med"/>
+                    </a:lnB>
+                    <a:solidFill>
+                      <a:schemeClr val="bg1"/>
+                    </a:solidFill>
+                  </a:tcPr>
+                </a:tc>
+                <a:tc>
+                  <a:txBody>
+                    <a:bodyPr/>
+                    <a:lstStyle/>
+                    <a:p>
+                      <a:pPr algn="ctr" fontAlgn="ctr"/>
+                      <a:r>
+                        <a:rPr lang="fr-FR" sz="1200" b="0" i="0" u="none" strike="noStrike">
+                          <a:solidFill>
+                            <a:srgbClr val="000000"/>
+                          </a:solidFill>
+                          <a:effectLst/>
+                          <a:latin typeface="Calibri"/>
+                        </a:rPr>
+                        <a:t>Oui/Non le criètre est-il rempli?</a:t>
+                      </a:r>
+                    </a:p>
+                  </a:txBody>
+                  <a:tcPr marL="3939" marR="3939" marT="3939" marB="0" anchor="ctr">
+                    <a:lnL w="6350" cap="flat" cmpd="sng" algn="ctr">
+                      <a:solidFill>
+                        <a:srgbClr val="000000"/>
+                      </a:solidFill>
+                      <a:prstDash val="solid"/>
+                      <a:round/>
+                      <a:headEnd type="none" w="med" len="med"/>
+                      <a:tailEnd type="none" w="med" len="med"/>
+                    </a:lnL>
+                    <a:lnR w="6350" cap="flat" cmpd="sng" algn="ctr">
+                      <a:solidFill>
+                        <a:srgbClr val="000000"/>
+                      </a:solidFill>
+                      <a:prstDash val="solid"/>
+                      <a:round/>
+                      <a:headEnd type="none" w="med" len="med"/>
+                      <a:tailEnd type="none" w="med" len="med"/>
+                    </a:lnR>
+                    <a:lnT w="6350" cap="flat" cmpd="sng" algn="ctr">
+                      <a:solidFill>
+                        <a:srgbClr val="000000"/>
+                      </a:solidFill>
+                      <a:prstDash val="solid"/>
+                      <a:round/>
+                      <a:headEnd type="none" w="med" len="med"/>
+                      <a:tailEnd type="none" w="med" len="med"/>
+                    </a:lnT>
+                    <a:lnB w="6350" cap="flat" cmpd="sng" algn="ctr">
+                      <a:solidFill>
+                        <a:srgbClr val="000000"/>
+                      </a:solidFill>
+                      <a:prstDash val="solid"/>
+                      <a:round/>
+                      <a:headEnd type="none" w="med" len="med"/>
+                      <a:tailEnd type="none" w="med" len="med"/>
+                    </a:lnB>
+                    <a:solidFill>
+                      <a:schemeClr val="bg1"/>
+                    </a:solidFill>
+                  </a:tcPr>
+                </a:tc>
+                <a:tc>
+                  <a:txBody>
+                    <a:bodyPr/>
+                    <a:lstStyle/>
+                    <a:p>
+                      <a:pPr algn="l" fontAlgn="b"/>
+                      <a:r>
+                        <a:rPr lang="en-US" sz="1200" b="0" i="0" u="none" strike="noStrike">
+                          <a:solidFill>
+                            <a:srgbClr val="000000"/>
+                          </a:solidFill>
+                          <a:effectLst/>
+                          <a:latin typeface="Calibri"/>
+                        </a:rPr>
+                        <a:t> </a:t>
+                      </a:r>
+                    </a:p>
+                  </a:txBody>
+                  <a:tcPr marL="3939" marR="3939" marT="3939" marB="0" anchor="b">
+                    <a:lnL w="6350" cap="flat" cmpd="sng" algn="ctr">
+                      <a:solidFill>
+                        <a:srgbClr val="000000"/>
+                      </a:solidFill>
+                      <a:prstDash val="solid"/>
+                      <a:round/>
+                      <a:headEnd type="none" w="med" len="med"/>
+                      <a:tailEnd type="none" w="med" len="med"/>
+                    </a:lnL>
+                    <a:lnR w="6350" cap="flat" cmpd="sng" algn="ctr">
+                      <a:solidFill>
+                        <a:srgbClr val="000000"/>
+                      </a:solidFill>
+                      <a:prstDash val="solid"/>
+                      <a:round/>
+                      <a:headEnd type="none" w="med" len="med"/>
+                      <a:tailEnd type="none" w="med" len="med"/>
+                    </a:lnR>
+                    <a:lnT w="6350" cap="flat" cmpd="sng" algn="ctr">
+                      <a:solidFill>
+                        <a:srgbClr val="000000"/>
+                      </a:solidFill>
+                      <a:prstDash val="solid"/>
+                      <a:round/>
+                      <a:headEnd type="none" w="med" len="med"/>
+                      <a:tailEnd type="none" w="med" len="med"/>
+                    </a:lnT>
+                    <a:lnB w="6350" cap="flat" cmpd="sng" algn="ctr">
+                      <a:solidFill>
+                        <a:srgbClr val="000000"/>
+                      </a:solidFill>
+                      <a:prstDash val="solid"/>
+                      <a:round/>
+                      <a:headEnd type="none" w="med" len="med"/>
+                      <a:tailEnd type="none" w="med" len="med"/>
+                    </a:lnB>
+                    <a:solidFill>
+                      <a:schemeClr val="bg1"/>
+                    </a:solidFill>
+                  </a:tcPr>
+                </a:tc>
+              </a:tr>
+              <a:tr h="483999">
+                <a:tc rowSpan="3">
+                  <a:txBody>
+                    <a:bodyPr/>
+                    <a:lstStyle/>
+                    <a:p>
+                      <a:pPr algn="l" fontAlgn="ctr"/>
+                      <a:r>
+                        <a:rPr lang="fr-FR" sz="1200" b="0" i="0" u="none" strike="noStrike">
+                          <a:solidFill>
+                            <a:srgbClr val="000000"/>
+                          </a:solidFill>
+                          <a:effectLst/>
+                          <a:latin typeface="Calibri"/>
+                        </a:rPr>
+                        <a:t>Phase 5: Documentation technique</a:t>
+                      </a:r>
+                    </a:p>
+                  </a:txBody>
+                  <a:tcPr marL="3939" marR="3939" marT="3939" marB="0" anchor="ctr">
+                    <a:lnL w="6350" cap="flat" cmpd="sng" algn="ctr">
+                      <a:solidFill>
+                        <a:srgbClr val="000000"/>
+                      </a:solidFill>
+                      <a:prstDash val="solid"/>
+                      <a:round/>
+                      <a:headEnd type="none" w="med" len="med"/>
+                      <a:tailEnd type="none" w="med" len="med"/>
+                    </a:lnL>
+                    <a:lnR w="6350" cap="flat" cmpd="sng" algn="ctr">
+                      <a:solidFill>
+                        <a:srgbClr val="000000"/>
+                      </a:solidFill>
+                      <a:prstDash val="solid"/>
+                      <a:round/>
+                      <a:headEnd type="none" w="med" len="med"/>
+                      <a:tailEnd type="none" w="med" len="med"/>
+                    </a:lnR>
+                    <a:lnT w="6350" cap="flat" cmpd="sng" algn="ctr">
+                      <a:solidFill>
+                        <a:srgbClr val="000000"/>
+                      </a:solidFill>
+                      <a:prstDash val="solid"/>
+                      <a:round/>
+                      <a:headEnd type="none" w="med" len="med"/>
+                      <a:tailEnd type="none" w="med" len="med"/>
+                    </a:lnT>
+                    <a:lnB w="6350" cap="flat" cmpd="sng" algn="ctr">
+                      <a:solidFill>
+                        <a:srgbClr val="000000"/>
+                      </a:solidFill>
+                      <a:prstDash val="solid"/>
+                      <a:round/>
+                      <a:headEnd type="none" w="med" len="med"/>
+                      <a:tailEnd type="none" w="med" len="med"/>
+                    </a:lnB>
+                    <a:solidFill>
+                      <a:schemeClr val="bg1"/>
+                    </a:solidFill>
+                  </a:tcPr>
+                </a:tc>
+                <a:tc>
+                  <a:txBody>
+                    <a:bodyPr/>
+                    <a:lstStyle/>
+                    <a:p>
+                      <a:pPr algn="ctr" fontAlgn="ctr"/>
+                      <a:r>
+                        <a:rPr lang="fr-FR" sz="1200" b="0" i="0" u="none" strike="noStrike">
+                          <a:solidFill>
+                            <a:srgbClr val="000000"/>
+                          </a:solidFill>
+                          <a:effectLst/>
+                          <a:latin typeface="Calibri"/>
+                        </a:rPr>
+                        <a:t>Présenter les procédures de validation croisées de chacun des simulateurs</a:t>
+                      </a:r>
+                    </a:p>
+                  </a:txBody>
+                  <a:tcPr marL="3939" marR="3939" marT="3939" marB="0" anchor="ctr">
+                    <a:lnL w="6350" cap="flat" cmpd="sng" algn="ctr">
+                      <a:solidFill>
+                        <a:srgbClr val="000000"/>
+                      </a:solidFill>
+                      <a:prstDash val="solid"/>
+                      <a:round/>
+                      <a:headEnd type="none" w="med" len="med"/>
+                      <a:tailEnd type="none" w="med" len="med"/>
+                    </a:lnL>
+                    <a:lnR w="6350" cap="flat" cmpd="sng" algn="ctr">
+                      <a:solidFill>
+                        <a:srgbClr val="000000"/>
+                      </a:solidFill>
+                      <a:prstDash val="solid"/>
+                      <a:round/>
+                      <a:headEnd type="none" w="med" len="med"/>
+                      <a:tailEnd type="none" w="med" len="med"/>
+                    </a:lnR>
+                    <a:lnT w="6350" cap="flat" cmpd="sng" algn="ctr">
+                      <a:solidFill>
+                        <a:srgbClr val="000000"/>
+                      </a:solidFill>
+                      <a:prstDash val="solid"/>
+                      <a:round/>
+                      <a:headEnd type="none" w="med" len="med"/>
+                      <a:tailEnd type="none" w="med" len="med"/>
+                    </a:lnT>
+                    <a:lnB w="6350" cap="flat" cmpd="sng" algn="ctr">
+                      <a:solidFill>
+                        <a:srgbClr val="000000"/>
+                      </a:solidFill>
+                      <a:prstDash val="solid"/>
+                      <a:round/>
+                      <a:headEnd type="none" w="med" len="med"/>
+                      <a:tailEnd type="none" w="med" len="med"/>
+                    </a:lnB>
+                    <a:solidFill>
+                      <a:schemeClr val="bg1"/>
+                    </a:solidFill>
+                  </a:tcPr>
+                </a:tc>
+                <a:tc>
+                  <a:txBody>
+                    <a:bodyPr/>
+                    <a:lstStyle/>
+                    <a:p>
+                      <a:pPr algn="ctr" fontAlgn="ctr"/>
+                      <a:r>
+                        <a:rPr lang="fr-FR" sz="1200" b="0" i="0" u="none" strike="noStrike">
+                          <a:solidFill>
+                            <a:srgbClr val="000000"/>
+                          </a:solidFill>
+                          <a:effectLst/>
+                          <a:latin typeface="Calibri"/>
+                        </a:rPr>
+                        <a:t>Test de la méthode sur les plateformes</a:t>
+                      </a:r>
+                    </a:p>
+                  </a:txBody>
+                  <a:tcPr marL="3939" marR="3939" marT="3939" marB="0" anchor="ctr">
+                    <a:lnL w="6350" cap="flat" cmpd="sng" algn="ctr">
+                      <a:solidFill>
+                        <a:srgbClr val="000000"/>
+                      </a:solidFill>
+                      <a:prstDash val="solid"/>
+                      <a:round/>
+                      <a:headEnd type="none" w="med" len="med"/>
+                      <a:tailEnd type="none" w="med" len="med"/>
+                    </a:lnL>
+                    <a:lnR w="6350" cap="flat" cmpd="sng" algn="ctr">
+                      <a:solidFill>
+                        <a:srgbClr val="000000"/>
+                      </a:solidFill>
+                      <a:prstDash val="solid"/>
+                      <a:round/>
+                      <a:headEnd type="none" w="med" len="med"/>
+                      <a:tailEnd type="none" w="med" len="med"/>
+                    </a:lnR>
+                    <a:lnT w="6350" cap="flat" cmpd="sng" algn="ctr">
+                      <a:solidFill>
+                        <a:srgbClr val="000000"/>
+                      </a:solidFill>
+                      <a:prstDash val="solid"/>
+                      <a:round/>
+                      <a:headEnd type="none" w="med" len="med"/>
+                      <a:tailEnd type="none" w="med" len="med"/>
+                    </a:lnT>
+                    <a:lnB w="6350" cap="flat" cmpd="sng" algn="ctr">
+                      <a:solidFill>
+                        <a:srgbClr val="000000"/>
+                      </a:solidFill>
+                      <a:prstDash val="solid"/>
+                      <a:round/>
+                      <a:headEnd type="none" w="med" len="med"/>
+                      <a:tailEnd type="none" w="med" len="med"/>
+                    </a:lnB>
+                    <a:solidFill>
+                      <a:schemeClr val="bg1"/>
+                    </a:solidFill>
+                  </a:tcPr>
+                </a:tc>
+                <a:tc>
+                  <a:txBody>
+                    <a:bodyPr/>
+                    <a:lstStyle/>
+                    <a:p>
+                      <a:pPr algn="ctr" fontAlgn="ctr"/>
+                      <a:r>
+                        <a:rPr lang="fr-FR" sz="1200" b="0" i="0" u="none" strike="noStrike">
+                          <a:solidFill>
+                            <a:srgbClr val="000000"/>
+                          </a:solidFill>
+                          <a:effectLst/>
+                          <a:latin typeface="Calibri"/>
+                        </a:rPr>
+                        <a:t>Oui/Non le criètre est-il rempli?</a:t>
+                      </a:r>
+                    </a:p>
+                  </a:txBody>
+                  <a:tcPr marL="3939" marR="3939" marT="3939" marB="0" anchor="ctr">
+                    <a:lnL w="6350" cap="flat" cmpd="sng" algn="ctr">
+                      <a:solidFill>
+                        <a:srgbClr val="000000"/>
+                      </a:solidFill>
+                      <a:prstDash val="solid"/>
+                      <a:round/>
+                      <a:headEnd type="none" w="med" len="med"/>
+                      <a:tailEnd type="none" w="med" len="med"/>
+                    </a:lnL>
+                    <a:lnR w="6350" cap="flat" cmpd="sng" algn="ctr">
+                      <a:solidFill>
+                        <a:srgbClr val="000000"/>
+                      </a:solidFill>
+                      <a:prstDash val="solid"/>
+                      <a:round/>
+                      <a:headEnd type="none" w="med" len="med"/>
+                      <a:tailEnd type="none" w="med" len="med"/>
+                    </a:lnR>
+                    <a:lnT w="6350" cap="flat" cmpd="sng" algn="ctr">
+                      <a:solidFill>
+                        <a:srgbClr val="000000"/>
+                      </a:solidFill>
+                      <a:prstDash val="solid"/>
+                      <a:round/>
+                      <a:headEnd type="none" w="med" len="med"/>
+                      <a:tailEnd type="none" w="med" len="med"/>
+                    </a:lnT>
+                    <a:lnB w="6350" cap="flat" cmpd="sng" algn="ctr">
+                      <a:solidFill>
+                        <a:srgbClr val="000000"/>
+                      </a:solidFill>
+                      <a:prstDash val="solid"/>
+                      <a:round/>
+                      <a:headEnd type="none" w="med" len="med"/>
+                      <a:tailEnd type="none" w="med" len="med"/>
+                    </a:lnB>
+                    <a:solidFill>
+                      <a:schemeClr val="bg1"/>
+                    </a:solidFill>
+                  </a:tcPr>
+                </a:tc>
+                <a:tc>
+                  <a:txBody>
+                    <a:bodyPr/>
+                    <a:lstStyle/>
+                    <a:p>
+                      <a:pPr algn="l" fontAlgn="b"/>
+                      <a:r>
+                        <a:rPr lang="en-US" sz="1200" b="0" i="0" u="none" strike="noStrike">
+                          <a:solidFill>
+                            <a:srgbClr val="000000"/>
+                          </a:solidFill>
+                          <a:effectLst/>
+                          <a:latin typeface="Calibri"/>
+                        </a:rPr>
+                        <a:t> </a:t>
+                      </a:r>
+                    </a:p>
+                  </a:txBody>
+                  <a:tcPr marL="3939" marR="3939" marT="3939" marB="0" anchor="b">
+                    <a:lnL w="6350" cap="flat" cmpd="sng" algn="ctr">
+                      <a:solidFill>
+                        <a:srgbClr val="000000"/>
+                      </a:solidFill>
+                      <a:prstDash val="solid"/>
+                      <a:round/>
+                      <a:headEnd type="none" w="med" len="med"/>
+                      <a:tailEnd type="none" w="med" len="med"/>
+                    </a:lnL>
+                    <a:lnR w="6350" cap="flat" cmpd="sng" algn="ctr">
+                      <a:solidFill>
+                        <a:srgbClr val="000000"/>
+                      </a:solidFill>
+                      <a:prstDash val="solid"/>
+                      <a:round/>
+                      <a:headEnd type="none" w="med" len="med"/>
+                      <a:tailEnd type="none" w="med" len="med"/>
+                    </a:lnR>
+                    <a:lnT w="6350" cap="flat" cmpd="sng" algn="ctr">
+                      <a:solidFill>
+                        <a:srgbClr val="000000"/>
+                      </a:solidFill>
+                      <a:prstDash val="solid"/>
+                      <a:round/>
+                      <a:headEnd type="none" w="med" len="med"/>
+                      <a:tailEnd type="none" w="med" len="med"/>
+                    </a:lnT>
+                    <a:lnB w="6350" cap="flat" cmpd="sng" algn="ctr">
+                      <a:solidFill>
+                        <a:srgbClr val="000000"/>
+                      </a:solidFill>
+                      <a:prstDash val="solid"/>
+                      <a:round/>
+                      <a:headEnd type="none" w="med" len="med"/>
+                      <a:tailEnd type="none" w="med" len="med"/>
+                    </a:lnB>
+                    <a:solidFill>
+                      <a:schemeClr val="bg1"/>
+                    </a:solidFill>
+                  </a:tcPr>
+                </a:tc>
+              </a:tr>
+              <a:tr h="323979">
+                <a:tc vMerge="1">
+                  <a:txBody>
+                    <a:bodyPr/>
+                    <a:lstStyle/>
+                    <a:p>
+                      <a:endParaRPr lang="en-US"/>
+                    </a:p>
+                  </a:txBody>
+                  <a:tcPr/>
+                </a:tc>
+                <a:tc>
+                  <a:txBody>
+                    <a:bodyPr/>
+                    <a:lstStyle/>
+                    <a:p>
+                      <a:pPr algn="ctr" fontAlgn="ctr"/>
+                      <a:r>
+                        <a:rPr lang="fr-FR" sz="1200" b="0" i="0" u="none" strike="noStrike">
+                          <a:solidFill>
+                            <a:srgbClr val="000000"/>
+                          </a:solidFill>
+                          <a:effectLst/>
+                          <a:latin typeface="Calibri"/>
+                        </a:rPr>
+                        <a:t>Présenter l'utilisation de chacun des simulateurs</a:t>
+                      </a:r>
+                    </a:p>
+                  </a:txBody>
+                  <a:tcPr marL="3939" marR="3939" marT="3939" marB="0" anchor="ctr">
+                    <a:lnL w="6350" cap="flat" cmpd="sng" algn="ctr">
+                      <a:solidFill>
+                        <a:srgbClr val="000000"/>
+                      </a:solidFill>
+                      <a:prstDash val="solid"/>
+                      <a:round/>
+                      <a:headEnd type="none" w="med" len="med"/>
+                      <a:tailEnd type="none" w="med" len="med"/>
+                    </a:lnL>
+                    <a:lnR w="6350" cap="flat" cmpd="sng" algn="ctr">
+                      <a:solidFill>
+                        <a:srgbClr val="000000"/>
+                      </a:solidFill>
+                      <a:prstDash val="solid"/>
+                      <a:round/>
+                      <a:headEnd type="none" w="med" len="med"/>
+                      <a:tailEnd type="none" w="med" len="med"/>
+                    </a:lnR>
+                    <a:lnT w="6350" cap="flat" cmpd="sng" algn="ctr">
+                      <a:solidFill>
+                        <a:srgbClr val="000000"/>
+                      </a:solidFill>
+                      <a:prstDash val="solid"/>
+                      <a:round/>
+                      <a:headEnd type="none" w="med" len="med"/>
+                      <a:tailEnd type="none" w="med" len="med"/>
+                    </a:lnT>
+                    <a:lnB w="6350" cap="flat" cmpd="sng" algn="ctr">
+                      <a:solidFill>
+                        <a:srgbClr val="000000"/>
+                      </a:solidFill>
+                      <a:prstDash val="solid"/>
+                      <a:round/>
+                      <a:headEnd type="none" w="med" len="med"/>
+                      <a:tailEnd type="none" w="med" len="med"/>
+                    </a:lnB>
+                    <a:solidFill>
+                      <a:schemeClr val="bg1"/>
+                    </a:solidFill>
+                  </a:tcPr>
+                </a:tc>
+                <a:tc>
+                  <a:txBody>
+                    <a:bodyPr/>
+                    <a:lstStyle/>
+                    <a:p>
+                      <a:pPr algn="ctr" fontAlgn="ctr"/>
+                      <a:r>
+                        <a:rPr lang="fr-FR" sz="1200" b="0" i="0" u="none" strike="noStrike">
+                          <a:solidFill>
+                            <a:srgbClr val="000000"/>
+                          </a:solidFill>
+                          <a:effectLst/>
+                          <a:latin typeface="Calibri"/>
+                        </a:rPr>
+                        <a:t>Test de la méthode sur les plateformes</a:t>
+                      </a:r>
+                    </a:p>
+                  </a:txBody>
+                  <a:tcPr marL="3939" marR="3939" marT="3939" marB="0" anchor="ctr">
+                    <a:lnL w="6350" cap="flat" cmpd="sng" algn="ctr">
+                      <a:solidFill>
+                        <a:srgbClr val="000000"/>
+                      </a:solidFill>
+                      <a:prstDash val="solid"/>
+                      <a:round/>
+                      <a:headEnd type="none" w="med" len="med"/>
+                      <a:tailEnd type="none" w="med" len="med"/>
+                    </a:lnL>
+                    <a:lnR w="6350" cap="flat" cmpd="sng" algn="ctr">
+                      <a:solidFill>
+                        <a:srgbClr val="000000"/>
+                      </a:solidFill>
+                      <a:prstDash val="solid"/>
+                      <a:round/>
+                      <a:headEnd type="none" w="med" len="med"/>
+                      <a:tailEnd type="none" w="med" len="med"/>
+                    </a:lnR>
+                    <a:lnT w="6350" cap="flat" cmpd="sng" algn="ctr">
+                      <a:solidFill>
+                        <a:srgbClr val="000000"/>
+                      </a:solidFill>
+                      <a:prstDash val="solid"/>
+                      <a:round/>
+                      <a:headEnd type="none" w="med" len="med"/>
+                      <a:tailEnd type="none" w="med" len="med"/>
+                    </a:lnT>
+                    <a:lnB w="6350" cap="flat" cmpd="sng" algn="ctr">
+                      <a:solidFill>
+                        <a:srgbClr val="000000"/>
+                      </a:solidFill>
+                      <a:prstDash val="solid"/>
+                      <a:round/>
+                      <a:headEnd type="none" w="med" len="med"/>
+                      <a:tailEnd type="none" w="med" len="med"/>
+                    </a:lnB>
+                    <a:solidFill>
+                      <a:schemeClr val="bg1"/>
+                    </a:solidFill>
+                  </a:tcPr>
+                </a:tc>
+                <a:tc>
+                  <a:txBody>
+                    <a:bodyPr/>
+                    <a:lstStyle/>
+                    <a:p>
+                      <a:pPr algn="ctr" fontAlgn="ctr"/>
+                      <a:r>
+                        <a:rPr lang="fr-FR" sz="1200" b="0" i="0" u="none" strike="noStrike">
+                          <a:solidFill>
+                            <a:srgbClr val="000000"/>
+                          </a:solidFill>
+                          <a:effectLst/>
+                          <a:latin typeface="Calibri"/>
+                        </a:rPr>
+                        <a:t>Oui/Non le criètre est-il rempli?</a:t>
+                      </a:r>
+                    </a:p>
+                  </a:txBody>
+                  <a:tcPr marL="3939" marR="3939" marT="3939" marB="0" anchor="ctr">
+                    <a:lnL w="6350" cap="flat" cmpd="sng" algn="ctr">
+                      <a:solidFill>
+                        <a:srgbClr val="000000"/>
+                      </a:solidFill>
+                      <a:prstDash val="solid"/>
+                      <a:round/>
+                      <a:headEnd type="none" w="med" len="med"/>
+                      <a:tailEnd type="none" w="med" len="med"/>
+                    </a:lnL>
+                    <a:lnR w="6350" cap="flat" cmpd="sng" algn="ctr">
+                      <a:solidFill>
+                        <a:srgbClr val="000000"/>
+                      </a:solidFill>
+                      <a:prstDash val="solid"/>
+                      <a:round/>
+                      <a:headEnd type="none" w="med" len="med"/>
+                      <a:tailEnd type="none" w="med" len="med"/>
+                    </a:lnR>
+                    <a:lnT w="6350" cap="flat" cmpd="sng" algn="ctr">
+                      <a:solidFill>
+                        <a:srgbClr val="000000"/>
+                      </a:solidFill>
+                      <a:prstDash val="solid"/>
+                      <a:round/>
+                      <a:headEnd type="none" w="med" len="med"/>
+                      <a:tailEnd type="none" w="med" len="med"/>
+                    </a:lnT>
+                    <a:lnB w="6350" cap="flat" cmpd="sng" algn="ctr">
+                      <a:solidFill>
+                        <a:srgbClr val="000000"/>
+                      </a:solidFill>
+                      <a:prstDash val="solid"/>
+                      <a:round/>
+                      <a:headEnd type="none" w="med" len="med"/>
+                      <a:tailEnd type="none" w="med" len="med"/>
+                    </a:lnB>
+                    <a:solidFill>
+                      <a:schemeClr val="bg1"/>
+                    </a:solidFill>
+                  </a:tcPr>
+                </a:tc>
+                <a:tc>
+                  <a:txBody>
+                    <a:bodyPr/>
+                    <a:lstStyle/>
+                    <a:p>
+                      <a:pPr algn="l" fontAlgn="b"/>
+                      <a:r>
+                        <a:rPr lang="en-US" sz="1200" b="0" i="0" u="none" strike="noStrike">
+                          <a:solidFill>
+                            <a:srgbClr val="000000"/>
+                          </a:solidFill>
+                          <a:effectLst/>
+                          <a:latin typeface="Calibri"/>
+                        </a:rPr>
+                        <a:t> </a:t>
+                      </a:r>
+                    </a:p>
+                  </a:txBody>
+                  <a:tcPr marL="3939" marR="3939" marT="3939" marB="0" anchor="b">
+                    <a:lnL w="6350" cap="flat" cmpd="sng" algn="ctr">
+                      <a:solidFill>
+                        <a:srgbClr val="000000"/>
+                      </a:solidFill>
+                      <a:prstDash val="solid"/>
+                      <a:round/>
+                      <a:headEnd type="none" w="med" len="med"/>
+                      <a:tailEnd type="none" w="med" len="med"/>
+                    </a:lnL>
+                    <a:lnR w="6350" cap="flat" cmpd="sng" algn="ctr">
+                      <a:solidFill>
+                        <a:srgbClr val="000000"/>
+                      </a:solidFill>
+                      <a:prstDash val="solid"/>
+                      <a:round/>
+                      <a:headEnd type="none" w="med" len="med"/>
+                      <a:tailEnd type="none" w="med" len="med"/>
+                    </a:lnR>
+                    <a:lnT w="6350" cap="flat" cmpd="sng" algn="ctr">
+                      <a:solidFill>
+                        <a:srgbClr val="000000"/>
+                      </a:solidFill>
+                      <a:prstDash val="solid"/>
+                      <a:round/>
+                      <a:headEnd type="none" w="med" len="med"/>
+                      <a:tailEnd type="none" w="med" len="med"/>
+                    </a:lnT>
+                    <a:lnB w="6350" cap="flat" cmpd="sng" algn="ctr">
+                      <a:solidFill>
+                        <a:srgbClr val="000000"/>
+                      </a:solidFill>
+                      <a:prstDash val="solid"/>
+                      <a:round/>
+                      <a:headEnd type="none" w="med" len="med"/>
+                      <a:tailEnd type="none" w="med" len="med"/>
+                    </a:lnB>
+                    <a:solidFill>
+                      <a:schemeClr val="bg1"/>
+                    </a:solidFill>
+                  </a:tcPr>
+                </a:tc>
+              </a:tr>
+              <a:tr h="193470">
+                <a:tc vMerge="1">
+                  <a:txBody>
+                    <a:bodyPr/>
+                    <a:lstStyle/>
+                    <a:p>
+                      <a:endParaRPr lang="en-US"/>
+                    </a:p>
+                  </a:txBody>
+                  <a:tcPr/>
+                </a:tc>
+                <a:tc>
+                  <a:txBody>
+                    <a:bodyPr/>
+                    <a:lstStyle/>
+                    <a:p>
+                      <a:pPr algn="ctr" fontAlgn="ctr"/>
+                      <a:r>
+                        <a:rPr lang="fr-FR" sz="1200" b="0" i="0" u="none" strike="noStrike">
+                          <a:solidFill>
+                            <a:srgbClr val="000000"/>
+                          </a:solidFill>
+                          <a:effectLst/>
+                          <a:latin typeface="Calibri"/>
+                        </a:rPr>
+                        <a:t>Présenter les modèles mathématiques utilisés dans chacun des simulateurs</a:t>
+                      </a:r>
+                    </a:p>
+                  </a:txBody>
+                  <a:tcPr marL="3939" marR="3939" marT="3939" marB="0" anchor="ctr">
+                    <a:lnL w="6350" cap="flat" cmpd="sng" algn="ctr">
+                      <a:solidFill>
+                        <a:srgbClr val="000000"/>
+                      </a:solidFill>
+                      <a:prstDash val="solid"/>
+                      <a:round/>
+                      <a:headEnd type="none" w="med" len="med"/>
+                      <a:tailEnd type="none" w="med" len="med"/>
+                    </a:lnL>
+                    <a:lnR w="6350" cap="flat" cmpd="sng" algn="ctr">
+                      <a:solidFill>
+                        <a:srgbClr val="000000"/>
+                      </a:solidFill>
+                      <a:prstDash val="solid"/>
+                      <a:round/>
+                      <a:headEnd type="none" w="med" len="med"/>
+                      <a:tailEnd type="none" w="med" len="med"/>
+                    </a:lnR>
+                    <a:lnT w="6350" cap="flat" cmpd="sng" algn="ctr">
+                      <a:solidFill>
+                        <a:srgbClr val="000000"/>
+                      </a:solidFill>
+                      <a:prstDash val="solid"/>
+                      <a:round/>
+                      <a:headEnd type="none" w="med" len="med"/>
+                      <a:tailEnd type="none" w="med" len="med"/>
+                    </a:lnT>
+                    <a:lnB w="6350" cap="flat" cmpd="sng" algn="ctr">
+                      <a:solidFill>
+                        <a:srgbClr val="000000"/>
+                      </a:solidFill>
+                      <a:prstDash val="solid"/>
+                      <a:round/>
+                      <a:headEnd type="none" w="med" len="med"/>
+                      <a:tailEnd type="none" w="med" len="med"/>
+                    </a:lnB>
+                    <a:solidFill>
+                      <a:schemeClr val="bg1"/>
+                    </a:solidFill>
+                  </a:tcPr>
+                </a:tc>
+                <a:tc>
+                  <a:txBody>
+                    <a:bodyPr/>
+                    <a:lstStyle/>
+                    <a:p>
+                      <a:pPr algn="ctr" fontAlgn="ctr"/>
+                      <a:r>
+                        <a:rPr lang="fr-FR" sz="1200" b="0" i="0" u="none" strike="noStrike">
+                          <a:solidFill>
+                            <a:srgbClr val="000000"/>
+                          </a:solidFill>
+                          <a:effectLst/>
+                          <a:latin typeface="Calibri"/>
+                        </a:rPr>
+                        <a:t>Test sur les plateformes</a:t>
+                      </a:r>
+                    </a:p>
+                  </a:txBody>
+                  <a:tcPr marL="3939" marR="3939" marT="3939" marB="0" anchor="ctr">
+                    <a:lnL w="6350" cap="flat" cmpd="sng" algn="ctr">
+                      <a:solidFill>
+                        <a:srgbClr val="000000"/>
+                      </a:solidFill>
+                      <a:prstDash val="solid"/>
+                      <a:round/>
+                      <a:headEnd type="none" w="med" len="med"/>
+                      <a:tailEnd type="none" w="med" len="med"/>
+                    </a:lnL>
+                    <a:lnR w="6350" cap="flat" cmpd="sng" algn="ctr">
+                      <a:solidFill>
+                        <a:srgbClr val="000000"/>
+                      </a:solidFill>
+                      <a:prstDash val="solid"/>
+                      <a:round/>
+                      <a:headEnd type="none" w="med" len="med"/>
+                      <a:tailEnd type="none" w="med" len="med"/>
+                    </a:lnR>
+                    <a:lnT w="6350" cap="flat" cmpd="sng" algn="ctr">
+                      <a:solidFill>
+                        <a:srgbClr val="000000"/>
+                      </a:solidFill>
+                      <a:prstDash val="solid"/>
+                      <a:round/>
+                      <a:headEnd type="none" w="med" len="med"/>
+                      <a:tailEnd type="none" w="med" len="med"/>
+                    </a:lnT>
+                    <a:lnB w="6350" cap="flat" cmpd="sng" algn="ctr">
+                      <a:solidFill>
+                        <a:srgbClr val="000000"/>
+                      </a:solidFill>
+                      <a:prstDash val="solid"/>
+                      <a:round/>
+                      <a:headEnd type="none" w="med" len="med"/>
+                      <a:tailEnd type="none" w="med" len="med"/>
+                    </a:lnB>
+                    <a:solidFill>
+                      <a:schemeClr val="bg1"/>
+                    </a:solidFill>
+                  </a:tcPr>
+                </a:tc>
+                <a:tc>
+                  <a:txBody>
+                    <a:bodyPr/>
+                    <a:lstStyle/>
+                    <a:p>
+                      <a:pPr algn="ctr" fontAlgn="ctr"/>
+                      <a:r>
+                        <a:rPr lang="fr-FR" sz="1200" b="0" i="0" u="none" strike="noStrike" dirty="0">
+                          <a:solidFill>
+                            <a:srgbClr val="000000"/>
+                          </a:solidFill>
+                          <a:effectLst/>
+                          <a:latin typeface="Calibri"/>
+                        </a:rPr>
+                        <a:t>Oui/Non le </a:t>
+                      </a:r>
+                      <a:r>
+                        <a:rPr lang="fr-FR" sz="1200" b="0" i="0" u="none" strike="noStrike" dirty="0" err="1">
+                          <a:solidFill>
+                            <a:srgbClr val="000000"/>
+                          </a:solidFill>
+                          <a:effectLst/>
+                          <a:latin typeface="Calibri"/>
+                        </a:rPr>
+                        <a:t>criètre</a:t>
+                      </a:r>
+                      <a:r>
+                        <a:rPr lang="fr-FR" sz="1200" b="0" i="0" u="none" strike="noStrike" dirty="0">
+                          <a:solidFill>
+                            <a:srgbClr val="000000"/>
+                          </a:solidFill>
+                          <a:effectLst/>
+                          <a:latin typeface="Calibri"/>
+                        </a:rPr>
+                        <a:t> est-il rempli?</a:t>
+                      </a:r>
+                    </a:p>
+                  </a:txBody>
+                  <a:tcPr marL="3939" marR="3939" marT="3939" marB="0" anchor="ctr">
+                    <a:lnL w="6350" cap="flat" cmpd="sng" algn="ctr">
+                      <a:solidFill>
+                        <a:srgbClr val="000000"/>
+                      </a:solidFill>
+                      <a:prstDash val="solid"/>
+                      <a:round/>
+                      <a:headEnd type="none" w="med" len="med"/>
+                      <a:tailEnd type="none" w="med" len="med"/>
+                    </a:lnL>
+                    <a:lnR w="6350" cap="flat" cmpd="sng" algn="ctr">
+                      <a:solidFill>
+                        <a:srgbClr val="000000"/>
+                      </a:solidFill>
+                      <a:prstDash val="solid"/>
+                      <a:round/>
+                      <a:headEnd type="none" w="med" len="med"/>
+                      <a:tailEnd type="none" w="med" len="med"/>
+                    </a:lnR>
+                    <a:lnT w="6350" cap="flat" cmpd="sng" algn="ctr">
+                      <a:solidFill>
+                        <a:srgbClr val="000000"/>
+                      </a:solidFill>
+                      <a:prstDash val="solid"/>
+                      <a:round/>
+                      <a:headEnd type="none" w="med" len="med"/>
+                      <a:tailEnd type="none" w="med" len="med"/>
+                    </a:lnT>
+                    <a:lnB w="6350" cap="flat" cmpd="sng" algn="ctr">
+                      <a:solidFill>
+                        <a:srgbClr val="000000"/>
+                      </a:solidFill>
+                      <a:prstDash val="solid"/>
+                      <a:round/>
+                      <a:headEnd type="none" w="med" len="med"/>
+                      <a:tailEnd type="none" w="med" len="med"/>
+                    </a:lnB>
+                    <a:solidFill>
+                      <a:schemeClr val="bg1"/>
+                    </a:solidFill>
+                  </a:tcPr>
+                </a:tc>
+                <a:tc>
+                  <a:txBody>
+                    <a:bodyPr/>
+                    <a:lstStyle/>
+                    <a:p>
+                      <a:pPr algn="l" fontAlgn="b"/>
+                      <a:r>
+                        <a:rPr lang="en-US" sz="1200" b="0" i="0" u="none" strike="noStrike" dirty="0">
+                          <a:solidFill>
+                            <a:srgbClr val="000000"/>
+                          </a:solidFill>
+                          <a:effectLst/>
+                          <a:latin typeface="Calibri"/>
+                        </a:rPr>
+                        <a:t> </a:t>
+                      </a:r>
+                    </a:p>
+                  </a:txBody>
+                  <a:tcPr marL="3939" marR="3939" marT="3939" marB="0" anchor="b">
+                    <a:lnL w="6350" cap="flat" cmpd="sng" algn="ctr">
+                      <a:solidFill>
+                        <a:srgbClr val="000000"/>
+                      </a:solidFill>
+                      <a:prstDash val="solid"/>
+                      <a:round/>
+                      <a:headEnd type="none" w="med" len="med"/>
+                      <a:tailEnd type="none" w="med" len="med"/>
+                    </a:lnL>
+                    <a:lnR w="6350" cap="flat" cmpd="sng" algn="ctr">
+                      <a:solidFill>
+                        <a:srgbClr val="000000"/>
+                      </a:solidFill>
+                      <a:prstDash val="solid"/>
+                      <a:round/>
+                      <a:headEnd type="none" w="med" len="med"/>
+                      <a:tailEnd type="none" w="med" len="med"/>
+                    </a:lnR>
+                    <a:lnT w="6350" cap="flat" cmpd="sng" algn="ctr">
+                      <a:solidFill>
+                        <a:srgbClr val="000000"/>
+                      </a:solidFill>
+                      <a:prstDash val="solid"/>
+                      <a:round/>
+                      <a:headEnd type="none" w="med" len="med"/>
+                      <a:tailEnd type="none" w="med" len="med"/>
+                    </a:lnT>
+                    <a:lnB w="6350" cap="flat" cmpd="sng" algn="ctr">
+                      <a:solidFill>
+                        <a:srgbClr val="000000"/>
+                      </a:solidFill>
+                      <a:prstDash val="solid"/>
+                      <a:round/>
+                      <a:headEnd type="none" w="med" len="med"/>
+                      <a:tailEnd type="none" w="med" len="med"/>
+                    </a:lnB>
+                    <a:solidFill>
+                      <a:schemeClr val="bg1"/>
+                    </a:solidFill>
+                  </a:tcPr>
+                </a:tc>
+              </a:tr>
+            </a:tbl>
+          </a:graphicData>
+        </a:graphic>
+      </p:graphicFrame>
     </p:spTree>
     <p:extLst>
       <p:ext uri="{BB962C8B-B14F-4D97-AF65-F5344CB8AC3E}">
-        <p14:creationId xmlns:p14="http://schemas.microsoft.com/office/powerpoint/2010/main" val="1375196513"/>
+        <p14:creationId xmlns:p14="http://schemas.microsoft.com/office/powerpoint/2010/main" val="164711744"/>
       </p:ext>
     </p:extLst>
   </p:cSld>
@@ -12073,7 +15828,7 @@
   <p:timing>
     <p:tnLst>
       <p:par>
-        <p:cTn id="1" dur="indefinite" restart="never" nodeType="tmRoot"/>
+        <p:cTn xmlns:p14="http://schemas.microsoft.com/office/powerpoint/2010/main" id="1" dur="indefinite" restart="never" nodeType="tmRoot"/>
       </p:par>
     </p:tnLst>
   </p:timing>
@@ -12142,7 +15897,7 @@
         </p:spPr>
         <p:txBody>
           <a:bodyPr>
-            <a:normAutofit fontScale="85000" lnSpcReduction="10000"/>
+            <a:normAutofit fontScale="85000" lnSpcReduction="20000"/>
           </a:bodyPr>
           <a:lstStyle/>
           <a:p>
@@ -12179,9 +15934,18 @@
               <a:buAutoNum type="arabicPeriod"/>
             </a:pPr>
             <a:r>
+              <a:rPr lang="fr-CA" sz="1800" strike="sngStrike" dirty="0" smtClean="0"/>
+              <a:t>Modéliser hacheur 4 quadrants simplifié à 4 interrupteurs (préliminaire</a:t>
+            </a:r>
+            <a:r>
+              <a:rPr lang="fr-CA" sz="1800" strike="sngStrike" dirty="0" smtClean="0"/>
+              <a:t>) </a:t>
+            </a:r>
+            <a:r>
               <a:rPr lang="fr-CA" sz="1800" dirty="0" smtClean="0"/>
-              <a:t>Modéliser hacheur 4 quadrants simplifié à 4 interrupteurs (préliminaire)</a:t>
-            </a:r>
+              <a:t>(26/02/14)</a:t>
+            </a:r>
+            <a:endParaRPr lang="fr-CA" sz="1800" dirty="0" smtClean="0"/>
           </a:p>
           <a:p>
             <a:pPr marL="742950" lvl="2" indent="-342900">
@@ -12227,29 +15991,42 @@
               <a:buAutoNum type="arabicPeriod"/>
             </a:pPr>
             <a:r>
+              <a:rPr lang="fr-CA" sz="1800" strike="sngStrike" dirty="0"/>
+              <a:t>Modélisation simplifiée entrée hacheur 4 </a:t>
+            </a:r>
+            <a:r>
+              <a:rPr lang="fr-CA" sz="1800" strike="sngStrike" dirty="0" smtClean="0"/>
+              <a:t>quadrants à 4 </a:t>
+            </a:r>
+            <a:r>
+              <a:rPr lang="fr-CA" sz="1800" strike="sngStrike" dirty="0"/>
+              <a:t>interrupteurs </a:t>
+            </a:r>
+            <a:r>
+              <a:rPr lang="fr-CA" sz="1800" strike="sngStrike" dirty="0" smtClean="0"/>
+              <a:t>/</a:t>
+            </a:r>
+            <a:r>
+              <a:rPr lang="fr-CA" sz="1800" strike="sngStrike" dirty="0"/>
+              <a:t>bus CC 5KV </a:t>
+            </a:r>
+            <a:r>
+              <a:rPr lang="fr-CA" sz="1800" strike="sngStrike" dirty="0" smtClean="0"/>
+              <a:t>parfait </a:t>
+            </a:r>
+            <a:r>
+              <a:rPr lang="fr-CA" sz="1800" dirty="0" smtClean="0"/>
+              <a:t>(</a:t>
+            </a:r>
+            <a:r>
               <a:rPr lang="fr-CA" sz="1800" dirty="0"/>
-              <a:t>Modélisation simplifiée entrée hacheur 4 </a:t>
+              <a:t>26/02/14</a:t>
             </a:r>
             <a:r>
               <a:rPr lang="fr-CA" sz="1800" dirty="0" smtClean="0"/>
-              <a:t>quadrants à 4 </a:t>
-            </a:r>
-            <a:r>
-              <a:rPr lang="fr-CA" sz="1800" dirty="0"/>
-              <a:t>interrupteurs </a:t>
-            </a:r>
-            <a:r>
-              <a:rPr lang="fr-CA" sz="1800" dirty="0" smtClean="0"/>
-              <a:t>/</a:t>
-            </a:r>
-            <a:r>
-              <a:rPr lang="fr-CA" sz="1800" dirty="0"/>
-              <a:t>bus CC 5KV </a:t>
-            </a:r>
-            <a:r>
-              <a:rPr lang="fr-CA" sz="1800" dirty="0" smtClean="0"/>
-              <a:t>parfait</a:t>
-            </a:r>
+              <a:t>)</a:t>
+            </a:r>
+            <a:endParaRPr lang="fr-CA" sz="1800" strike="sngStrike" dirty="0" smtClean="0"/>
           </a:p>
           <a:p>
             <a:pPr marL="742950" lvl="2" indent="-342900">
@@ -12364,7 +16141,7 @@
   <p:timing>
     <p:tnLst>
       <p:par>
-        <p:cTn id="1" dur="indefinite" restart="never" nodeType="tmRoot"/>
+        <p:cTn xmlns:p14="http://schemas.microsoft.com/office/powerpoint/2010/main" id="1" dur="indefinite" restart="never" nodeType="tmRoot"/>
       </p:par>
     </p:tnLst>
   </p:timing>
@@ -12467,11 +16244,11 @@
         </p:spPr>
         <p:txBody>
           <a:bodyPr>
-            <a:normAutofit lnSpcReduction="10000"/>
+            <a:noAutofit/>
           </a:bodyPr>
           <a:lstStyle/>
           <a:p>
-            <a:pPr marL="342900" lvl="1" indent="-342900">
+            <a:pPr marL="465750" lvl="1">
               <a:buFont typeface="Arial"/>
               <a:buChar char="•"/>
             </a:pPr>
@@ -12481,55 +16258,63 @@
             </a:r>
           </a:p>
           <a:p>
-            <a:pPr marL="685800" lvl="2" indent="-285750">
+            <a:pPr marL="922950" lvl="3" indent="-285750">
               <a:buFont typeface="Arial"/>
               <a:buChar char="•"/>
             </a:pPr>
             <a:r>
-              <a:rPr lang="fr-CA" sz="1800" dirty="0" smtClean="0"/>
-              <a:t>Redresseur triphasé 3 niveaux NPC</a:t>
-            </a:r>
-          </a:p>
-          <a:p>
-            <a:pPr marL="685800" lvl="2" indent="-285750">
+              <a:rPr lang="fr-CA" sz="1600" dirty="0" smtClean="0"/>
+              <a:t>Redresseur triphasé 3 niveaux </a:t>
+            </a:r>
+            <a:r>
+              <a:rPr lang="fr-CA" sz="1600" dirty="0" smtClean="0"/>
+              <a:t>NPC</a:t>
+            </a:r>
+          </a:p>
+          <a:p>
+            <a:pPr marL="922950" lvl="3" indent="-285750">
               <a:buFont typeface="Arial"/>
               <a:buChar char="•"/>
             </a:pPr>
             <a:r>
-              <a:rPr lang="fr-CA" sz="1800" dirty="0" smtClean="0"/>
-              <a:t>Permet de charger le banc de condensateurs et de maintenir la tension du bus CC</a:t>
-            </a:r>
-          </a:p>
-          <a:p>
-            <a:pPr marL="685800" lvl="2" indent="-285750">
+              <a:rPr lang="fr-CA" sz="1600" dirty="0" smtClean="0"/>
+              <a:t>Permet </a:t>
+            </a:r>
+            <a:r>
+              <a:rPr lang="fr-CA" sz="1600" dirty="0" smtClean="0"/>
+              <a:t>de charger le banc de condensateurs et de maintenir la tension du bus CC</a:t>
+            </a:r>
+          </a:p>
+          <a:p>
+            <a:pPr marL="922950" lvl="3" indent="-285750">
               <a:buFont typeface="Arial"/>
               <a:buChar char="•"/>
             </a:pPr>
             <a:r>
-              <a:rPr lang="fr-CA" sz="1800" dirty="0" smtClean="0"/>
+              <a:rPr lang="fr-CA" sz="1600" dirty="0" smtClean="0"/>
               <a:t>Permet de réguler le facteur de puissance côté réseau (régulation d’angle)</a:t>
             </a:r>
           </a:p>
           <a:p>
-            <a:pPr marL="685800" lvl="2" indent="-285750">
+            <a:pPr marL="922950" lvl="3" indent="-285750">
               <a:buFont typeface="Arial"/>
               <a:buChar char="•"/>
             </a:pPr>
             <a:r>
-              <a:rPr lang="fr-CA" sz="1800" dirty="0" smtClean="0"/>
+              <a:rPr lang="fr-CA" sz="1600" dirty="0" smtClean="0"/>
               <a:t>Permet de réguler le courant côté réseau (régulation de l’amplitude du courant)</a:t>
             </a:r>
-            <a:endParaRPr lang="en-US" dirty="0"/>
-          </a:p>
-          <a:p>
-            <a:pPr marL="342900" lvl="1" indent="-342900">
+            <a:endParaRPr lang="en-US" sz="1600" dirty="0"/>
+          </a:p>
+          <a:p>
+            <a:pPr marL="342900" lvl="1" indent="0">
               <a:buFont typeface="Arial"/>
               <a:buChar char="•"/>
             </a:pPr>
-            <a:endParaRPr lang="en-US" dirty="0"/>
-          </a:p>
-          <a:p>
-            <a:pPr>
+            <a:endParaRPr lang="en-US" sz="1800" dirty="0"/>
+          </a:p>
+          <a:p>
+            <a:pPr indent="0">
               <a:buFont typeface="Arial"/>
               <a:buChar char="•"/>
             </a:pPr>
@@ -12546,7 +16331,7 @@
         <p:spPr>
           <a:xfrm>
             <a:off x="4295681" y="3437865"/>
-            <a:ext cx="4687623" cy="3170099"/>
+            <a:ext cx="4687623" cy="3831818"/>
           </a:xfrm>
           <a:prstGeom prst="rect">
             <a:avLst/>
@@ -12559,9 +16344,13 @@
           <a:lstStyle/>
           <a:p>
             <a:pPr marL="342900" lvl="1" indent="-342900">
+              <a:spcBef>
+                <a:spcPts val="1000"/>
+              </a:spcBef>
               <a:buClr>
                 <a:schemeClr val="accent1"/>
               </a:buClr>
+              <a:buSzPct val="80000"/>
               <a:buFont typeface="Arial"/>
               <a:buChar char="•"/>
             </a:pPr>
@@ -12641,15 +16430,19 @@
             </a:endParaRPr>
           </a:p>
           <a:p>
-            <a:pPr marL="742950" lvl="1" indent="-285750">
+            <a:pPr marL="685800" lvl="2" indent="-285750">
+              <a:spcBef>
+                <a:spcPts val="1000"/>
+              </a:spcBef>
               <a:buClr>
                 <a:schemeClr val="accent1"/>
               </a:buClr>
+              <a:buSzPct val="80000"/>
               <a:buFont typeface="Arial"/>
               <a:buChar char="•"/>
             </a:pPr>
             <a:r>
-              <a:rPr lang="fr-CA" dirty="0" smtClean="0">
+              <a:rPr lang="fr-CA" sz="1600" dirty="0" smtClean="0">
                 <a:solidFill>
                   <a:schemeClr val="tx1">
                     <a:lumMod val="75000"/>
@@ -12657,9 +16450,88 @@
                   </a:schemeClr>
                 </a:solidFill>
               </a:rPr>
-              <a:t>Hacheur 4 quadrants formé par   l’association de 2 cellules onduleur NPC 3 niveaux triphasées</a:t>
-            </a:r>
-            <a:endParaRPr lang="fr-CA" sz="1600" dirty="0" smtClean="0">
+              <a:t>Hacheur </a:t>
+            </a:r>
+            <a:r>
+              <a:rPr lang="fr-CA" sz="1600" dirty="0">
+                <a:solidFill>
+                  <a:schemeClr val="tx1">
+                    <a:lumMod val="75000"/>
+                    <a:lumOff val="25000"/>
+                  </a:schemeClr>
+                </a:solidFill>
+              </a:rPr>
+              <a:t>4 quadrants formé par   l’association de 2 cellules onduleur NPC 3 niveaux </a:t>
+            </a:r>
+            <a:r>
+              <a:rPr lang="fr-CA" sz="1600" dirty="0" smtClean="0">
+                <a:solidFill>
+                  <a:schemeClr val="tx1">
+                    <a:lumMod val="75000"/>
+                    <a:lumOff val="25000"/>
+                  </a:schemeClr>
+                </a:solidFill>
+              </a:rPr>
+              <a:t>triphasées</a:t>
+            </a:r>
+          </a:p>
+          <a:p>
+            <a:pPr marL="685800" lvl="2" indent="-285750">
+              <a:spcBef>
+                <a:spcPts val="1000"/>
+              </a:spcBef>
+              <a:buClr>
+                <a:schemeClr val="accent1"/>
+              </a:buClr>
+              <a:buSzPct val="80000"/>
+              <a:buFont typeface="Arial"/>
+              <a:buChar char="•"/>
+            </a:pPr>
+            <a:r>
+              <a:rPr lang="fr-CA" sz="1600" dirty="0">
+                <a:solidFill>
+                  <a:schemeClr val="tx1">
+                    <a:lumMod val="75000"/>
+                    <a:lumOff val="25000"/>
+                  </a:schemeClr>
+                </a:solidFill>
+              </a:rPr>
+              <a:t>Permet de fournir une forme de courant  précise aux électroaimants</a:t>
+            </a:r>
+          </a:p>
+          <a:p>
+            <a:pPr marL="685800" lvl="2" indent="-285750">
+              <a:spcBef>
+                <a:spcPts val="1000"/>
+              </a:spcBef>
+              <a:buClr>
+                <a:schemeClr val="accent1"/>
+              </a:buClr>
+              <a:buSzPct val="80000"/>
+              <a:buFont typeface="Arial"/>
+              <a:buChar char="•"/>
+            </a:pPr>
+            <a:r>
+              <a:rPr lang="fr-CA" sz="1600" dirty="0">
+                <a:solidFill>
+                  <a:schemeClr val="tx1">
+                    <a:lumMod val="75000"/>
+                    <a:lumOff val="25000"/>
+                  </a:schemeClr>
+                </a:solidFill>
+              </a:rPr>
+              <a:t>Fonctionne dans les 4 quadrants (peut redonner de la puissance au banc de condensateur selon la tension appliquée sur les électroaimants)</a:t>
+            </a:r>
+          </a:p>
+          <a:p>
+            <a:pPr marL="685800" lvl="2" indent="-285750">
+              <a:buClr>
+                <a:schemeClr val="accent1"/>
+              </a:buClr>
+              <a:buFont typeface="Arial"/>
+              <a:buChar char="•"/>
+            </a:pPr>
+            <a:endParaRPr lang="fr-CA" dirty="0">
               <a:solidFill>
                 <a:schemeClr val="tx1">
                   <a:lumMod val="75000"/>
@@ -12676,61 +16548,14 @@
               <a:buFont typeface="Arial"/>
               <a:buChar char="•"/>
             </a:pPr>
-            <a:r>
-              <a:rPr lang="fr-CA" dirty="0" smtClean="0">
-                <a:solidFill>
-                  <a:schemeClr val="tx1">
-                    <a:lumMod val="75000"/>
-                    <a:lumOff val="25000"/>
-                  </a:schemeClr>
-                </a:solidFill>
-              </a:rPr>
-              <a:t>Permet </a:t>
-            </a:r>
-            <a:r>
-              <a:rPr lang="fr-CA" dirty="0">
-                <a:solidFill>
-                  <a:schemeClr val="tx1">
-                    <a:lumMod val="75000"/>
-                    <a:lumOff val="25000"/>
-                  </a:schemeClr>
-                </a:solidFill>
-              </a:rPr>
-              <a:t>de fournir une forme de courant </a:t>
-            </a:r>
-            <a:r>
-              <a:rPr lang="fr-CA" dirty="0" smtClean="0">
-                <a:solidFill>
-                  <a:schemeClr val="tx1">
-                    <a:lumMod val="75000"/>
-                    <a:lumOff val="25000"/>
-                  </a:schemeClr>
-                </a:solidFill>
-              </a:rPr>
-              <a:t> précise </a:t>
-            </a:r>
-            <a:r>
-              <a:rPr lang="fr-CA" dirty="0">
-                <a:solidFill>
-                  <a:schemeClr val="tx1">
-                    <a:lumMod val="75000"/>
-                    <a:lumOff val="25000"/>
-                  </a:schemeClr>
-                </a:solidFill>
-              </a:rPr>
-              <a:t>aux </a:t>
-            </a:r>
-            <a:r>
-              <a:rPr lang="fr-CA" dirty="0" smtClean="0">
-                <a:solidFill>
-                  <a:schemeClr val="tx1">
-                    <a:lumMod val="75000"/>
-                    <a:lumOff val="25000"/>
-                  </a:schemeClr>
-                </a:solidFill>
-              </a:rPr>
-              <a:t>électroaimants</a:t>
-            </a:r>
+            <a:endParaRPr lang="fr-CA" dirty="0" smtClean="0">
+              <a:solidFill>
+                <a:schemeClr val="tx1">
+                  <a:lumMod val="75000"/>
+                  <a:lumOff val="25000"/>
+                </a:schemeClr>
+              </a:solidFill>
+            </a:endParaRPr>
           </a:p>
           <a:p>
             <a:pPr marL="685800" lvl="2" indent="-285750">
@@ -12740,28 +16565,6 @@
               <a:buFont typeface="Arial"/>
               <a:buChar char="•"/>
             </a:pPr>
-            <a:r>
-              <a:rPr lang="fr-CA" dirty="0" smtClean="0">
-                <a:solidFill>
-                  <a:schemeClr val="tx1">
-                    <a:lumMod val="75000"/>
-                    <a:lumOff val="25000"/>
-                  </a:schemeClr>
-                </a:solidFill>
-              </a:rPr>
-              <a:t>Fonctionne </a:t>
-            </a:r>
-            <a:r>
-              <a:rPr lang="fr-CA" dirty="0">
-                <a:solidFill>
-                  <a:schemeClr val="tx1">
-                    <a:lumMod val="75000"/>
-                    <a:lumOff val="25000"/>
-                  </a:schemeClr>
-                </a:solidFill>
-              </a:rPr>
-              <a:t>dans les 4 quadrants (peut redonner de la puissance au banc de condensateur selon la tension appliquée sur les électroaimants)</a:t>
-            </a:r>
             <a:endParaRPr lang="en-US" dirty="0" smtClean="0">
               <a:solidFill>
                 <a:schemeClr val="tx1">
@@ -13716,7 +17519,7 @@
           </a:prstGeom>
           <a:noFill/>
           <a:extLst>
-            <a:ext uri="{909E8E84-426E-40DD-AFC4-6F175D3DCCD1}">
+            <a:ext uri="{909E8E84-426E-40dd-AFC4-6F175D3DCCD1}">
               <a14:hiddenFill xmlns:a14="http://schemas.microsoft.com/office/drawing/2010/main">
                 <a:solidFill>
                   <a:srgbClr val="FFFFFF"/>
@@ -13757,7 +17560,7 @@
           </a:prstGeom>
           <a:noFill/>
           <a:extLst>
-            <a:ext uri="{909E8E84-426E-40DD-AFC4-6F175D3DCCD1}">
+            <a:ext uri="{909E8E84-426E-40dd-AFC4-6F175D3DCCD1}">
               <a14:hiddenFill xmlns:a14="http://schemas.microsoft.com/office/drawing/2010/main">
                 <a:solidFill>
                   <a:srgbClr val="FFFFFF"/>
@@ -14043,7 +17846,7 @@
   <a:extraClrSchemeLst/>
   <a:extLst>
     <a:ext uri="{05A4C25C-085E-4340-85A3-A5531E510DB2}">
-      <thm15:themeFamily xmlns="" xmlns:thm15="http://schemas.microsoft.com/office/thememl/2012/main" name="Facet" id="{C0C680CD-088A-49FC-A102-D699147F32B2}" vid="{CFBC31BA-B70F-4F30-BCAA-4F3011E16C4D}"/>
+      <thm15:themeFamily xmlns:thm15="http://schemas.microsoft.com/office/thememl/2012/main" xmlns="" name="Facet" id="{C0C680CD-088A-49FC-A102-D699147F32B2}" vid="{CFBC31BA-B70F-4F30-BCAA-4F3011E16C4D}"/>
     </a:ext>
   </a:extLst>
 </a:theme>
